--- a/doc/thunderbolt_presentation/Thunderbolt.pptx
+++ b/doc/thunderbolt_presentation/Thunderbolt.pptx
@@ -3240,11 +3240,793 @@
 </dgm:colorsDef>
 </file>
 
+<file path=ppt/diagrams/colors5.xml><?xml version="1.0" encoding="utf-8"?>
+<dgm:colorsDef xmlns:dgm="http://schemas.openxmlformats.org/drawingml/2006/diagram" xmlns:a="http://schemas.openxmlformats.org/drawingml/2006/main" uniqueId="urn:microsoft.com/office/officeart/2005/8/colors/colorful4">
+  <dgm:title val=""/>
+  <dgm:desc val=""/>
+  <dgm:catLst>
+    <dgm:cat type="colorful" pri="10400"/>
+  </dgm:catLst>
+  <dgm:styleLbl name="node0">
+    <dgm:fillClrLst meth="repeat">
+      <a:schemeClr val="accent3"/>
+    </dgm:fillClrLst>
+    <dgm:linClrLst meth="repeat">
+      <a:schemeClr val="lt1"/>
+    </dgm:linClrLst>
+    <dgm:effectClrLst/>
+    <dgm:txLinClrLst/>
+    <dgm:txFillClrLst/>
+    <dgm:txEffectClrLst/>
+  </dgm:styleLbl>
+  <dgm:styleLbl name="node1">
+    <dgm:fillClrLst>
+      <a:schemeClr val="accent4"/>
+      <a:schemeClr val="accent5"/>
+    </dgm:fillClrLst>
+    <dgm:linClrLst meth="repeat">
+      <a:schemeClr val="lt1"/>
+    </dgm:linClrLst>
+    <dgm:effectClrLst/>
+    <dgm:txLinClrLst/>
+    <dgm:txFillClrLst/>
+    <dgm:txEffectClrLst/>
+  </dgm:styleLbl>
+  <dgm:styleLbl name="alignNode1">
+    <dgm:fillClrLst>
+      <a:schemeClr val="accent4"/>
+      <a:schemeClr val="accent5"/>
+    </dgm:fillClrLst>
+    <dgm:linClrLst>
+      <a:schemeClr val="accent4"/>
+      <a:schemeClr val="accent5"/>
+    </dgm:linClrLst>
+    <dgm:effectClrLst/>
+    <dgm:txLinClrLst/>
+    <dgm:txFillClrLst/>
+    <dgm:txEffectClrLst/>
+  </dgm:styleLbl>
+  <dgm:styleLbl name="lnNode1">
+    <dgm:fillClrLst>
+      <a:schemeClr val="accent4"/>
+      <a:schemeClr val="accent5"/>
+    </dgm:fillClrLst>
+    <dgm:linClrLst meth="repeat">
+      <a:schemeClr val="lt1"/>
+    </dgm:linClrLst>
+    <dgm:effectClrLst/>
+    <dgm:txLinClrLst/>
+    <dgm:txFillClrLst/>
+    <dgm:txEffectClrLst/>
+  </dgm:styleLbl>
+  <dgm:styleLbl name="vennNode1">
+    <dgm:fillClrLst>
+      <a:schemeClr val="accent4">
+        <a:alpha val="50000"/>
+      </a:schemeClr>
+      <a:schemeClr val="accent5">
+        <a:alpha val="50000"/>
+      </a:schemeClr>
+    </dgm:fillClrLst>
+    <dgm:linClrLst meth="repeat">
+      <a:schemeClr val="lt1"/>
+    </dgm:linClrLst>
+    <dgm:effectClrLst/>
+    <dgm:txLinClrLst/>
+    <dgm:txFillClrLst/>
+    <dgm:txEffectClrLst/>
+  </dgm:styleLbl>
+  <dgm:styleLbl name="node2">
+    <dgm:fillClrLst>
+      <a:schemeClr val="accent5"/>
+    </dgm:fillClrLst>
+    <dgm:linClrLst meth="repeat">
+      <a:schemeClr val="lt1"/>
+    </dgm:linClrLst>
+    <dgm:effectClrLst/>
+    <dgm:txLinClrLst/>
+    <dgm:txFillClrLst/>
+    <dgm:txEffectClrLst/>
+  </dgm:styleLbl>
+  <dgm:styleLbl name="node3">
+    <dgm:fillClrLst>
+      <a:schemeClr val="accent6"/>
+    </dgm:fillClrLst>
+    <dgm:linClrLst meth="repeat">
+      <a:schemeClr val="lt1"/>
+    </dgm:linClrLst>
+    <dgm:effectClrLst/>
+    <dgm:txLinClrLst/>
+    <dgm:txFillClrLst/>
+    <dgm:txEffectClrLst/>
+  </dgm:styleLbl>
+  <dgm:styleLbl name="node4">
+    <dgm:fillClrLst>
+      <a:schemeClr val="accent1"/>
+    </dgm:fillClrLst>
+    <dgm:linClrLst meth="repeat">
+      <a:schemeClr val="lt1"/>
+    </dgm:linClrLst>
+    <dgm:effectClrLst/>
+    <dgm:txLinClrLst/>
+    <dgm:txFillClrLst/>
+    <dgm:txEffectClrLst/>
+  </dgm:styleLbl>
+  <dgm:styleLbl name="fgImgPlace1">
+    <dgm:fillClrLst>
+      <a:schemeClr val="accent4">
+        <a:tint val="50000"/>
+      </a:schemeClr>
+      <a:schemeClr val="accent5">
+        <a:tint val="50000"/>
+      </a:schemeClr>
+    </dgm:fillClrLst>
+    <dgm:linClrLst meth="repeat">
+      <a:schemeClr val="lt1"/>
+    </dgm:linClrLst>
+    <dgm:effectClrLst/>
+    <dgm:txLinClrLst/>
+    <dgm:txFillClrLst meth="repeat">
+      <a:schemeClr val="lt1"/>
+    </dgm:txFillClrLst>
+    <dgm:txEffectClrLst/>
+  </dgm:styleLbl>
+  <dgm:styleLbl name="alignImgPlace1">
+    <dgm:fillClrLst>
+      <a:schemeClr val="accent4">
+        <a:tint val="50000"/>
+      </a:schemeClr>
+      <a:schemeClr val="accent5">
+        <a:tint val="20000"/>
+      </a:schemeClr>
+    </dgm:fillClrLst>
+    <dgm:linClrLst meth="repeat">
+      <a:schemeClr val="lt1"/>
+    </dgm:linClrLst>
+    <dgm:effectClrLst/>
+    <dgm:txLinClrLst/>
+    <dgm:txFillClrLst meth="repeat">
+      <a:schemeClr val="lt1"/>
+    </dgm:txFillClrLst>
+    <dgm:txEffectClrLst/>
+  </dgm:styleLbl>
+  <dgm:styleLbl name="bgImgPlace1">
+    <dgm:fillClrLst>
+      <a:schemeClr val="accent4">
+        <a:tint val="50000"/>
+      </a:schemeClr>
+      <a:schemeClr val="accent5">
+        <a:tint val="20000"/>
+      </a:schemeClr>
+    </dgm:fillClrLst>
+    <dgm:linClrLst meth="repeat">
+      <a:schemeClr val="lt1"/>
+    </dgm:linClrLst>
+    <dgm:effectClrLst/>
+    <dgm:txLinClrLst/>
+    <dgm:txFillClrLst meth="repeat">
+      <a:schemeClr val="lt1"/>
+    </dgm:txFillClrLst>
+    <dgm:txEffectClrLst/>
+  </dgm:styleLbl>
+  <dgm:styleLbl name="sibTrans2D1">
+    <dgm:fillClrLst>
+      <a:schemeClr val="accent4"/>
+      <a:schemeClr val="accent5"/>
+    </dgm:fillClrLst>
+    <dgm:linClrLst meth="repeat">
+      <a:schemeClr val="lt1"/>
+    </dgm:linClrLst>
+    <dgm:effectClrLst/>
+    <dgm:txLinClrLst/>
+    <dgm:txFillClrLst/>
+    <dgm:txEffectClrLst/>
+  </dgm:styleLbl>
+  <dgm:styleLbl name="fgSibTrans2D1">
+    <dgm:fillClrLst>
+      <a:schemeClr val="accent4"/>
+      <a:schemeClr val="accent5"/>
+    </dgm:fillClrLst>
+    <dgm:linClrLst meth="repeat">
+      <a:schemeClr val="lt1"/>
+    </dgm:linClrLst>
+    <dgm:effectClrLst/>
+    <dgm:txLinClrLst/>
+    <dgm:txFillClrLst meth="repeat">
+      <a:schemeClr val="lt1"/>
+    </dgm:txFillClrLst>
+    <dgm:txEffectClrLst/>
+  </dgm:styleLbl>
+  <dgm:styleLbl name="bgSibTrans2D1">
+    <dgm:fillClrLst>
+      <a:schemeClr val="accent4"/>
+      <a:schemeClr val="accent5"/>
+    </dgm:fillClrLst>
+    <dgm:linClrLst meth="repeat">
+      <a:schemeClr val="lt1"/>
+    </dgm:linClrLst>
+    <dgm:effectClrLst/>
+    <dgm:txLinClrLst/>
+    <dgm:txFillClrLst meth="repeat">
+      <a:schemeClr val="lt1"/>
+    </dgm:txFillClrLst>
+    <dgm:txEffectClrLst/>
+  </dgm:styleLbl>
+  <dgm:styleLbl name="sibTrans1D1">
+    <dgm:fillClrLst/>
+    <dgm:linClrLst>
+      <a:schemeClr val="accent4"/>
+      <a:schemeClr val="accent5"/>
+    </dgm:linClrLst>
+    <dgm:effectClrLst/>
+    <dgm:txLinClrLst/>
+    <dgm:txFillClrLst meth="repeat">
+      <a:schemeClr val="tx1"/>
+    </dgm:txFillClrLst>
+    <dgm:txEffectClrLst/>
+  </dgm:styleLbl>
+  <dgm:styleLbl name="callout">
+    <dgm:fillClrLst meth="repeat">
+      <a:schemeClr val="accent4"/>
+    </dgm:fillClrLst>
+    <dgm:linClrLst meth="repeat">
+      <a:schemeClr val="accent4">
+        <a:tint val="50000"/>
+      </a:schemeClr>
+    </dgm:linClrLst>
+    <dgm:effectClrLst/>
+    <dgm:txLinClrLst/>
+    <dgm:txFillClrLst meth="repeat">
+      <a:schemeClr val="tx1"/>
+    </dgm:txFillClrLst>
+    <dgm:txEffectClrLst/>
+  </dgm:styleLbl>
+  <dgm:styleLbl name="asst0">
+    <dgm:fillClrLst meth="repeat">
+      <a:schemeClr val="accent4"/>
+    </dgm:fillClrLst>
+    <dgm:linClrLst meth="repeat">
+      <a:schemeClr val="lt1">
+        <a:shade val="80000"/>
+      </a:schemeClr>
+    </dgm:linClrLst>
+    <dgm:effectClrLst/>
+    <dgm:txLinClrLst/>
+    <dgm:txFillClrLst/>
+    <dgm:txEffectClrLst/>
+  </dgm:styleLbl>
+  <dgm:styleLbl name="asst1">
+    <dgm:fillClrLst meth="repeat">
+      <a:schemeClr val="accent5"/>
+    </dgm:fillClrLst>
+    <dgm:linClrLst meth="repeat">
+      <a:schemeClr val="lt1">
+        <a:shade val="80000"/>
+      </a:schemeClr>
+    </dgm:linClrLst>
+    <dgm:effectClrLst/>
+    <dgm:txLinClrLst/>
+    <dgm:txFillClrLst/>
+    <dgm:txEffectClrLst/>
+  </dgm:styleLbl>
+  <dgm:styleLbl name="asst2">
+    <dgm:fillClrLst>
+      <a:schemeClr val="accent6"/>
+    </dgm:fillClrLst>
+    <dgm:linClrLst meth="repeat">
+      <a:schemeClr val="lt1"/>
+    </dgm:linClrLst>
+    <dgm:effectClrLst/>
+    <dgm:txLinClrLst/>
+    <dgm:txFillClrLst/>
+    <dgm:txEffectClrLst/>
+  </dgm:styleLbl>
+  <dgm:styleLbl name="asst3">
+    <dgm:fillClrLst>
+      <a:schemeClr val="accent1"/>
+    </dgm:fillClrLst>
+    <dgm:linClrLst meth="repeat">
+      <a:schemeClr val="lt1"/>
+    </dgm:linClrLst>
+    <dgm:effectClrLst/>
+    <dgm:txLinClrLst/>
+    <dgm:txFillClrLst/>
+    <dgm:txEffectClrLst/>
+  </dgm:styleLbl>
+  <dgm:styleLbl name="asst4">
+    <dgm:fillClrLst>
+      <a:schemeClr val="accent2"/>
+    </dgm:fillClrLst>
+    <dgm:linClrLst meth="repeat">
+      <a:schemeClr val="lt1"/>
+    </dgm:linClrLst>
+    <dgm:effectClrLst/>
+    <dgm:txLinClrLst/>
+    <dgm:txFillClrLst/>
+    <dgm:txEffectClrLst/>
+  </dgm:styleLbl>
+  <dgm:styleLbl name="parChTrans2D1">
+    <dgm:fillClrLst meth="repeat">
+      <a:schemeClr val="accent4"/>
+    </dgm:fillClrLst>
+    <dgm:linClrLst meth="repeat">
+      <a:schemeClr val="lt1"/>
+    </dgm:linClrLst>
+    <dgm:effectClrLst/>
+    <dgm:txLinClrLst/>
+    <dgm:txFillClrLst meth="repeat">
+      <a:schemeClr val="lt1"/>
+    </dgm:txFillClrLst>
+    <dgm:txEffectClrLst/>
+  </dgm:styleLbl>
+  <dgm:styleLbl name="parChTrans2D2">
+    <dgm:fillClrLst meth="repeat">
+      <a:schemeClr val="accent5"/>
+    </dgm:fillClrLst>
+    <dgm:linClrLst meth="repeat">
+      <a:schemeClr val="lt1"/>
+    </dgm:linClrLst>
+    <dgm:effectClrLst/>
+    <dgm:txLinClrLst/>
+    <dgm:txFillClrLst/>
+    <dgm:txEffectClrLst/>
+  </dgm:styleLbl>
+  <dgm:styleLbl name="parChTrans2D3">
+    <dgm:fillClrLst meth="repeat">
+      <a:schemeClr val="accent5"/>
+    </dgm:fillClrLst>
+    <dgm:linClrLst meth="repeat">
+      <a:schemeClr val="lt1"/>
+    </dgm:linClrLst>
+    <dgm:effectClrLst/>
+    <dgm:txLinClrLst/>
+    <dgm:txFillClrLst/>
+    <dgm:txEffectClrLst/>
+  </dgm:styleLbl>
+  <dgm:styleLbl name="parChTrans2D4">
+    <dgm:fillClrLst meth="repeat">
+      <a:schemeClr val="accent6"/>
+    </dgm:fillClrLst>
+    <dgm:linClrLst meth="repeat">
+      <a:schemeClr val="lt1"/>
+    </dgm:linClrLst>
+    <dgm:effectClrLst/>
+    <dgm:txLinClrLst/>
+    <dgm:txFillClrLst meth="repeat">
+      <a:schemeClr val="lt1"/>
+    </dgm:txFillClrLst>
+    <dgm:txEffectClrLst/>
+  </dgm:styleLbl>
+  <dgm:styleLbl name="parChTrans1D1">
+    <dgm:fillClrLst meth="repeat">
+      <a:schemeClr val="accent4"/>
+    </dgm:fillClrLst>
+    <dgm:linClrLst meth="repeat">
+      <a:schemeClr val="accent4"/>
+    </dgm:linClrLst>
+    <dgm:effectClrLst/>
+    <dgm:txLinClrLst/>
+    <dgm:txFillClrLst meth="repeat">
+      <a:schemeClr val="tx1"/>
+    </dgm:txFillClrLst>
+    <dgm:txEffectClrLst/>
+  </dgm:styleLbl>
+  <dgm:styleLbl name="parChTrans1D2">
+    <dgm:fillClrLst meth="repeat">
+      <a:schemeClr val="accent4">
+        <a:tint val="90000"/>
+      </a:schemeClr>
+    </dgm:fillClrLst>
+    <dgm:linClrLst meth="repeat">
+      <a:schemeClr val="accent5"/>
+    </dgm:linClrLst>
+    <dgm:effectClrLst/>
+    <dgm:txLinClrLst/>
+    <dgm:txFillClrLst meth="repeat">
+      <a:schemeClr val="tx1"/>
+    </dgm:txFillClrLst>
+    <dgm:txEffectClrLst/>
+  </dgm:styleLbl>
+  <dgm:styleLbl name="parChTrans1D3">
+    <dgm:fillClrLst meth="repeat">
+      <a:schemeClr val="accent4">
+        <a:tint val="70000"/>
+      </a:schemeClr>
+    </dgm:fillClrLst>
+    <dgm:linClrLst meth="repeat">
+      <a:schemeClr val="accent6"/>
+    </dgm:linClrLst>
+    <dgm:effectClrLst/>
+    <dgm:txLinClrLst/>
+    <dgm:txFillClrLst meth="repeat">
+      <a:schemeClr val="tx1"/>
+    </dgm:txFillClrLst>
+    <dgm:txEffectClrLst/>
+  </dgm:styleLbl>
+  <dgm:styleLbl name="parChTrans1D4">
+    <dgm:fillClrLst meth="repeat">
+      <a:schemeClr val="accent4">
+        <a:tint val="50000"/>
+      </a:schemeClr>
+    </dgm:fillClrLst>
+    <dgm:linClrLst meth="repeat">
+      <a:schemeClr val="accent1"/>
+    </dgm:linClrLst>
+    <dgm:effectClrLst/>
+    <dgm:txLinClrLst/>
+    <dgm:txFillClrLst meth="repeat">
+      <a:schemeClr val="tx1"/>
+    </dgm:txFillClrLst>
+    <dgm:txEffectClrLst/>
+  </dgm:styleLbl>
+  <dgm:styleLbl name="fgAcc1">
+    <dgm:fillClrLst meth="repeat">
+      <a:schemeClr val="lt1">
+        <a:alpha val="90000"/>
+      </a:schemeClr>
+    </dgm:fillClrLst>
+    <dgm:linClrLst>
+      <a:schemeClr val="accent4"/>
+      <a:schemeClr val="accent5"/>
+    </dgm:linClrLst>
+    <dgm:effectClrLst/>
+    <dgm:txLinClrLst/>
+    <dgm:txFillClrLst meth="repeat">
+      <a:schemeClr val="dk1"/>
+    </dgm:txFillClrLst>
+    <dgm:txEffectClrLst/>
+  </dgm:styleLbl>
+  <dgm:styleLbl name="conFgAcc1">
+    <dgm:fillClrLst meth="repeat">
+      <a:schemeClr val="lt1">
+        <a:alpha val="90000"/>
+      </a:schemeClr>
+    </dgm:fillClrLst>
+    <dgm:linClrLst>
+      <a:schemeClr val="accent4"/>
+      <a:schemeClr val="accent5"/>
+    </dgm:linClrLst>
+    <dgm:effectClrLst/>
+    <dgm:txLinClrLst/>
+    <dgm:txFillClrLst meth="repeat">
+      <a:schemeClr val="dk1"/>
+    </dgm:txFillClrLst>
+    <dgm:txEffectClrLst/>
+  </dgm:styleLbl>
+  <dgm:styleLbl name="alignAcc1">
+    <dgm:fillClrLst meth="repeat">
+      <a:schemeClr val="lt1">
+        <a:alpha val="90000"/>
+      </a:schemeClr>
+    </dgm:fillClrLst>
+    <dgm:linClrLst>
+      <a:schemeClr val="accent4"/>
+      <a:schemeClr val="accent5"/>
+    </dgm:linClrLst>
+    <dgm:effectClrLst/>
+    <dgm:txLinClrLst/>
+    <dgm:txFillClrLst meth="repeat">
+      <a:schemeClr val="dk1"/>
+    </dgm:txFillClrLst>
+    <dgm:txEffectClrLst/>
+  </dgm:styleLbl>
+  <dgm:styleLbl name="trAlignAcc1">
+    <dgm:fillClrLst meth="repeat">
+      <a:schemeClr val="lt1">
+        <a:alpha val="40000"/>
+      </a:schemeClr>
+    </dgm:fillClrLst>
+    <dgm:linClrLst meth="repeat">
+      <a:schemeClr val="accent4"/>
+    </dgm:linClrLst>
+    <dgm:effectClrLst/>
+    <dgm:txLinClrLst/>
+    <dgm:txFillClrLst meth="repeat">
+      <a:schemeClr val="dk1"/>
+    </dgm:txFillClrLst>
+    <dgm:txEffectClrLst/>
+  </dgm:styleLbl>
+  <dgm:styleLbl name="bgAcc1">
+    <dgm:fillClrLst meth="repeat">
+      <a:schemeClr val="lt1">
+        <a:alpha val="90000"/>
+      </a:schemeClr>
+    </dgm:fillClrLst>
+    <dgm:linClrLst>
+      <a:schemeClr val="accent4"/>
+      <a:schemeClr val="accent5"/>
+    </dgm:linClrLst>
+    <dgm:effectClrLst/>
+    <dgm:txLinClrLst/>
+    <dgm:txFillClrLst meth="repeat">
+      <a:schemeClr val="dk1"/>
+    </dgm:txFillClrLst>
+    <dgm:txEffectClrLst/>
+  </dgm:styleLbl>
+  <dgm:styleLbl name="solidFgAcc1">
+    <dgm:fillClrLst meth="repeat">
+      <a:schemeClr val="lt1"/>
+    </dgm:fillClrLst>
+    <dgm:linClrLst>
+      <a:schemeClr val="accent4"/>
+      <a:schemeClr val="accent5"/>
+    </dgm:linClrLst>
+    <dgm:effectClrLst/>
+    <dgm:txLinClrLst/>
+    <dgm:txFillClrLst meth="repeat">
+      <a:schemeClr val="dk1"/>
+    </dgm:txFillClrLst>
+    <dgm:txEffectClrLst/>
+  </dgm:styleLbl>
+  <dgm:styleLbl name="solidAlignAcc1">
+    <dgm:fillClrLst meth="repeat">
+      <a:schemeClr val="lt1"/>
+    </dgm:fillClrLst>
+    <dgm:linClrLst>
+      <a:schemeClr val="accent4"/>
+      <a:schemeClr val="accent5"/>
+    </dgm:linClrLst>
+    <dgm:effectClrLst/>
+    <dgm:txLinClrLst/>
+    <dgm:txFillClrLst meth="repeat">
+      <a:schemeClr val="dk1"/>
+    </dgm:txFillClrLst>
+    <dgm:txEffectClrLst/>
+  </dgm:styleLbl>
+  <dgm:styleLbl name="solidBgAcc1">
+    <dgm:fillClrLst meth="repeat">
+      <a:schemeClr val="lt1"/>
+    </dgm:fillClrLst>
+    <dgm:linClrLst>
+      <a:schemeClr val="accent4"/>
+      <a:schemeClr val="accent5"/>
+    </dgm:linClrLst>
+    <dgm:effectClrLst/>
+    <dgm:txLinClrLst/>
+    <dgm:txFillClrLst meth="repeat">
+      <a:schemeClr val="dk1"/>
+    </dgm:txFillClrLst>
+    <dgm:txEffectClrLst/>
+  </dgm:styleLbl>
+  <dgm:styleLbl name="fgAccFollowNode1">
+    <dgm:fillClrLst>
+      <a:schemeClr val="accent4">
+        <a:tint val="40000"/>
+        <a:alpha val="90000"/>
+      </a:schemeClr>
+      <a:schemeClr val="accent5">
+        <a:tint val="40000"/>
+        <a:alpha val="90000"/>
+      </a:schemeClr>
+    </dgm:fillClrLst>
+    <dgm:linClrLst>
+      <a:schemeClr val="accent4">
+        <a:tint val="40000"/>
+        <a:alpha val="90000"/>
+      </a:schemeClr>
+      <a:schemeClr val="accent5">
+        <a:tint val="40000"/>
+        <a:alpha val="90000"/>
+      </a:schemeClr>
+    </dgm:linClrLst>
+    <dgm:effectClrLst/>
+    <dgm:txLinClrLst/>
+    <dgm:txFillClrLst meth="repeat">
+      <a:schemeClr val="dk1"/>
+    </dgm:txFillClrLst>
+    <dgm:txEffectClrLst/>
+  </dgm:styleLbl>
+  <dgm:styleLbl name="alignAccFollowNode1">
+    <dgm:fillClrLst>
+      <a:schemeClr val="accent4">
+        <a:tint val="40000"/>
+        <a:alpha val="90000"/>
+      </a:schemeClr>
+      <a:schemeClr val="accent5">
+        <a:tint val="40000"/>
+        <a:alpha val="90000"/>
+      </a:schemeClr>
+    </dgm:fillClrLst>
+    <dgm:linClrLst>
+      <a:schemeClr val="accent4">
+        <a:tint val="40000"/>
+        <a:alpha val="90000"/>
+      </a:schemeClr>
+      <a:schemeClr val="accent5">
+        <a:tint val="40000"/>
+        <a:alpha val="90000"/>
+      </a:schemeClr>
+    </dgm:linClrLst>
+    <dgm:effectClrLst/>
+    <dgm:txLinClrLst/>
+    <dgm:txFillClrLst meth="repeat">
+      <a:schemeClr val="dk1"/>
+    </dgm:txFillClrLst>
+    <dgm:txEffectClrLst/>
+  </dgm:styleLbl>
+  <dgm:styleLbl name="bgAccFollowNode1">
+    <dgm:fillClrLst>
+      <a:schemeClr val="accent4">
+        <a:tint val="40000"/>
+        <a:alpha val="90000"/>
+      </a:schemeClr>
+      <a:schemeClr val="accent5">
+        <a:tint val="40000"/>
+        <a:alpha val="90000"/>
+      </a:schemeClr>
+    </dgm:fillClrLst>
+    <dgm:linClrLst>
+      <a:schemeClr val="accent4">
+        <a:tint val="40000"/>
+        <a:alpha val="90000"/>
+      </a:schemeClr>
+      <a:schemeClr val="accent5">
+        <a:tint val="40000"/>
+        <a:alpha val="90000"/>
+      </a:schemeClr>
+    </dgm:linClrLst>
+    <dgm:effectClrLst/>
+    <dgm:txLinClrLst/>
+    <dgm:txFillClrLst meth="repeat">
+      <a:schemeClr val="dk1"/>
+    </dgm:txFillClrLst>
+    <dgm:txEffectClrLst/>
+  </dgm:styleLbl>
+  <dgm:styleLbl name="fgAcc0">
+    <dgm:fillClrLst meth="repeat">
+      <a:schemeClr val="lt1">
+        <a:alpha val="90000"/>
+      </a:schemeClr>
+    </dgm:fillClrLst>
+    <dgm:linClrLst>
+      <a:schemeClr val="accent3"/>
+    </dgm:linClrLst>
+    <dgm:effectClrLst/>
+    <dgm:txLinClrLst/>
+    <dgm:txFillClrLst meth="repeat">
+      <a:schemeClr val="dk1"/>
+    </dgm:txFillClrLst>
+    <dgm:txEffectClrLst/>
+  </dgm:styleLbl>
+  <dgm:styleLbl name="fgAcc2">
+    <dgm:fillClrLst meth="repeat">
+      <a:schemeClr val="lt1">
+        <a:alpha val="90000"/>
+      </a:schemeClr>
+    </dgm:fillClrLst>
+    <dgm:linClrLst>
+      <a:schemeClr val="accent5"/>
+    </dgm:linClrLst>
+    <dgm:effectClrLst/>
+    <dgm:txLinClrLst/>
+    <dgm:txFillClrLst meth="repeat">
+      <a:schemeClr val="dk1"/>
+    </dgm:txFillClrLst>
+    <dgm:txEffectClrLst/>
+  </dgm:styleLbl>
+  <dgm:styleLbl name="fgAcc3">
+    <dgm:fillClrLst meth="repeat">
+      <a:schemeClr val="lt1">
+        <a:alpha val="90000"/>
+      </a:schemeClr>
+    </dgm:fillClrLst>
+    <dgm:linClrLst>
+      <a:schemeClr val="accent6"/>
+    </dgm:linClrLst>
+    <dgm:effectClrLst/>
+    <dgm:txLinClrLst/>
+    <dgm:txFillClrLst meth="repeat">
+      <a:schemeClr val="dk1"/>
+    </dgm:txFillClrLst>
+    <dgm:txEffectClrLst/>
+  </dgm:styleLbl>
+  <dgm:styleLbl name="fgAcc4">
+    <dgm:fillClrLst meth="repeat">
+      <a:schemeClr val="lt1">
+        <a:alpha val="90000"/>
+      </a:schemeClr>
+    </dgm:fillClrLst>
+    <dgm:linClrLst>
+      <a:schemeClr val="accent1"/>
+    </dgm:linClrLst>
+    <dgm:effectClrLst/>
+    <dgm:txLinClrLst/>
+    <dgm:txFillClrLst meth="repeat">
+      <a:schemeClr val="dk1"/>
+    </dgm:txFillClrLst>
+    <dgm:txEffectClrLst/>
+  </dgm:styleLbl>
+  <dgm:styleLbl name="bgShp">
+    <dgm:fillClrLst meth="repeat">
+      <a:schemeClr val="accent4">
+        <a:tint val="40000"/>
+      </a:schemeClr>
+    </dgm:fillClrLst>
+    <dgm:linClrLst meth="repeat">
+      <a:schemeClr val="dk1"/>
+    </dgm:linClrLst>
+    <dgm:effectClrLst/>
+    <dgm:txLinClrLst/>
+    <dgm:txFillClrLst meth="repeat">
+      <a:schemeClr val="dk1"/>
+    </dgm:txFillClrLst>
+    <dgm:txEffectClrLst/>
+  </dgm:styleLbl>
+  <dgm:styleLbl name="dkBgShp">
+    <dgm:fillClrLst meth="repeat">
+      <a:schemeClr val="accent4">
+        <a:shade val="90000"/>
+      </a:schemeClr>
+    </dgm:fillClrLst>
+    <dgm:linClrLst meth="repeat">
+      <a:schemeClr val="dk1"/>
+    </dgm:linClrLst>
+    <dgm:effectClrLst/>
+    <dgm:txLinClrLst/>
+    <dgm:txFillClrLst meth="repeat">
+      <a:schemeClr val="lt1"/>
+    </dgm:txFillClrLst>
+    <dgm:txEffectClrLst/>
+  </dgm:styleLbl>
+  <dgm:styleLbl name="trBgShp">
+    <dgm:fillClrLst meth="repeat">
+      <a:schemeClr val="accent4">
+        <a:tint val="50000"/>
+        <a:alpha val="40000"/>
+      </a:schemeClr>
+    </dgm:fillClrLst>
+    <dgm:linClrLst meth="repeat">
+      <a:schemeClr val="accent4"/>
+    </dgm:linClrLst>
+    <dgm:effectClrLst/>
+    <dgm:txLinClrLst/>
+    <dgm:txFillClrLst meth="repeat">
+      <a:schemeClr val="lt1"/>
+    </dgm:txFillClrLst>
+    <dgm:txEffectClrLst/>
+  </dgm:styleLbl>
+  <dgm:styleLbl name="fgShp">
+    <dgm:fillClrLst meth="repeat">
+      <a:schemeClr val="accent4">
+        <a:tint val="40000"/>
+      </a:schemeClr>
+    </dgm:fillClrLst>
+    <dgm:linClrLst meth="repeat">
+      <a:schemeClr val="lt1"/>
+    </dgm:linClrLst>
+    <dgm:effectClrLst/>
+    <dgm:txLinClrLst/>
+    <dgm:txFillClrLst meth="repeat">
+      <a:schemeClr val="dk1"/>
+    </dgm:txFillClrLst>
+    <dgm:txEffectClrLst/>
+  </dgm:styleLbl>
+  <dgm:styleLbl name="revTx">
+    <dgm:fillClrLst meth="repeat">
+      <a:schemeClr val="lt1">
+        <a:alpha val="0"/>
+      </a:schemeClr>
+    </dgm:fillClrLst>
+    <dgm:linClrLst meth="repeat">
+      <a:schemeClr val="dk1">
+        <a:alpha val="0"/>
+      </a:schemeClr>
+    </dgm:linClrLst>
+    <dgm:effectClrLst/>
+    <dgm:txLinClrLst/>
+    <dgm:txFillClrLst meth="repeat">
+      <a:schemeClr val="tx1"/>
+    </dgm:txFillClrLst>
+    <dgm:txEffectClrLst/>
+  </dgm:styleLbl>
+</dgm:colorsDef>
+</file>
+
 <file path=ppt/diagrams/data1.xml><?xml version="1.0" encoding="utf-8"?>
 <dgm:dataModel xmlns:dgm="http://schemas.openxmlformats.org/drawingml/2006/diagram" xmlns:a="http://schemas.openxmlformats.org/drawingml/2006/main">
   <dgm:ptLst>
     <dgm:pt modelId="{7CFF88D5-046F-4FB7-B17E-25EF8F56E950}" type="doc">
-      <dgm:prSet loTypeId="urn:microsoft.com/office/officeart/2005/8/layout/vProcess5" loCatId="process" qsTypeId="urn:microsoft.com/office/officeart/2005/8/quickstyle/simple1" qsCatId="simple" csTypeId="urn:microsoft.com/office/officeart/2005/8/colors/colorful4" csCatId="colorful" phldr="1"/>
+      <dgm:prSet loTypeId="urn:microsoft.com/office/officeart/2005/8/layout/process4" loCatId="process" qsTypeId="urn:microsoft.com/office/officeart/2005/8/quickstyle/simple1" qsCatId="simple" csTypeId="urn:microsoft.com/office/officeart/2005/8/colors/colorful4" csCatId="colorful" phldr="1"/>
       <dgm:spPr/>
       <dgm:t>
         <a:bodyPr/>
@@ -3308,23 +4090,7 @@
         <a:p>
           <a:r>
             <a:rPr lang="de-DE" dirty="0" smtClean="0"/>
-            <a:t>Schnittstellen zwischen Computern, Monitoren, Peripheriegeräten, Unterhaltungselektronik(</a:t>
-          </a:r>
-          <a:r>
-            <a:rPr lang="de-DE" dirty="0" err="1" smtClean="0"/>
-            <a:t>z.B</a:t>
-          </a:r>
-          <a:r>
-            <a:rPr lang="de-DE" dirty="0" smtClean="0"/>
-            <a:t> </a:t>
-          </a:r>
-          <a:r>
-            <a:rPr lang="de-DE" dirty="0" err="1" smtClean="0"/>
-            <a:t>Videokamaras</a:t>
-          </a:r>
-          <a:r>
-            <a:rPr lang="de-DE" dirty="0" smtClean="0"/>
-            <a:t> oder Festplatten)</a:t>
+            <a:t>Universelle Schnittstelle</a:t>
           </a:r>
           <a:endParaRPr lang="de-DE" dirty="0"/>
         </a:p>
@@ -3463,50 +4229,49 @@
         </a:p>
       </dgm:t>
     </dgm:pt>
-    <dgm:pt modelId="{FC6CDF82-1246-4A7B-A973-D92E733FC52C}" type="pres">
-      <dgm:prSet presAssocID="{7CFF88D5-046F-4FB7-B17E-25EF8F56E950}" presName="outerComposite" presStyleCnt="0">
+    <dgm:pt modelId="{71D7FA2B-07B7-4321-ACE5-213C10C1A49E}">
+      <dgm:prSet phldrT="[Text]" custT="1"/>
+      <dgm:spPr/>
+      <dgm:t>
+        <a:bodyPr/>
+        <a:lstStyle/>
+        <a:p>
+          <a:r>
+            <a:rPr lang="de-DE" sz="2000" dirty="0" smtClean="0"/>
+            <a:t>Benötigt Zusatz-Chip auf Motherboard</a:t>
+          </a:r>
+          <a:endParaRPr lang="de-DE" sz="2000" dirty="0"/>
+        </a:p>
+      </dgm:t>
+    </dgm:pt>
+    <dgm:pt modelId="{7F02FEA6-8306-4EBD-A777-C1E11ACF5145}" type="parTrans" cxnId="{BB16E944-1A2B-41FD-AA55-4E6BF4717CFD}">
+      <dgm:prSet/>
+      <dgm:spPr/>
+      <dgm:t>
+        <a:bodyPr/>
+        <a:lstStyle/>
+        <a:p>
+          <a:endParaRPr lang="de-DE"/>
+        </a:p>
+      </dgm:t>
+    </dgm:pt>
+    <dgm:pt modelId="{520D7A0A-0891-488B-8C74-25C7CDA7EE41}" type="sibTrans" cxnId="{BB16E944-1A2B-41FD-AA55-4E6BF4717CFD}">
+      <dgm:prSet/>
+      <dgm:spPr/>
+      <dgm:t>
+        <a:bodyPr/>
+        <a:lstStyle/>
+        <a:p>
+          <a:endParaRPr lang="de-DE"/>
+        </a:p>
+      </dgm:t>
+    </dgm:pt>
+    <dgm:pt modelId="{A7682DC4-75D1-492B-983D-0C5E91A48323}" type="pres">
+      <dgm:prSet presAssocID="{7CFF88D5-046F-4FB7-B17E-25EF8F56E950}" presName="Name0" presStyleCnt="0">
         <dgm:presLayoutVars>
-          <dgm:chMax val="5"/>
           <dgm:dir/>
+          <dgm:animLvl val="lvl"/>
           <dgm:resizeHandles val="exact"/>
-        </dgm:presLayoutVars>
-      </dgm:prSet>
-      <dgm:spPr/>
-    </dgm:pt>
-    <dgm:pt modelId="{3BA8E435-A1E1-484D-B3CF-4803A48A7C46}" type="pres">
-      <dgm:prSet presAssocID="{7CFF88D5-046F-4FB7-B17E-25EF8F56E950}" presName="dummyMaxCanvas" presStyleCnt="0">
-        <dgm:presLayoutVars/>
-      </dgm:prSet>
-      <dgm:spPr/>
-    </dgm:pt>
-    <dgm:pt modelId="{61D621AF-DC6F-4976-B96E-CD46A1D50BAD}" type="pres">
-      <dgm:prSet presAssocID="{7CFF88D5-046F-4FB7-B17E-25EF8F56E950}" presName="FiveNodes_1" presStyleLbl="node1" presStyleIdx="0" presStyleCnt="5">
-        <dgm:presLayoutVars>
-          <dgm:bulletEnabled val="1"/>
-        </dgm:presLayoutVars>
-      </dgm:prSet>
-      <dgm:spPr/>
-    </dgm:pt>
-    <dgm:pt modelId="{F6391628-1019-4322-A19F-290DE3D22372}" type="pres">
-      <dgm:prSet presAssocID="{7CFF88D5-046F-4FB7-B17E-25EF8F56E950}" presName="FiveNodes_2" presStyleLbl="node1" presStyleIdx="1" presStyleCnt="5">
-        <dgm:presLayoutVars>
-          <dgm:bulletEnabled val="1"/>
-        </dgm:presLayoutVars>
-      </dgm:prSet>
-      <dgm:spPr/>
-    </dgm:pt>
-    <dgm:pt modelId="{3712DD27-AC09-44F8-885B-51AED4A7DDD1}" type="pres">
-      <dgm:prSet presAssocID="{7CFF88D5-046F-4FB7-B17E-25EF8F56E950}" presName="FiveNodes_3" presStyleLbl="node1" presStyleIdx="2" presStyleCnt="5">
-        <dgm:presLayoutVars>
-          <dgm:bulletEnabled val="1"/>
-        </dgm:presLayoutVars>
-      </dgm:prSet>
-      <dgm:spPr/>
-    </dgm:pt>
-    <dgm:pt modelId="{9AAFE5E6-A633-4248-8F19-A5126A064566}" type="pres">
-      <dgm:prSet presAssocID="{7CFF88D5-046F-4FB7-B17E-25EF8F56E950}" presName="FiveNodes_4" presStyleLbl="node1" presStyleIdx="3" presStyleCnt="5">
-        <dgm:presLayoutVars>
-          <dgm:bulletEnabled val="1"/>
         </dgm:presLayoutVars>
       </dgm:prSet>
       <dgm:spPr/>
@@ -3518,12 +4283,12 @@
         </a:p>
       </dgm:t>
     </dgm:pt>
-    <dgm:pt modelId="{DC0D1CF7-09F5-4D17-9CF2-314D2083F55B}" type="pres">
-      <dgm:prSet presAssocID="{7CFF88D5-046F-4FB7-B17E-25EF8F56E950}" presName="FiveNodes_5" presStyleLbl="node1" presStyleIdx="4" presStyleCnt="5">
-        <dgm:presLayoutVars>
-          <dgm:bulletEnabled val="1"/>
-        </dgm:presLayoutVars>
-      </dgm:prSet>
+    <dgm:pt modelId="{79DBEBA6-90EC-4B82-B08A-D7BCA28295DE}" type="pres">
+      <dgm:prSet presAssocID="{71D7FA2B-07B7-4321-ACE5-213C10C1A49E}" presName="boxAndChildren" presStyleCnt="0"/>
+      <dgm:spPr/>
+    </dgm:pt>
+    <dgm:pt modelId="{495473A0-4F9D-4EFE-B411-B80CB7F7816E}" type="pres">
+      <dgm:prSet presAssocID="{71D7FA2B-07B7-4321-ACE5-213C10C1A49E}" presName="parentTextBox" presStyleLbl="node1" presStyleIdx="0" presStyleCnt="6"/>
       <dgm:spPr/>
       <dgm:t>
         <a:bodyPr/>
@@ -3533,68 +4298,16 @@
         </a:p>
       </dgm:t>
     </dgm:pt>
-    <dgm:pt modelId="{517897BC-F838-412B-819F-DD60062828C9}" type="pres">
-      <dgm:prSet presAssocID="{7CFF88D5-046F-4FB7-B17E-25EF8F56E950}" presName="FiveConn_1-2" presStyleLbl="fgAccFollowNode1" presStyleIdx="0" presStyleCnt="4">
-        <dgm:presLayoutVars>
-          <dgm:bulletEnabled val="1"/>
-        </dgm:presLayoutVars>
-      </dgm:prSet>
+    <dgm:pt modelId="{2ED74685-F4DE-426E-BEDB-029BA7C35861}" type="pres">
+      <dgm:prSet presAssocID="{43A9F345-1767-431A-ADD9-B62C6E1DD967}" presName="sp" presStyleCnt="0"/>
       <dgm:spPr/>
     </dgm:pt>
-    <dgm:pt modelId="{1C8955BC-B937-46D9-884E-CA42AFCB0974}" type="pres">
-      <dgm:prSet presAssocID="{7CFF88D5-046F-4FB7-B17E-25EF8F56E950}" presName="FiveConn_2-3" presStyleLbl="fgAccFollowNode1" presStyleIdx="1" presStyleCnt="4">
-        <dgm:presLayoutVars>
-          <dgm:bulletEnabled val="1"/>
-        </dgm:presLayoutVars>
-      </dgm:prSet>
+    <dgm:pt modelId="{982B267B-32F3-4546-9DFC-EEFC16DDC9BC}" type="pres">
+      <dgm:prSet presAssocID="{07230439-FE95-462D-BFA4-623058277240}" presName="arrowAndChildren" presStyleCnt="0"/>
       <dgm:spPr/>
     </dgm:pt>
-    <dgm:pt modelId="{AA5D734D-8FCC-4820-92C3-F0B8EE29A0A8}" type="pres">
-      <dgm:prSet presAssocID="{7CFF88D5-046F-4FB7-B17E-25EF8F56E950}" presName="FiveConn_3-4" presStyleLbl="fgAccFollowNode1" presStyleIdx="2" presStyleCnt="4">
-        <dgm:presLayoutVars>
-          <dgm:bulletEnabled val="1"/>
-        </dgm:presLayoutVars>
-      </dgm:prSet>
-      <dgm:spPr/>
-    </dgm:pt>
-    <dgm:pt modelId="{1FF64E27-F91A-458B-B3B7-1B9508CB3B69}" type="pres">
-      <dgm:prSet presAssocID="{7CFF88D5-046F-4FB7-B17E-25EF8F56E950}" presName="FiveConn_4-5" presStyleLbl="fgAccFollowNode1" presStyleIdx="3" presStyleCnt="4">
-        <dgm:presLayoutVars>
-          <dgm:bulletEnabled val="1"/>
-        </dgm:presLayoutVars>
-      </dgm:prSet>
-      <dgm:spPr/>
-    </dgm:pt>
-    <dgm:pt modelId="{562AC764-2B9E-49D0-A1BB-4C6B4FB50E7C}" type="pres">
-      <dgm:prSet presAssocID="{7CFF88D5-046F-4FB7-B17E-25EF8F56E950}" presName="FiveNodes_1_text" presStyleLbl="node1" presStyleIdx="4" presStyleCnt="5">
-        <dgm:presLayoutVars>
-          <dgm:bulletEnabled val="1"/>
-        </dgm:presLayoutVars>
-      </dgm:prSet>
-      <dgm:spPr/>
-    </dgm:pt>
-    <dgm:pt modelId="{8A314647-306B-4EF6-869C-2FD48F69909E}" type="pres">
-      <dgm:prSet presAssocID="{7CFF88D5-046F-4FB7-B17E-25EF8F56E950}" presName="FiveNodes_2_text" presStyleLbl="node1" presStyleIdx="4" presStyleCnt="5">
-        <dgm:presLayoutVars>
-          <dgm:bulletEnabled val="1"/>
-        </dgm:presLayoutVars>
-      </dgm:prSet>
-      <dgm:spPr/>
-    </dgm:pt>
-    <dgm:pt modelId="{1A97D4F4-5776-4613-BE88-F00556E1184E}" type="pres">
-      <dgm:prSet presAssocID="{7CFF88D5-046F-4FB7-B17E-25EF8F56E950}" presName="FiveNodes_3_text" presStyleLbl="node1" presStyleIdx="4" presStyleCnt="5">
-        <dgm:presLayoutVars>
-          <dgm:bulletEnabled val="1"/>
-        </dgm:presLayoutVars>
-      </dgm:prSet>
-      <dgm:spPr/>
-    </dgm:pt>
-    <dgm:pt modelId="{326F5EE1-93AC-430B-88F5-AA00B9EB580D}" type="pres">
-      <dgm:prSet presAssocID="{7CFF88D5-046F-4FB7-B17E-25EF8F56E950}" presName="FiveNodes_4_text" presStyleLbl="node1" presStyleIdx="4" presStyleCnt="5">
-        <dgm:presLayoutVars>
-          <dgm:bulletEnabled val="1"/>
-        </dgm:presLayoutVars>
-      </dgm:prSet>
+    <dgm:pt modelId="{47F49392-538A-46D1-8ED6-9FBCBD57FAF6}" type="pres">
+      <dgm:prSet presAssocID="{07230439-FE95-462D-BFA4-623058277240}" presName="parentTextArrow" presStyleLbl="node1" presStyleIdx="1" presStyleCnt="6"/>
       <dgm:spPr/>
       <dgm:t>
         <a:bodyPr/>
@@ -3604,12 +4317,73 @@
         </a:p>
       </dgm:t>
     </dgm:pt>
-    <dgm:pt modelId="{0F434924-CF77-4576-9706-6FDFD3B6F9BA}" type="pres">
-      <dgm:prSet presAssocID="{7CFF88D5-046F-4FB7-B17E-25EF8F56E950}" presName="FiveNodes_5_text" presStyleLbl="node1" presStyleIdx="4" presStyleCnt="5">
-        <dgm:presLayoutVars>
-          <dgm:bulletEnabled val="1"/>
-        </dgm:presLayoutVars>
-      </dgm:prSet>
+    <dgm:pt modelId="{BD4D816B-2DE1-492F-BB25-5D8F818A221F}" type="pres">
+      <dgm:prSet presAssocID="{3037C684-E5E7-4708-80E3-AD0AE079E4AF}" presName="sp" presStyleCnt="0"/>
+      <dgm:spPr/>
+    </dgm:pt>
+    <dgm:pt modelId="{AA60F6FF-E7A2-405A-9BB1-62EA89E85BAE}" type="pres">
+      <dgm:prSet presAssocID="{08AF3942-CA07-4163-A06B-163C8019A040}" presName="arrowAndChildren" presStyleCnt="0"/>
+      <dgm:spPr/>
+    </dgm:pt>
+    <dgm:pt modelId="{3E57F5FC-E7C6-4C7A-87E6-BFB65C52D46A}" type="pres">
+      <dgm:prSet presAssocID="{08AF3942-CA07-4163-A06B-163C8019A040}" presName="parentTextArrow" presStyleLbl="node1" presStyleIdx="2" presStyleCnt="6"/>
+      <dgm:spPr/>
+      <dgm:t>
+        <a:bodyPr/>
+        <a:lstStyle/>
+        <a:p>
+          <a:endParaRPr lang="de-DE"/>
+        </a:p>
+      </dgm:t>
+    </dgm:pt>
+    <dgm:pt modelId="{44A8A794-4212-4D16-BF3D-B5AF9A7475F1}" type="pres">
+      <dgm:prSet presAssocID="{CA5E3ECA-E3D4-4A34-B53E-00A6F5290507}" presName="sp" presStyleCnt="0"/>
+      <dgm:spPr/>
+    </dgm:pt>
+    <dgm:pt modelId="{C0C9330E-2943-4B8D-9C50-C7E0ED75D1D8}" type="pres">
+      <dgm:prSet presAssocID="{B0AF2C47-776A-480B-9631-A85ADBB27262}" presName="arrowAndChildren" presStyleCnt="0"/>
+      <dgm:spPr/>
+    </dgm:pt>
+    <dgm:pt modelId="{B0E77675-FD87-4DCE-8841-5B0477E70DD5}" type="pres">
+      <dgm:prSet presAssocID="{B0AF2C47-776A-480B-9631-A85ADBB27262}" presName="parentTextArrow" presStyleLbl="node1" presStyleIdx="3" presStyleCnt="6"/>
+      <dgm:spPr/>
+      <dgm:t>
+        <a:bodyPr/>
+        <a:lstStyle/>
+        <a:p>
+          <a:endParaRPr lang="de-DE"/>
+        </a:p>
+      </dgm:t>
+    </dgm:pt>
+    <dgm:pt modelId="{85710A85-9D25-40C3-999F-2AD636D0F765}" type="pres">
+      <dgm:prSet presAssocID="{119BF004-FFB6-447D-9AE5-DE3AFC5AF24A}" presName="sp" presStyleCnt="0"/>
+      <dgm:spPr/>
+    </dgm:pt>
+    <dgm:pt modelId="{4168B253-4B14-41DF-9787-85DD493159C6}" type="pres">
+      <dgm:prSet presAssocID="{E42C0EF2-C4A6-4B82-8C7D-BDE87E805CE8}" presName="arrowAndChildren" presStyleCnt="0"/>
+      <dgm:spPr/>
+    </dgm:pt>
+    <dgm:pt modelId="{B31B5764-7AB9-4CC2-ABDA-8E3EEB030D2C}" type="pres">
+      <dgm:prSet presAssocID="{E42C0EF2-C4A6-4B82-8C7D-BDE87E805CE8}" presName="parentTextArrow" presStyleLbl="node1" presStyleIdx="4" presStyleCnt="6"/>
+      <dgm:spPr/>
+      <dgm:t>
+        <a:bodyPr/>
+        <a:lstStyle/>
+        <a:p>
+          <a:endParaRPr lang="de-DE"/>
+        </a:p>
+      </dgm:t>
+    </dgm:pt>
+    <dgm:pt modelId="{EBEACA80-4F48-43FB-99B7-8F8681B18D0B}" type="pres">
+      <dgm:prSet presAssocID="{AF68ECB1-3C48-4F11-98E6-F06779C39655}" presName="sp" presStyleCnt="0"/>
+      <dgm:spPr/>
+    </dgm:pt>
+    <dgm:pt modelId="{5596352A-6822-48E9-9FA4-9DE6CEFFD116}" type="pres">
+      <dgm:prSet presAssocID="{AD8C5CED-15BB-4149-A4EC-113A54C9E1AD}" presName="arrowAndChildren" presStyleCnt="0"/>
+      <dgm:spPr/>
+    </dgm:pt>
+    <dgm:pt modelId="{AC6CD6DB-8E24-4A95-9DBB-6A55D3EBA6D3}" type="pres">
+      <dgm:prSet presAssocID="{AD8C5CED-15BB-4149-A4EC-113A54C9E1AD}" presName="parentTextArrow" presStyleLbl="node1" presStyleIdx="5" presStyleCnt="6"/>
       <dgm:spPr/>
       <dgm:t>
         <a:bodyPr/>
@@ -3621,41 +4395,36 @@
     </dgm:pt>
   </dgm:ptLst>
   <dgm:cxnLst>
+    <dgm:cxn modelId="{FDF80A26-E22B-4866-826F-C185BC7647D8}" srcId="{7CFF88D5-046F-4FB7-B17E-25EF8F56E950}" destId="{07230439-FE95-462D-BFA4-623058277240}" srcOrd="4" destOrd="0" parTransId="{347294BA-10C9-4AAD-91E5-D897562A3F46}" sibTransId="{43A9F345-1767-431A-ADD9-B62C6E1DD967}"/>
+    <dgm:cxn modelId="{5AFB368A-F830-4BBF-8008-18890DD9BDA9}" type="presOf" srcId="{B0AF2C47-776A-480B-9631-A85ADBB27262}" destId="{B0E77675-FD87-4DCE-8841-5B0477E70DD5}" srcOrd="0" destOrd="0" presId="urn:microsoft.com/office/officeart/2005/8/layout/process4"/>
+    <dgm:cxn modelId="{94DA72A3-7598-4B78-A211-F60F5E20788F}" type="presOf" srcId="{7CFF88D5-046F-4FB7-B17E-25EF8F56E950}" destId="{A7682DC4-75D1-492B-983D-0C5E91A48323}" srcOrd="0" destOrd="0" presId="urn:microsoft.com/office/officeart/2005/8/layout/process4"/>
+    <dgm:cxn modelId="{BB16E944-1A2B-41FD-AA55-4E6BF4717CFD}" srcId="{7CFF88D5-046F-4FB7-B17E-25EF8F56E950}" destId="{71D7FA2B-07B7-4321-ACE5-213C10C1A49E}" srcOrd="5" destOrd="0" parTransId="{7F02FEA6-8306-4EBD-A777-C1E11ACF5145}" sibTransId="{520D7A0A-0891-488B-8C74-25C7CDA7EE41}"/>
+    <dgm:cxn modelId="{325991C1-2392-49CA-B324-D589DF2CB3A5}" srcId="{7CFF88D5-046F-4FB7-B17E-25EF8F56E950}" destId="{E42C0EF2-C4A6-4B82-8C7D-BDE87E805CE8}" srcOrd="1" destOrd="0" parTransId="{D0C8ABB5-E5DC-4C7E-BAF5-C8F6DABA753B}" sibTransId="{119BF004-FFB6-447D-9AE5-DE3AFC5AF24A}"/>
+    <dgm:cxn modelId="{26E51BF8-DF07-41F5-B570-39D5F4FFCEE0}" srcId="{7CFF88D5-046F-4FB7-B17E-25EF8F56E950}" destId="{B0AF2C47-776A-480B-9631-A85ADBB27262}" srcOrd="2" destOrd="0" parTransId="{4E29FD94-5414-40D8-82A8-B97C4AC8DA01}" sibTransId="{CA5E3ECA-E3D4-4A34-B53E-00A6F5290507}"/>
+    <dgm:cxn modelId="{F6D87FF4-4BC6-40D9-A9D1-5B8EBE4F4015}" type="presOf" srcId="{71D7FA2B-07B7-4321-ACE5-213C10C1A49E}" destId="{495473A0-4F9D-4EFE-B411-B80CB7F7816E}" srcOrd="0" destOrd="0" presId="urn:microsoft.com/office/officeart/2005/8/layout/process4"/>
+    <dgm:cxn modelId="{7BB61631-6283-4F68-99F7-E70DCA6875C4}" type="presOf" srcId="{E42C0EF2-C4A6-4B82-8C7D-BDE87E805CE8}" destId="{B31B5764-7AB9-4CC2-ABDA-8E3EEB030D2C}" srcOrd="0" destOrd="0" presId="urn:microsoft.com/office/officeart/2005/8/layout/process4"/>
+    <dgm:cxn modelId="{74FAA677-5438-4285-8499-86B3E828B186}" type="presOf" srcId="{AD8C5CED-15BB-4149-A4EC-113A54C9E1AD}" destId="{AC6CD6DB-8E24-4A95-9DBB-6A55D3EBA6D3}" srcOrd="0" destOrd="0" presId="urn:microsoft.com/office/officeart/2005/8/layout/process4"/>
+    <dgm:cxn modelId="{BF043BC4-025A-4F43-A725-1610024AA53D}" type="presOf" srcId="{08AF3942-CA07-4163-A06B-163C8019A040}" destId="{3E57F5FC-E7C6-4C7A-87E6-BFB65C52D46A}" srcOrd="0" destOrd="0" presId="urn:microsoft.com/office/officeart/2005/8/layout/process4"/>
+    <dgm:cxn modelId="{7E1D45E1-2CE9-4463-ACDC-78A4FACC9830}" type="presOf" srcId="{07230439-FE95-462D-BFA4-623058277240}" destId="{47F49392-538A-46D1-8ED6-9FBCBD57FAF6}" srcOrd="0" destOrd="0" presId="urn:microsoft.com/office/officeart/2005/8/layout/process4"/>
     <dgm:cxn modelId="{9D75341A-0995-40AA-A8F6-AAFEE6E2A7C9}" srcId="{7CFF88D5-046F-4FB7-B17E-25EF8F56E950}" destId="{AD8C5CED-15BB-4149-A4EC-113A54C9E1AD}" srcOrd="0" destOrd="0" parTransId="{77187B4C-37CF-4BE2-92F5-8859C27C7F1B}" sibTransId="{AF68ECB1-3C48-4F11-98E6-F06779C39655}"/>
-    <dgm:cxn modelId="{0E9A295F-1685-4110-927F-44CC077CE945}" type="presOf" srcId="{CA5E3ECA-E3D4-4A34-B53E-00A6F5290507}" destId="{AA5D734D-8FCC-4820-92C3-F0B8EE29A0A8}" srcOrd="0" destOrd="0" presId="urn:microsoft.com/office/officeart/2005/8/layout/vProcess5"/>
-    <dgm:cxn modelId="{325991C1-2392-49CA-B324-D589DF2CB3A5}" srcId="{7CFF88D5-046F-4FB7-B17E-25EF8F56E950}" destId="{E42C0EF2-C4A6-4B82-8C7D-BDE87E805CE8}" srcOrd="1" destOrd="0" parTransId="{D0C8ABB5-E5DC-4C7E-BAF5-C8F6DABA753B}" sibTransId="{119BF004-FFB6-447D-9AE5-DE3AFC5AF24A}"/>
-    <dgm:cxn modelId="{0FF45B6C-820C-482B-88C8-97F5D5481E54}" type="presOf" srcId="{B0AF2C47-776A-480B-9631-A85ADBB27262}" destId="{3712DD27-AC09-44F8-885B-51AED4A7DDD1}" srcOrd="0" destOrd="0" presId="urn:microsoft.com/office/officeart/2005/8/layout/vProcess5"/>
-    <dgm:cxn modelId="{B9D1312A-1D8A-4017-B637-3730D9F130B9}" type="presOf" srcId="{119BF004-FFB6-447D-9AE5-DE3AFC5AF24A}" destId="{1C8955BC-B937-46D9-884E-CA42AFCB0974}" srcOrd="0" destOrd="0" presId="urn:microsoft.com/office/officeart/2005/8/layout/vProcess5"/>
-    <dgm:cxn modelId="{5F7F9C38-152E-48A6-9C9B-3F931C40BA7F}" type="presOf" srcId="{7CFF88D5-046F-4FB7-B17E-25EF8F56E950}" destId="{FC6CDF82-1246-4A7B-A973-D92E733FC52C}" srcOrd="0" destOrd="0" presId="urn:microsoft.com/office/officeart/2005/8/layout/vProcess5"/>
-    <dgm:cxn modelId="{FCCE559C-338E-4FF5-8E9C-3D5A5496EF28}" type="presOf" srcId="{08AF3942-CA07-4163-A06B-163C8019A040}" destId="{9AAFE5E6-A633-4248-8F19-A5126A064566}" srcOrd="0" destOrd="0" presId="urn:microsoft.com/office/officeart/2005/8/layout/vProcess5"/>
-    <dgm:cxn modelId="{873AB1A4-DBE4-4404-8233-ECA0CFE2F9EC}" type="presOf" srcId="{07230439-FE95-462D-BFA4-623058277240}" destId="{DC0D1CF7-09F5-4D17-9CF2-314D2083F55B}" srcOrd="0" destOrd="0" presId="urn:microsoft.com/office/officeart/2005/8/layout/vProcess5"/>
-    <dgm:cxn modelId="{B6C443C6-F318-42EA-ADC3-EFAD9E42DC6F}" type="presOf" srcId="{AD8C5CED-15BB-4149-A4EC-113A54C9E1AD}" destId="{61D621AF-DC6F-4976-B96E-CD46A1D50BAD}" srcOrd="0" destOrd="0" presId="urn:microsoft.com/office/officeart/2005/8/layout/vProcess5"/>
-    <dgm:cxn modelId="{781023B2-5508-407D-846B-4A908CEB098E}" type="presOf" srcId="{08AF3942-CA07-4163-A06B-163C8019A040}" destId="{326F5EE1-93AC-430B-88F5-AA00B9EB580D}" srcOrd="1" destOrd="0" presId="urn:microsoft.com/office/officeart/2005/8/layout/vProcess5"/>
-    <dgm:cxn modelId="{7A29377B-24DD-47D4-9707-533407527910}" type="presOf" srcId="{E42C0EF2-C4A6-4B82-8C7D-BDE87E805CE8}" destId="{F6391628-1019-4322-A19F-290DE3D22372}" srcOrd="0" destOrd="0" presId="urn:microsoft.com/office/officeart/2005/8/layout/vProcess5"/>
-    <dgm:cxn modelId="{AD6509AB-F508-4F06-8847-D737BEFD8A5E}" type="presOf" srcId="{B0AF2C47-776A-480B-9631-A85ADBB27262}" destId="{1A97D4F4-5776-4613-BE88-F00556E1184E}" srcOrd="1" destOrd="0" presId="urn:microsoft.com/office/officeart/2005/8/layout/vProcess5"/>
-    <dgm:cxn modelId="{BD7FE357-113B-41C3-801F-4CB81B490DCC}" type="presOf" srcId="{AD8C5CED-15BB-4149-A4EC-113A54C9E1AD}" destId="{562AC764-2B9E-49D0-A1BB-4C6B4FB50E7C}" srcOrd="1" destOrd="0" presId="urn:microsoft.com/office/officeart/2005/8/layout/vProcess5"/>
     <dgm:cxn modelId="{BF346595-BD24-4F37-AA48-E5BAE10B470F}" srcId="{7CFF88D5-046F-4FB7-B17E-25EF8F56E950}" destId="{08AF3942-CA07-4163-A06B-163C8019A040}" srcOrd="3" destOrd="0" parTransId="{7C38744A-B95C-4739-8558-42AB26B1A3C1}" sibTransId="{3037C684-E5E7-4708-80E3-AD0AE079E4AF}"/>
-    <dgm:cxn modelId="{EBA8C242-D30C-461B-894D-CC34DC2D7A07}" type="presOf" srcId="{AF68ECB1-3C48-4F11-98E6-F06779C39655}" destId="{517897BC-F838-412B-819F-DD60062828C9}" srcOrd="0" destOrd="0" presId="urn:microsoft.com/office/officeart/2005/8/layout/vProcess5"/>
-    <dgm:cxn modelId="{26E51BF8-DF07-41F5-B570-39D5F4FFCEE0}" srcId="{7CFF88D5-046F-4FB7-B17E-25EF8F56E950}" destId="{B0AF2C47-776A-480B-9631-A85ADBB27262}" srcOrd="2" destOrd="0" parTransId="{4E29FD94-5414-40D8-82A8-B97C4AC8DA01}" sibTransId="{CA5E3ECA-E3D4-4A34-B53E-00A6F5290507}"/>
-    <dgm:cxn modelId="{B2EE6A40-2722-4E6A-8BD9-E4363889115D}" type="presOf" srcId="{3037C684-E5E7-4708-80E3-AD0AE079E4AF}" destId="{1FF64E27-F91A-458B-B3B7-1B9508CB3B69}" srcOrd="0" destOrd="0" presId="urn:microsoft.com/office/officeart/2005/8/layout/vProcess5"/>
-    <dgm:cxn modelId="{F3957C34-392C-4797-8542-713538965DE4}" type="presOf" srcId="{E42C0EF2-C4A6-4B82-8C7D-BDE87E805CE8}" destId="{8A314647-306B-4EF6-869C-2FD48F69909E}" srcOrd="1" destOrd="0" presId="urn:microsoft.com/office/officeart/2005/8/layout/vProcess5"/>
-    <dgm:cxn modelId="{FDF80A26-E22B-4866-826F-C185BC7647D8}" srcId="{7CFF88D5-046F-4FB7-B17E-25EF8F56E950}" destId="{07230439-FE95-462D-BFA4-623058277240}" srcOrd="4" destOrd="0" parTransId="{347294BA-10C9-4AAD-91E5-D897562A3F46}" sibTransId="{43A9F345-1767-431A-ADD9-B62C6E1DD967}"/>
-    <dgm:cxn modelId="{1D92C2B1-008D-427D-AB61-DEF5D3F887E3}" type="presOf" srcId="{07230439-FE95-462D-BFA4-623058277240}" destId="{0F434924-CF77-4576-9706-6FDFD3B6F9BA}" srcOrd="1" destOrd="0" presId="urn:microsoft.com/office/officeart/2005/8/layout/vProcess5"/>
-    <dgm:cxn modelId="{5CB3D94C-C10B-42AE-A835-F782117759DC}" type="presParOf" srcId="{FC6CDF82-1246-4A7B-A973-D92E733FC52C}" destId="{3BA8E435-A1E1-484D-B3CF-4803A48A7C46}" srcOrd="0" destOrd="0" presId="urn:microsoft.com/office/officeart/2005/8/layout/vProcess5"/>
-    <dgm:cxn modelId="{24F1EFA2-E281-4F64-A957-53639CE9F34C}" type="presParOf" srcId="{FC6CDF82-1246-4A7B-A973-D92E733FC52C}" destId="{61D621AF-DC6F-4976-B96E-CD46A1D50BAD}" srcOrd="1" destOrd="0" presId="urn:microsoft.com/office/officeart/2005/8/layout/vProcess5"/>
-    <dgm:cxn modelId="{F41AEAB1-4B30-4898-B1B7-5FBE7498FA35}" type="presParOf" srcId="{FC6CDF82-1246-4A7B-A973-D92E733FC52C}" destId="{F6391628-1019-4322-A19F-290DE3D22372}" srcOrd="2" destOrd="0" presId="urn:microsoft.com/office/officeart/2005/8/layout/vProcess5"/>
-    <dgm:cxn modelId="{7952A4F0-C001-47B6-A709-E090D9F08C40}" type="presParOf" srcId="{FC6CDF82-1246-4A7B-A973-D92E733FC52C}" destId="{3712DD27-AC09-44F8-885B-51AED4A7DDD1}" srcOrd="3" destOrd="0" presId="urn:microsoft.com/office/officeart/2005/8/layout/vProcess5"/>
-    <dgm:cxn modelId="{CD059BB4-F795-41FF-90AB-6C0E1D116787}" type="presParOf" srcId="{FC6CDF82-1246-4A7B-A973-D92E733FC52C}" destId="{9AAFE5E6-A633-4248-8F19-A5126A064566}" srcOrd="4" destOrd="0" presId="urn:microsoft.com/office/officeart/2005/8/layout/vProcess5"/>
-    <dgm:cxn modelId="{552FDCB6-6849-437D-B8E6-12EA50156BA3}" type="presParOf" srcId="{FC6CDF82-1246-4A7B-A973-D92E733FC52C}" destId="{DC0D1CF7-09F5-4D17-9CF2-314D2083F55B}" srcOrd="5" destOrd="0" presId="urn:microsoft.com/office/officeart/2005/8/layout/vProcess5"/>
-    <dgm:cxn modelId="{11B6679C-DB4D-4739-919D-798584ED87E5}" type="presParOf" srcId="{FC6CDF82-1246-4A7B-A973-D92E733FC52C}" destId="{517897BC-F838-412B-819F-DD60062828C9}" srcOrd="6" destOrd="0" presId="urn:microsoft.com/office/officeart/2005/8/layout/vProcess5"/>
-    <dgm:cxn modelId="{E67D4EA5-7578-4621-BF6D-5F6D8BD61565}" type="presParOf" srcId="{FC6CDF82-1246-4A7B-A973-D92E733FC52C}" destId="{1C8955BC-B937-46D9-884E-CA42AFCB0974}" srcOrd="7" destOrd="0" presId="urn:microsoft.com/office/officeart/2005/8/layout/vProcess5"/>
-    <dgm:cxn modelId="{CF1C9AEB-B89B-42FA-8103-AB318D176F54}" type="presParOf" srcId="{FC6CDF82-1246-4A7B-A973-D92E733FC52C}" destId="{AA5D734D-8FCC-4820-92C3-F0B8EE29A0A8}" srcOrd="8" destOrd="0" presId="urn:microsoft.com/office/officeart/2005/8/layout/vProcess5"/>
-    <dgm:cxn modelId="{B0F8B793-7419-4961-B0E2-69C744982839}" type="presParOf" srcId="{FC6CDF82-1246-4A7B-A973-D92E733FC52C}" destId="{1FF64E27-F91A-458B-B3B7-1B9508CB3B69}" srcOrd="9" destOrd="0" presId="urn:microsoft.com/office/officeart/2005/8/layout/vProcess5"/>
-    <dgm:cxn modelId="{9DCD3DCB-1D31-4A56-A2FF-A588BD168824}" type="presParOf" srcId="{FC6CDF82-1246-4A7B-A973-D92E733FC52C}" destId="{562AC764-2B9E-49D0-A1BB-4C6B4FB50E7C}" srcOrd="10" destOrd="0" presId="urn:microsoft.com/office/officeart/2005/8/layout/vProcess5"/>
-    <dgm:cxn modelId="{BCCB6347-63FA-46EC-96D5-5181E9442D49}" type="presParOf" srcId="{FC6CDF82-1246-4A7B-A973-D92E733FC52C}" destId="{8A314647-306B-4EF6-869C-2FD48F69909E}" srcOrd="11" destOrd="0" presId="urn:microsoft.com/office/officeart/2005/8/layout/vProcess5"/>
-    <dgm:cxn modelId="{FA377EF5-F197-49B5-93C5-01920593FDC9}" type="presParOf" srcId="{FC6CDF82-1246-4A7B-A973-D92E733FC52C}" destId="{1A97D4F4-5776-4613-BE88-F00556E1184E}" srcOrd="12" destOrd="0" presId="urn:microsoft.com/office/officeart/2005/8/layout/vProcess5"/>
-    <dgm:cxn modelId="{1448897D-3415-4039-807F-436A0C647475}" type="presParOf" srcId="{FC6CDF82-1246-4A7B-A973-D92E733FC52C}" destId="{326F5EE1-93AC-430B-88F5-AA00B9EB580D}" srcOrd="13" destOrd="0" presId="urn:microsoft.com/office/officeart/2005/8/layout/vProcess5"/>
-    <dgm:cxn modelId="{0C8A1969-D603-452E-92C8-C5DE6E4DB905}" type="presParOf" srcId="{FC6CDF82-1246-4A7B-A973-D92E733FC52C}" destId="{0F434924-CF77-4576-9706-6FDFD3B6F9BA}" srcOrd="14" destOrd="0" presId="urn:microsoft.com/office/officeart/2005/8/layout/vProcess5"/>
+    <dgm:cxn modelId="{0CBA701B-6001-4C21-99B9-A6277CC842A7}" type="presParOf" srcId="{A7682DC4-75D1-492B-983D-0C5E91A48323}" destId="{79DBEBA6-90EC-4B82-B08A-D7BCA28295DE}" srcOrd="0" destOrd="0" presId="urn:microsoft.com/office/officeart/2005/8/layout/process4"/>
+    <dgm:cxn modelId="{C14CCCDE-4548-447A-852E-E46758D06759}" type="presParOf" srcId="{79DBEBA6-90EC-4B82-B08A-D7BCA28295DE}" destId="{495473A0-4F9D-4EFE-B411-B80CB7F7816E}" srcOrd="0" destOrd="0" presId="urn:microsoft.com/office/officeart/2005/8/layout/process4"/>
+    <dgm:cxn modelId="{8EF492B9-93A9-4F3E-B0C0-E1B42104BBB3}" type="presParOf" srcId="{A7682DC4-75D1-492B-983D-0C5E91A48323}" destId="{2ED74685-F4DE-426E-BEDB-029BA7C35861}" srcOrd="1" destOrd="0" presId="urn:microsoft.com/office/officeart/2005/8/layout/process4"/>
+    <dgm:cxn modelId="{380AB46F-6843-4AE9-8495-6105ED174AFE}" type="presParOf" srcId="{A7682DC4-75D1-492B-983D-0C5E91A48323}" destId="{982B267B-32F3-4546-9DFC-EEFC16DDC9BC}" srcOrd="2" destOrd="0" presId="urn:microsoft.com/office/officeart/2005/8/layout/process4"/>
+    <dgm:cxn modelId="{472BE38A-6E76-464F-A095-47975FA1730A}" type="presParOf" srcId="{982B267B-32F3-4546-9DFC-EEFC16DDC9BC}" destId="{47F49392-538A-46D1-8ED6-9FBCBD57FAF6}" srcOrd="0" destOrd="0" presId="urn:microsoft.com/office/officeart/2005/8/layout/process4"/>
+    <dgm:cxn modelId="{E5690FFB-D426-4C06-B355-854003DB21D0}" type="presParOf" srcId="{A7682DC4-75D1-492B-983D-0C5E91A48323}" destId="{BD4D816B-2DE1-492F-BB25-5D8F818A221F}" srcOrd="3" destOrd="0" presId="urn:microsoft.com/office/officeart/2005/8/layout/process4"/>
+    <dgm:cxn modelId="{FBB0CC2E-4241-4945-9E85-B5365EC40832}" type="presParOf" srcId="{A7682DC4-75D1-492B-983D-0C5E91A48323}" destId="{AA60F6FF-E7A2-405A-9BB1-62EA89E85BAE}" srcOrd="4" destOrd="0" presId="urn:microsoft.com/office/officeart/2005/8/layout/process4"/>
+    <dgm:cxn modelId="{B58AD9E5-A4C4-4AB8-8499-7AB6FC2BD821}" type="presParOf" srcId="{AA60F6FF-E7A2-405A-9BB1-62EA89E85BAE}" destId="{3E57F5FC-E7C6-4C7A-87E6-BFB65C52D46A}" srcOrd="0" destOrd="0" presId="urn:microsoft.com/office/officeart/2005/8/layout/process4"/>
+    <dgm:cxn modelId="{759FD13B-B2C6-4171-9450-4C3139A17DBD}" type="presParOf" srcId="{A7682DC4-75D1-492B-983D-0C5E91A48323}" destId="{44A8A794-4212-4D16-BF3D-B5AF9A7475F1}" srcOrd="5" destOrd="0" presId="urn:microsoft.com/office/officeart/2005/8/layout/process4"/>
+    <dgm:cxn modelId="{A0D9593A-8051-49E8-81FF-9D52FDA32CB5}" type="presParOf" srcId="{A7682DC4-75D1-492B-983D-0C5E91A48323}" destId="{C0C9330E-2943-4B8D-9C50-C7E0ED75D1D8}" srcOrd="6" destOrd="0" presId="urn:microsoft.com/office/officeart/2005/8/layout/process4"/>
+    <dgm:cxn modelId="{8012A4E6-FD9F-4AB9-B7F9-E9F50EFD9F51}" type="presParOf" srcId="{C0C9330E-2943-4B8D-9C50-C7E0ED75D1D8}" destId="{B0E77675-FD87-4DCE-8841-5B0477E70DD5}" srcOrd="0" destOrd="0" presId="urn:microsoft.com/office/officeart/2005/8/layout/process4"/>
+    <dgm:cxn modelId="{724C2B32-47C8-4477-B1CE-5D8DB241E2D6}" type="presParOf" srcId="{A7682DC4-75D1-492B-983D-0C5E91A48323}" destId="{85710A85-9D25-40C3-999F-2AD636D0F765}" srcOrd="7" destOrd="0" presId="urn:microsoft.com/office/officeart/2005/8/layout/process4"/>
+    <dgm:cxn modelId="{99FF2196-B122-4B3C-B576-096D6EF63A75}" type="presParOf" srcId="{A7682DC4-75D1-492B-983D-0C5E91A48323}" destId="{4168B253-4B14-41DF-9787-85DD493159C6}" srcOrd="8" destOrd="0" presId="urn:microsoft.com/office/officeart/2005/8/layout/process4"/>
+    <dgm:cxn modelId="{B37EBCE9-F87B-40B7-AB05-6483FBEA86E6}" type="presParOf" srcId="{4168B253-4B14-41DF-9787-85DD493159C6}" destId="{B31B5764-7AB9-4CC2-ABDA-8E3EEB030D2C}" srcOrd="0" destOrd="0" presId="urn:microsoft.com/office/officeart/2005/8/layout/process4"/>
+    <dgm:cxn modelId="{24F64580-E37B-43AF-8B53-D7DDC301D6A4}" type="presParOf" srcId="{A7682DC4-75D1-492B-983D-0C5E91A48323}" destId="{EBEACA80-4F48-43FB-99B7-8F8681B18D0B}" srcOrd="9" destOrd="0" presId="urn:microsoft.com/office/officeart/2005/8/layout/process4"/>
+    <dgm:cxn modelId="{B4C0FDEC-024E-4E91-A946-800D5D9CCCA5}" type="presParOf" srcId="{A7682DC4-75D1-492B-983D-0C5E91A48323}" destId="{5596352A-6822-48E9-9FA4-9DE6CEFFD116}" srcOrd="10" destOrd="0" presId="urn:microsoft.com/office/officeart/2005/8/layout/process4"/>
+    <dgm:cxn modelId="{A7AD8C7C-E17A-4736-8C05-CB77127ECB08}" type="presParOf" srcId="{5596352A-6822-48E9-9FA4-9DE6CEFFD116}" destId="{AC6CD6DB-8E24-4A95-9DBB-6A55D3EBA6D3}" srcOrd="0" destOrd="0" presId="urn:microsoft.com/office/officeart/2005/8/layout/process4"/>
   </dgm:cxnLst>
   <dgm:bg/>
   <dgm:whole/>
@@ -4167,21 +4936,21 @@
     </dgm:pt>
   </dgm:ptLst>
   <dgm:cxnLst>
+    <dgm:cxn modelId="{EEB9FBCD-3765-4886-A9D4-8D69EF6C222E}" type="presOf" srcId="{CA4736E1-9E10-421C-90A0-F21DBAF64FDD}" destId="{918CD3B2-1712-43C0-813F-1BE3E6FE3CD6}" srcOrd="0" destOrd="0" presId="urn:microsoft.com/office/officeart/2005/8/layout/rings+Icon"/>
+    <dgm:cxn modelId="{3F897C4D-A94C-4149-A331-5C54F177C830}" srcId="{F1995C30-C1F0-48D5-A427-732CEBDBF92F}" destId="{6963C3B6-E4B2-4EDC-B205-B5EF4426A6F4}" srcOrd="5" destOrd="0" parTransId="{030A5F07-57C0-4A64-A8FA-40179C49204A}" sibTransId="{6D8CCD8D-9F37-460E-97AC-F5A350A6F320}"/>
+    <dgm:cxn modelId="{23760D08-671D-440F-AAE6-D5567642C294}" type="presOf" srcId="{C443E01D-29CA-49EC-A342-7087396B2529}" destId="{D566C6F4-BAE5-423F-AC6D-27AAD4D63A5D}" srcOrd="0" destOrd="0" presId="urn:microsoft.com/office/officeart/2005/8/layout/rings+Icon"/>
+    <dgm:cxn modelId="{23F5FEC9-654E-4E7F-B054-395FC8FE56D5}" srcId="{F1995C30-C1F0-48D5-A427-732CEBDBF92F}" destId="{7D3E833B-278A-4641-BEFF-03616E12F159}" srcOrd="6" destOrd="0" parTransId="{8E7194DF-31CD-43AA-8DD6-3B76674B2943}" sibTransId="{974D9F96-D092-480A-8F93-69A618911E0E}"/>
+    <dgm:cxn modelId="{4138DABC-AD74-4D34-BE06-4DA9C3B65807}" srcId="{F1995C30-C1F0-48D5-A427-732CEBDBF92F}" destId="{0CF91CA7-83AC-4F39-972E-D8E454875573}" srcOrd="2" destOrd="0" parTransId="{F66CBE75-BE62-4B2F-8BC8-4B35FBC7CF60}" sibTransId="{D9C27985-E2C0-45DA-A3EF-2ADD7026AECD}"/>
+    <dgm:cxn modelId="{C6A2D9E2-9A7C-4AE0-8FFD-B5EC3DAD3338}" srcId="{F1995C30-C1F0-48D5-A427-732CEBDBF92F}" destId="{AFAD4E79-42B2-4531-BD91-341466DFC3ED}" srcOrd="3" destOrd="0" parTransId="{458F63BF-4305-445E-BA11-63B215F437D0}" sibTransId="{49FF487C-CCAE-44F3-96B6-10D5DF78BAE1}"/>
     <dgm:cxn modelId="{BBFA888E-7D0C-41FA-94D5-298CF0E88587}" srcId="{F1995C30-C1F0-48D5-A427-732CEBDBF92F}" destId="{C443E01D-29CA-49EC-A342-7087396B2529}" srcOrd="4" destOrd="0" parTransId="{A12DF4BE-62DB-4784-A750-E3C852350D96}" sibTransId="{8075A4AD-1B06-4AA6-B267-399B80B4FA17}"/>
-    <dgm:cxn modelId="{793ECAFF-EFD2-4143-B587-8FAB46442B5D}" type="presOf" srcId="{0CF91CA7-83AC-4F39-972E-D8E454875573}" destId="{0DE16A69-70DD-417C-AC37-9749F6EC90AE}" srcOrd="0" destOrd="0" presId="urn:microsoft.com/office/officeart/2005/8/layout/rings+Icon"/>
+    <dgm:cxn modelId="{50E8368D-EF78-4654-B3BA-8B04AA08520F}" type="presOf" srcId="{6963C3B6-E4B2-4EDC-B205-B5EF4426A6F4}" destId="{3268C9B5-D027-4929-B5E0-B02A0D27FB29}" srcOrd="0" destOrd="0" presId="urn:microsoft.com/office/officeart/2005/8/layout/rings+Icon"/>
+    <dgm:cxn modelId="{91EA4E90-190F-42DB-AC8E-736500662561}" type="presOf" srcId="{7D3E833B-278A-4641-BEFF-03616E12F159}" destId="{FA000778-C0CA-44CE-9CC5-2A06CCF76E1E}" srcOrd="0" destOrd="0" presId="urn:microsoft.com/office/officeart/2005/8/layout/rings+Icon"/>
     <dgm:cxn modelId="{25CB238C-6E74-49FB-B68B-86BECC2A77CB}" srcId="{F1995C30-C1F0-48D5-A427-732CEBDBF92F}" destId="{D881510C-1A38-4475-AE54-A8096133C5B6}" srcOrd="0" destOrd="0" parTransId="{24AAD2EA-5D9D-42A2-BC57-5149F989F83E}" sibTransId="{4EC4D3EB-0A36-4B60-A681-42E012E838C0}"/>
-    <dgm:cxn modelId="{23760D08-671D-440F-AAE6-D5567642C294}" type="presOf" srcId="{C443E01D-29CA-49EC-A342-7087396B2529}" destId="{D566C6F4-BAE5-423F-AC6D-27AAD4D63A5D}" srcOrd="0" destOrd="0" presId="urn:microsoft.com/office/officeart/2005/8/layout/rings+Icon"/>
-    <dgm:cxn modelId="{3F897C4D-A94C-4149-A331-5C54F177C830}" srcId="{F1995C30-C1F0-48D5-A427-732CEBDBF92F}" destId="{6963C3B6-E4B2-4EDC-B205-B5EF4426A6F4}" srcOrd="5" destOrd="0" parTransId="{030A5F07-57C0-4A64-A8FA-40179C49204A}" sibTransId="{6D8CCD8D-9F37-460E-97AC-F5A350A6F320}"/>
-    <dgm:cxn modelId="{C6A2D9E2-9A7C-4AE0-8FFD-B5EC3DAD3338}" srcId="{F1995C30-C1F0-48D5-A427-732CEBDBF92F}" destId="{AFAD4E79-42B2-4531-BD91-341466DFC3ED}" srcOrd="3" destOrd="0" parTransId="{458F63BF-4305-445E-BA11-63B215F437D0}" sibTransId="{49FF487C-CCAE-44F3-96B6-10D5DF78BAE1}"/>
-    <dgm:cxn modelId="{50E8368D-EF78-4654-B3BA-8B04AA08520F}" type="presOf" srcId="{6963C3B6-E4B2-4EDC-B205-B5EF4426A6F4}" destId="{3268C9B5-D027-4929-B5E0-B02A0D27FB29}" srcOrd="0" destOrd="0" presId="urn:microsoft.com/office/officeart/2005/8/layout/rings+Icon"/>
-    <dgm:cxn modelId="{EEB9FBCD-3765-4886-A9D4-8D69EF6C222E}" type="presOf" srcId="{CA4736E1-9E10-421C-90A0-F21DBAF64FDD}" destId="{918CD3B2-1712-43C0-813F-1BE3E6FE3CD6}" srcOrd="0" destOrd="0" presId="urn:microsoft.com/office/officeart/2005/8/layout/rings+Icon"/>
-    <dgm:cxn modelId="{14081E62-230B-4685-80E4-B6CBDA449167}" type="presOf" srcId="{D881510C-1A38-4475-AE54-A8096133C5B6}" destId="{E0EA9F1F-8C73-469D-8F5C-D497471B2082}" srcOrd="0" destOrd="0" presId="urn:microsoft.com/office/officeart/2005/8/layout/rings+Icon"/>
-    <dgm:cxn modelId="{4138DABC-AD74-4D34-BE06-4DA9C3B65807}" srcId="{F1995C30-C1F0-48D5-A427-732CEBDBF92F}" destId="{0CF91CA7-83AC-4F39-972E-D8E454875573}" srcOrd="2" destOrd="0" parTransId="{F66CBE75-BE62-4B2F-8BC8-4B35FBC7CF60}" sibTransId="{D9C27985-E2C0-45DA-A3EF-2ADD7026AECD}"/>
     <dgm:cxn modelId="{5CFCE0F6-C351-4515-A206-B5E08E0B46EF}" srcId="{F1995C30-C1F0-48D5-A427-732CEBDBF92F}" destId="{CA4736E1-9E10-421C-90A0-F21DBAF64FDD}" srcOrd="1" destOrd="0" parTransId="{F155EDD4-C166-4494-8829-9022C6952088}" sibTransId="{6DC03314-8C72-4855-9BF6-4D6DD23DE50C}"/>
     <dgm:cxn modelId="{599F5ECE-F755-4D8A-9C02-4123C8EEA7E9}" type="presOf" srcId="{F1995C30-C1F0-48D5-A427-732CEBDBF92F}" destId="{B4D99DE4-774A-4F7F-9BAD-DEF3991DEAAC}" srcOrd="0" destOrd="0" presId="urn:microsoft.com/office/officeart/2005/8/layout/rings+Icon"/>
-    <dgm:cxn modelId="{91EA4E90-190F-42DB-AC8E-736500662561}" type="presOf" srcId="{7D3E833B-278A-4641-BEFF-03616E12F159}" destId="{FA000778-C0CA-44CE-9CC5-2A06CCF76E1E}" srcOrd="0" destOrd="0" presId="urn:microsoft.com/office/officeart/2005/8/layout/rings+Icon"/>
-    <dgm:cxn modelId="{23F5FEC9-654E-4E7F-B054-395FC8FE56D5}" srcId="{F1995C30-C1F0-48D5-A427-732CEBDBF92F}" destId="{7D3E833B-278A-4641-BEFF-03616E12F159}" srcOrd="6" destOrd="0" parTransId="{8E7194DF-31CD-43AA-8DD6-3B76674B2943}" sibTransId="{974D9F96-D092-480A-8F93-69A618911E0E}"/>
     <dgm:cxn modelId="{1DCACDA9-8721-4AD6-9483-1B6873DDB952}" type="presOf" srcId="{AFAD4E79-42B2-4531-BD91-341466DFC3ED}" destId="{4118ED0B-3E5D-4C26-87AD-93E27F28726F}" srcOrd="0" destOrd="0" presId="urn:microsoft.com/office/officeart/2005/8/layout/rings+Icon"/>
+    <dgm:cxn modelId="{793ECAFF-EFD2-4143-B587-8FAB46442B5D}" type="presOf" srcId="{0CF91CA7-83AC-4F39-972E-D8E454875573}" destId="{0DE16A69-70DD-417C-AC37-9749F6EC90AE}" srcOrd="0" destOrd="0" presId="urn:microsoft.com/office/officeart/2005/8/layout/rings+Icon"/>
+    <dgm:cxn modelId="{14081E62-230B-4685-80E4-B6CBDA449167}" type="presOf" srcId="{D881510C-1A38-4475-AE54-A8096133C5B6}" destId="{E0EA9F1F-8C73-469D-8F5C-D497471B2082}" srcOrd="0" destOrd="0" presId="urn:microsoft.com/office/officeart/2005/8/layout/rings+Icon"/>
     <dgm:cxn modelId="{3FECDD84-B4D9-4472-8E01-E1BB743B6069}" type="presParOf" srcId="{B4D99DE4-774A-4F7F-9BAD-DEF3991DEAAC}" destId="{E0EA9F1F-8C73-469D-8F5C-D497471B2082}" srcOrd="0" destOrd="0" presId="urn:microsoft.com/office/officeart/2005/8/layout/rings+Icon"/>
     <dgm:cxn modelId="{A80F85DD-B413-4295-8AF7-AFEAA8B8DA7A}" type="presParOf" srcId="{B4D99DE4-774A-4F7F-9BAD-DEF3991DEAAC}" destId="{918CD3B2-1712-43C0-813F-1BE3E6FE3CD6}" srcOrd="1" destOrd="0" presId="urn:microsoft.com/office/officeart/2005/8/layout/rings+Icon"/>
     <dgm:cxn modelId="{C2339BE7-3D9D-4444-8961-F59A29B32C85}" type="presParOf" srcId="{B4D99DE4-774A-4F7F-9BAD-DEF3991DEAAC}" destId="{0DE16A69-70DD-417C-AC37-9749F6EC90AE}" srcOrd="2" destOrd="0" presId="urn:microsoft.com/office/officeart/2005/8/layout/rings+Icon"/>
@@ -4345,6 +5114,13 @@
         </dgm:presLayoutVars>
       </dgm:prSet>
       <dgm:spPr/>
+      <dgm:t>
+        <a:bodyPr/>
+        <a:lstStyle/>
+        <a:p>
+          <a:endParaRPr lang="de-DE"/>
+        </a:p>
+      </dgm:t>
     </dgm:pt>
     <dgm:pt modelId="{A0AA15EA-2460-431A-820B-A0910AB5F33A}" type="pres">
       <dgm:prSet presAssocID="{C02850AC-0439-4762-8028-CE22E9D657A5}" presName="node" presStyleLbl="node1" presStyleIdx="0" presStyleCnt="3">
@@ -4401,13 +5177,13 @@
     </dgm:pt>
   </dgm:ptLst>
   <dgm:cxnLst>
+    <dgm:cxn modelId="{77C827F3-67BA-42FB-A630-E8582FBD4804}" srcId="{5FE9F558-DC95-4C9B-A9E3-3972BDCC53C3}" destId="{C02850AC-0439-4762-8028-CE22E9D657A5}" srcOrd="0" destOrd="0" parTransId="{A02A7F8C-BA48-4320-81AF-6192900C0009}" sibTransId="{D19AB3BC-91C6-442C-8858-4998FC9C9777}"/>
+    <dgm:cxn modelId="{4EA3A395-96DC-46BA-BD83-6720183938E5}" type="presOf" srcId="{12CC74A5-E6AE-4A5F-AA3D-EDB2EB6161EC}" destId="{F37E37AC-57E6-4C00-A89F-F82990CE18FA}" srcOrd="0" destOrd="0" presId="urn:microsoft.com/office/officeart/2005/8/layout/hList6"/>
+    <dgm:cxn modelId="{EA3FF8F5-76E4-4043-ACF6-5E5A76BAE3CA}" type="presOf" srcId="{5FE9F558-DC95-4C9B-A9E3-3972BDCC53C3}" destId="{79AEEFE3-EE85-435A-98E1-FCB0C35BFC28}" srcOrd="0" destOrd="0" presId="urn:microsoft.com/office/officeart/2005/8/layout/hList6"/>
+    <dgm:cxn modelId="{601D64BB-64CC-4A64-897E-2C8C638E3010}" type="presOf" srcId="{C02850AC-0439-4762-8028-CE22E9D657A5}" destId="{A0AA15EA-2460-431A-820B-A0910AB5F33A}" srcOrd="0" destOrd="0" presId="urn:microsoft.com/office/officeart/2005/8/layout/hList6"/>
     <dgm:cxn modelId="{4CA0AD3E-B345-4F10-A5A1-8EA78876FE8E}" srcId="{5FE9F558-DC95-4C9B-A9E3-3972BDCC53C3}" destId="{EF6CA602-8B5C-4974-BF15-820C6D295862}" srcOrd="1" destOrd="0" parTransId="{B7909EC5-4115-4F99-8961-84B4CEE5980C}" sibTransId="{3D6AEAEA-4B66-4798-A0DB-09A6EDB3AD90}"/>
-    <dgm:cxn modelId="{4EA3A395-96DC-46BA-BD83-6720183938E5}" type="presOf" srcId="{12CC74A5-E6AE-4A5F-AA3D-EDB2EB6161EC}" destId="{F37E37AC-57E6-4C00-A89F-F82990CE18FA}" srcOrd="0" destOrd="0" presId="urn:microsoft.com/office/officeart/2005/8/layout/hList6"/>
-    <dgm:cxn modelId="{601D64BB-64CC-4A64-897E-2C8C638E3010}" type="presOf" srcId="{C02850AC-0439-4762-8028-CE22E9D657A5}" destId="{A0AA15EA-2460-431A-820B-A0910AB5F33A}" srcOrd="0" destOrd="0" presId="urn:microsoft.com/office/officeart/2005/8/layout/hList6"/>
-    <dgm:cxn modelId="{EA3FF8F5-76E4-4043-ACF6-5E5A76BAE3CA}" type="presOf" srcId="{5FE9F558-DC95-4C9B-A9E3-3972BDCC53C3}" destId="{79AEEFE3-EE85-435A-98E1-FCB0C35BFC28}" srcOrd="0" destOrd="0" presId="urn:microsoft.com/office/officeart/2005/8/layout/hList6"/>
+    <dgm:cxn modelId="{704FAED8-A770-4613-8ABB-A17C44DFB904}" type="presOf" srcId="{EF6CA602-8B5C-4974-BF15-820C6D295862}" destId="{671959A9-2CCC-4F0C-BACA-A8425E96828C}" srcOrd="0" destOrd="0" presId="urn:microsoft.com/office/officeart/2005/8/layout/hList6"/>
     <dgm:cxn modelId="{A47EEF0A-0EC9-46DD-9E1B-FEA07E94EBE9}" srcId="{5FE9F558-DC95-4C9B-A9E3-3972BDCC53C3}" destId="{12CC74A5-E6AE-4A5F-AA3D-EDB2EB6161EC}" srcOrd="2" destOrd="0" parTransId="{E745BF15-5998-4D3F-803A-E0A12A87543B}" sibTransId="{F2A29730-6FE0-4B76-9335-D6CB74C93449}"/>
-    <dgm:cxn modelId="{704FAED8-A770-4613-8ABB-A17C44DFB904}" type="presOf" srcId="{EF6CA602-8B5C-4974-BF15-820C6D295862}" destId="{671959A9-2CCC-4F0C-BACA-A8425E96828C}" srcOrd="0" destOrd="0" presId="urn:microsoft.com/office/officeart/2005/8/layout/hList6"/>
-    <dgm:cxn modelId="{77C827F3-67BA-42FB-A630-E8582FBD4804}" srcId="{5FE9F558-DC95-4C9B-A9E3-3972BDCC53C3}" destId="{C02850AC-0439-4762-8028-CE22E9D657A5}" srcOrd="0" destOrd="0" parTransId="{A02A7F8C-BA48-4320-81AF-6192900C0009}" sibTransId="{D19AB3BC-91C6-442C-8858-4998FC9C9777}"/>
     <dgm:cxn modelId="{812B7C50-387C-4C6D-9A2C-006A9CE162D5}" type="presParOf" srcId="{79AEEFE3-EE85-435A-98E1-FCB0C35BFC28}" destId="{A0AA15EA-2460-431A-820B-A0910AB5F33A}" srcOrd="0" destOrd="0" presId="urn:microsoft.com/office/officeart/2005/8/layout/hList6"/>
     <dgm:cxn modelId="{32C95684-3CF0-47D5-A8EC-EE1F81ADBD75}" type="presParOf" srcId="{79AEEFE3-EE85-435A-98E1-FCB0C35BFC28}" destId="{5A517842-ED0B-4C26-92B5-7ACE72DBC52C}" srcOrd="1" destOrd="0" presId="urn:microsoft.com/office/officeart/2005/8/layout/hList6"/>
     <dgm:cxn modelId="{62C42756-12DB-4D37-9691-566D5E38D841}" type="presParOf" srcId="{79AEEFE3-EE85-435A-98E1-FCB0C35BFC28}" destId="{671959A9-2CCC-4F0C-BACA-A8425E96828C}" srcOrd="2" destOrd="0" presId="urn:microsoft.com/office/officeart/2005/8/layout/hList6"/>
@@ -4579,10 +5355,24 @@
     <dgm:pt modelId="{31B6D003-A70E-4638-A27B-A70373D32215}" type="pres">
       <dgm:prSet presAssocID="{594C0075-1315-4935-A64D-43A4623830E1}" presName="sibTrans" presStyleLbl="sibTrans2D1" presStyleIdx="0" presStyleCnt="2"/>
       <dgm:spPr/>
+      <dgm:t>
+        <a:bodyPr/>
+        <a:lstStyle/>
+        <a:p>
+          <a:endParaRPr lang="de-DE"/>
+        </a:p>
+      </dgm:t>
     </dgm:pt>
     <dgm:pt modelId="{B3C8BC40-DE53-4D31-B544-6512F3689EBE}" type="pres">
       <dgm:prSet presAssocID="{594C0075-1315-4935-A64D-43A4623830E1}" presName="connectorText" presStyleLbl="sibTrans2D1" presStyleIdx="0" presStyleCnt="2"/>
       <dgm:spPr/>
+      <dgm:t>
+        <a:bodyPr/>
+        <a:lstStyle/>
+        <a:p>
+          <a:endParaRPr lang="de-DE"/>
+        </a:p>
+      </dgm:t>
     </dgm:pt>
     <dgm:pt modelId="{8D4431BC-C920-41D0-9FE4-C9AAA3E55BBC}" type="pres">
       <dgm:prSet presAssocID="{86152A4D-E250-433A-8735-68165277F252}" presName="node" presStyleLbl="node1" presStyleIdx="1" presStyleCnt="3" custScaleY="147372">
@@ -4602,10 +5392,24 @@
     <dgm:pt modelId="{2337F0B6-F474-4FA9-904B-3B6B7DC20C42}" type="pres">
       <dgm:prSet presAssocID="{A7536C88-437D-4E7D-8D62-5EE10D7E0D70}" presName="sibTrans" presStyleLbl="sibTrans2D1" presStyleIdx="1" presStyleCnt="2"/>
       <dgm:spPr/>
+      <dgm:t>
+        <a:bodyPr/>
+        <a:lstStyle/>
+        <a:p>
+          <a:endParaRPr lang="de-DE"/>
+        </a:p>
+      </dgm:t>
     </dgm:pt>
     <dgm:pt modelId="{7899C67B-FAC6-4D64-90BA-E5DEAD90128C}" type="pres">
       <dgm:prSet presAssocID="{A7536C88-437D-4E7D-8D62-5EE10D7E0D70}" presName="connectorText" presStyleLbl="sibTrans2D1" presStyleIdx="1" presStyleCnt="2"/>
       <dgm:spPr/>
+      <dgm:t>
+        <a:bodyPr/>
+        <a:lstStyle/>
+        <a:p>
+          <a:endParaRPr lang="de-DE"/>
+        </a:p>
+      </dgm:t>
     </dgm:pt>
     <dgm:pt modelId="{FCB2E0F1-7600-4257-8E43-DA8598EE621B}" type="pres">
       <dgm:prSet presAssocID="{9239801F-3C08-407D-8605-CCCBD3D52809}" presName="node" presStyleLbl="node1" presStyleIdx="2" presStyleCnt="3" custScaleY="147372">
@@ -4614,20 +5418,27 @@
         </dgm:presLayoutVars>
       </dgm:prSet>
       <dgm:spPr/>
+      <dgm:t>
+        <a:bodyPr/>
+        <a:lstStyle/>
+        <a:p>
+          <a:endParaRPr lang="de-DE"/>
+        </a:p>
+      </dgm:t>
     </dgm:pt>
   </dgm:ptLst>
   <dgm:cxnLst>
+    <dgm:cxn modelId="{1E148382-C90C-40F3-8274-F0E47CC275BF}" type="presOf" srcId="{D6914388-413B-4DD2-88AD-1942DC61512C}" destId="{6E52FE70-06E2-4FDA-8071-A2264CBD09F7}" srcOrd="0" destOrd="0" presId="urn:microsoft.com/office/officeart/2005/8/layout/process1"/>
+    <dgm:cxn modelId="{1480B5C0-CA08-46BA-9E42-0F412C8C0F32}" type="presOf" srcId="{9239801F-3C08-407D-8605-CCCBD3D52809}" destId="{FCB2E0F1-7600-4257-8E43-DA8598EE621B}" srcOrd="0" destOrd="0" presId="urn:microsoft.com/office/officeart/2005/8/layout/process1"/>
+    <dgm:cxn modelId="{DC1F818E-92A0-4980-8F62-953780E8C382}" type="presOf" srcId="{86152A4D-E250-433A-8735-68165277F252}" destId="{8D4431BC-C920-41D0-9FE4-C9AAA3E55BBC}" srcOrd="0" destOrd="0" presId="urn:microsoft.com/office/officeart/2005/8/layout/process1"/>
+    <dgm:cxn modelId="{E267C303-0DE9-48FF-9EB6-53B9EBC9CEEF}" type="presOf" srcId="{A7536C88-437D-4E7D-8D62-5EE10D7E0D70}" destId="{7899C67B-FAC6-4D64-90BA-E5DEAD90128C}" srcOrd="1" destOrd="0" presId="urn:microsoft.com/office/officeart/2005/8/layout/process1"/>
+    <dgm:cxn modelId="{16921964-F177-4870-8B0B-FAAAFB3E55C8}" type="presOf" srcId="{594C0075-1315-4935-A64D-43A4623830E1}" destId="{31B6D003-A70E-4638-A27B-A70373D32215}" srcOrd="0" destOrd="0" presId="urn:microsoft.com/office/officeart/2005/8/layout/process1"/>
+    <dgm:cxn modelId="{23041D06-1BBE-40DF-AD2A-B8D81724F098}" srcId="{0A036F29-7FEC-4611-898D-B14F5AAF41C2}" destId="{D6914388-413B-4DD2-88AD-1942DC61512C}" srcOrd="0" destOrd="0" parTransId="{D159D3D1-974B-4FA1-8270-AB25A54084D6}" sibTransId="{594C0075-1315-4935-A64D-43A4623830E1}"/>
+    <dgm:cxn modelId="{190A3FBA-7981-4824-A851-508CDFF47C34}" srcId="{0A036F29-7FEC-4611-898D-B14F5AAF41C2}" destId="{86152A4D-E250-433A-8735-68165277F252}" srcOrd="1" destOrd="0" parTransId="{263CD058-D42A-4CE1-AE70-18DF51AC0BB2}" sibTransId="{A7536C88-437D-4E7D-8D62-5EE10D7E0D70}"/>
+    <dgm:cxn modelId="{5D48A178-9A1C-4F2F-A2DA-452B81FC4172}" srcId="{0A036F29-7FEC-4611-898D-B14F5AAF41C2}" destId="{9239801F-3C08-407D-8605-CCCBD3D52809}" srcOrd="2" destOrd="0" parTransId="{D7A99BBB-38BD-4876-B1F4-7BEE2CA623DF}" sibTransId="{375D3E35-D56A-4952-9F84-34DE7A41CAE4}"/>
+    <dgm:cxn modelId="{5F196906-0CAE-4133-815B-8FDB421A4BBB}" type="presOf" srcId="{594C0075-1315-4935-A64D-43A4623830E1}" destId="{B3C8BC40-DE53-4D31-B544-6512F3689EBE}" srcOrd="1" destOrd="0" presId="urn:microsoft.com/office/officeart/2005/8/layout/process1"/>
+    <dgm:cxn modelId="{42F00E43-74A6-4E67-BFE9-B4828D0EE758}" type="presOf" srcId="{A7536C88-437D-4E7D-8D62-5EE10D7E0D70}" destId="{2337F0B6-F474-4FA9-904B-3B6B7DC20C42}" srcOrd="0" destOrd="0" presId="urn:microsoft.com/office/officeart/2005/8/layout/process1"/>
     <dgm:cxn modelId="{2FFF9A5D-92CE-4529-9957-2D498D423BDF}" type="presOf" srcId="{0A036F29-7FEC-4611-898D-B14F5AAF41C2}" destId="{E64EE700-A4FA-430A-AA05-F569908D9813}" srcOrd="0" destOrd="0" presId="urn:microsoft.com/office/officeart/2005/8/layout/process1"/>
-    <dgm:cxn modelId="{42F00E43-74A6-4E67-BFE9-B4828D0EE758}" type="presOf" srcId="{A7536C88-437D-4E7D-8D62-5EE10D7E0D70}" destId="{2337F0B6-F474-4FA9-904B-3B6B7DC20C42}" srcOrd="0" destOrd="0" presId="urn:microsoft.com/office/officeart/2005/8/layout/process1"/>
-    <dgm:cxn modelId="{E267C303-0DE9-48FF-9EB6-53B9EBC9CEEF}" type="presOf" srcId="{A7536C88-437D-4E7D-8D62-5EE10D7E0D70}" destId="{7899C67B-FAC6-4D64-90BA-E5DEAD90128C}" srcOrd="1" destOrd="0" presId="urn:microsoft.com/office/officeart/2005/8/layout/process1"/>
-    <dgm:cxn modelId="{5F196906-0CAE-4133-815B-8FDB421A4BBB}" type="presOf" srcId="{594C0075-1315-4935-A64D-43A4623830E1}" destId="{B3C8BC40-DE53-4D31-B544-6512F3689EBE}" srcOrd="1" destOrd="0" presId="urn:microsoft.com/office/officeart/2005/8/layout/process1"/>
-    <dgm:cxn modelId="{DC1F818E-92A0-4980-8F62-953780E8C382}" type="presOf" srcId="{86152A4D-E250-433A-8735-68165277F252}" destId="{8D4431BC-C920-41D0-9FE4-C9AAA3E55BBC}" srcOrd="0" destOrd="0" presId="urn:microsoft.com/office/officeart/2005/8/layout/process1"/>
-    <dgm:cxn modelId="{1480B5C0-CA08-46BA-9E42-0F412C8C0F32}" type="presOf" srcId="{9239801F-3C08-407D-8605-CCCBD3D52809}" destId="{FCB2E0F1-7600-4257-8E43-DA8598EE621B}" srcOrd="0" destOrd="0" presId="urn:microsoft.com/office/officeart/2005/8/layout/process1"/>
-    <dgm:cxn modelId="{16921964-F177-4870-8B0B-FAAAFB3E55C8}" type="presOf" srcId="{594C0075-1315-4935-A64D-43A4623830E1}" destId="{31B6D003-A70E-4638-A27B-A70373D32215}" srcOrd="0" destOrd="0" presId="urn:microsoft.com/office/officeart/2005/8/layout/process1"/>
-    <dgm:cxn modelId="{5D48A178-9A1C-4F2F-A2DA-452B81FC4172}" srcId="{0A036F29-7FEC-4611-898D-B14F5AAF41C2}" destId="{9239801F-3C08-407D-8605-CCCBD3D52809}" srcOrd="2" destOrd="0" parTransId="{D7A99BBB-38BD-4876-B1F4-7BEE2CA623DF}" sibTransId="{375D3E35-D56A-4952-9F84-34DE7A41CAE4}"/>
-    <dgm:cxn modelId="{190A3FBA-7981-4824-A851-508CDFF47C34}" srcId="{0A036F29-7FEC-4611-898D-B14F5AAF41C2}" destId="{86152A4D-E250-433A-8735-68165277F252}" srcOrd="1" destOrd="0" parTransId="{263CD058-D42A-4CE1-AE70-18DF51AC0BB2}" sibTransId="{A7536C88-437D-4E7D-8D62-5EE10D7E0D70}"/>
-    <dgm:cxn modelId="{23041D06-1BBE-40DF-AD2A-B8D81724F098}" srcId="{0A036F29-7FEC-4611-898D-B14F5AAF41C2}" destId="{D6914388-413B-4DD2-88AD-1942DC61512C}" srcOrd="0" destOrd="0" parTransId="{D159D3D1-974B-4FA1-8270-AB25A54084D6}" sibTransId="{594C0075-1315-4935-A64D-43A4623830E1}"/>
-    <dgm:cxn modelId="{1E148382-C90C-40F3-8274-F0E47CC275BF}" type="presOf" srcId="{D6914388-413B-4DD2-88AD-1942DC61512C}" destId="{6E52FE70-06E2-4FDA-8071-A2264CBD09F7}" srcOrd="0" destOrd="0" presId="urn:microsoft.com/office/officeart/2005/8/layout/process1"/>
     <dgm:cxn modelId="{C6736EFF-F25A-4F22-A931-ADA10B50BBE1}" type="presParOf" srcId="{E64EE700-A4FA-430A-AA05-F569908D9813}" destId="{6E52FE70-06E2-4FDA-8071-A2264CBD09F7}" srcOrd="0" destOrd="0" presId="urn:microsoft.com/office/officeart/2005/8/layout/process1"/>
     <dgm:cxn modelId="{5A947B6D-55DE-42C6-A76A-DFC7C8A517C7}" type="presParOf" srcId="{E64EE700-A4FA-430A-AA05-F569908D9813}" destId="{31B6D003-A70E-4638-A27B-A70373D32215}" srcOrd="1" destOrd="0" presId="urn:microsoft.com/office/officeart/2005/8/layout/process1"/>
     <dgm:cxn modelId="{3E134E7E-2214-40A0-87AD-1E7496875284}" type="presParOf" srcId="{31B6D003-A70E-4638-A27B-A70373D32215}" destId="{B3C8BC40-DE53-4D31-B544-6512F3689EBE}" srcOrd="0" destOrd="0" presId="urn:microsoft.com/office/officeart/2005/8/layout/process1"/>
@@ -4635,6 +5446,325 @@
     <dgm:cxn modelId="{F6798DA1-8CE5-45F9-8F5C-F0CDBC9F5C75}" type="presParOf" srcId="{E64EE700-A4FA-430A-AA05-F569908D9813}" destId="{2337F0B6-F474-4FA9-904B-3B6B7DC20C42}" srcOrd="3" destOrd="0" presId="urn:microsoft.com/office/officeart/2005/8/layout/process1"/>
     <dgm:cxn modelId="{CA8FCEFD-8574-43E9-AA64-08F186FA0271}" type="presParOf" srcId="{2337F0B6-F474-4FA9-904B-3B6B7DC20C42}" destId="{7899C67B-FAC6-4D64-90BA-E5DEAD90128C}" srcOrd="0" destOrd="0" presId="urn:microsoft.com/office/officeart/2005/8/layout/process1"/>
     <dgm:cxn modelId="{DE91F151-1D54-4724-99F6-E1DE8BC30E76}" type="presParOf" srcId="{E64EE700-A4FA-430A-AA05-F569908D9813}" destId="{FCB2E0F1-7600-4257-8E43-DA8598EE621B}" srcOrd="4" destOrd="0" presId="urn:microsoft.com/office/officeart/2005/8/layout/process1"/>
+  </dgm:cxnLst>
+  <dgm:bg/>
+  <dgm:whole/>
+  <dgm:extLst>
+    <a:ext uri="http://schemas.microsoft.com/office/drawing/2008/diagram">
+      <dsp:dataModelExt xmlns:dsp="http://schemas.microsoft.com/office/drawing/2008/diagram" relId="rId6" minVer="http://schemas.openxmlformats.org/drawingml/2006/diagram"/>
+    </a:ext>
+  </dgm:extLst>
+</dgm:dataModel>
+</file>
+
+<file path=ppt/diagrams/data5.xml><?xml version="1.0" encoding="utf-8"?>
+<dgm:dataModel xmlns:dgm="http://schemas.openxmlformats.org/drawingml/2006/diagram" xmlns:a="http://schemas.openxmlformats.org/drawingml/2006/main">
+  <dgm:ptLst>
+    <dgm:pt modelId="{09A6C804-62B4-406D-9A57-E5885030822F}" type="doc">
+      <dgm:prSet loTypeId="urn:microsoft.com/office/officeart/2005/8/layout/vList2" loCatId="list" qsTypeId="urn:microsoft.com/office/officeart/2005/8/quickstyle/simple1" qsCatId="simple" csTypeId="urn:microsoft.com/office/officeart/2005/8/colors/colorful4" csCatId="colorful" phldr="1"/>
+      <dgm:spPr/>
+      <dgm:t>
+        <a:bodyPr/>
+        <a:lstStyle/>
+        <a:p>
+          <a:endParaRPr lang="de-DE"/>
+        </a:p>
+      </dgm:t>
+    </dgm:pt>
+    <dgm:pt modelId="{D2463223-327A-4284-8E1D-DCEFCD55B10E}">
+      <dgm:prSet/>
+      <dgm:spPr/>
+      <dgm:t>
+        <a:bodyPr/>
+        <a:lstStyle/>
+        <a:p>
+          <a:pPr rtl="0"/>
+          <a:r>
+            <a:rPr lang="de-DE" dirty="0" err="1" smtClean="0"/>
+            <a:t>Thunderbolttechnologie</a:t>
+          </a:r>
+          <a:r>
+            <a:rPr lang="de-DE" dirty="0" smtClean="0"/>
+            <a:t> an USB-IF übergeben</a:t>
+          </a:r>
+          <a:endParaRPr lang="de-DE" dirty="0"/>
+        </a:p>
+      </dgm:t>
+    </dgm:pt>
+    <dgm:pt modelId="{623C2B9C-54D6-470A-B5CD-66B1D7132FE8}" type="parTrans" cxnId="{87165BC3-7555-4229-B1BC-A43DF0DFB6D9}">
+      <dgm:prSet/>
+      <dgm:spPr/>
+      <dgm:t>
+        <a:bodyPr/>
+        <a:lstStyle/>
+        <a:p>
+          <a:endParaRPr lang="de-DE"/>
+        </a:p>
+      </dgm:t>
+    </dgm:pt>
+    <dgm:pt modelId="{B354D381-44B2-44DC-858B-B53035B408E4}" type="sibTrans" cxnId="{87165BC3-7555-4229-B1BC-A43DF0DFB6D9}">
+      <dgm:prSet/>
+      <dgm:spPr/>
+      <dgm:t>
+        <a:bodyPr/>
+        <a:lstStyle/>
+        <a:p>
+          <a:endParaRPr lang="de-DE"/>
+        </a:p>
+      </dgm:t>
+    </dgm:pt>
+    <dgm:pt modelId="{33D969EB-9BB4-4924-BCF5-871C998C8A81}">
+      <dgm:prSet/>
+      <dgm:spPr/>
+      <dgm:t>
+        <a:bodyPr/>
+        <a:lstStyle/>
+        <a:p>
+          <a:pPr rtl="0"/>
+          <a:r>
+            <a:rPr lang="de-DE" smtClean="0"/>
+            <a:t>USB-IF will es für USB-4 nutzen</a:t>
+          </a:r>
+          <a:endParaRPr lang="de-DE"/>
+        </a:p>
+      </dgm:t>
+    </dgm:pt>
+    <dgm:pt modelId="{9FF17F87-DB9E-441D-8027-DDBA43FC8722}" type="parTrans" cxnId="{AC033B27-5F4A-466F-B50A-6ACDAACAD60B}">
+      <dgm:prSet/>
+      <dgm:spPr/>
+      <dgm:t>
+        <a:bodyPr/>
+        <a:lstStyle/>
+        <a:p>
+          <a:endParaRPr lang="de-DE"/>
+        </a:p>
+      </dgm:t>
+    </dgm:pt>
+    <dgm:pt modelId="{C50D45BA-9041-45DA-8BD6-BAC2BC81A8A6}" type="sibTrans" cxnId="{AC033B27-5F4A-466F-B50A-6ACDAACAD60B}">
+      <dgm:prSet/>
+      <dgm:spPr/>
+      <dgm:t>
+        <a:bodyPr/>
+        <a:lstStyle/>
+        <a:p>
+          <a:endParaRPr lang="de-DE"/>
+        </a:p>
+      </dgm:t>
+    </dgm:pt>
+    <dgm:pt modelId="{B8A55791-48C2-42A6-A549-7845F46AFC88}">
+      <dgm:prSet/>
+      <dgm:spPr/>
+      <dgm:t>
+        <a:bodyPr/>
+        <a:lstStyle/>
+        <a:p>
+          <a:pPr rtl="0"/>
+          <a:r>
+            <a:rPr lang="de-DE" dirty="0" smtClean="0"/>
+            <a:t>Wollen bis 40 </a:t>
+          </a:r>
+          <a:r>
+            <a:rPr lang="de-DE" dirty="0" err="1" smtClean="0"/>
+            <a:t>Gbit</a:t>
+          </a:r>
+          <a:r>
+            <a:rPr lang="de-DE" dirty="0" smtClean="0"/>
+            <a:t>/s kommen</a:t>
+          </a:r>
+          <a:endParaRPr lang="de-DE" dirty="0"/>
+        </a:p>
+      </dgm:t>
+    </dgm:pt>
+    <dgm:pt modelId="{0DC0714C-4E1A-458A-A018-250C0C9082B7}" type="parTrans" cxnId="{1EE9DC12-EB99-483F-9EFB-72C97B7DC397}">
+      <dgm:prSet/>
+      <dgm:spPr/>
+      <dgm:t>
+        <a:bodyPr/>
+        <a:lstStyle/>
+        <a:p>
+          <a:endParaRPr lang="de-DE"/>
+        </a:p>
+      </dgm:t>
+    </dgm:pt>
+    <dgm:pt modelId="{61B78AC3-ABFD-4462-BBD4-E3141EB7956B}" type="sibTrans" cxnId="{1EE9DC12-EB99-483F-9EFB-72C97B7DC397}">
+      <dgm:prSet/>
+      <dgm:spPr/>
+      <dgm:t>
+        <a:bodyPr/>
+        <a:lstStyle/>
+        <a:p>
+          <a:endParaRPr lang="de-DE"/>
+        </a:p>
+      </dgm:t>
+    </dgm:pt>
+    <dgm:pt modelId="{2F4372C6-9912-42DF-9E5A-42C25C39EE6C}">
+      <dgm:prSet/>
+      <dgm:spPr/>
+      <dgm:t>
+        <a:bodyPr/>
+        <a:lstStyle/>
+        <a:p>
+          <a:pPr rtl="0"/>
+          <a:r>
+            <a:rPr lang="de-DE" dirty="0" smtClean="0"/>
+            <a:t>Stecker: USB-C </a:t>
+          </a:r>
+          <a:endParaRPr lang="de-DE" dirty="0"/>
+        </a:p>
+      </dgm:t>
+    </dgm:pt>
+    <dgm:pt modelId="{7007D5EF-F82D-45D1-B2BC-7BF3F4E3D216}" type="parTrans" cxnId="{BBF18CAF-36B0-4F65-85BC-07096AF423CE}">
+      <dgm:prSet/>
+      <dgm:spPr/>
+    </dgm:pt>
+    <dgm:pt modelId="{A727CDE5-78E4-4DEA-8281-99106E85949D}" type="sibTrans" cxnId="{BBF18CAF-36B0-4F65-85BC-07096AF423CE}">
+      <dgm:prSet/>
+      <dgm:spPr/>
+    </dgm:pt>
+    <dgm:pt modelId="{0DF7A362-DEE4-4199-8ECB-C2F678519C32}">
+      <dgm:prSet/>
+      <dgm:spPr/>
+      <dgm:t>
+        <a:bodyPr/>
+        <a:lstStyle/>
+        <a:p>
+          <a:pPr rtl="0"/>
+          <a:r>
+            <a:rPr lang="de-DE" dirty="0" smtClean="0"/>
+            <a:t>Soll 2020 rauskommen</a:t>
+          </a:r>
+          <a:endParaRPr lang="de-DE" dirty="0"/>
+        </a:p>
+      </dgm:t>
+    </dgm:pt>
+    <dgm:pt modelId="{F4BB174B-7E21-4448-B01A-74B50B171F3A}" type="parTrans" cxnId="{43B68792-4DE0-4A36-AE86-412314694E3D}">
+      <dgm:prSet/>
+      <dgm:spPr/>
+    </dgm:pt>
+    <dgm:pt modelId="{0C09F532-006B-4E2C-89D4-A31669231C06}" type="sibTrans" cxnId="{43B68792-4DE0-4A36-AE86-412314694E3D}">
+      <dgm:prSet/>
+      <dgm:spPr/>
+    </dgm:pt>
+    <dgm:pt modelId="{59475710-3F93-49ED-A628-663A57924329}" type="pres">
+      <dgm:prSet presAssocID="{09A6C804-62B4-406D-9A57-E5885030822F}" presName="linear" presStyleCnt="0">
+        <dgm:presLayoutVars>
+          <dgm:animLvl val="lvl"/>
+          <dgm:resizeHandles val="exact"/>
+        </dgm:presLayoutVars>
+      </dgm:prSet>
+      <dgm:spPr/>
+    </dgm:pt>
+    <dgm:pt modelId="{27804C6C-7289-46C5-A1A1-C737C4E9C2DA}" type="pres">
+      <dgm:prSet presAssocID="{D2463223-327A-4284-8E1D-DCEFCD55B10E}" presName="parentText" presStyleLbl="node1" presStyleIdx="0" presStyleCnt="5">
+        <dgm:presLayoutVars>
+          <dgm:chMax val="0"/>
+          <dgm:bulletEnabled val="1"/>
+        </dgm:presLayoutVars>
+      </dgm:prSet>
+      <dgm:spPr/>
+      <dgm:t>
+        <a:bodyPr/>
+        <a:lstStyle/>
+        <a:p>
+          <a:endParaRPr lang="de-DE"/>
+        </a:p>
+      </dgm:t>
+    </dgm:pt>
+    <dgm:pt modelId="{423E1DC1-71C1-491E-B0B9-C381685C1091}" type="pres">
+      <dgm:prSet presAssocID="{B354D381-44B2-44DC-858B-B53035B408E4}" presName="spacer" presStyleCnt="0"/>
+      <dgm:spPr/>
+    </dgm:pt>
+    <dgm:pt modelId="{019D6787-5F0A-4B93-8A50-96C2FDE084CD}" type="pres">
+      <dgm:prSet presAssocID="{33D969EB-9BB4-4924-BCF5-871C998C8A81}" presName="parentText" presStyleLbl="node1" presStyleIdx="1" presStyleCnt="5">
+        <dgm:presLayoutVars>
+          <dgm:chMax val="0"/>
+          <dgm:bulletEnabled val="1"/>
+        </dgm:presLayoutVars>
+      </dgm:prSet>
+      <dgm:spPr/>
+    </dgm:pt>
+    <dgm:pt modelId="{1DAD12CD-5062-481F-B073-D5E34F6C05B2}" type="pres">
+      <dgm:prSet presAssocID="{C50D45BA-9041-45DA-8BD6-BAC2BC81A8A6}" presName="spacer" presStyleCnt="0"/>
+      <dgm:spPr/>
+    </dgm:pt>
+    <dgm:pt modelId="{61FAFD44-29F7-485D-BB11-EB147CC9E093}" type="pres">
+      <dgm:prSet presAssocID="{B8A55791-48C2-42A6-A549-7845F46AFC88}" presName="parentText" presStyleLbl="node1" presStyleIdx="2" presStyleCnt="5">
+        <dgm:presLayoutVars>
+          <dgm:chMax val="0"/>
+          <dgm:bulletEnabled val="1"/>
+        </dgm:presLayoutVars>
+      </dgm:prSet>
+      <dgm:spPr/>
+      <dgm:t>
+        <a:bodyPr/>
+        <a:lstStyle/>
+        <a:p>
+          <a:endParaRPr lang="de-DE"/>
+        </a:p>
+      </dgm:t>
+    </dgm:pt>
+    <dgm:pt modelId="{A095AAC9-D304-4869-AF97-C0047AB3F864}" type="pres">
+      <dgm:prSet presAssocID="{61B78AC3-ABFD-4462-BBD4-E3141EB7956B}" presName="spacer" presStyleCnt="0"/>
+      <dgm:spPr/>
+    </dgm:pt>
+    <dgm:pt modelId="{6A66277D-7130-4C8B-B4CE-A071FCDD7AE2}" type="pres">
+      <dgm:prSet presAssocID="{2F4372C6-9912-42DF-9E5A-42C25C39EE6C}" presName="parentText" presStyleLbl="node1" presStyleIdx="3" presStyleCnt="5">
+        <dgm:presLayoutVars>
+          <dgm:chMax val="0"/>
+          <dgm:bulletEnabled val="1"/>
+        </dgm:presLayoutVars>
+      </dgm:prSet>
+      <dgm:spPr/>
+      <dgm:t>
+        <a:bodyPr/>
+        <a:lstStyle/>
+        <a:p>
+          <a:endParaRPr lang="de-DE"/>
+        </a:p>
+      </dgm:t>
+    </dgm:pt>
+    <dgm:pt modelId="{565724F7-4AA1-4E20-BC6E-EDD23552CEE3}" type="pres">
+      <dgm:prSet presAssocID="{A727CDE5-78E4-4DEA-8281-99106E85949D}" presName="spacer" presStyleCnt="0"/>
+      <dgm:spPr/>
+    </dgm:pt>
+    <dgm:pt modelId="{6021A941-C958-4909-9041-AA632604ABBC}" type="pres">
+      <dgm:prSet presAssocID="{0DF7A362-DEE4-4199-8ECB-C2F678519C32}" presName="parentText" presStyleLbl="node1" presStyleIdx="4" presStyleCnt="5">
+        <dgm:presLayoutVars>
+          <dgm:chMax val="0"/>
+          <dgm:bulletEnabled val="1"/>
+        </dgm:presLayoutVars>
+      </dgm:prSet>
+      <dgm:spPr/>
+      <dgm:t>
+        <a:bodyPr/>
+        <a:lstStyle/>
+        <a:p>
+          <a:endParaRPr lang="de-DE"/>
+        </a:p>
+      </dgm:t>
+    </dgm:pt>
+  </dgm:ptLst>
+  <dgm:cxnLst>
+    <dgm:cxn modelId="{74A5CFAC-2462-455E-BEE0-6620B0B37893}" type="presOf" srcId="{D2463223-327A-4284-8E1D-DCEFCD55B10E}" destId="{27804C6C-7289-46C5-A1A1-C737C4E9C2DA}" srcOrd="0" destOrd="0" presId="urn:microsoft.com/office/officeart/2005/8/layout/vList2"/>
+    <dgm:cxn modelId="{BBF18CAF-36B0-4F65-85BC-07096AF423CE}" srcId="{09A6C804-62B4-406D-9A57-E5885030822F}" destId="{2F4372C6-9912-42DF-9E5A-42C25C39EE6C}" srcOrd="3" destOrd="0" parTransId="{7007D5EF-F82D-45D1-B2BC-7BF3F4E3D216}" sibTransId="{A727CDE5-78E4-4DEA-8281-99106E85949D}"/>
+    <dgm:cxn modelId="{7B421AB3-BC3F-49BE-8D99-9389B5FE11BD}" type="presOf" srcId="{33D969EB-9BB4-4924-BCF5-871C998C8A81}" destId="{019D6787-5F0A-4B93-8A50-96C2FDE084CD}" srcOrd="0" destOrd="0" presId="urn:microsoft.com/office/officeart/2005/8/layout/vList2"/>
+    <dgm:cxn modelId="{87165BC3-7555-4229-B1BC-A43DF0DFB6D9}" srcId="{09A6C804-62B4-406D-9A57-E5885030822F}" destId="{D2463223-327A-4284-8E1D-DCEFCD55B10E}" srcOrd="0" destOrd="0" parTransId="{623C2B9C-54D6-470A-B5CD-66B1D7132FE8}" sibTransId="{B354D381-44B2-44DC-858B-B53035B408E4}"/>
+    <dgm:cxn modelId="{1EE9DC12-EB99-483F-9EFB-72C97B7DC397}" srcId="{09A6C804-62B4-406D-9A57-E5885030822F}" destId="{B8A55791-48C2-42A6-A549-7845F46AFC88}" srcOrd="2" destOrd="0" parTransId="{0DC0714C-4E1A-458A-A018-250C0C9082B7}" sibTransId="{61B78AC3-ABFD-4462-BBD4-E3141EB7956B}"/>
+    <dgm:cxn modelId="{EA30F277-E4E0-43E9-AD75-7EA2973723F6}" type="presOf" srcId="{B8A55791-48C2-42A6-A549-7845F46AFC88}" destId="{61FAFD44-29F7-485D-BB11-EB147CC9E093}" srcOrd="0" destOrd="0" presId="urn:microsoft.com/office/officeart/2005/8/layout/vList2"/>
+    <dgm:cxn modelId="{AC033B27-5F4A-466F-B50A-6ACDAACAD60B}" srcId="{09A6C804-62B4-406D-9A57-E5885030822F}" destId="{33D969EB-9BB4-4924-BCF5-871C998C8A81}" srcOrd="1" destOrd="0" parTransId="{9FF17F87-DB9E-441D-8027-DDBA43FC8722}" sibTransId="{C50D45BA-9041-45DA-8BD6-BAC2BC81A8A6}"/>
+    <dgm:cxn modelId="{59C718CC-4753-4D2D-970D-3621B675DC01}" type="presOf" srcId="{2F4372C6-9912-42DF-9E5A-42C25C39EE6C}" destId="{6A66277D-7130-4C8B-B4CE-A071FCDD7AE2}" srcOrd="0" destOrd="0" presId="urn:microsoft.com/office/officeart/2005/8/layout/vList2"/>
+    <dgm:cxn modelId="{43B68792-4DE0-4A36-AE86-412314694E3D}" srcId="{09A6C804-62B4-406D-9A57-E5885030822F}" destId="{0DF7A362-DEE4-4199-8ECB-C2F678519C32}" srcOrd="4" destOrd="0" parTransId="{F4BB174B-7E21-4448-B01A-74B50B171F3A}" sibTransId="{0C09F532-006B-4E2C-89D4-A31669231C06}"/>
+    <dgm:cxn modelId="{D73FA1B7-7E33-4154-AEDC-145633CFA097}" type="presOf" srcId="{0DF7A362-DEE4-4199-8ECB-C2F678519C32}" destId="{6021A941-C958-4909-9041-AA632604ABBC}" srcOrd="0" destOrd="0" presId="urn:microsoft.com/office/officeart/2005/8/layout/vList2"/>
+    <dgm:cxn modelId="{990AFD8A-AB14-4CD9-A987-6EFDB6260DBA}" type="presOf" srcId="{09A6C804-62B4-406D-9A57-E5885030822F}" destId="{59475710-3F93-49ED-A628-663A57924329}" srcOrd="0" destOrd="0" presId="urn:microsoft.com/office/officeart/2005/8/layout/vList2"/>
+    <dgm:cxn modelId="{15A36228-A94D-4B3F-A5FB-721F428EB055}" type="presParOf" srcId="{59475710-3F93-49ED-A628-663A57924329}" destId="{27804C6C-7289-46C5-A1A1-C737C4E9C2DA}" srcOrd="0" destOrd="0" presId="urn:microsoft.com/office/officeart/2005/8/layout/vList2"/>
+    <dgm:cxn modelId="{1BC1B641-CE59-4CC7-B547-276D9BDF4630}" type="presParOf" srcId="{59475710-3F93-49ED-A628-663A57924329}" destId="{423E1DC1-71C1-491E-B0B9-C381685C1091}" srcOrd="1" destOrd="0" presId="urn:microsoft.com/office/officeart/2005/8/layout/vList2"/>
+    <dgm:cxn modelId="{1CC57FDF-1710-40D1-A74A-A9CCEBF839A0}" type="presParOf" srcId="{59475710-3F93-49ED-A628-663A57924329}" destId="{019D6787-5F0A-4B93-8A50-96C2FDE084CD}" srcOrd="2" destOrd="0" presId="urn:microsoft.com/office/officeart/2005/8/layout/vList2"/>
+    <dgm:cxn modelId="{72F5BD1E-4A01-42FC-946E-7205BC2E1F19}" type="presParOf" srcId="{59475710-3F93-49ED-A628-663A57924329}" destId="{1DAD12CD-5062-481F-B073-D5E34F6C05B2}" srcOrd="3" destOrd="0" presId="urn:microsoft.com/office/officeart/2005/8/layout/vList2"/>
+    <dgm:cxn modelId="{847307E3-FC37-4857-A9A1-A12FE95771DD}" type="presParOf" srcId="{59475710-3F93-49ED-A628-663A57924329}" destId="{61FAFD44-29F7-485D-BB11-EB147CC9E093}" srcOrd="4" destOrd="0" presId="urn:microsoft.com/office/officeart/2005/8/layout/vList2"/>
+    <dgm:cxn modelId="{13D29BFC-BE7A-4ED1-B01C-E7C9B1D426B6}" type="presParOf" srcId="{59475710-3F93-49ED-A628-663A57924329}" destId="{A095AAC9-D304-4869-AF97-C0047AB3F864}" srcOrd="5" destOrd="0" presId="urn:microsoft.com/office/officeart/2005/8/layout/vList2"/>
+    <dgm:cxn modelId="{D6158F20-7EB1-47FB-B97B-D05F96E74050}" type="presParOf" srcId="{59475710-3F93-49ED-A628-663A57924329}" destId="{6A66277D-7130-4C8B-B4CE-A071FCDD7AE2}" srcOrd="6" destOrd="0" presId="urn:microsoft.com/office/officeart/2005/8/layout/vList2"/>
+    <dgm:cxn modelId="{B614961D-08AC-4C72-9E1F-23781E017F06}" type="presParOf" srcId="{59475710-3F93-49ED-A628-663A57924329}" destId="{565724F7-4AA1-4E20-BC6E-EDD23552CEE3}" srcOrd="7" destOrd="0" presId="urn:microsoft.com/office/officeart/2005/8/layout/vList2"/>
+    <dgm:cxn modelId="{F18E83BC-E41D-47FD-9786-8833F37D86CE}" type="presParOf" srcId="{59475710-3F93-49ED-A628-663A57924329}" destId="{6021A941-C958-4909-9041-AA632604ABBC}" srcOrd="8" destOrd="0" presId="urn:microsoft.com/office/officeart/2005/8/layout/vList2"/>
   </dgm:cxnLst>
   <dgm:bg/>
   <dgm:whole/>
@@ -4654,20 +5784,18 @@
       <dsp:cNvGrpSpPr/>
     </dsp:nvGrpSpPr>
     <dsp:grpSpPr/>
-    <dsp:sp modelId="{61D621AF-DC6F-4976-B96E-CD46A1D50BAD}">
+    <dsp:sp modelId="{495473A0-4F9D-4EFE-B411-B80CB7F7816E}">
       <dsp:nvSpPr>
         <dsp:cNvPr id="0" name=""/>
         <dsp:cNvSpPr/>
       </dsp:nvSpPr>
       <dsp:spPr>
         <a:xfrm>
-          <a:off x="0" y="0"/>
-          <a:ext cx="6336792" cy="822960"/>
+          <a:off x="0" y="4039637"/>
+          <a:ext cx="8229600" cy="530200"/>
         </a:xfrm>
-        <a:prstGeom prst="roundRect">
-          <a:avLst>
-            <a:gd name="adj" fmla="val 10000"/>
-          </a:avLst>
+        <a:prstGeom prst="rect">
+          <a:avLst/>
         </a:prstGeom>
         <a:solidFill>
           <a:schemeClr val="accent4">
@@ -4705,12 +5833,12 @@
         </a:fontRef>
       </dsp:style>
       <dsp:txBody>
-        <a:bodyPr spcFirstLastPara="0" vert="horz" wrap="square" lIns="106680" tIns="106680" rIns="106680" bIns="106680" numCol="1" spcCol="1270" anchor="ctr" anchorCtr="0">
+        <a:bodyPr spcFirstLastPara="0" vert="horz" wrap="square" lIns="142240" tIns="142240" rIns="142240" bIns="142240" numCol="1" spcCol="1270" anchor="ctr" anchorCtr="0">
           <a:noAutofit/>
         </a:bodyPr>
         <a:lstStyle/>
         <a:p>
-          <a:pPr lvl="0" algn="l" defTabSz="1244600">
+          <a:pPr lvl="0" algn="ctr" defTabSz="889000">
             <a:lnSpc>
               <a:spcPct val="90000"/>
             </a:lnSpc>
@@ -4722,37 +5850,35 @@
             </a:spcAft>
           </a:pPr>
           <a:r>
-            <a:rPr lang="de-DE" sz="2800" kern="1200" dirty="0" smtClean="0"/>
-            <a:t>Von Intel und Apple entwickelt</a:t>
+            <a:rPr lang="de-DE" sz="2000" kern="1200" dirty="0" smtClean="0"/>
+            <a:t>Benötigt Zusatz-Chip auf Motherboard</a:t>
           </a:r>
-          <a:endParaRPr lang="de-DE" sz="2800" kern="1200" dirty="0"/>
+          <a:endParaRPr lang="de-DE" sz="2000" kern="1200" dirty="0"/>
         </a:p>
       </dsp:txBody>
       <dsp:txXfrm>
-        <a:off x="24104" y="24104"/>
-        <a:ext cx="5352466" cy="774752"/>
+        <a:off x="0" y="4039637"/>
+        <a:ext cx="8229600" cy="530200"/>
       </dsp:txXfrm>
     </dsp:sp>
-    <dsp:sp modelId="{F6391628-1019-4322-A19F-290DE3D22372}">
+    <dsp:sp modelId="{47F49392-538A-46D1-8ED6-9FBCBD57FAF6}">
       <dsp:nvSpPr>
         <dsp:cNvPr id="0" name=""/>
         <dsp:cNvSpPr/>
       </dsp:nvSpPr>
       <dsp:spPr>
-        <a:xfrm>
-          <a:off x="473202" y="937260"/>
-          <a:ext cx="6336792" cy="822960"/>
+        <a:xfrm rot="10800000">
+          <a:off x="0" y="3232142"/>
+          <a:ext cx="8229600" cy="815447"/>
         </a:xfrm>
-        <a:prstGeom prst="roundRect">
-          <a:avLst>
-            <a:gd name="adj" fmla="val 10000"/>
-          </a:avLst>
+        <a:prstGeom prst="upArrowCallout">
+          <a:avLst/>
         </a:prstGeom>
         <a:solidFill>
           <a:schemeClr val="accent4">
-            <a:hueOff val="-1046257"/>
-            <a:satOff val="-4759"/>
-            <a:lumOff val="6470"/>
+            <a:hueOff val="-837005"/>
+            <a:satOff val="-3808"/>
+            <a:lumOff val="5176"/>
             <a:alphaOff val="0"/>
           </a:schemeClr>
         </a:solidFill>
@@ -4784,12 +5910,12 @@
         </a:fontRef>
       </dsp:style>
       <dsp:txBody>
-        <a:bodyPr spcFirstLastPara="0" vert="horz" wrap="square" lIns="91440" tIns="91440" rIns="91440" bIns="91440" numCol="1" spcCol="1270" anchor="ctr" anchorCtr="0">
+        <a:bodyPr spcFirstLastPara="0" vert="horz" wrap="square" lIns="142240" tIns="142240" rIns="142240" bIns="142240" numCol="1" spcCol="1270" anchor="ctr" anchorCtr="0">
           <a:noAutofit/>
         </a:bodyPr>
         <a:lstStyle/>
         <a:p>
-          <a:pPr lvl="0" algn="l" defTabSz="1066800">
+          <a:pPr lvl="0" algn="ctr" defTabSz="889000">
             <a:lnSpc>
               <a:spcPct val="90000"/>
             </a:lnSpc>
@@ -4801,45 +5927,35 @@
             </a:spcAft>
           </a:pPr>
           <a:r>
-            <a:rPr lang="de-DE" sz="2400" kern="1200" dirty="0" smtClean="0"/>
-            <a:t>Kombination aus </a:t>
+            <a:rPr lang="de-DE" sz="2000" kern="1200" dirty="0" smtClean="0"/>
+            <a:t>Kupferkabel, mit optischen Leitern kompatibel</a:t>
           </a:r>
-          <a:r>
-            <a:rPr lang="de-DE" sz="2400" kern="1200" dirty="0" err="1" smtClean="0"/>
-            <a:t>DisplayPort</a:t>
-          </a:r>
-          <a:r>
-            <a:rPr lang="de-DE" sz="2400" kern="1200" dirty="0" smtClean="0"/>
-            <a:t> und PCI Express</a:t>
-          </a:r>
-          <a:endParaRPr lang="de-DE" sz="2400" kern="1200" dirty="0"/>
+          <a:endParaRPr lang="de-DE" sz="2000" kern="1200" dirty="0"/>
         </a:p>
       </dsp:txBody>
-      <dsp:txXfrm>
-        <a:off x="497306" y="961364"/>
-        <a:ext cx="5280457" cy="774752"/>
+      <dsp:txXfrm rot="10800000">
+        <a:off x="0" y="3232142"/>
+        <a:ext cx="8229600" cy="529853"/>
       </dsp:txXfrm>
     </dsp:sp>
-    <dsp:sp modelId="{3712DD27-AC09-44F8-885B-51AED4A7DDD1}">
+    <dsp:sp modelId="{3E57F5FC-E7C6-4C7A-87E6-BFB65C52D46A}">
       <dsp:nvSpPr>
         <dsp:cNvPr id="0" name=""/>
         <dsp:cNvSpPr/>
       </dsp:nvSpPr>
       <dsp:spPr>
-        <a:xfrm>
-          <a:off x="946404" y="1874520"/>
-          <a:ext cx="6336792" cy="822960"/>
+        <a:xfrm rot="10800000">
+          <a:off x="0" y="2424647"/>
+          <a:ext cx="8229600" cy="815447"/>
         </a:xfrm>
-        <a:prstGeom prst="roundRect">
-          <a:avLst>
-            <a:gd name="adj" fmla="val 10000"/>
-          </a:avLst>
+        <a:prstGeom prst="upArrowCallout">
+          <a:avLst/>
         </a:prstGeom>
         <a:solidFill>
           <a:schemeClr val="accent4">
-            <a:hueOff val="-2092514"/>
-            <a:satOff val="-9519"/>
-            <a:lumOff val="12940"/>
+            <a:hueOff val="-1674011"/>
+            <a:satOff val="-7615"/>
+            <a:lumOff val="10352"/>
             <a:alphaOff val="0"/>
           </a:schemeClr>
         </a:solidFill>
@@ -4871,12 +5987,12 @@
         </a:fontRef>
       </dsp:style>
       <dsp:txBody>
-        <a:bodyPr spcFirstLastPara="0" vert="horz" wrap="square" lIns="57150" tIns="57150" rIns="57150" bIns="57150" numCol="1" spcCol="1270" anchor="ctr" anchorCtr="0">
+        <a:bodyPr spcFirstLastPara="0" vert="horz" wrap="square" lIns="142240" tIns="142240" rIns="142240" bIns="142240" numCol="1" spcCol="1270" anchor="ctr" anchorCtr="0">
           <a:noAutofit/>
         </a:bodyPr>
         <a:lstStyle/>
         <a:p>
-          <a:pPr lvl="0" algn="l" defTabSz="666750">
+          <a:pPr lvl="0" algn="ctr" defTabSz="889000">
             <a:lnSpc>
               <a:spcPct val="90000"/>
             </a:lnSpc>
@@ -4888,53 +6004,35 @@
             </a:spcAft>
           </a:pPr>
           <a:r>
-            <a:rPr lang="de-DE" sz="1500" kern="1200" dirty="0" smtClean="0"/>
-            <a:t>Schnittstellen zwischen Computern, Monitoren, Peripheriegeräten, Unterhaltungselektronik(</a:t>
+            <a:rPr lang="de-DE" sz="2000" kern="1200" dirty="0" smtClean="0"/>
+            <a:t>2009 intern, 2011 offiziell vorgestellt</a:t>
           </a:r>
-          <a:r>
-            <a:rPr lang="de-DE" sz="1500" kern="1200" dirty="0" err="1" smtClean="0"/>
-            <a:t>z.B</a:t>
-          </a:r>
-          <a:r>
-            <a:rPr lang="de-DE" sz="1500" kern="1200" dirty="0" smtClean="0"/>
-            <a:t> </a:t>
-          </a:r>
-          <a:r>
-            <a:rPr lang="de-DE" sz="1500" kern="1200" dirty="0" err="1" smtClean="0"/>
-            <a:t>Videokamaras</a:t>
-          </a:r>
-          <a:r>
-            <a:rPr lang="de-DE" sz="1500" kern="1200" dirty="0" smtClean="0"/>
-            <a:t> oder Festplatten)</a:t>
-          </a:r>
-          <a:endParaRPr lang="de-DE" sz="1500" kern="1200" dirty="0"/>
+          <a:endParaRPr lang="de-DE" sz="2000" kern="1200" dirty="0"/>
         </a:p>
       </dsp:txBody>
-      <dsp:txXfrm>
-        <a:off x="970508" y="1898624"/>
-        <a:ext cx="5280458" cy="774752"/>
+      <dsp:txXfrm rot="10800000">
+        <a:off x="0" y="2424647"/>
+        <a:ext cx="8229600" cy="529853"/>
       </dsp:txXfrm>
     </dsp:sp>
-    <dsp:sp modelId="{9AAFE5E6-A633-4248-8F19-A5126A064566}">
+    <dsp:sp modelId="{B0E77675-FD87-4DCE-8841-5B0477E70DD5}">
       <dsp:nvSpPr>
         <dsp:cNvPr id="0" name=""/>
         <dsp:cNvSpPr/>
       </dsp:nvSpPr>
       <dsp:spPr>
-        <a:xfrm>
-          <a:off x="1419605" y="2811780"/>
-          <a:ext cx="6336792" cy="822960"/>
+        <a:xfrm rot="10800000">
+          <a:off x="0" y="1617152"/>
+          <a:ext cx="8229600" cy="815447"/>
         </a:xfrm>
-        <a:prstGeom prst="roundRect">
-          <a:avLst>
-            <a:gd name="adj" fmla="val 10000"/>
-          </a:avLst>
+        <a:prstGeom prst="upArrowCallout">
+          <a:avLst/>
         </a:prstGeom>
         <a:solidFill>
           <a:schemeClr val="accent4">
-            <a:hueOff val="-3138771"/>
-            <a:satOff val="-14278"/>
-            <a:lumOff val="19410"/>
+            <a:hueOff val="-2511017"/>
+            <a:satOff val="-11423"/>
+            <a:lumOff val="15528"/>
             <a:alphaOff val="0"/>
           </a:schemeClr>
         </a:solidFill>
@@ -4966,12 +6064,12 @@
         </a:fontRef>
       </dsp:style>
       <dsp:txBody>
-        <a:bodyPr spcFirstLastPara="0" vert="horz" wrap="square" lIns="76200" tIns="76200" rIns="76200" bIns="76200" numCol="1" spcCol="1270" anchor="ctr" anchorCtr="0">
+        <a:bodyPr spcFirstLastPara="0" vert="horz" wrap="square" lIns="128016" tIns="128016" rIns="128016" bIns="128016" numCol="1" spcCol="1270" anchor="ctr" anchorCtr="0">
           <a:noAutofit/>
         </a:bodyPr>
         <a:lstStyle/>
         <a:p>
-          <a:pPr lvl="0" algn="l" defTabSz="889000">
+          <a:pPr lvl="0" algn="ctr" defTabSz="800100">
             <a:lnSpc>
               <a:spcPct val="90000"/>
             </a:lnSpc>
@@ -4983,31 +6081,114 @@
             </a:spcAft>
           </a:pPr>
           <a:r>
-            <a:rPr lang="de-DE" sz="2000" kern="1200" dirty="0" smtClean="0"/>
-            <a:t>2009 intern, 2011 offiziell vorgestellt</a:t>
+            <a:rPr lang="de-DE" sz="1800" kern="1200" dirty="0" smtClean="0"/>
+            <a:t>Universelle Schnittstelle</a:t>
           </a:r>
-          <a:endParaRPr lang="de-DE" sz="2000" kern="1200" dirty="0"/>
+          <a:endParaRPr lang="de-DE" sz="1800" kern="1200" dirty="0"/>
         </a:p>
       </dsp:txBody>
-      <dsp:txXfrm>
-        <a:off x="1443709" y="2835884"/>
-        <a:ext cx="5280457" cy="774752"/>
+      <dsp:txXfrm rot="10800000">
+        <a:off x="0" y="1617152"/>
+        <a:ext cx="8229600" cy="529853"/>
       </dsp:txXfrm>
     </dsp:sp>
-    <dsp:sp modelId="{DC0D1CF7-09F5-4D17-9CF2-314D2083F55B}">
+    <dsp:sp modelId="{B31B5764-7AB9-4CC2-ABDA-8E3EEB030D2C}">
       <dsp:nvSpPr>
         <dsp:cNvPr id="0" name=""/>
         <dsp:cNvSpPr/>
       </dsp:nvSpPr>
       <dsp:spPr>
-        <a:xfrm>
-          <a:off x="1892808" y="3749040"/>
-          <a:ext cx="6336792" cy="822960"/>
+        <a:xfrm rot="10800000">
+          <a:off x="0" y="809657"/>
+          <a:ext cx="8229600" cy="815447"/>
         </a:xfrm>
-        <a:prstGeom prst="roundRect">
-          <a:avLst>
-            <a:gd name="adj" fmla="val 10000"/>
-          </a:avLst>
+        <a:prstGeom prst="upArrowCallout">
+          <a:avLst/>
+        </a:prstGeom>
+        <a:solidFill>
+          <a:schemeClr val="accent4">
+            <a:hueOff val="-3348022"/>
+            <a:satOff val="-15230"/>
+            <a:lumOff val="20704"/>
+            <a:alphaOff val="0"/>
+          </a:schemeClr>
+        </a:solidFill>
+        <a:ln w="25400" cap="flat" cmpd="sng" algn="ctr">
+          <a:solidFill>
+            <a:schemeClr val="lt1">
+              <a:hueOff val="0"/>
+              <a:satOff val="0"/>
+              <a:lumOff val="0"/>
+              <a:alphaOff val="0"/>
+            </a:schemeClr>
+          </a:solidFill>
+          <a:prstDash val="solid"/>
+        </a:ln>
+        <a:effectLst/>
+      </dsp:spPr>
+      <dsp:style>
+        <a:lnRef idx="2">
+          <a:scrgbClr r="0" g="0" b="0"/>
+        </a:lnRef>
+        <a:fillRef idx="1">
+          <a:scrgbClr r="0" g="0" b="0"/>
+        </a:fillRef>
+        <a:effectRef idx="0">
+          <a:scrgbClr r="0" g="0" b="0"/>
+        </a:effectRef>
+        <a:fontRef idx="minor">
+          <a:schemeClr val="lt1"/>
+        </a:fontRef>
+      </dsp:style>
+      <dsp:txBody>
+        <a:bodyPr spcFirstLastPara="0" vert="horz" wrap="square" lIns="170688" tIns="170688" rIns="170688" bIns="170688" numCol="1" spcCol="1270" anchor="ctr" anchorCtr="0">
+          <a:noAutofit/>
+        </a:bodyPr>
+        <a:lstStyle/>
+        <a:p>
+          <a:pPr lvl="0" algn="ctr" defTabSz="1066800">
+            <a:lnSpc>
+              <a:spcPct val="90000"/>
+            </a:lnSpc>
+            <a:spcBef>
+              <a:spcPct val="0"/>
+            </a:spcBef>
+            <a:spcAft>
+              <a:spcPct val="35000"/>
+            </a:spcAft>
+          </a:pPr>
+          <a:r>
+            <a:rPr lang="de-DE" sz="2400" kern="1200" dirty="0" smtClean="0"/>
+            <a:t>Kombination aus </a:t>
+          </a:r>
+          <a:r>
+            <a:rPr lang="de-DE" sz="2400" kern="1200" dirty="0" err="1" smtClean="0"/>
+            <a:t>DisplayPort</a:t>
+          </a:r>
+          <a:r>
+            <a:rPr lang="de-DE" sz="2400" kern="1200" dirty="0" smtClean="0"/>
+            <a:t> und PCI Express</a:t>
+          </a:r>
+          <a:endParaRPr lang="de-DE" sz="2400" kern="1200" dirty="0"/>
+        </a:p>
+      </dsp:txBody>
+      <dsp:txXfrm rot="10800000">
+        <a:off x="0" y="809657"/>
+        <a:ext cx="8229600" cy="529853"/>
+      </dsp:txXfrm>
+    </dsp:sp>
+    <dsp:sp modelId="{AC6CD6DB-8E24-4A95-9DBB-6A55D3EBA6D3}">
+      <dsp:nvSpPr>
+        <dsp:cNvPr id="0" name=""/>
+        <dsp:cNvSpPr/>
+      </dsp:nvSpPr>
+      <dsp:spPr>
+        <a:xfrm rot="10800000">
+          <a:off x="0" y="2162"/>
+          <a:ext cx="8229600" cy="815447"/>
+        </a:xfrm>
+        <a:prstGeom prst="upArrowCallout">
+          <a:avLst/>
         </a:prstGeom>
         <a:solidFill>
           <a:schemeClr val="accent4">
@@ -5045,12 +6226,12 @@
         </a:fontRef>
       </dsp:style>
       <dsp:txBody>
-        <a:bodyPr spcFirstLastPara="0" vert="horz" wrap="square" lIns="76200" tIns="76200" rIns="76200" bIns="76200" numCol="1" spcCol="1270" anchor="ctr" anchorCtr="0">
+        <a:bodyPr spcFirstLastPara="0" vert="horz" wrap="square" lIns="199136" tIns="199136" rIns="199136" bIns="199136" numCol="1" spcCol="1270" anchor="ctr" anchorCtr="0">
           <a:noAutofit/>
         </a:bodyPr>
         <a:lstStyle/>
         <a:p>
-          <a:pPr lvl="0" algn="l" defTabSz="889000">
+          <a:pPr lvl="0" algn="ctr" defTabSz="1244600">
             <a:lnSpc>
               <a:spcPct val="90000"/>
             </a:lnSpc>
@@ -5062,327 +6243,15 @@
             </a:spcAft>
           </a:pPr>
           <a:r>
-            <a:rPr lang="de-DE" sz="2000" kern="1200" dirty="0" smtClean="0"/>
-            <a:t>Kupferkabel, mit optischen Leitern kompatibel</a:t>
+            <a:rPr lang="de-DE" sz="2800" kern="1200" dirty="0" smtClean="0"/>
+            <a:t>Von Intel und Apple entwickelt</a:t>
           </a:r>
-          <a:endParaRPr lang="de-DE" sz="2000" kern="1200" dirty="0"/>
+          <a:endParaRPr lang="de-DE" sz="2800" kern="1200" dirty="0"/>
         </a:p>
       </dsp:txBody>
-      <dsp:txXfrm>
-        <a:off x="1916912" y="3773144"/>
-        <a:ext cx="5280457" cy="774752"/>
-      </dsp:txXfrm>
-    </dsp:sp>
-    <dsp:sp modelId="{517897BC-F838-412B-819F-DD60062828C9}">
-      <dsp:nvSpPr>
-        <dsp:cNvPr id="0" name=""/>
-        <dsp:cNvSpPr/>
-      </dsp:nvSpPr>
-      <dsp:spPr>
-        <a:xfrm>
-          <a:off x="5801867" y="601217"/>
-          <a:ext cx="534924" cy="534924"/>
-        </a:xfrm>
-        <a:prstGeom prst="downArrow">
-          <a:avLst>
-            <a:gd name="adj1" fmla="val 55000"/>
-            <a:gd name="adj2" fmla="val 45000"/>
-          </a:avLst>
-        </a:prstGeom>
-        <a:solidFill>
-          <a:schemeClr val="accent4">
-            <a:tint val="40000"/>
-            <a:alpha val="90000"/>
-            <a:hueOff val="0"/>
-            <a:satOff val="0"/>
-            <a:lumOff val="0"/>
-            <a:alphaOff val="0"/>
-          </a:schemeClr>
-        </a:solidFill>
-        <a:ln w="25400" cap="flat" cmpd="sng" algn="ctr">
-          <a:solidFill>
-            <a:schemeClr val="accent4">
-              <a:tint val="40000"/>
-              <a:alpha val="90000"/>
-              <a:hueOff val="0"/>
-              <a:satOff val="0"/>
-              <a:lumOff val="0"/>
-              <a:alphaOff val="0"/>
-            </a:schemeClr>
-          </a:solidFill>
-          <a:prstDash val="solid"/>
-        </a:ln>
-        <a:effectLst/>
-      </dsp:spPr>
-      <dsp:style>
-        <a:lnRef idx="2">
-          <a:scrgbClr r="0" g="0" b="0"/>
-        </a:lnRef>
-        <a:fillRef idx="1">
-          <a:scrgbClr r="0" g="0" b="0"/>
-        </a:fillRef>
-        <a:effectRef idx="0">
-          <a:scrgbClr r="0" g="0" b="0"/>
-        </a:effectRef>
-        <a:fontRef idx="minor"/>
-      </dsp:style>
-      <dsp:txBody>
-        <a:bodyPr spcFirstLastPara="0" vert="horz" wrap="square" lIns="30480" tIns="30480" rIns="30480" bIns="30480" numCol="1" spcCol="1270" anchor="ctr" anchorCtr="0">
-          <a:noAutofit/>
-        </a:bodyPr>
-        <a:lstStyle/>
-        <a:p>
-          <a:pPr lvl="0" algn="ctr" defTabSz="1066800">
-            <a:lnSpc>
-              <a:spcPct val="90000"/>
-            </a:lnSpc>
-            <a:spcBef>
-              <a:spcPct val="0"/>
-            </a:spcBef>
-            <a:spcAft>
-              <a:spcPct val="35000"/>
-            </a:spcAft>
-          </a:pPr>
-          <a:endParaRPr lang="de-DE" sz="2400" kern="1200"/>
-        </a:p>
-      </dsp:txBody>
-      <dsp:txXfrm>
-        <a:off x="5922225" y="601217"/>
-        <a:ext cx="294208" cy="402530"/>
-      </dsp:txXfrm>
-    </dsp:sp>
-    <dsp:sp modelId="{1C8955BC-B937-46D9-884E-CA42AFCB0974}">
-      <dsp:nvSpPr>
-        <dsp:cNvPr id="0" name=""/>
-        <dsp:cNvSpPr/>
-      </dsp:nvSpPr>
-      <dsp:spPr>
-        <a:xfrm>
-          <a:off x="6275070" y="1538478"/>
-          <a:ext cx="534924" cy="534924"/>
-        </a:xfrm>
-        <a:prstGeom prst="downArrow">
-          <a:avLst>
-            <a:gd name="adj1" fmla="val 55000"/>
-            <a:gd name="adj2" fmla="val 45000"/>
-          </a:avLst>
-        </a:prstGeom>
-        <a:solidFill>
-          <a:schemeClr val="accent4">
-            <a:tint val="40000"/>
-            <a:alpha val="90000"/>
-            <a:hueOff val="-1561928"/>
-            <a:satOff val="9050"/>
-            <a:lumOff val="1543"/>
-            <a:alphaOff val="0"/>
-          </a:schemeClr>
-        </a:solidFill>
-        <a:ln w="25400" cap="flat" cmpd="sng" algn="ctr">
-          <a:solidFill>
-            <a:schemeClr val="accent4">
-              <a:tint val="40000"/>
-              <a:alpha val="90000"/>
-              <a:hueOff val="-1561928"/>
-              <a:satOff val="9050"/>
-              <a:lumOff val="1543"/>
-              <a:alphaOff val="0"/>
-            </a:schemeClr>
-          </a:solidFill>
-          <a:prstDash val="solid"/>
-        </a:ln>
-        <a:effectLst/>
-      </dsp:spPr>
-      <dsp:style>
-        <a:lnRef idx="2">
-          <a:scrgbClr r="0" g="0" b="0"/>
-        </a:lnRef>
-        <a:fillRef idx="1">
-          <a:scrgbClr r="0" g="0" b="0"/>
-        </a:fillRef>
-        <a:effectRef idx="0">
-          <a:scrgbClr r="0" g="0" b="0"/>
-        </a:effectRef>
-        <a:fontRef idx="minor"/>
-      </dsp:style>
-      <dsp:txBody>
-        <a:bodyPr spcFirstLastPara="0" vert="horz" wrap="square" lIns="30480" tIns="30480" rIns="30480" bIns="30480" numCol="1" spcCol="1270" anchor="ctr" anchorCtr="0">
-          <a:noAutofit/>
-        </a:bodyPr>
-        <a:lstStyle/>
-        <a:p>
-          <a:pPr lvl="0" algn="ctr" defTabSz="1066800">
-            <a:lnSpc>
-              <a:spcPct val="90000"/>
-            </a:lnSpc>
-            <a:spcBef>
-              <a:spcPct val="0"/>
-            </a:spcBef>
-            <a:spcAft>
-              <a:spcPct val="35000"/>
-            </a:spcAft>
-          </a:pPr>
-          <a:endParaRPr lang="de-DE" sz="2400" kern="1200"/>
-        </a:p>
-      </dsp:txBody>
-      <dsp:txXfrm>
-        <a:off x="6395428" y="1538478"/>
-        <a:ext cx="294208" cy="402530"/>
-      </dsp:txXfrm>
-    </dsp:sp>
-    <dsp:sp modelId="{AA5D734D-8FCC-4820-92C3-F0B8EE29A0A8}">
-      <dsp:nvSpPr>
-        <dsp:cNvPr id="0" name=""/>
-        <dsp:cNvSpPr/>
-      </dsp:nvSpPr>
-      <dsp:spPr>
-        <a:xfrm>
-          <a:off x="6748271" y="2462022"/>
-          <a:ext cx="534924" cy="534924"/>
-        </a:xfrm>
-        <a:prstGeom prst="downArrow">
-          <a:avLst>
-            <a:gd name="adj1" fmla="val 55000"/>
-            <a:gd name="adj2" fmla="val 45000"/>
-          </a:avLst>
-        </a:prstGeom>
-        <a:solidFill>
-          <a:schemeClr val="accent4">
-            <a:tint val="40000"/>
-            <a:alpha val="90000"/>
-            <a:hueOff val="-3123855"/>
-            <a:satOff val="18099"/>
-            <a:lumOff val="3085"/>
-            <a:alphaOff val="0"/>
-          </a:schemeClr>
-        </a:solidFill>
-        <a:ln w="25400" cap="flat" cmpd="sng" algn="ctr">
-          <a:solidFill>
-            <a:schemeClr val="accent4">
-              <a:tint val="40000"/>
-              <a:alpha val="90000"/>
-              <a:hueOff val="-3123855"/>
-              <a:satOff val="18099"/>
-              <a:lumOff val="3085"/>
-              <a:alphaOff val="0"/>
-            </a:schemeClr>
-          </a:solidFill>
-          <a:prstDash val="solid"/>
-        </a:ln>
-        <a:effectLst/>
-      </dsp:spPr>
-      <dsp:style>
-        <a:lnRef idx="2">
-          <a:scrgbClr r="0" g="0" b="0"/>
-        </a:lnRef>
-        <a:fillRef idx="1">
-          <a:scrgbClr r="0" g="0" b="0"/>
-        </a:fillRef>
-        <a:effectRef idx="0">
-          <a:scrgbClr r="0" g="0" b="0"/>
-        </a:effectRef>
-        <a:fontRef idx="minor"/>
-      </dsp:style>
-      <dsp:txBody>
-        <a:bodyPr spcFirstLastPara="0" vert="horz" wrap="square" lIns="30480" tIns="30480" rIns="30480" bIns="30480" numCol="1" spcCol="1270" anchor="ctr" anchorCtr="0">
-          <a:noAutofit/>
-        </a:bodyPr>
-        <a:lstStyle/>
-        <a:p>
-          <a:pPr lvl="0" algn="ctr" defTabSz="1066800">
-            <a:lnSpc>
-              <a:spcPct val="90000"/>
-            </a:lnSpc>
-            <a:spcBef>
-              <a:spcPct val="0"/>
-            </a:spcBef>
-            <a:spcAft>
-              <a:spcPct val="35000"/>
-            </a:spcAft>
-          </a:pPr>
-          <a:endParaRPr lang="de-DE" sz="2400" kern="1200"/>
-        </a:p>
-      </dsp:txBody>
-      <dsp:txXfrm>
-        <a:off x="6868629" y="2462022"/>
-        <a:ext cx="294208" cy="402530"/>
-      </dsp:txXfrm>
-    </dsp:sp>
-    <dsp:sp modelId="{1FF64E27-F91A-458B-B3B7-1B9508CB3B69}">
-      <dsp:nvSpPr>
-        <dsp:cNvPr id="0" name=""/>
-        <dsp:cNvSpPr/>
-      </dsp:nvSpPr>
-      <dsp:spPr>
-        <a:xfrm>
-          <a:off x="7221473" y="3408426"/>
-          <a:ext cx="534924" cy="534924"/>
-        </a:xfrm>
-        <a:prstGeom prst="downArrow">
-          <a:avLst>
-            <a:gd name="adj1" fmla="val 55000"/>
-            <a:gd name="adj2" fmla="val 45000"/>
-          </a:avLst>
-        </a:prstGeom>
-        <a:solidFill>
-          <a:schemeClr val="accent4">
-            <a:tint val="40000"/>
-            <a:alpha val="90000"/>
-            <a:hueOff val="-4685782"/>
-            <a:satOff val="27149"/>
-            <a:lumOff val="4628"/>
-            <a:alphaOff val="0"/>
-          </a:schemeClr>
-        </a:solidFill>
-        <a:ln w="25400" cap="flat" cmpd="sng" algn="ctr">
-          <a:solidFill>
-            <a:schemeClr val="accent4">
-              <a:tint val="40000"/>
-              <a:alpha val="90000"/>
-              <a:hueOff val="-4685782"/>
-              <a:satOff val="27149"/>
-              <a:lumOff val="4628"/>
-              <a:alphaOff val="0"/>
-            </a:schemeClr>
-          </a:solidFill>
-          <a:prstDash val="solid"/>
-        </a:ln>
-        <a:effectLst/>
-      </dsp:spPr>
-      <dsp:style>
-        <a:lnRef idx="2">
-          <a:scrgbClr r="0" g="0" b="0"/>
-        </a:lnRef>
-        <a:fillRef idx="1">
-          <a:scrgbClr r="0" g="0" b="0"/>
-        </a:fillRef>
-        <a:effectRef idx="0">
-          <a:scrgbClr r="0" g="0" b="0"/>
-        </a:effectRef>
-        <a:fontRef idx="minor"/>
-      </dsp:style>
-      <dsp:txBody>
-        <a:bodyPr spcFirstLastPara="0" vert="horz" wrap="square" lIns="30480" tIns="30480" rIns="30480" bIns="30480" numCol="1" spcCol="1270" anchor="ctr" anchorCtr="0">
-          <a:noAutofit/>
-        </a:bodyPr>
-        <a:lstStyle/>
-        <a:p>
-          <a:pPr lvl="0" algn="ctr" defTabSz="1066800">
-            <a:lnSpc>
-              <a:spcPct val="90000"/>
-            </a:lnSpc>
-            <a:spcBef>
-              <a:spcPct val="0"/>
-            </a:spcBef>
-            <a:spcAft>
-              <a:spcPct val="35000"/>
-            </a:spcAft>
-          </a:pPr>
-          <a:endParaRPr lang="de-DE" sz="2400" kern="1200"/>
-        </a:p>
-      </dsp:txBody>
-      <dsp:txXfrm>
-        <a:off x="7341831" y="3408426"/>
-        <a:ext cx="294208" cy="402530"/>
+      <dsp:txXfrm rot="10800000">
+        <a:off x="0" y="2162"/>
+        <a:ext cx="8229600" cy="529853"/>
       </dsp:txXfrm>
     </dsp:sp>
   </dsp:spTree>
@@ -6378,12 +7247,12 @@
         </a:fontRef>
       </dsp:style>
       <dsp:txBody>
-        <a:bodyPr spcFirstLastPara="0" vert="horz" wrap="square" lIns="91440" tIns="91440" rIns="91440" bIns="91440" numCol="1" spcCol="1270" anchor="ctr" anchorCtr="0">
+        <a:bodyPr spcFirstLastPara="0" vert="horz" wrap="square" lIns="87630" tIns="87630" rIns="87630" bIns="87630" numCol="1" spcCol="1270" anchor="ctr" anchorCtr="0">
           <a:noAutofit/>
         </a:bodyPr>
         <a:lstStyle/>
         <a:p>
-          <a:pPr lvl="0" algn="ctr" defTabSz="1066800">
+          <a:pPr lvl="0" algn="ctr" defTabSz="1022350">
             <a:lnSpc>
               <a:spcPct val="90000"/>
             </a:lnSpc>
@@ -6395,10 +7264,10 @@
             </a:spcAft>
           </a:pPr>
           <a:r>
-            <a:rPr lang="de-DE" sz="2400" kern="1200" dirty="0" smtClean="0"/>
+            <a:rPr lang="de-DE" sz="2300" kern="1200" dirty="0" smtClean="0"/>
             <a:t>2015 vorgestellt</a:t>
           </a:r>
-          <a:endParaRPr lang="de-DE" sz="2400" kern="1200" dirty="0"/>
+          <a:endParaRPr lang="de-DE" sz="2300" kern="1200" dirty="0"/>
         </a:p>
       </dsp:txBody>
       <dsp:txXfrm>
@@ -6448,7 +7317,7 @@
         </a:bodyPr>
         <a:lstStyle/>
         <a:p>
-          <a:pPr lvl="0" algn="ctr" defTabSz="889000">
+          <a:pPr lvl="0" algn="ctr" defTabSz="844550">
             <a:lnSpc>
               <a:spcPct val="90000"/>
             </a:lnSpc>
@@ -6459,7 +7328,7 @@
               <a:spcPct val="35000"/>
             </a:spcAft>
           </a:pPr>
-          <a:endParaRPr lang="de-DE" sz="2000" kern="1200"/>
+          <a:endParaRPr lang="de-DE" sz="1900" kern="1200"/>
         </a:p>
       </dsp:txBody>
       <dsp:txXfrm>
@@ -6518,12 +7387,12 @@
         </a:fontRef>
       </dsp:style>
       <dsp:txBody>
-        <a:bodyPr spcFirstLastPara="0" vert="horz" wrap="square" lIns="91440" tIns="91440" rIns="91440" bIns="91440" numCol="1" spcCol="1270" anchor="ctr" anchorCtr="0">
+        <a:bodyPr spcFirstLastPara="0" vert="horz" wrap="square" lIns="87630" tIns="87630" rIns="87630" bIns="87630" numCol="1" spcCol="1270" anchor="ctr" anchorCtr="0">
           <a:noAutofit/>
         </a:bodyPr>
         <a:lstStyle/>
         <a:p>
-          <a:pPr lvl="0" algn="ctr" defTabSz="1066800">
+          <a:pPr lvl="0" algn="ctr" defTabSz="1022350">
             <a:lnSpc>
               <a:spcPct val="90000"/>
             </a:lnSpc>
@@ -6535,10 +7404,10 @@
             </a:spcAft>
           </a:pPr>
           <a:r>
-            <a:rPr lang="de-DE" sz="2400" kern="1200" dirty="0" smtClean="0"/>
+            <a:rPr lang="de-DE" sz="2300" kern="1200" dirty="0" smtClean="0"/>
             <a:t>Drehbarer USB-C Stecker</a:t>
           </a:r>
-          <a:endParaRPr lang="de-DE" sz="2400" kern="1200" dirty="0"/>
+          <a:endParaRPr lang="de-DE" sz="2300" kern="1200" dirty="0"/>
         </a:p>
       </dsp:txBody>
       <dsp:txXfrm>
@@ -6588,7 +7457,7 @@
         </a:bodyPr>
         <a:lstStyle/>
         <a:p>
-          <a:pPr lvl="0" algn="ctr" defTabSz="889000">
+          <a:pPr lvl="0" algn="ctr" defTabSz="844550">
             <a:lnSpc>
               <a:spcPct val="90000"/>
             </a:lnSpc>
@@ -6599,7 +7468,7 @@
               <a:spcPct val="35000"/>
             </a:spcAft>
           </a:pPr>
-          <a:endParaRPr lang="de-DE" sz="2000" kern="1200"/>
+          <a:endParaRPr lang="de-DE" sz="1900" kern="1200"/>
         </a:p>
       </dsp:txBody>
       <dsp:txXfrm>
@@ -6658,12 +7527,12 @@
         </a:fontRef>
       </dsp:style>
       <dsp:txBody>
-        <a:bodyPr spcFirstLastPara="0" vert="horz" wrap="square" lIns="91440" tIns="91440" rIns="91440" bIns="91440" numCol="1" spcCol="1270" anchor="ctr" anchorCtr="0">
+        <a:bodyPr spcFirstLastPara="0" vert="horz" wrap="square" lIns="87630" tIns="87630" rIns="87630" bIns="87630" numCol="1" spcCol="1270" anchor="ctr" anchorCtr="0">
           <a:noAutofit/>
         </a:bodyPr>
         <a:lstStyle/>
         <a:p>
-          <a:pPr lvl="0" algn="ctr" defTabSz="1066800">
+          <a:pPr lvl="0" algn="ctr" defTabSz="1022350">
             <a:lnSpc>
               <a:spcPct val="90000"/>
             </a:lnSpc>
@@ -6675,10 +7544,10 @@
             </a:spcAft>
           </a:pPr>
           <a:r>
-            <a:rPr lang="de-DE" sz="2400" kern="1200" dirty="0" smtClean="0"/>
+            <a:rPr lang="de-DE" sz="2300" kern="1200" dirty="0" smtClean="0"/>
             <a:t>Universelle Übertragung</a:t>
           </a:r>
-          <a:endParaRPr lang="de-DE" sz="2400" kern="1200" dirty="0"/>
+          <a:endParaRPr lang="de-DE" sz="2300" kern="1200" dirty="0"/>
         </a:p>
       </dsp:txBody>
       <dsp:txXfrm>
@@ -6690,12 +7559,422 @@
 </dsp:drawing>
 </file>
 
+<file path=ppt/diagrams/drawing5.xml><?xml version="1.0" encoding="utf-8"?>
+<dsp:drawing xmlns:dgm="http://schemas.openxmlformats.org/drawingml/2006/diagram" xmlns:dsp="http://schemas.microsoft.com/office/drawing/2008/diagram" xmlns:a="http://schemas.openxmlformats.org/drawingml/2006/main">
+  <dsp:spTree>
+    <dsp:nvGrpSpPr>
+      <dsp:cNvPr id="0" name=""/>
+      <dsp:cNvGrpSpPr/>
+    </dsp:nvGrpSpPr>
+    <dsp:grpSpPr/>
+    <dsp:sp modelId="{27804C6C-7289-46C5-A1A1-C737C4E9C2DA}">
+      <dsp:nvSpPr>
+        <dsp:cNvPr id="0" name=""/>
+        <dsp:cNvSpPr/>
+      </dsp:nvSpPr>
+      <dsp:spPr>
+        <a:xfrm>
+          <a:off x="0" y="445770"/>
+          <a:ext cx="8229600" cy="671580"/>
+        </a:xfrm>
+        <a:prstGeom prst="roundRect">
+          <a:avLst/>
+        </a:prstGeom>
+        <a:solidFill>
+          <a:schemeClr val="accent4">
+            <a:hueOff val="0"/>
+            <a:satOff val="0"/>
+            <a:lumOff val="0"/>
+            <a:alphaOff val="0"/>
+          </a:schemeClr>
+        </a:solidFill>
+        <a:ln w="25400" cap="flat" cmpd="sng" algn="ctr">
+          <a:solidFill>
+            <a:schemeClr val="lt1">
+              <a:hueOff val="0"/>
+              <a:satOff val="0"/>
+              <a:lumOff val="0"/>
+              <a:alphaOff val="0"/>
+            </a:schemeClr>
+          </a:solidFill>
+          <a:prstDash val="solid"/>
+        </a:ln>
+        <a:effectLst/>
+      </dsp:spPr>
+      <dsp:style>
+        <a:lnRef idx="2">
+          <a:scrgbClr r="0" g="0" b="0"/>
+        </a:lnRef>
+        <a:fillRef idx="1">
+          <a:scrgbClr r="0" g="0" b="0"/>
+        </a:fillRef>
+        <a:effectRef idx="0">
+          <a:scrgbClr r="0" g="0" b="0"/>
+        </a:effectRef>
+        <a:fontRef idx="minor">
+          <a:schemeClr val="lt1"/>
+        </a:fontRef>
+      </dsp:style>
+      <dsp:txBody>
+        <a:bodyPr spcFirstLastPara="0" vert="horz" wrap="square" lIns="106680" tIns="106680" rIns="106680" bIns="106680" numCol="1" spcCol="1270" anchor="ctr" anchorCtr="0">
+          <a:noAutofit/>
+        </a:bodyPr>
+        <a:lstStyle/>
+        <a:p>
+          <a:pPr lvl="0" algn="l" defTabSz="1244600" rtl="0">
+            <a:lnSpc>
+              <a:spcPct val="90000"/>
+            </a:lnSpc>
+            <a:spcBef>
+              <a:spcPct val="0"/>
+            </a:spcBef>
+            <a:spcAft>
+              <a:spcPct val="35000"/>
+            </a:spcAft>
+          </a:pPr>
+          <a:r>
+            <a:rPr lang="de-DE" sz="2800" kern="1200" dirty="0" err="1" smtClean="0"/>
+            <a:t>Thunderbolttechnologie</a:t>
+          </a:r>
+          <a:r>
+            <a:rPr lang="de-DE" sz="2800" kern="1200" dirty="0" smtClean="0"/>
+            <a:t> an USB-IF übergeben</a:t>
+          </a:r>
+          <a:endParaRPr lang="de-DE" sz="2800" kern="1200" dirty="0"/>
+        </a:p>
+      </dsp:txBody>
+      <dsp:txXfrm>
+        <a:off x="32784" y="478554"/>
+        <a:ext cx="8164032" cy="606012"/>
+      </dsp:txXfrm>
+    </dsp:sp>
+    <dsp:sp modelId="{019D6787-5F0A-4B93-8A50-96C2FDE084CD}">
+      <dsp:nvSpPr>
+        <dsp:cNvPr id="0" name=""/>
+        <dsp:cNvSpPr/>
+      </dsp:nvSpPr>
+      <dsp:spPr>
+        <a:xfrm>
+          <a:off x="0" y="1197990"/>
+          <a:ext cx="8229600" cy="671580"/>
+        </a:xfrm>
+        <a:prstGeom prst="roundRect">
+          <a:avLst/>
+        </a:prstGeom>
+        <a:solidFill>
+          <a:schemeClr val="accent4">
+            <a:hueOff val="-1046257"/>
+            <a:satOff val="-4759"/>
+            <a:lumOff val="6470"/>
+            <a:alphaOff val="0"/>
+          </a:schemeClr>
+        </a:solidFill>
+        <a:ln w="25400" cap="flat" cmpd="sng" algn="ctr">
+          <a:solidFill>
+            <a:schemeClr val="lt1">
+              <a:hueOff val="0"/>
+              <a:satOff val="0"/>
+              <a:lumOff val="0"/>
+              <a:alphaOff val="0"/>
+            </a:schemeClr>
+          </a:solidFill>
+          <a:prstDash val="solid"/>
+        </a:ln>
+        <a:effectLst/>
+      </dsp:spPr>
+      <dsp:style>
+        <a:lnRef idx="2">
+          <a:scrgbClr r="0" g="0" b="0"/>
+        </a:lnRef>
+        <a:fillRef idx="1">
+          <a:scrgbClr r="0" g="0" b="0"/>
+        </a:fillRef>
+        <a:effectRef idx="0">
+          <a:scrgbClr r="0" g="0" b="0"/>
+        </a:effectRef>
+        <a:fontRef idx="minor">
+          <a:schemeClr val="lt1"/>
+        </a:fontRef>
+      </dsp:style>
+      <dsp:txBody>
+        <a:bodyPr spcFirstLastPara="0" vert="horz" wrap="square" lIns="106680" tIns="106680" rIns="106680" bIns="106680" numCol="1" spcCol="1270" anchor="ctr" anchorCtr="0">
+          <a:noAutofit/>
+        </a:bodyPr>
+        <a:lstStyle/>
+        <a:p>
+          <a:pPr lvl="0" algn="l" defTabSz="1244600" rtl="0">
+            <a:lnSpc>
+              <a:spcPct val="90000"/>
+            </a:lnSpc>
+            <a:spcBef>
+              <a:spcPct val="0"/>
+            </a:spcBef>
+            <a:spcAft>
+              <a:spcPct val="35000"/>
+            </a:spcAft>
+          </a:pPr>
+          <a:r>
+            <a:rPr lang="de-DE" sz="2800" kern="1200" smtClean="0"/>
+            <a:t>USB-IF will es für USB-4 nutzen</a:t>
+          </a:r>
+          <a:endParaRPr lang="de-DE" sz="2800" kern="1200"/>
+        </a:p>
+      </dsp:txBody>
+      <dsp:txXfrm>
+        <a:off x="32784" y="1230774"/>
+        <a:ext cx="8164032" cy="606012"/>
+      </dsp:txXfrm>
+    </dsp:sp>
+    <dsp:sp modelId="{61FAFD44-29F7-485D-BB11-EB147CC9E093}">
+      <dsp:nvSpPr>
+        <dsp:cNvPr id="0" name=""/>
+        <dsp:cNvSpPr/>
+      </dsp:nvSpPr>
+      <dsp:spPr>
+        <a:xfrm>
+          <a:off x="0" y="1950210"/>
+          <a:ext cx="8229600" cy="671580"/>
+        </a:xfrm>
+        <a:prstGeom prst="roundRect">
+          <a:avLst/>
+        </a:prstGeom>
+        <a:solidFill>
+          <a:schemeClr val="accent4">
+            <a:hueOff val="-2092514"/>
+            <a:satOff val="-9519"/>
+            <a:lumOff val="12940"/>
+            <a:alphaOff val="0"/>
+          </a:schemeClr>
+        </a:solidFill>
+        <a:ln w="25400" cap="flat" cmpd="sng" algn="ctr">
+          <a:solidFill>
+            <a:schemeClr val="lt1">
+              <a:hueOff val="0"/>
+              <a:satOff val="0"/>
+              <a:lumOff val="0"/>
+              <a:alphaOff val="0"/>
+            </a:schemeClr>
+          </a:solidFill>
+          <a:prstDash val="solid"/>
+        </a:ln>
+        <a:effectLst/>
+      </dsp:spPr>
+      <dsp:style>
+        <a:lnRef idx="2">
+          <a:scrgbClr r="0" g="0" b="0"/>
+        </a:lnRef>
+        <a:fillRef idx="1">
+          <a:scrgbClr r="0" g="0" b="0"/>
+        </a:fillRef>
+        <a:effectRef idx="0">
+          <a:scrgbClr r="0" g="0" b="0"/>
+        </a:effectRef>
+        <a:fontRef idx="minor">
+          <a:schemeClr val="lt1"/>
+        </a:fontRef>
+      </dsp:style>
+      <dsp:txBody>
+        <a:bodyPr spcFirstLastPara="0" vert="horz" wrap="square" lIns="106680" tIns="106680" rIns="106680" bIns="106680" numCol="1" spcCol="1270" anchor="ctr" anchorCtr="0">
+          <a:noAutofit/>
+        </a:bodyPr>
+        <a:lstStyle/>
+        <a:p>
+          <a:pPr lvl="0" algn="l" defTabSz="1244600" rtl="0">
+            <a:lnSpc>
+              <a:spcPct val="90000"/>
+            </a:lnSpc>
+            <a:spcBef>
+              <a:spcPct val="0"/>
+            </a:spcBef>
+            <a:spcAft>
+              <a:spcPct val="35000"/>
+            </a:spcAft>
+          </a:pPr>
+          <a:r>
+            <a:rPr lang="de-DE" sz="2800" kern="1200" dirty="0" smtClean="0"/>
+            <a:t>Wollen bis 40 </a:t>
+          </a:r>
+          <a:r>
+            <a:rPr lang="de-DE" sz="2800" kern="1200" dirty="0" err="1" smtClean="0"/>
+            <a:t>Gbit</a:t>
+          </a:r>
+          <a:r>
+            <a:rPr lang="de-DE" sz="2800" kern="1200" dirty="0" smtClean="0"/>
+            <a:t>/s kommen</a:t>
+          </a:r>
+          <a:endParaRPr lang="de-DE" sz="2800" kern="1200" dirty="0"/>
+        </a:p>
+      </dsp:txBody>
+      <dsp:txXfrm>
+        <a:off x="32784" y="1982994"/>
+        <a:ext cx="8164032" cy="606012"/>
+      </dsp:txXfrm>
+    </dsp:sp>
+    <dsp:sp modelId="{6A66277D-7130-4C8B-B4CE-A071FCDD7AE2}">
+      <dsp:nvSpPr>
+        <dsp:cNvPr id="0" name=""/>
+        <dsp:cNvSpPr/>
+      </dsp:nvSpPr>
+      <dsp:spPr>
+        <a:xfrm>
+          <a:off x="0" y="2702430"/>
+          <a:ext cx="8229600" cy="671580"/>
+        </a:xfrm>
+        <a:prstGeom prst="roundRect">
+          <a:avLst/>
+        </a:prstGeom>
+        <a:solidFill>
+          <a:schemeClr val="accent4">
+            <a:hueOff val="-3138771"/>
+            <a:satOff val="-14278"/>
+            <a:lumOff val="19410"/>
+            <a:alphaOff val="0"/>
+          </a:schemeClr>
+        </a:solidFill>
+        <a:ln w="25400" cap="flat" cmpd="sng" algn="ctr">
+          <a:solidFill>
+            <a:schemeClr val="lt1">
+              <a:hueOff val="0"/>
+              <a:satOff val="0"/>
+              <a:lumOff val="0"/>
+              <a:alphaOff val="0"/>
+            </a:schemeClr>
+          </a:solidFill>
+          <a:prstDash val="solid"/>
+        </a:ln>
+        <a:effectLst/>
+      </dsp:spPr>
+      <dsp:style>
+        <a:lnRef idx="2">
+          <a:scrgbClr r="0" g="0" b="0"/>
+        </a:lnRef>
+        <a:fillRef idx="1">
+          <a:scrgbClr r="0" g="0" b="0"/>
+        </a:fillRef>
+        <a:effectRef idx="0">
+          <a:scrgbClr r="0" g="0" b="0"/>
+        </a:effectRef>
+        <a:fontRef idx="minor">
+          <a:schemeClr val="lt1"/>
+        </a:fontRef>
+      </dsp:style>
+      <dsp:txBody>
+        <a:bodyPr spcFirstLastPara="0" vert="horz" wrap="square" lIns="106680" tIns="106680" rIns="106680" bIns="106680" numCol="1" spcCol="1270" anchor="ctr" anchorCtr="0">
+          <a:noAutofit/>
+        </a:bodyPr>
+        <a:lstStyle/>
+        <a:p>
+          <a:pPr lvl="0" algn="l" defTabSz="1244600" rtl="0">
+            <a:lnSpc>
+              <a:spcPct val="90000"/>
+            </a:lnSpc>
+            <a:spcBef>
+              <a:spcPct val="0"/>
+            </a:spcBef>
+            <a:spcAft>
+              <a:spcPct val="35000"/>
+            </a:spcAft>
+          </a:pPr>
+          <a:r>
+            <a:rPr lang="de-DE" sz="2800" kern="1200" dirty="0" smtClean="0"/>
+            <a:t>Stecker: USB-C </a:t>
+          </a:r>
+          <a:endParaRPr lang="de-DE" sz="2800" kern="1200" dirty="0"/>
+        </a:p>
+      </dsp:txBody>
+      <dsp:txXfrm>
+        <a:off x="32784" y="2735214"/>
+        <a:ext cx="8164032" cy="606012"/>
+      </dsp:txXfrm>
+    </dsp:sp>
+    <dsp:sp modelId="{6021A941-C958-4909-9041-AA632604ABBC}">
+      <dsp:nvSpPr>
+        <dsp:cNvPr id="0" name=""/>
+        <dsp:cNvSpPr/>
+      </dsp:nvSpPr>
+      <dsp:spPr>
+        <a:xfrm>
+          <a:off x="0" y="3454650"/>
+          <a:ext cx="8229600" cy="671580"/>
+        </a:xfrm>
+        <a:prstGeom prst="roundRect">
+          <a:avLst/>
+        </a:prstGeom>
+        <a:solidFill>
+          <a:schemeClr val="accent4">
+            <a:hueOff val="-4185027"/>
+            <a:satOff val="-19038"/>
+            <a:lumOff val="25880"/>
+            <a:alphaOff val="0"/>
+          </a:schemeClr>
+        </a:solidFill>
+        <a:ln w="25400" cap="flat" cmpd="sng" algn="ctr">
+          <a:solidFill>
+            <a:schemeClr val="lt1">
+              <a:hueOff val="0"/>
+              <a:satOff val="0"/>
+              <a:lumOff val="0"/>
+              <a:alphaOff val="0"/>
+            </a:schemeClr>
+          </a:solidFill>
+          <a:prstDash val="solid"/>
+        </a:ln>
+        <a:effectLst/>
+      </dsp:spPr>
+      <dsp:style>
+        <a:lnRef idx="2">
+          <a:scrgbClr r="0" g="0" b="0"/>
+        </a:lnRef>
+        <a:fillRef idx="1">
+          <a:scrgbClr r="0" g="0" b="0"/>
+        </a:fillRef>
+        <a:effectRef idx="0">
+          <a:scrgbClr r="0" g="0" b="0"/>
+        </a:effectRef>
+        <a:fontRef idx="minor">
+          <a:schemeClr val="lt1"/>
+        </a:fontRef>
+      </dsp:style>
+      <dsp:txBody>
+        <a:bodyPr spcFirstLastPara="0" vert="horz" wrap="square" lIns="106680" tIns="106680" rIns="106680" bIns="106680" numCol="1" spcCol="1270" anchor="ctr" anchorCtr="0">
+          <a:noAutofit/>
+        </a:bodyPr>
+        <a:lstStyle/>
+        <a:p>
+          <a:pPr lvl="0" algn="l" defTabSz="1244600" rtl="0">
+            <a:lnSpc>
+              <a:spcPct val="90000"/>
+            </a:lnSpc>
+            <a:spcBef>
+              <a:spcPct val="0"/>
+            </a:spcBef>
+            <a:spcAft>
+              <a:spcPct val="35000"/>
+            </a:spcAft>
+          </a:pPr>
+          <a:r>
+            <a:rPr lang="de-DE" sz="2800" kern="1200" dirty="0" smtClean="0"/>
+            <a:t>Soll 2020 rauskommen</a:t>
+          </a:r>
+          <a:endParaRPr lang="de-DE" sz="2800" kern="1200" dirty="0"/>
+        </a:p>
+      </dsp:txBody>
+      <dsp:txXfrm>
+        <a:off x="32784" y="3487434"/>
+        <a:ext cx="8164032" cy="606012"/>
+      </dsp:txXfrm>
+    </dsp:sp>
+  </dsp:spTree>
+</dsp:drawing>
+</file>
+
 <file path=ppt/diagrams/layout1.xml><?xml version="1.0" encoding="utf-8"?>
-<dgm:layoutDef xmlns:dgm="http://schemas.openxmlformats.org/drawingml/2006/diagram" xmlns:a="http://schemas.openxmlformats.org/drawingml/2006/main" uniqueId="urn:microsoft.com/office/officeart/2005/8/layout/vProcess5">
+<dgm:layoutDef xmlns:dgm="http://schemas.openxmlformats.org/drawingml/2006/diagram" xmlns:a="http://schemas.openxmlformats.org/drawingml/2006/main" uniqueId="urn:microsoft.com/office/officeart/2005/8/layout/process4">
   <dgm:title val=""/>
   <dgm:desc val=""/>
   <dgm:catLst>
-    <dgm:cat type="process" pri="14000"/>
+    <dgm:cat type="process" pri="16000"/>
+    <dgm:cat type="list" pri="20000"/>
   </dgm:catLst>
   <dgm:sampData>
     <dgm:dataModel>
@@ -6704,17 +7983,41 @@
         <dgm:pt modelId="1">
           <dgm:prSet phldr="1"/>
         </dgm:pt>
+        <dgm:pt modelId="11">
+          <dgm:prSet phldr="1"/>
+        </dgm:pt>
+        <dgm:pt modelId="12">
+          <dgm:prSet phldr="1"/>
+        </dgm:pt>
         <dgm:pt modelId="2">
+          <dgm:prSet phldr="1"/>
+        </dgm:pt>
+        <dgm:pt modelId="21">
+          <dgm:prSet phldr="1"/>
+        </dgm:pt>
+        <dgm:pt modelId="22">
           <dgm:prSet phldr="1"/>
         </dgm:pt>
         <dgm:pt modelId="3">
           <dgm:prSet phldr="1"/>
         </dgm:pt>
+        <dgm:pt modelId="31">
+          <dgm:prSet phldr="1"/>
+        </dgm:pt>
+        <dgm:pt modelId="32">
+          <dgm:prSet phldr="1"/>
+        </dgm:pt>
       </dgm:ptLst>
       <dgm:cxnLst>
-        <dgm:cxn modelId="5" srcId="0" destId="1" srcOrd="0" destOrd="0"/>
-        <dgm:cxn modelId="6" srcId="0" destId="2" srcOrd="1" destOrd="0"/>
-        <dgm:cxn modelId="7" srcId="0" destId="3" srcOrd="2" destOrd="0"/>
+        <dgm:cxn modelId="4" srcId="0" destId="1" srcOrd="0" destOrd="0"/>
+        <dgm:cxn modelId="5" srcId="0" destId="2" srcOrd="1" destOrd="0"/>
+        <dgm:cxn modelId="6" srcId="0" destId="3" srcOrd="2" destOrd="0"/>
+        <dgm:cxn modelId="13" srcId="1" destId="11" srcOrd="0" destOrd="0"/>
+        <dgm:cxn modelId="14" srcId="1" destId="12" srcOrd="1" destOrd="0"/>
+        <dgm:cxn modelId="23" srcId="2" destId="21" srcOrd="0" destOrd="0"/>
+        <dgm:cxn modelId="24" srcId="2" destId="22" srcOrd="1" destOrd="0"/>
+        <dgm:cxn modelId="33" srcId="3" destId="31" srcOrd="0" destOrd="0"/>
+        <dgm:cxn modelId="34" srcId="3" destId="32" srcOrd="1" destOrd="0"/>
       </dgm:cxnLst>
       <dgm:bg/>
       <dgm:whole/>
@@ -6725,11 +8028,15 @@
       <dgm:ptLst>
         <dgm:pt modelId="0" type="doc"/>
         <dgm:pt modelId="1"/>
+        <dgm:pt modelId="11"/>
         <dgm:pt modelId="2"/>
+        <dgm:pt modelId="21"/>
       </dgm:ptLst>
       <dgm:cxnLst>
-        <dgm:cxn modelId="3" srcId="0" destId="1" srcOrd="0" destOrd="0"/>
-        <dgm:cxn modelId="4" srcId="0" destId="2" srcOrd="1" destOrd="0"/>
+        <dgm:cxn modelId="4" srcId="0" destId="1" srcOrd="0" destOrd="0"/>
+        <dgm:cxn modelId="5" srcId="0" destId="2" srcOrd="1" destOrd="0"/>
+        <dgm:cxn modelId="13" srcId="1" destId="11" srcOrd="0" destOrd="0"/>
+        <dgm:cxn modelId="23" srcId="2" destId="21" srcOrd="0" destOrd="0"/>
       </dgm:cxnLst>
       <dgm:bg/>
       <dgm:whole/>
@@ -6740,738 +8047,145 @@
       <dgm:ptLst>
         <dgm:pt modelId="0" type="doc"/>
         <dgm:pt modelId="1"/>
+        <dgm:pt modelId="11"/>
         <dgm:pt modelId="2"/>
+        <dgm:pt modelId="21"/>
         <dgm:pt modelId="3"/>
+        <dgm:pt modelId="31"/>
         <dgm:pt modelId="4"/>
+        <dgm:pt modelId="41"/>
       </dgm:ptLst>
       <dgm:cxnLst>
-        <dgm:cxn modelId="6" srcId="0" destId="1" srcOrd="0" destOrd="0"/>
-        <dgm:cxn modelId="7" srcId="0" destId="2" srcOrd="1" destOrd="0"/>
-        <dgm:cxn modelId="8" srcId="0" destId="3" srcOrd="2" destOrd="0"/>
-        <dgm:cxn modelId="9" srcId="0" destId="4" srcOrd="3" destOrd="0"/>
+        <dgm:cxn modelId="5" srcId="0" destId="1" srcOrd="0" destOrd="0"/>
+        <dgm:cxn modelId="6" srcId="0" destId="2" srcOrd="1" destOrd="0"/>
+        <dgm:cxn modelId="7" srcId="0" destId="3" srcOrd="2" destOrd="0"/>
+        <dgm:cxn modelId="8" srcId="0" destId="4" srcOrd="3" destOrd="0"/>
+        <dgm:cxn modelId="13" srcId="1" destId="11" srcOrd="0" destOrd="0"/>
+        <dgm:cxn modelId="23" srcId="2" destId="21" srcOrd="0" destOrd="0"/>
+        <dgm:cxn modelId="33" srcId="3" destId="31" srcOrd="0" destOrd="0"/>
+        <dgm:cxn modelId="43" srcId="4" destId="41" srcOrd="0" destOrd="0"/>
       </dgm:cxnLst>
       <dgm:bg/>
       <dgm:whole/>
     </dgm:dataModel>
   </dgm:clrData>
-  <dgm:layoutNode name="outerComposite">
+  <dgm:layoutNode name="Name0">
     <dgm:varLst>
-      <dgm:chMax val="5"/>
       <dgm:dir/>
+      <dgm:animLvl val="lvl"/>
       <dgm:resizeHandles val="exact"/>
     </dgm:varLst>
-    <dgm:alg type="composite"/>
+    <dgm:alg type="lin">
+      <dgm:param type="linDir" val="fromB"/>
+    </dgm:alg>
     <dgm:shape xmlns:r="http://schemas.openxmlformats.org/officeDocument/2006/relationships" r:blip="">
       <dgm:adjLst/>
     </dgm:shape>
     <dgm:presOf/>
-    <dgm:choose name="Name0">
-      <dgm:if name="Name1" func="var" arg="dir" op="equ" val="norm">
-        <dgm:constrLst>
-          <dgm:constr type="primFontSz" for="ch" ptType="node" op="equ" val="65"/>
-          <dgm:constr type="w" for="ch" forName="dummyMaxCanvas" refType="w"/>
-          <dgm:constr type="h" for="ch" forName="dummyMaxCanvas" refType="h"/>
-          <dgm:constr type="w" for="ch" forName="OneNode_1" refType="w"/>
-          <dgm:constr type="h" for="ch" forName="OneNode_1" refType="h" fact="0.5"/>
-          <dgm:constr type="ctrY" for="ch" forName="OneNode_1" refType="h" fact="0.5"/>
-          <dgm:constr type="w" for="ch" forName="TwoNodes_1" refType="w" fact="0.85"/>
-          <dgm:constr type="h" for="ch" forName="TwoNodes_1" refType="h" fact="0.45"/>
-          <dgm:constr type="t" for="ch" forName="TwoNodes_1"/>
-          <dgm:constr type="l" for="ch" forName="TwoNodes_1"/>
-          <dgm:constr type="w" for="ch" forName="TwoNodes_2" refType="w" fact="0.85"/>
-          <dgm:constr type="h" for="ch" forName="TwoNodes_2" refType="h" fact="0.45"/>
-          <dgm:constr type="b" for="ch" forName="TwoNodes_2" refType="h"/>
-          <dgm:constr type="r" for="ch" forName="TwoNodes_2" refType="w"/>
-          <dgm:constr type="w" for="ch" forName="TwoConn_1-2" refType="h" refFor="ch" refForName="TwoNodes_1" fact="0.65"/>
-          <dgm:constr type="h" for="ch" forName="TwoConn_1-2" refType="h" refFor="ch" refForName="TwoNodes_1" fact="0.65"/>
-          <dgm:constr type="ctrY" for="ch" forName="TwoConn_1-2" refType="h" fact="0.5"/>
-          <dgm:constr type="r" for="ch" forName="TwoConn_1-2" refType="r" refFor="ch" refForName="TwoNodes_1"/>
-          <dgm:constr type="r" for="ch" forName="TwoNodes_1_text" refType="l" refFor="ch" refForName="TwoConn_1-2"/>
-          <dgm:constr type="rOff" for="ch" forName="TwoNodes_1_text" refType="w" refFor="ch" refForName="TwoConn_1-2" fact="-0.5"/>
-          <dgm:constr type="t" for="ch" forName="TwoNodes_1_text" refType="t" refFor="ch" refForName="TwoNodes_1"/>
-          <dgm:constr type="b" for="ch" forName="TwoNodes_1_text" refType="b" refFor="ch" refForName="TwoNodes_1"/>
-          <dgm:constr type="l" for="ch" forName="TwoNodes_1_text" refType="l" refFor="ch" refForName="TwoNodes_1"/>
-          <dgm:constr type="r" for="ch" forName="TwoNodes_2_text" refType="l" refFor="ch" refForName="TwoConn_1-2"/>
-          <dgm:constr type="t" for="ch" forName="TwoNodes_2_text" refType="t" refFor="ch" refForName="TwoNodes_2"/>
-          <dgm:constr type="b" for="ch" forName="TwoNodes_2_text" refType="b" refFor="ch" refForName="TwoNodes_2"/>
-          <dgm:constr type="l" for="ch" forName="TwoNodes_2_text" refType="l" refFor="ch" refForName="TwoNodes_2"/>
-          <dgm:constr type="w" for="ch" forName="ThreeNodes_1" refType="w" fact="0.85"/>
-          <dgm:constr type="h" for="ch" forName="ThreeNodes_1" refType="h" fact="0.3"/>
-          <dgm:constr type="t" for="ch" forName="ThreeNodes_1"/>
-          <dgm:constr type="l" for="ch" forName="ThreeNodes_1"/>
-          <dgm:constr type="w" for="ch" forName="ThreeNodes_2" refType="w" fact="0.85"/>
-          <dgm:constr type="h" for="ch" forName="ThreeNodes_2" refType="h" fact="0.3"/>
-          <dgm:constr type="ctrY" for="ch" forName="ThreeNodes_2" refType="h" fact="0.5"/>
-          <dgm:constr type="ctrX" for="ch" forName="ThreeNodes_2" refType="w" fact="0.5"/>
-          <dgm:constr type="w" for="ch" forName="ThreeNodes_3" refType="w" fact="0.85"/>
-          <dgm:constr type="h" for="ch" forName="ThreeNodes_3" refType="h" fact="0.3"/>
-          <dgm:constr type="b" for="ch" forName="ThreeNodes_3" refType="h"/>
-          <dgm:constr type="r" for="ch" forName="ThreeNodes_3" refType="w"/>
-          <dgm:constr type="w" for="ch" forName="ThreeConn_1-2" refType="h" refFor="ch" refForName="ThreeNodes_1" fact="0.65"/>
-          <dgm:constr type="h" for="ch" forName="ThreeConn_1-2" refType="h" refFor="ch" refForName="ThreeNodes_1" fact="0.65"/>
-          <dgm:constr type="ctrY" for="ch" forName="ThreeConn_1-2" refType="h" fact="0.325"/>
-          <dgm:constr type="r" for="ch" forName="ThreeConn_1-2" refType="r" refFor="ch" refForName="ThreeNodes_1"/>
-          <dgm:constr type="w" for="ch" forName="ThreeConn_2-3" refType="h" refFor="ch" refForName="ThreeNodes_2" fact="0.65"/>
-          <dgm:constr type="h" for="ch" forName="ThreeConn_2-3" refType="h" refFor="ch" refForName="ThreeNodes_2" fact="0.65"/>
-          <dgm:constr type="ctrY" for="ch" forName="ThreeConn_2-3" refType="h" fact="0.673"/>
-          <dgm:constr type="r" for="ch" forName="ThreeConn_2-3" refType="r" refFor="ch" refForName="ThreeNodes_2"/>
-          <dgm:constr type="r" for="ch" forName="ThreeNodes_1_text" refType="l" refFor="ch" refForName="ThreeConn_1-2"/>
-          <dgm:constr type="rOff" for="ch" forName="ThreeNodes_1_text" refType="w" refFor="ch" refForName="ThreeConn_1-2" fact="-0.57"/>
-          <dgm:constr type="t" for="ch" forName="ThreeNodes_1_text" refType="t" refFor="ch" refForName="ThreeNodes_1"/>
-          <dgm:constr type="b" for="ch" forName="ThreeNodes_1_text" refType="b" refFor="ch" refForName="ThreeNodes_1"/>
-          <dgm:constr type="l" for="ch" forName="ThreeNodes_1_text" refType="l" refFor="ch" refForName="ThreeNodes_1"/>
-          <dgm:constr type="r" for="ch" forName="ThreeNodes_2_text" refType="l" refFor="ch" refForName="ThreeConn_1-2"/>
-          <dgm:constr type="t" for="ch" forName="ThreeNodes_2_text" refType="t" refFor="ch" refForName="ThreeNodes_2"/>
-          <dgm:constr type="b" for="ch" forName="ThreeNodes_2_text" refType="b" refFor="ch" refForName="ThreeNodes_2"/>
-          <dgm:constr type="l" for="ch" forName="ThreeNodes_2_text" refType="l" refFor="ch" refForName="ThreeNodes_2"/>
-          <dgm:constr type="r" for="ch" forName="ThreeNodes_3_text" refType="l" refFor="ch" refForName="ThreeConn_2-3"/>
-          <dgm:constr type="t" for="ch" forName="ThreeNodes_3_text" refType="t" refFor="ch" refForName="ThreeNodes_3"/>
-          <dgm:constr type="b" for="ch" forName="ThreeNodes_3_text" refType="b" refFor="ch" refForName="ThreeNodes_3"/>
-          <dgm:constr type="l" for="ch" forName="ThreeNodes_3_text" refType="l" refFor="ch" refForName="ThreeNodes_3"/>
-          <dgm:constr type="w" for="ch" forName="FourNodes_1" refType="w" fact="0.8"/>
-          <dgm:constr type="h" for="ch" forName="FourNodes_1" refType="h" fact="0.22"/>
-          <dgm:constr type="t" for="ch" forName="FourNodes_1"/>
-          <dgm:constr type="l" for="ch" forName="FourNodes_1"/>
-          <dgm:constr type="w" for="ch" forName="FourNodes_2" refType="w" fact="0.8"/>
-          <dgm:constr type="h" for="ch" forName="FourNodes_2" refType="h" fact="0.22"/>
-          <dgm:constr type="ctrY" for="ch" forName="FourNodes_2" refType="h" fact="0.37"/>
-          <dgm:constr type="ctrX" for="ch" forName="FourNodes_2" refType="w" fact="0.467"/>
-          <dgm:constr type="w" for="ch" forName="FourNodes_3" refType="w" fact="0.8"/>
-          <dgm:constr type="h" for="ch" forName="FourNodes_3" refType="h" fact="0.22"/>
-          <dgm:constr type="ctrY" for="ch" forName="FourNodes_3" refType="h" fact="0.63"/>
-          <dgm:constr type="ctrX" for="ch" forName="FourNodes_3" refType="w" fact="0.533"/>
-          <dgm:constr type="w" for="ch" forName="FourNodes_4" refType="w" fact="0.8"/>
-          <dgm:constr type="h" for="ch" forName="FourNodes_4" refType="h" fact="0.22"/>
-          <dgm:constr type="b" for="ch" forName="FourNodes_4" refType="h"/>
-          <dgm:constr type="r" for="ch" forName="FourNodes_4" refType="w"/>
-          <dgm:constr type="w" for="ch" forName="FourConn_1-2" refType="h" refFor="ch" refForName="FourNodes_1" fact="0.65"/>
-          <dgm:constr type="h" for="ch" forName="FourConn_1-2" refType="h" refFor="ch" refForName="FourNodes_1" fact="0.65"/>
-          <dgm:constr type="ctrY" for="ch" forName="FourConn_1-2" refType="h" fact="0.24"/>
-          <dgm:constr type="r" for="ch" forName="FourConn_1-2" refType="r" refFor="ch" refForName="FourNodes_1"/>
-          <dgm:constr type="w" for="ch" forName="FourConn_2-3" refType="h" refFor="ch" refForName="FourNodes_2" fact="0.65"/>
-          <dgm:constr type="h" for="ch" forName="FourConn_2-3" refType="h" refFor="ch" refForName="FourNodes_2" fact="0.65"/>
-          <dgm:constr type="ctrY" for="ch" forName="FourConn_2-3" refType="h" fact="0.5"/>
-          <dgm:constr type="r" for="ch" forName="FourConn_2-3" refType="r" refFor="ch" refForName="FourNodes_2"/>
-          <dgm:constr type="w" for="ch" forName="FourConn_3-4" refType="h" refFor="ch" refForName="FourNodes_3" fact="0.65"/>
-          <dgm:constr type="h" for="ch" forName="FourConn_3-4" refType="h" refFor="ch" refForName="FourNodes_3" fact="0.65"/>
-          <dgm:constr type="ctrY" for="ch" forName="FourConn_3-4" refType="h" fact="0.76"/>
-          <dgm:constr type="r" for="ch" forName="FourConn_3-4" refType="r" refFor="ch" refForName="FourNodes_3"/>
-          <dgm:constr type="r" for="ch" forName="FourNodes_1_text" refType="l" refFor="ch" refForName="FourConn_1-2"/>
-          <dgm:constr type="rOff" for="ch" forName="FourNodes_1_text" refType="w" refFor="ch" refForName="FourConn_1-2" fact="-0.7"/>
-          <dgm:constr type="t" for="ch" forName="FourNodes_1_text" refType="t" refFor="ch" refForName="FourNodes_1"/>
-          <dgm:constr type="b" for="ch" forName="FourNodes_1_text" refType="b" refFor="ch" refForName="FourNodes_1"/>
-          <dgm:constr type="l" for="ch" forName="FourNodes_1_text" refType="l" refFor="ch" refForName="FourNodes_1"/>
-          <dgm:constr type="r" for="ch" forName="FourNodes_2_text" refType="l" refFor="ch" refForName="FourConn_1-2"/>
-          <dgm:constr type="t" for="ch" forName="FourNodes_2_text" refType="t" refFor="ch" refForName="FourNodes_2"/>
-          <dgm:constr type="b" for="ch" forName="FourNodes_2_text" refType="b" refFor="ch" refForName="FourNodes_2"/>
-          <dgm:constr type="l" for="ch" forName="FourNodes_2_text" refType="l" refFor="ch" refForName="FourNodes_2"/>
-          <dgm:constr type="r" for="ch" forName="FourNodes_3_text" refType="l" refFor="ch" refForName="FourConn_2-3"/>
-          <dgm:constr type="t" for="ch" forName="FourNodes_3_text" refType="t" refFor="ch" refForName="FourNodes_3"/>
-          <dgm:constr type="b" for="ch" forName="FourNodes_3_text" refType="b" refFor="ch" refForName="FourNodes_3"/>
-          <dgm:constr type="l" for="ch" forName="FourNodes_3_text" refType="l" refFor="ch" refForName="FourNodes_3"/>
-          <dgm:constr type="r" for="ch" forName="FourNodes_4_text" refType="l" refFor="ch" refForName="FourConn_3-4"/>
-          <dgm:constr type="t" for="ch" forName="FourNodes_4_text" refType="t" refFor="ch" refForName="FourNodes_4"/>
-          <dgm:constr type="b" for="ch" forName="FourNodes_4_text" refType="b" refFor="ch" refForName="FourNodes_4"/>
-          <dgm:constr type="l" for="ch" forName="FourNodes_4_text" refType="l" refFor="ch" refForName="FourNodes_4"/>
-          <dgm:constr type="w" for="ch" forName="FiveNodes_1" refType="w" fact="0.77"/>
-          <dgm:constr type="h" for="ch" forName="FiveNodes_1" refType="h" fact="0.18"/>
-          <dgm:constr type="t" for="ch" forName="FiveNodes_1"/>
-          <dgm:constr type="l" for="ch" forName="FiveNodes_1"/>
-          <dgm:constr type="w" for="ch" forName="FiveNodes_2" refType="w" fact="0.77"/>
-          <dgm:constr type="h" for="ch" forName="FiveNodes_2" refType="h" fact="0.18"/>
-          <dgm:constr type="ctrY" for="ch" forName="FiveNodes_2" refType="h" fact="0.295"/>
-          <dgm:constr type="ctrX" for="ch" forName="FiveNodes_2" refType="w" fact="0.4425"/>
-          <dgm:constr type="w" for="ch" forName="FiveNodes_3" refType="w" fact="0.77"/>
-          <dgm:constr type="h" for="ch" forName="FiveNodes_3" refType="h" fact="0.18"/>
-          <dgm:constr type="ctrY" for="ch" forName="FiveNodes_3" refType="h" fact="0.5"/>
-          <dgm:constr type="ctrX" for="ch" forName="FiveNodes_3" refType="w" fact="0.5"/>
-          <dgm:constr type="w" for="ch" forName="FiveNodes_4" refType="w" fact="0.77"/>
-          <dgm:constr type="h" for="ch" forName="FiveNodes_4" refType="h" fact="0.18"/>
-          <dgm:constr type="ctrY" for="ch" forName="FiveNodes_4" refType="h" fact="0.705"/>
-          <dgm:constr type="ctrX" for="ch" forName="FiveNodes_4" refType="w" fact="0.5575"/>
-          <dgm:constr type="w" for="ch" forName="FiveNodes_5" refType="w" fact="0.77"/>
-          <dgm:constr type="h" for="ch" forName="FiveNodes_5" refType="h" fact="0.18"/>
-          <dgm:constr type="b" for="ch" forName="FiveNodes_5" refType="h"/>
-          <dgm:constr type="r" for="ch" forName="FiveNodes_5" refType="w"/>
-          <dgm:constr type="w" for="ch" forName="FiveConn_1-2" refType="h" refFor="ch" refForName="FiveNodes_1" fact="0.65"/>
-          <dgm:constr type="h" for="ch" forName="FiveConn_1-2" refType="h" refFor="ch" refForName="FiveNodes_1" fact="0.65"/>
-          <dgm:constr type="ctrY" for="ch" forName="FiveConn_1-2" refType="h" fact="0.19"/>
-          <dgm:constr type="r" for="ch" forName="FiveConn_1-2" refType="r" refFor="ch" refForName="FiveNodes_1"/>
-          <dgm:constr type="w" for="ch" forName="FiveConn_2-3" refType="h" refFor="ch" refForName="FiveNodes_2" fact="0.65"/>
-          <dgm:constr type="h" for="ch" forName="FiveConn_2-3" refType="h" refFor="ch" refForName="FiveNodes_2" fact="0.65"/>
-          <dgm:constr type="ctrY" for="ch" forName="FiveConn_2-3" refType="h" fact="0.395"/>
-          <dgm:constr type="r" for="ch" forName="FiveConn_2-3" refType="r" refFor="ch" refForName="FiveNodes_2"/>
-          <dgm:constr type="w" for="ch" forName="FiveConn_3-4" refType="h" refFor="ch" refForName="FiveNodes_3" fact="0.65"/>
-          <dgm:constr type="h" for="ch" forName="FiveConn_3-4" refType="h" refFor="ch" refForName="FiveNodes_3" fact="0.65"/>
-          <dgm:constr type="ctrY" for="ch" forName="FiveConn_3-4" refType="h" fact="0.597"/>
-          <dgm:constr type="r" for="ch" forName="FiveConn_3-4" refType="r" refFor="ch" refForName="FiveNodes_3"/>
-          <dgm:constr type="w" for="ch" forName="FiveConn_4-5" refType="h" refFor="ch" refForName="FiveNodes_4" fact="0.65"/>
-          <dgm:constr type="h" for="ch" forName="FiveConn_4-5" refType="h" refFor="ch" refForName="FiveNodes_4" fact="0.65"/>
-          <dgm:constr type="ctrY" for="ch" forName="FiveConn_4-5" refType="h" fact="0.804"/>
-          <dgm:constr type="r" for="ch" forName="FiveConn_4-5" refType="r" refFor="ch" refForName="FiveNodes_4"/>
-          <dgm:constr type="r" for="ch" forName="FiveNodes_1_text" refType="l" refFor="ch" refForName="FiveConn_1-2"/>
-          <dgm:constr type="rOff" for="ch" forName="FiveNodes_1_text" refType="w" refFor="ch" refForName="FiveConn_1-2" fact="-0.75"/>
-          <dgm:constr type="t" for="ch" forName="FiveNodes_1_text" refType="t" refFor="ch" refForName="FiveNodes_1"/>
-          <dgm:constr type="b" for="ch" forName="FiveNodes_1_text" refType="b" refFor="ch" refForName="FiveNodes_1"/>
-          <dgm:constr type="l" for="ch" forName="FiveNodes_1_text" refType="l" refFor="ch" refForName="FiveNodes_1"/>
-          <dgm:constr type="r" for="ch" forName="FiveNodes_2_text" refType="l" refFor="ch" refForName="FiveConn_1-2"/>
-          <dgm:constr type="t" for="ch" forName="FiveNodes_2_text" refType="t" refFor="ch" refForName="FiveNodes_2"/>
-          <dgm:constr type="b" for="ch" forName="FiveNodes_2_text" refType="b" refFor="ch" refForName="FiveNodes_2"/>
-          <dgm:constr type="l" for="ch" forName="FiveNodes_2_text" refType="l" refFor="ch" refForName="FiveNodes_2"/>
-          <dgm:constr type="r" for="ch" forName="FiveNodes_3_text" refType="l" refFor="ch" refForName="FiveConn_2-3"/>
-          <dgm:constr type="t" for="ch" forName="FiveNodes_3_text" refType="t" refFor="ch" refForName="FiveNodes_3"/>
-          <dgm:constr type="b" for="ch" forName="FiveNodes_3_text" refType="b" refFor="ch" refForName="FiveNodes_3"/>
-          <dgm:constr type="l" for="ch" forName="FiveNodes_3_text" refType="l" refFor="ch" refForName="FiveNodes_3"/>
-          <dgm:constr type="r" for="ch" forName="FiveNodes_4_text" refType="l" refFor="ch" refForName="FiveConn_3-4"/>
-          <dgm:constr type="t" for="ch" forName="FiveNodes_4_text" refType="t" refFor="ch" refForName="FiveNodes_4"/>
-          <dgm:constr type="b" for="ch" forName="FiveNodes_4_text" refType="b" refFor="ch" refForName="FiveNodes_4"/>
-          <dgm:constr type="l" for="ch" forName="FiveNodes_4_text" refType="l" refFor="ch" refForName="FiveNodes_4"/>
-          <dgm:constr type="r" for="ch" forName="FiveNodes_5_text" refType="l" refFor="ch" refForName="FiveConn_4-5"/>
-          <dgm:constr type="t" for="ch" forName="FiveNodes_5_text" refType="t" refFor="ch" refForName="FiveNodes_5"/>
-          <dgm:constr type="b" for="ch" forName="FiveNodes_5_text" refType="b" refFor="ch" refForName="FiveNodes_5"/>
-          <dgm:constr type="l" for="ch" forName="FiveNodes_5_text" refType="l" refFor="ch" refForName="FiveNodes_5"/>
-        </dgm:constrLst>
-      </dgm:if>
-      <dgm:else name="Name2">
-        <dgm:constrLst>
-          <dgm:constr type="primFontSz" for="ch" ptType="node" op="equ" val="65"/>
-          <dgm:constr type="w" for="ch" forName="dummyMaxCanvas" refType="w"/>
-          <dgm:constr type="h" for="ch" forName="dummyMaxCanvas" refType="h"/>
-          <dgm:constr type="w" for="ch" forName="OneNode_1" refType="w"/>
-          <dgm:constr type="h" for="ch" forName="OneNode_1" refType="h" fact="0.5"/>
-          <dgm:constr type="ctrY" for="ch" forName="OneNode_1" refType="h" fact="0.5"/>
-          <dgm:constr type="w" for="ch" forName="TwoNodes_1" refType="w" fact="0.85"/>
-          <dgm:constr type="h" for="ch" forName="TwoNodes_1" refType="h" fact="0.45"/>
-          <dgm:constr type="t" for="ch" forName="TwoNodes_1"/>
-          <dgm:constr type="r" for="ch" forName="TwoNodes_1" refType="w"/>
-          <dgm:constr type="w" for="ch" forName="TwoNodes_2" refType="w" fact="0.85"/>
-          <dgm:constr type="h" for="ch" forName="TwoNodes_2" refType="h" fact="0.45"/>
-          <dgm:constr type="b" for="ch" forName="TwoNodes_2" refType="h"/>
-          <dgm:constr type="l" for="ch" forName="TwoNodes_2"/>
-          <dgm:constr type="w" for="ch" forName="TwoConn_1-2" refType="h" refFor="ch" refForName="TwoNodes_1" fact="0.65"/>
-          <dgm:constr type="h" for="ch" forName="TwoConn_1-2" refType="h" refFor="ch" refForName="TwoNodes_1" fact="0.65"/>
-          <dgm:constr type="ctrY" for="ch" forName="TwoConn_1-2" refType="h" fact="0.5"/>
-          <dgm:constr type="l" for="ch" forName="TwoConn_1-2" refType="l" refFor="ch" refForName="TwoNodes_1"/>
-          <dgm:constr type="l" for="ch" forName="TwoNodes_1_text" refType="r" refFor="ch" refForName="TwoConn_1-2"/>
-          <dgm:constr type="lOff" for="ch" forName="TwoNodes_1_text" refType="w" refFor="ch" refForName="TwoConn_1-2" fact="0.5"/>
-          <dgm:constr type="t" for="ch" forName="TwoNodes_1_text" refType="t" refFor="ch" refForName="TwoNodes_1"/>
-          <dgm:constr type="b" for="ch" forName="TwoNodes_1_text" refType="b" refFor="ch" refForName="TwoNodes_1"/>
-          <dgm:constr type="r" for="ch" forName="TwoNodes_1_text" refType="r" refFor="ch" refForName="TwoNodes_1"/>
-          <dgm:constr type="l" for="ch" forName="TwoNodes_2_text" refType="r" refFor="ch" refForName="TwoConn_1-2"/>
-          <dgm:constr type="t" for="ch" forName="TwoNodes_2_text" refType="t" refFor="ch" refForName="TwoNodes_2"/>
-          <dgm:constr type="b" for="ch" forName="TwoNodes_2_text" refType="b" refFor="ch" refForName="TwoNodes_2"/>
-          <dgm:constr type="r" for="ch" forName="TwoNodes_2_text" refType="r" refFor="ch" refForName="TwoNodes_2"/>
-          <dgm:constr type="w" for="ch" forName="ThreeNodes_1" refType="w" fact="0.85"/>
-          <dgm:constr type="h" for="ch" forName="ThreeNodes_1" refType="h" fact="0.3"/>
-          <dgm:constr type="t" for="ch" forName="ThreeNodes_1"/>
-          <dgm:constr type="r" for="ch" forName="ThreeNodes_1" refType="w"/>
-          <dgm:constr type="w" for="ch" forName="ThreeNodes_2" refType="w" fact="0.85"/>
-          <dgm:constr type="h" for="ch" forName="ThreeNodes_2" refType="h" fact="0.3"/>
-          <dgm:constr type="ctrY" for="ch" forName="ThreeNodes_2" refType="h" fact="0.5"/>
-          <dgm:constr type="ctrX" for="ch" forName="ThreeNodes_2" refType="w" fact="0.5"/>
-          <dgm:constr type="w" for="ch" forName="ThreeNodes_3" refType="w" fact="0.85"/>
-          <dgm:constr type="h" for="ch" forName="ThreeNodes_3" refType="h" fact="0.3"/>
-          <dgm:constr type="b" for="ch" forName="ThreeNodes_3" refType="h"/>
-          <dgm:constr type="l" for="ch" forName="ThreeNodes_3"/>
-          <dgm:constr type="w" for="ch" forName="ThreeConn_1-2" refType="h" refFor="ch" refForName="ThreeNodes_1" fact="0.65"/>
-          <dgm:constr type="h" for="ch" forName="ThreeConn_1-2" refType="h" refFor="ch" refForName="ThreeNodes_1" fact="0.65"/>
-          <dgm:constr type="ctrY" for="ch" forName="ThreeConn_1-2" refType="h" fact="0.325"/>
-          <dgm:constr type="l" for="ch" forName="ThreeConn_1-2" refType="l" refFor="ch" refForName="ThreeNodes_1"/>
-          <dgm:constr type="w" for="ch" forName="ThreeConn_2-3" refType="h" refFor="ch" refForName="ThreeNodes_2" fact="0.65"/>
-          <dgm:constr type="h" for="ch" forName="ThreeConn_2-3" refType="h" refFor="ch" refForName="ThreeNodes_2" fact="0.65"/>
-          <dgm:constr type="ctrY" for="ch" forName="ThreeConn_2-3" refType="h" fact="0.673"/>
-          <dgm:constr type="l" for="ch" forName="ThreeConn_2-3" refType="l" refFor="ch" refForName="ThreeNodes_2"/>
-          <dgm:constr type="l" for="ch" forName="ThreeNodes_1_text" refType="r" refFor="ch" refForName="ThreeConn_1-2"/>
-          <dgm:constr type="lOff" for="ch" forName="ThreeNodes_1_text" refType="w" refFor="ch" refForName="ThreeConn_1-2" fact="0.55"/>
-          <dgm:constr type="t" for="ch" forName="ThreeNodes_1_text" refType="t" refFor="ch" refForName="ThreeNodes_1"/>
-          <dgm:constr type="b" for="ch" forName="ThreeNodes_1_text" refType="b" refFor="ch" refForName="ThreeNodes_1"/>
-          <dgm:constr type="r" for="ch" forName="ThreeNodes_1_text" refType="r" refFor="ch" refForName="ThreeNodes_1"/>
-          <dgm:constr type="l" for="ch" forName="ThreeNodes_2_text" refType="r" refFor="ch" refForName="ThreeConn_1-2"/>
-          <dgm:constr type="t" for="ch" forName="ThreeNodes_2_text" refType="t" refFor="ch" refForName="ThreeNodes_2"/>
-          <dgm:constr type="b" for="ch" forName="ThreeNodes_2_text" refType="b" refFor="ch" refForName="ThreeNodes_2"/>
-          <dgm:constr type="r" for="ch" forName="ThreeNodes_2_text" refType="r" refFor="ch" refForName="ThreeNodes_2"/>
-          <dgm:constr type="l" for="ch" forName="ThreeNodes_3_text" refType="r" refFor="ch" refForName="ThreeConn_2-3"/>
-          <dgm:constr type="t" for="ch" forName="ThreeNodes_3_text" refType="t" refFor="ch" refForName="ThreeNodes_3"/>
-          <dgm:constr type="b" for="ch" forName="ThreeNodes_3_text" refType="b" refFor="ch" refForName="ThreeNodes_3"/>
-          <dgm:constr type="r" for="ch" forName="ThreeNodes_3_text" refType="r" refFor="ch" refForName="ThreeNodes_3"/>
-          <dgm:constr type="w" for="ch" forName="FourNodes_1" refType="w" fact="0.8"/>
-          <dgm:constr type="h" for="ch" forName="FourNodes_1" refType="h" fact="0.22"/>
-          <dgm:constr type="t" for="ch" forName="FourNodes_1"/>
-          <dgm:constr type="r" for="ch" forName="FourNodes_1" refType="w"/>
-          <dgm:constr type="w" for="ch" forName="FourNodes_2" refType="w" fact="0.8"/>
-          <dgm:constr type="h" for="ch" forName="FourNodes_2" refType="h" fact="0.22"/>
-          <dgm:constr type="ctrY" for="ch" forName="FourNodes_2" refType="h" fact="0.37"/>
-          <dgm:constr type="ctrX" for="ch" forName="FourNodes_2" refType="w" fact="0.533"/>
-          <dgm:constr type="w" for="ch" forName="FourNodes_3" refType="w" fact="0.8"/>
-          <dgm:constr type="h" for="ch" forName="FourNodes_3" refType="h" fact="0.22"/>
-          <dgm:constr type="ctrY" for="ch" forName="FourNodes_3" refType="h" fact="0.63"/>
-          <dgm:constr type="ctrX" for="ch" forName="FourNodes_3" refType="w" fact="0.467"/>
-          <dgm:constr type="w" for="ch" forName="FourNodes_4" refType="w" fact="0.8"/>
-          <dgm:constr type="h" for="ch" forName="FourNodes_4" refType="h" fact="0.22"/>
-          <dgm:constr type="b" for="ch" forName="FourNodes_4" refType="h"/>
-          <dgm:constr type="l" for="ch" forName="FourNodes_4"/>
-          <dgm:constr type="w" for="ch" forName="FourConn_1-2" refType="h" refFor="ch" refForName="FourNodes_1" fact="0.65"/>
-          <dgm:constr type="h" for="ch" forName="FourConn_1-2" refType="h" refFor="ch" refForName="FourNodes_1" fact="0.65"/>
-          <dgm:constr type="ctrY" for="ch" forName="FourConn_1-2" refType="h" fact="0.24"/>
-          <dgm:constr type="l" for="ch" forName="FourConn_1-2" refType="l" refFor="ch" refForName="FourNodes_1"/>
-          <dgm:constr type="w" for="ch" forName="FourConn_2-3" refType="h" refFor="ch" refForName="FourNodes_2" fact="0.65"/>
-          <dgm:constr type="h" for="ch" forName="FourConn_2-3" refType="h" refFor="ch" refForName="FourNodes_2" fact="0.65"/>
-          <dgm:constr type="ctrY" for="ch" forName="FourConn_2-3" refType="h" fact="0.5"/>
-          <dgm:constr type="l" for="ch" forName="FourConn_2-3" refType="l" refFor="ch" refForName="FourNodes_2"/>
-          <dgm:constr type="w" for="ch" forName="FourConn_3-4" refType="h" refFor="ch" refForName="FourNodes_3" fact="0.65"/>
-          <dgm:constr type="h" for="ch" forName="FourConn_3-4" refType="h" refFor="ch" refForName="FourNodes_3" fact="0.65"/>
-          <dgm:constr type="ctrY" for="ch" forName="FourConn_3-4" refType="h" fact="0.76"/>
-          <dgm:constr type="l" for="ch" forName="FourConn_3-4" refType="l" refFor="ch" refForName="FourNodes_3"/>
-          <dgm:constr type="l" for="ch" forName="FourNodes_1_text" refType="r" refFor="ch" refForName="FourConn_1-2"/>
-          <dgm:constr type="lOff" for="ch" forName="FourNodes_1_text" refType="w" refFor="ch" refForName="FourConn_1-2" fact="0.69"/>
-          <dgm:constr type="t" for="ch" forName="FourNodes_1_text" refType="t" refFor="ch" refForName="FourNodes_1"/>
-          <dgm:constr type="b" for="ch" forName="FourNodes_1_text" refType="b" refFor="ch" refForName="FourNodes_1"/>
-          <dgm:constr type="r" for="ch" forName="FourNodes_1_text" refType="r" refFor="ch" refForName="FourNodes_1"/>
-          <dgm:constr type="l" for="ch" forName="FourNodes_2_text" refType="r" refFor="ch" refForName="FourConn_1-2"/>
-          <dgm:constr type="t" for="ch" forName="FourNodes_2_text" refType="t" refFor="ch" refForName="FourNodes_2"/>
-          <dgm:constr type="b" for="ch" forName="FourNodes_2_text" refType="b" refFor="ch" refForName="FourNodes_2"/>
-          <dgm:constr type="r" for="ch" forName="FourNodes_2_text" refType="r" refFor="ch" refForName="FourNodes_2"/>
-          <dgm:constr type="l" for="ch" forName="FourNodes_3_text" refType="r" refFor="ch" refForName="FourConn_2-3"/>
-          <dgm:constr type="t" for="ch" forName="FourNodes_3_text" refType="t" refFor="ch" refForName="FourNodes_3"/>
-          <dgm:constr type="b" for="ch" forName="FourNodes_3_text" refType="b" refFor="ch" refForName="FourNodes_3"/>
-          <dgm:constr type="r" for="ch" forName="FourNodes_3_text" refType="r" refFor="ch" refForName="FourNodes_3"/>
-          <dgm:constr type="l" for="ch" forName="FourNodes_4_text" refType="r" refFor="ch" refForName="FourConn_3-4"/>
-          <dgm:constr type="t" for="ch" forName="FourNodes_4_text" refType="t" refFor="ch" refForName="FourNodes_4"/>
-          <dgm:constr type="b" for="ch" forName="FourNodes_4_text" refType="b" refFor="ch" refForName="FourNodes_4"/>
-          <dgm:constr type="r" for="ch" forName="FourNodes_4_text" refType="r" refFor="ch" refForName="FourNodes_4"/>
-          <dgm:constr type="w" for="ch" forName="FiveNodes_1" refType="w" fact="0.77"/>
-          <dgm:constr type="h" for="ch" forName="FiveNodes_1" refType="h" fact="0.18"/>
-          <dgm:constr type="t" for="ch" forName="FiveNodes_1"/>
-          <dgm:constr type="r" for="ch" forName="FiveNodes_1" refType="w"/>
-          <dgm:constr type="w" for="ch" forName="FiveNodes_2" refType="w" fact="0.77"/>
-          <dgm:constr type="h" for="ch" forName="FiveNodes_2" refType="h" fact="0.18"/>
-          <dgm:constr type="ctrY" for="ch" forName="FiveNodes_2" refType="h" fact="0.295"/>
-          <dgm:constr type="ctrX" for="ch" forName="FiveNodes_2" refType="w" fact="0.5575"/>
-          <dgm:constr type="w" for="ch" forName="FiveNodes_3" refType="w" fact="0.77"/>
-          <dgm:constr type="h" for="ch" forName="FiveNodes_3" refType="h" fact="0.18"/>
-          <dgm:constr type="ctrY" for="ch" forName="FiveNodes_3" refType="h" fact="0.5"/>
-          <dgm:constr type="ctrX" for="ch" forName="FiveNodes_3" refType="w" fact="0.5"/>
-          <dgm:constr type="w" for="ch" forName="FiveNodes_4" refType="w" fact="0.77"/>
-          <dgm:constr type="h" for="ch" forName="FiveNodes_4" refType="h" fact="0.18"/>
-          <dgm:constr type="ctrY" for="ch" forName="FiveNodes_4" refType="h" fact="0.705"/>
-          <dgm:constr type="ctrX" for="ch" forName="FiveNodes_4" refType="w" fact="0.4425"/>
-          <dgm:constr type="w" for="ch" forName="FiveNodes_5" refType="w" fact="0.77"/>
-          <dgm:constr type="h" for="ch" forName="FiveNodes_5" refType="h" fact="0.18"/>
-          <dgm:constr type="b" for="ch" forName="FiveNodes_5" refType="h"/>
-          <dgm:constr type="l" for="ch" forName="FiveNodes_5"/>
-          <dgm:constr type="w" for="ch" forName="FiveConn_1-2" refType="h" refFor="ch" refForName="FiveNodes_1" fact="0.65"/>
-          <dgm:constr type="h" for="ch" forName="FiveConn_1-2" refType="h" refFor="ch" refForName="FiveNodes_1" fact="0.65"/>
-          <dgm:constr type="ctrY" for="ch" forName="FiveConn_1-2" refType="h" fact="0.19"/>
-          <dgm:constr type="l" for="ch" forName="FiveConn_1-2" refType="l" refFor="ch" refForName="FiveNodes_1"/>
-          <dgm:constr type="w" for="ch" forName="FiveConn_2-3" refType="h" refFor="ch" refForName="FiveNodes_2" fact="0.65"/>
-          <dgm:constr type="h" for="ch" forName="FiveConn_2-3" refType="h" refFor="ch" refForName="FiveNodes_2" fact="0.65"/>
-          <dgm:constr type="ctrY" for="ch" forName="FiveConn_2-3" refType="h" fact="0.395"/>
-          <dgm:constr type="l" for="ch" forName="FiveConn_2-3" refType="l" refFor="ch" refForName="FiveNodes_2"/>
-          <dgm:constr type="w" for="ch" forName="FiveConn_3-4" refType="h" refFor="ch" refForName="FiveNodes_3" fact="0.65"/>
-          <dgm:constr type="h" for="ch" forName="FiveConn_3-4" refType="h" refFor="ch" refForName="FiveNodes_3" fact="0.65"/>
-          <dgm:constr type="ctrY" for="ch" forName="FiveConn_3-4" refType="h" fact="0.597"/>
-          <dgm:constr type="l" for="ch" forName="FiveConn_3-4" refType="l" refFor="ch" refForName="FiveNodes_3"/>
-          <dgm:constr type="w" for="ch" forName="FiveConn_4-5" refType="h" refFor="ch" refForName="FiveNodes_4" fact="0.65"/>
-          <dgm:constr type="h" for="ch" forName="FiveConn_4-5" refType="h" refFor="ch" refForName="FiveNodes_4" fact="0.65"/>
-          <dgm:constr type="ctrY" for="ch" forName="FiveConn_4-5" refType="h" fact="0.804"/>
-          <dgm:constr type="l" for="ch" forName="FiveConn_4-5" refType="l" refFor="ch" refForName="FiveNodes_4"/>
-          <dgm:constr type="l" for="ch" forName="FiveNodes_1_text" refType="r" refFor="ch" refForName="FiveConn_1-2"/>
-          <dgm:constr type="lOff" for="ch" forName="FiveNodes_1_text" refType="w" refFor="ch" refForName="FiveConn_1-2" fact="0.73"/>
-          <dgm:constr type="t" for="ch" forName="FiveNodes_1_text" refType="t" refFor="ch" refForName="FiveNodes_1"/>
-          <dgm:constr type="b" for="ch" forName="FiveNodes_1_text" refType="b" refFor="ch" refForName="FiveNodes_1"/>
-          <dgm:constr type="r" for="ch" forName="FiveNodes_1_text" refType="r" refFor="ch" refForName="FiveNodes_1"/>
-          <dgm:constr type="l" for="ch" forName="FiveNodes_2_text" refType="r" refFor="ch" refForName="FiveConn_1-2"/>
-          <dgm:constr type="t" for="ch" forName="FiveNodes_2_text" refType="t" refFor="ch" refForName="FiveNodes_2"/>
-          <dgm:constr type="b" for="ch" forName="FiveNodes_2_text" refType="b" refFor="ch" refForName="FiveNodes_2"/>
-          <dgm:constr type="r" for="ch" forName="FiveNodes_2_text" refType="r" refFor="ch" refForName="FiveNodes_2"/>
-          <dgm:constr type="l" for="ch" forName="FiveNodes_3_text" refType="r" refFor="ch" refForName="FiveConn_2-3"/>
-          <dgm:constr type="t" for="ch" forName="FiveNodes_3_text" refType="t" refFor="ch" refForName="FiveNodes_3"/>
-          <dgm:constr type="b" for="ch" forName="FiveNodes_3_text" refType="b" refFor="ch" refForName="FiveNodes_3"/>
-          <dgm:constr type="r" for="ch" forName="FiveNodes_3_text" refType="r" refFor="ch" refForName="FiveNodes_3"/>
-          <dgm:constr type="l" for="ch" forName="FiveNodes_4_text" refType="r" refFor="ch" refForName="FiveConn_3-4"/>
-          <dgm:constr type="t" for="ch" forName="FiveNodes_4_text" refType="t" refFor="ch" refForName="FiveNodes_4"/>
-          <dgm:constr type="b" for="ch" forName="FiveNodes_4_text" refType="b" refFor="ch" refForName="FiveNodes_4"/>
-          <dgm:constr type="r" for="ch" forName="FiveNodes_4_text" refType="r" refFor="ch" refForName="FiveNodes_4"/>
-          <dgm:constr type="l" for="ch" forName="FiveNodes_5_text" refType="r" refFor="ch" refForName="FiveConn_4-5"/>
-          <dgm:constr type="t" for="ch" forName="FiveNodes_5_text" refType="t" refFor="ch" refForName="FiveNodes_5"/>
-          <dgm:constr type="b" for="ch" forName="FiveNodes_5_text" refType="b" refFor="ch" refForName="FiveNodes_5"/>
-          <dgm:constr type="r" for="ch" forName="FiveNodes_5_text" refType="r" refFor="ch" refForName="FiveNodes_5"/>
-        </dgm:constrLst>
-      </dgm:else>
-    </dgm:choose>
+    <dgm:constrLst>
+      <dgm:constr type="h" for="ch" forName="boxAndChildren" refType="h"/>
+      <dgm:constr type="h" for="ch" forName="arrowAndChildren" refType="h" refFor="ch" refForName="boxAndChildren" op="equ" fact="1.538"/>
+      <dgm:constr type="w" for="ch" forName="arrowAndChildren" refType="w"/>
+      <dgm:constr type="w" for="ch" forName="boxAndChildren" refType="w"/>
+      <dgm:constr type="h" for="ch" forName="sp" refType="h" fact="-0.015"/>
+      <dgm:constr type="primFontSz" for="des" forName="parentTextBox" val="65"/>
+      <dgm:constr type="primFontSz" for="des" forName="parentTextArrow" refType="primFontSz" refFor="des" refForName="parentTextBox" op="equ"/>
+      <dgm:constr type="primFontSz" for="des" forName="childTextArrow" val="65"/>
+      <dgm:constr type="primFontSz" for="des" forName="childTextBox" refType="primFontSz" refFor="des" refForName="childTextArrow" op="equ"/>
+    </dgm:constrLst>
     <dgm:ruleLst/>
-    <dgm:layoutNode name="dummyMaxCanvas">
-      <dgm:varLst/>
-      <dgm:alg type="sp"/>
-      <dgm:shape xmlns:r="http://schemas.openxmlformats.org/officeDocument/2006/relationships" r:blip="">
-        <dgm:adjLst/>
-      </dgm:shape>
-      <dgm:presOf/>
-      <dgm:constrLst/>
-      <dgm:ruleLst/>
-    </dgm:layoutNode>
-    <dgm:choose name="Name3">
-      <dgm:if name="Name4" axis="ch" ptType="node" func="cnt" op="equ" val="1">
-        <dgm:layoutNode name="OneNode_1">
-          <dgm:varLst>
-            <dgm:bulletEnabled val="1"/>
-          </dgm:varLst>
-          <dgm:alg type="tx"/>
-          <dgm:shape xmlns:r="http://schemas.openxmlformats.org/officeDocument/2006/relationships" type="roundRect" r:blip="">
-            <dgm:adjLst>
-              <dgm:adj idx="1" val="0.1"/>
-            </dgm:adjLst>
-          </dgm:shape>
-          <dgm:presOf axis="ch desOrSelf" ptType="node node" st="1 1" cnt="1 0"/>
-          <dgm:constrLst>
-            <dgm:constr type="lMarg" refType="primFontSz" fact="0.3"/>
-            <dgm:constr type="rMarg" refType="primFontSz" fact="0.3"/>
-            <dgm:constr type="tMarg" refType="primFontSz" fact="0.3"/>
-            <dgm:constr type="bMarg" refType="primFontSz" fact="0.3"/>
-          </dgm:constrLst>
-          <dgm:ruleLst>
-            <dgm:rule type="primFontSz" val="5" fact="NaN" max="NaN"/>
-          </dgm:ruleLst>
-        </dgm:layoutNode>
-      </dgm:if>
-      <dgm:else name="Name5">
-        <dgm:choose name="Name6">
-          <dgm:if name="Name7" axis="ch" ptType="node" func="cnt" op="equ" val="2">
-            <dgm:layoutNode name="TwoNodes_1">
-              <dgm:varLst>
-                <dgm:bulletEnabled val="1"/>
-              </dgm:varLst>
-              <dgm:alg type="sp"/>
-              <dgm:shape xmlns:r="http://schemas.openxmlformats.org/officeDocument/2006/relationships" type="roundRect" r:blip="">
-                <dgm:adjLst>
-                  <dgm:adj idx="1" val="0.1"/>
-                </dgm:adjLst>
-              </dgm:shape>
-              <dgm:presOf axis="ch desOrSelf" ptType="node node" st="1 1" cnt="1 0"/>
+    <dgm:forEach name="Name1" axis="ch" ptType="node" st="-1" step="-1">
+      <dgm:choose name="Name2">
+        <dgm:if name="Name3" axis="self" ptType="node" func="revPos" op="equ" val="1">
+          <dgm:layoutNode name="boxAndChildren">
+            <dgm:alg type="composite"/>
+            <dgm:shape xmlns:r="http://schemas.openxmlformats.org/officeDocument/2006/relationships" r:blip="">
+              <dgm:adjLst/>
+            </dgm:shape>
+            <dgm:presOf/>
+            <dgm:choose name="Name4">
+              <dgm:if name="Name5" axis="ch" ptType="node" func="cnt" op="gte" val="1">
+                <dgm:constrLst>
+                  <dgm:constr type="w" for="ch" forName="parentTextBox" refType="w"/>
+                  <dgm:constr type="h" for="ch" forName="parentTextBox" refType="h" fact="0.54"/>
+                  <dgm:constr type="t" for="ch" forName="parentTextBox"/>
+                  <dgm:constr type="w" for="ch" forName="entireBox" refType="w"/>
+                  <dgm:constr type="h" for="ch" forName="entireBox" refType="h"/>
+                  <dgm:constr type="w" for="ch" forName="descendantBox" refType="w"/>
+                  <dgm:constr type="b" for="ch" forName="descendantBox" refType="h" fact="0.98"/>
+                  <dgm:constr type="h" for="ch" forName="descendantBox" refType="h" fact="0.46"/>
+                </dgm:constrLst>
+              </dgm:if>
+              <dgm:else name="Name6">
+                <dgm:constrLst>
+                  <dgm:constr type="w" for="ch" forName="parentTextBox" refType="w"/>
+                  <dgm:constr type="h" for="ch" forName="parentTextBox" refType="h"/>
+                </dgm:constrLst>
+              </dgm:else>
+            </dgm:choose>
+            <dgm:ruleLst/>
+            <dgm:layoutNode name="parentTextBox">
+              <dgm:alg type="tx"/>
+              <dgm:choose name="Name7">
+                <dgm:if name="Name8" axis="ch" ptType="node" func="cnt" op="gte" val="1">
+                  <dgm:shape xmlns:r="http://schemas.openxmlformats.org/officeDocument/2006/relationships" type="rect" r:blip="" zOrderOff="1" hideGeom="1">
+                    <dgm:adjLst/>
+                  </dgm:shape>
+                </dgm:if>
+                <dgm:else name="Name9">
+                  <dgm:shape xmlns:r="http://schemas.openxmlformats.org/officeDocument/2006/relationships" type="rect" r:blip="">
+                    <dgm:adjLst/>
+                  </dgm:shape>
+                </dgm:else>
+              </dgm:choose>
+              <dgm:presOf axis="self"/>
               <dgm:constrLst/>
-              <dgm:ruleLst/>
-            </dgm:layoutNode>
-            <dgm:layoutNode name="TwoNodes_2">
-              <dgm:varLst>
-                <dgm:bulletEnabled val="1"/>
-              </dgm:varLst>
-              <dgm:alg type="sp"/>
-              <dgm:shape xmlns:r="http://schemas.openxmlformats.org/officeDocument/2006/relationships" type="roundRect" r:blip="">
-                <dgm:adjLst>
-                  <dgm:adj idx="1" val="0.1"/>
-                </dgm:adjLst>
-              </dgm:shape>
-              <dgm:presOf axis="ch desOrSelf" ptType="node node" st="2 1" cnt="1 0"/>
-              <dgm:constrLst/>
-              <dgm:ruleLst/>
-            </dgm:layoutNode>
-            <dgm:layoutNode name="TwoConn_1-2" styleLbl="fgAccFollowNode1">
-              <dgm:varLst>
-                <dgm:bulletEnabled val="1"/>
-              </dgm:varLst>
-              <dgm:alg type="tx"/>
-              <dgm:shape xmlns:r="http://schemas.openxmlformats.org/officeDocument/2006/relationships" type="downArrow" r:blip="">
-                <dgm:adjLst>
-                  <dgm:adj idx="1" val="0.55"/>
-                  <dgm:adj idx="2" val="0.45"/>
-                </dgm:adjLst>
-              </dgm:shape>
-              <dgm:presOf axis="ch" ptType="sibTrans" cnt="1"/>
-              <dgm:constrLst>
-                <dgm:constr type="lMarg" refType="primFontSz" fact="0.1"/>
-                <dgm:constr type="rMarg" refType="primFontSz" fact="0.1"/>
-                <dgm:constr type="tMarg" refType="primFontSz" fact="0.1"/>
-                <dgm:constr type="bMarg" refType="primFontSz" fact="0.1"/>
-              </dgm:constrLst>
               <dgm:ruleLst>
                 <dgm:rule type="primFontSz" val="5" fact="NaN" max="NaN"/>
               </dgm:ruleLst>
             </dgm:layoutNode>
-            <dgm:layoutNode name="TwoNodes_1_text">
-              <dgm:varLst>
-                <dgm:bulletEnabled val="1"/>
-              </dgm:varLst>
-              <dgm:alg type="tx">
-                <dgm:param type="parTxLTRAlign" val="l"/>
-                <dgm:param type="txAnchorVertCh" val="mid"/>
-              </dgm:alg>
-              <dgm:shape xmlns:r="http://schemas.openxmlformats.org/officeDocument/2006/relationships" type="roundRect" r:blip="" hideGeom="1">
-                <dgm:adjLst>
-                  <dgm:adj idx="1" val="0.1"/>
-                </dgm:adjLst>
-              </dgm:shape>
-              <dgm:presOf axis="ch desOrSelf" ptType="node node" st="1 1" cnt="1 0"/>
-              <dgm:constrLst>
-                <dgm:constr type="lMarg" refType="primFontSz" fact="0.3"/>
-                <dgm:constr type="rMarg" refType="primFontSz" fact="0.3"/>
-                <dgm:constr type="tMarg" refType="primFontSz" fact="0.3"/>
-                <dgm:constr type="bMarg" refType="primFontSz" fact="0.3"/>
-              </dgm:constrLst>
-              <dgm:ruleLst>
-                <dgm:rule type="primFontSz" val="5" fact="NaN" max="NaN"/>
-              </dgm:ruleLst>
-            </dgm:layoutNode>
-            <dgm:layoutNode name="TwoNodes_2_text">
-              <dgm:varLst>
-                <dgm:bulletEnabled val="1"/>
-              </dgm:varLst>
-              <dgm:alg type="tx">
-                <dgm:param type="parTxLTRAlign" val="l"/>
-                <dgm:param type="txAnchorVertCh" val="mid"/>
-              </dgm:alg>
-              <dgm:shape xmlns:r="http://schemas.openxmlformats.org/officeDocument/2006/relationships" type="roundRect" r:blip="" hideGeom="1">
-                <dgm:adjLst>
-                  <dgm:adj idx="1" val="0.1"/>
-                </dgm:adjLst>
-              </dgm:shape>
-              <dgm:presOf axis="ch desOrSelf" ptType="node node" st="2 1" cnt="1 0"/>
-              <dgm:constrLst>
-                <dgm:constr type="lMarg" refType="primFontSz" fact="0.3"/>
-                <dgm:constr type="rMarg" refType="primFontSz" fact="0.3"/>
-                <dgm:constr type="tMarg" refType="primFontSz" fact="0.3"/>
-                <dgm:constr type="bMarg" refType="primFontSz" fact="0.3"/>
-              </dgm:constrLst>
-              <dgm:ruleLst>
-                <dgm:rule type="primFontSz" val="5" fact="NaN" max="NaN"/>
-              </dgm:ruleLst>
-            </dgm:layoutNode>
-          </dgm:if>
-          <dgm:else name="Name8">
-            <dgm:choose name="Name9">
-              <dgm:if name="Name10" axis="ch" ptType="node" func="cnt" op="equ" val="3">
-                <dgm:layoutNode name="ThreeNodes_1">
-                  <dgm:varLst>
-                    <dgm:bulletEnabled val="1"/>
-                  </dgm:varLst>
+            <dgm:choose name="Name10">
+              <dgm:if name="Name11" axis="ch" ptType="node" func="cnt" op="gte" val="1">
+                <dgm:layoutNode name="entireBox">
                   <dgm:alg type="sp"/>
-                  <dgm:shape xmlns:r="http://schemas.openxmlformats.org/officeDocument/2006/relationships" type="roundRect" r:blip="">
-                    <dgm:adjLst>
-                      <dgm:adj idx="1" val="0.1"/>
-                    </dgm:adjLst>
+                  <dgm:shape xmlns:r="http://schemas.openxmlformats.org/officeDocument/2006/relationships" type="rect" r:blip="">
+                    <dgm:adjLst/>
                   </dgm:shape>
-                  <dgm:presOf axis="ch desOrSelf" ptType="node node" st="1 1" cnt="1 0"/>
+                  <dgm:presOf axis="self"/>
                   <dgm:constrLst/>
                   <dgm:ruleLst/>
                 </dgm:layoutNode>
-                <dgm:layoutNode name="ThreeNodes_2">
-                  <dgm:varLst>
-                    <dgm:bulletEnabled val="1"/>
-                  </dgm:varLst>
-                  <dgm:alg type="sp"/>
-                  <dgm:shape xmlns:r="http://schemas.openxmlformats.org/officeDocument/2006/relationships" type="roundRect" r:blip="">
-                    <dgm:adjLst>
-                      <dgm:adj idx="1" val="0.1"/>
-                    </dgm:adjLst>
+                <dgm:layoutNode name="descendantBox" styleLbl="fgAccFollowNode1">
+                  <dgm:choose name="Name12">
+                    <dgm:if name="Name13" func="var" arg="dir" op="equ" val="norm">
+                      <dgm:alg type="lin"/>
+                    </dgm:if>
+                    <dgm:else name="Name14">
+                      <dgm:alg type="lin">
+                        <dgm:param type="linDir" val="fromR"/>
+                      </dgm:alg>
+                    </dgm:else>
+                  </dgm:choose>
+                  <dgm:shape xmlns:r="http://schemas.openxmlformats.org/officeDocument/2006/relationships" r:blip="">
+                    <dgm:adjLst/>
                   </dgm:shape>
-                  <dgm:presOf axis="ch desOrSelf" ptType="node node" st="2 1" cnt="1 0"/>
-                  <dgm:constrLst/>
+                  <dgm:presOf/>
+                  <dgm:constrLst>
+                    <dgm:constr type="w" for="ch" forName="childTextBox" refType="w"/>
+                    <dgm:constr type="h" for="ch" forName="childTextBox" refType="h"/>
+                  </dgm:constrLst>
                   <dgm:ruleLst/>
-                </dgm:layoutNode>
-                <dgm:layoutNode name="ThreeNodes_3">
-                  <dgm:varLst>
-                    <dgm:bulletEnabled val="1"/>
-                  </dgm:varLst>
-                  <dgm:alg type="sp"/>
-                  <dgm:shape xmlns:r="http://schemas.openxmlformats.org/officeDocument/2006/relationships" type="roundRect" r:blip="">
-                    <dgm:adjLst>
-                      <dgm:adj idx="1" val="0.1"/>
-                    </dgm:adjLst>
-                  </dgm:shape>
-                  <dgm:presOf axis="ch desOrSelf" ptType="node node" st="3 1" cnt="1 0"/>
-                  <dgm:constrLst/>
-                  <dgm:ruleLst/>
-                </dgm:layoutNode>
-                <dgm:layoutNode name="ThreeConn_1-2" styleLbl="fgAccFollowNode1">
-                  <dgm:varLst>
-                    <dgm:bulletEnabled val="1"/>
-                  </dgm:varLst>
-                  <dgm:alg type="tx"/>
-                  <dgm:shape xmlns:r="http://schemas.openxmlformats.org/officeDocument/2006/relationships" type="downArrow" r:blip="">
-                    <dgm:adjLst>
-                      <dgm:adj idx="1" val="0.55"/>
-                      <dgm:adj idx="2" val="0.45"/>
-                    </dgm:adjLst>
-                  </dgm:shape>
-                  <dgm:presOf axis="ch" ptType="sibTrans" cnt="1"/>
-                  <dgm:constrLst>
-                    <dgm:constr type="lMarg" refType="primFontSz" fact="0.1"/>
-                    <dgm:constr type="rMarg" refType="primFontSz" fact="0.1"/>
-                    <dgm:constr type="tMarg" refType="primFontSz" fact="0.1"/>
-                    <dgm:constr type="bMarg" refType="primFontSz" fact="0.1"/>
-                  </dgm:constrLst>
-                  <dgm:ruleLst>
-                    <dgm:rule type="primFontSz" val="5" fact="NaN" max="NaN"/>
-                  </dgm:ruleLst>
-                </dgm:layoutNode>
-                <dgm:layoutNode name="ThreeConn_2-3" styleLbl="fgAccFollowNode1">
-                  <dgm:varLst>
-                    <dgm:bulletEnabled val="1"/>
-                  </dgm:varLst>
-                  <dgm:alg type="tx"/>
-                  <dgm:shape xmlns:r="http://schemas.openxmlformats.org/officeDocument/2006/relationships" type="downArrow" r:blip="">
-                    <dgm:adjLst>
-                      <dgm:adj idx="1" val="0.55"/>
-                      <dgm:adj idx="2" val="0.45"/>
-                    </dgm:adjLst>
-                  </dgm:shape>
-                  <dgm:presOf axis="ch" ptType="sibTrans" st="2" cnt="1"/>
-                  <dgm:constrLst>
-                    <dgm:constr type="lMarg" refType="primFontSz" fact="0.1"/>
-                    <dgm:constr type="rMarg" refType="primFontSz" fact="0.1"/>
-                    <dgm:constr type="tMarg" refType="primFontSz" fact="0.1"/>
-                    <dgm:constr type="bMarg" refType="primFontSz" fact="0.1"/>
-                  </dgm:constrLst>
-                  <dgm:ruleLst>
-                    <dgm:rule type="primFontSz" val="5" fact="NaN" max="NaN"/>
-                  </dgm:ruleLst>
-                </dgm:layoutNode>
-                <dgm:layoutNode name="ThreeNodes_1_text">
-                  <dgm:varLst>
-                    <dgm:bulletEnabled val="1"/>
-                  </dgm:varLst>
-                  <dgm:alg type="tx">
-                    <dgm:param type="parTxLTRAlign" val="l"/>
-                    <dgm:param type="txAnchorVertCh" val="mid"/>
-                  </dgm:alg>
-                  <dgm:shape xmlns:r="http://schemas.openxmlformats.org/officeDocument/2006/relationships" type="roundRect" r:blip="" hideGeom="1">
-                    <dgm:adjLst>
-                      <dgm:adj idx="1" val="0.1"/>
-                    </dgm:adjLst>
-                  </dgm:shape>
-                  <dgm:presOf axis="ch desOrSelf" ptType="node node" st="1 1" cnt="1 0"/>
-                  <dgm:constrLst>
-                    <dgm:constr type="lMarg" refType="primFontSz" fact="0.3"/>
-                    <dgm:constr type="rMarg" refType="primFontSz" fact="0.3"/>
-                    <dgm:constr type="tMarg" refType="primFontSz" fact="0.3"/>
-                    <dgm:constr type="bMarg" refType="primFontSz" fact="0.3"/>
-                  </dgm:constrLst>
-                  <dgm:ruleLst>
-                    <dgm:rule type="primFontSz" val="5" fact="NaN" max="NaN"/>
-                  </dgm:ruleLst>
-                </dgm:layoutNode>
-                <dgm:layoutNode name="ThreeNodes_2_text">
-                  <dgm:varLst>
-                    <dgm:bulletEnabled val="1"/>
-                  </dgm:varLst>
-                  <dgm:alg type="tx">
-                    <dgm:param type="parTxLTRAlign" val="l"/>
-                    <dgm:param type="txAnchorVertCh" val="mid"/>
-                  </dgm:alg>
-                  <dgm:shape xmlns:r="http://schemas.openxmlformats.org/officeDocument/2006/relationships" type="roundRect" r:blip="" hideGeom="1">
-                    <dgm:adjLst>
-                      <dgm:adj idx="1" val="0.1"/>
-                    </dgm:adjLst>
-                  </dgm:shape>
-                  <dgm:presOf axis="ch desOrSelf" ptType="node node" st="2 1" cnt="1 0"/>
-                  <dgm:constrLst>
-                    <dgm:constr type="lMarg" refType="primFontSz" fact="0.3"/>
-                    <dgm:constr type="rMarg" refType="primFontSz" fact="0.3"/>
-                    <dgm:constr type="tMarg" refType="primFontSz" fact="0.3"/>
-                    <dgm:constr type="bMarg" refType="primFontSz" fact="0.3"/>
-                  </dgm:constrLst>
-                  <dgm:ruleLst>
-                    <dgm:rule type="primFontSz" val="5" fact="NaN" max="NaN"/>
-                  </dgm:ruleLst>
-                </dgm:layoutNode>
-                <dgm:layoutNode name="ThreeNodes_3_text">
-                  <dgm:varLst>
-                    <dgm:bulletEnabled val="1"/>
-                  </dgm:varLst>
-                  <dgm:alg type="tx">
-                    <dgm:param type="parTxLTRAlign" val="l"/>
-                    <dgm:param type="txAnchorVertCh" val="mid"/>
-                  </dgm:alg>
-                  <dgm:shape xmlns:r="http://schemas.openxmlformats.org/officeDocument/2006/relationships" type="roundRect" r:blip="" hideGeom="1">
-                    <dgm:adjLst>
-                      <dgm:adj idx="1" val="0.1"/>
-                    </dgm:adjLst>
-                  </dgm:shape>
-                  <dgm:presOf axis="ch desOrSelf" ptType="node node" st="3 1" cnt="1 0"/>
-                  <dgm:constrLst>
-                    <dgm:constr type="lMarg" refType="primFontSz" fact="0.3"/>
-                    <dgm:constr type="rMarg" refType="primFontSz" fact="0.3"/>
-                    <dgm:constr type="tMarg" refType="primFontSz" fact="0.3"/>
-                    <dgm:constr type="bMarg" refType="primFontSz" fact="0.3"/>
-                  </dgm:constrLst>
-                  <dgm:ruleLst>
-                    <dgm:rule type="primFontSz" val="5" fact="NaN" max="NaN"/>
-                  </dgm:ruleLst>
-                </dgm:layoutNode>
-              </dgm:if>
-              <dgm:else name="Name11">
-                <dgm:choose name="Name12">
-                  <dgm:if name="Name13" axis="ch" ptType="node" func="cnt" op="equ" val="4">
-                    <dgm:layoutNode name="FourNodes_1">
-                      <dgm:varLst>
-                        <dgm:bulletEnabled val="1"/>
-                      </dgm:varLst>
-                      <dgm:alg type="sp"/>
-                      <dgm:shape xmlns:r="http://schemas.openxmlformats.org/officeDocument/2006/relationships" type="roundRect" r:blip="">
-                        <dgm:adjLst>
-                          <dgm:adj idx="1" val="0.1"/>
-                        </dgm:adjLst>
-                      </dgm:shape>
-                      <dgm:presOf axis="ch desOrSelf" ptType="node node" st="1 1" cnt="1 0"/>
-                      <dgm:constrLst/>
-                      <dgm:ruleLst/>
-                    </dgm:layoutNode>
-                    <dgm:layoutNode name="FourNodes_2">
-                      <dgm:varLst>
-                        <dgm:bulletEnabled val="1"/>
-                      </dgm:varLst>
-                      <dgm:alg type="sp"/>
-                      <dgm:shape xmlns:r="http://schemas.openxmlformats.org/officeDocument/2006/relationships" type="roundRect" r:blip="">
-                        <dgm:adjLst>
-                          <dgm:adj idx="1" val="0.1"/>
-                        </dgm:adjLst>
-                      </dgm:shape>
-                      <dgm:presOf axis="ch desOrSelf" ptType="node node" st="2 1" cnt="1 0"/>
-                      <dgm:constrLst/>
-                      <dgm:ruleLst/>
-                    </dgm:layoutNode>
-                    <dgm:layoutNode name="FourNodes_3">
-                      <dgm:varLst>
-                        <dgm:bulletEnabled val="1"/>
-                      </dgm:varLst>
-                      <dgm:alg type="sp"/>
-                      <dgm:shape xmlns:r="http://schemas.openxmlformats.org/officeDocument/2006/relationships" type="roundRect" r:blip="">
-                        <dgm:adjLst>
-                          <dgm:adj idx="1" val="0.1"/>
-                        </dgm:adjLst>
-                      </dgm:shape>
-                      <dgm:presOf axis="ch desOrSelf" ptType="node node" st="3 1" cnt="1 0"/>
-                      <dgm:constrLst/>
-                      <dgm:ruleLst/>
-                    </dgm:layoutNode>
-                    <dgm:layoutNode name="FourNodes_4">
-                      <dgm:varLst>
-                        <dgm:bulletEnabled val="1"/>
-                      </dgm:varLst>
-                      <dgm:alg type="sp"/>
-                      <dgm:shape xmlns:r="http://schemas.openxmlformats.org/officeDocument/2006/relationships" type="roundRect" r:blip="">
-                        <dgm:adjLst>
-                          <dgm:adj idx="1" val="0.1"/>
-                        </dgm:adjLst>
-                      </dgm:shape>
-                      <dgm:presOf axis="ch desOrSelf" ptType="node node" st="4 1" cnt="1 0"/>
-                      <dgm:constrLst/>
-                      <dgm:ruleLst/>
-                    </dgm:layoutNode>
-                    <dgm:layoutNode name="FourConn_1-2" styleLbl="fgAccFollowNode1">
+                  <dgm:forEach name="Name15" axis="ch" ptType="node">
+                    <dgm:layoutNode name="childTextBox" styleLbl="fgAccFollowNode1">
                       <dgm:varLst>
                         <dgm:bulletEnabled val="1"/>
                       </dgm:varLst>
                       <dgm:alg type="tx"/>
-                      <dgm:shape xmlns:r="http://schemas.openxmlformats.org/officeDocument/2006/relationships" type="downArrow" r:blip="">
-                        <dgm:adjLst>
-                          <dgm:adj idx="1" val="0.55"/>
-                          <dgm:adj idx="2" val="0.45"/>
-                        </dgm:adjLst>
+                      <dgm:shape xmlns:r="http://schemas.openxmlformats.org/officeDocument/2006/relationships" type="rect" r:blip="">
+                        <dgm:adjLst/>
                       </dgm:shape>
-                      <dgm:presOf axis="ch" ptType="sibTrans" cnt="1"/>
+                      <dgm:presOf axis="desOrSelf" ptType="node"/>
                       <dgm:constrLst>
-                        <dgm:constr type="lMarg" refType="primFontSz" fact="0.1"/>
-                        <dgm:constr type="rMarg" refType="primFontSz" fact="0.1"/>
                         <dgm:constr type="tMarg" refType="primFontSz" fact="0.1"/>
                         <dgm:constr type="bMarg" refType="primFontSz" fact="0.1"/>
                       </dgm:constrLst>
@@ -7479,21 +8193,103 @@
                         <dgm:rule type="primFontSz" val="5" fact="NaN" max="NaN"/>
                       </dgm:ruleLst>
                     </dgm:layoutNode>
-                    <dgm:layoutNode name="FourConn_2-3" styleLbl="fgAccFollowNode1">
+                  </dgm:forEach>
+                </dgm:layoutNode>
+              </dgm:if>
+              <dgm:else name="Name16"/>
+            </dgm:choose>
+          </dgm:layoutNode>
+        </dgm:if>
+        <dgm:else name="Name17">
+          <dgm:layoutNode name="arrowAndChildren">
+            <dgm:alg type="composite"/>
+            <dgm:shape xmlns:r="http://schemas.openxmlformats.org/officeDocument/2006/relationships" r:blip="">
+              <dgm:adjLst/>
+            </dgm:shape>
+            <dgm:presOf/>
+            <dgm:choose name="Name18">
+              <dgm:if name="Name19" axis="ch" ptType="node" func="cnt" op="gte" val="1">
+                <dgm:constrLst>
+                  <dgm:constr type="w" for="ch" forName="parentTextArrow" refType="w"/>
+                  <dgm:constr type="t" for="ch" forName="parentTextArrow"/>
+                  <dgm:constr type="h" for="ch" forName="parentTextArrow" refType="h" fact="0.351"/>
+                  <dgm:constr type="w" for="ch" forName="arrow" refType="w"/>
+                  <dgm:constr type="h" for="ch" forName="arrow" refType="h"/>
+                  <dgm:constr type="w" for="ch" forName="descendantArrow" refType="w"/>
+                  <dgm:constr type="b" for="ch" forName="descendantArrow" refType="h" fact="0.65"/>
+                  <dgm:constr type="h" for="ch" forName="descendantArrow" refType="h" fact="0.299"/>
+                </dgm:constrLst>
+              </dgm:if>
+              <dgm:else name="Name20">
+                <dgm:constrLst>
+                  <dgm:constr type="w" for="ch" forName="parentTextArrow" refType="w"/>
+                  <dgm:constr type="h" for="ch" forName="parentTextArrow" refType="h"/>
+                </dgm:constrLst>
+              </dgm:else>
+            </dgm:choose>
+            <dgm:ruleLst/>
+            <dgm:layoutNode name="parentTextArrow">
+              <dgm:alg type="tx"/>
+              <dgm:choose name="Name21">
+                <dgm:if name="Name22" axis="ch" ptType="node" func="cnt" op="gte" val="1">
+                  <dgm:shape xmlns:r="http://schemas.openxmlformats.org/officeDocument/2006/relationships" type="rect" r:blip="" zOrderOff="1" hideGeom="1">
+                    <dgm:adjLst/>
+                  </dgm:shape>
+                </dgm:if>
+                <dgm:else name="Name23">
+                  <dgm:shape xmlns:r="http://schemas.openxmlformats.org/officeDocument/2006/relationships" rot="180" type="upArrowCallout" r:blip="">
+                    <dgm:adjLst/>
+                  </dgm:shape>
+                </dgm:else>
+              </dgm:choose>
+              <dgm:presOf axis="self"/>
+              <dgm:constrLst/>
+              <dgm:ruleLst>
+                <dgm:rule type="primFontSz" val="5" fact="NaN" max="NaN"/>
+              </dgm:ruleLst>
+            </dgm:layoutNode>
+            <dgm:choose name="Name24">
+              <dgm:if name="Name25" axis="ch" ptType="node" func="cnt" op="gte" val="1">
+                <dgm:layoutNode name="arrow">
+                  <dgm:alg type="sp"/>
+                  <dgm:shape xmlns:r="http://schemas.openxmlformats.org/officeDocument/2006/relationships" rot="180" type="upArrowCallout" r:blip="">
+                    <dgm:adjLst/>
+                  </dgm:shape>
+                  <dgm:presOf axis="self"/>
+                  <dgm:constrLst/>
+                  <dgm:ruleLst/>
+                </dgm:layoutNode>
+                <dgm:layoutNode name="descendantArrow">
+                  <dgm:choose name="Name26">
+                    <dgm:if name="Name27" func="var" arg="dir" op="equ" val="norm">
+                      <dgm:alg type="lin"/>
+                    </dgm:if>
+                    <dgm:else name="Name28">
+                      <dgm:alg type="lin">
+                        <dgm:param type="linDir" val="fromR"/>
+                      </dgm:alg>
+                    </dgm:else>
+                  </dgm:choose>
+                  <dgm:shape xmlns:r="http://schemas.openxmlformats.org/officeDocument/2006/relationships" r:blip="">
+                    <dgm:adjLst/>
+                  </dgm:shape>
+                  <dgm:presOf/>
+                  <dgm:constrLst>
+                    <dgm:constr type="w" for="ch" forName="childTextArrow" refType="w"/>
+                    <dgm:constr type="h" for="ch" forName="childTextArrow" refType="h"/>
+                  </dgm:constrLst>
+                  <dgm:ruleLst/>
+                  <dgm:forEach name="Name29" axis="ch" ptType="node">
+                    <dgm:layoutNode name="childTextArrow" styleLbl="fgAccFollowNode1">
                       <dgm:varLst>
                         <dgm:bulletEnabled val="1"/>
                       </dgm:varLst>
                       <dgm:alg type="tx"/>
-                      <dgm:shape xmlns:r="http://schemas.openxmlformats.org/officeDocument/2006/relationships" type="downArrow" r:blip="">
-                        <dgm:adjLst>
-                          <dgm:adj idx="1" val="0.55"/>
-                          <dgm:adj idx="2" val="0.45"/>
-                        </dgm:adjLst>
+                      <dgm:shape xmlns:r="http://schemas.openxmlformats.org/officeDocument/2006/relationships" type="rect" r:blip="">
+                        <dgm:adjLst/>
                       </dgm:shape>
-                      <dgm:presOf axis="ch" ptType="sibTrans" st="2" cnt="1"/>
+                      <dgm:presOf axis="desOrSelf" ptType="node"/>
                       <dgm:constrLst>
-                        <dgm:constr type="lMarg" refType="primFontSz" fact="0.1"/>
-                        <dgm:constr type="rMarg" refType="primFontSz" fact="0.1"/>
                         <dgm:constr type="tMarg" refType="primFontSz" fact="0.1"/>
                         <dgm:constr type="bMarg" refType="primFontSz" fact="0.1"/>
                       </dgm:constrLst>
@@ -7501,417 +8297,26 @@
                         <dgm:rule type="primFontSz" val="5" fact="NaN" max="NaN"/>
                       </dgm:ruleLst>
                     </dgm:layoutNode>
-                    <dgm:layoutNode name="FourConn_3-4" styleLbl="fgAccFollowNode1">
-                      <dgm:varLst>
-                        <dgm:bulletEnabled val="1"/>
-                      </dgm:varLst>
-                      <dgm:alg type="tx"/>
-                      <dgm:shape xmlns:r="http://schemas.openxmlformats.org/officeDocument/2006/relationships" type="downArrow" r:blip="">
-                        <dgm:adjLst>
-                          <dgm:adj idx="1" val="0.55"/>
-                          <dgm:adj idx="2" val="0.45"/>
-                        </dgm:adjLst>
-                      </dgm:shape>
-                      <dgm:presOf axis="ch" ptType="sibTrans" st="3" cnt="1"/>
-                      <dgm:constrLst>
-                        <dgm:constr type="lMarg" refType="primFontSz" fact="0.1"/>
-                        <dgm:constr type="rMarg" refType="primFontSz" fact="0.1"/>
-                        <dgm:constr type="tMarg" refType="primFontSz" fact="0.1"/>
-                        <dgm:constr type="bMarg" refType="primFontSz" fact="0.1"/>
-                      </dgm:constrLst>
-                      <dgm:ruleLst>
-                        <dgm:rule type="primFontSz" val="5" fact="NaN" max="NaN"/>
-                      </dgm:ruleLst>
-                    </dgm:layoutNode>
-                    <dgm:layoutNode name="FourNodes_1_text">
-                      <dgm:varLst>
-                        <dgm:bulletEnabled val="1"/>
-                      </dgm:varLst>
-                      <dgm:alg type="tx">
-                        <dgm:param type="parTxLTRAlign" val="l"/>
-                        <dgm:param type="txAnchorVertCh" val="mid"/>
-                      </dgm:alg>
-                      <dgm:shape xmlns:r="http://schemas.openxmlformats.org/officeDocument/2006/relationships" type="roundRect" r:blip="" hideGeom="1">
-                        <dgm:adjLst>
-                          <dgm:adj idx="1" val="0.1"/>
-                        </dgm:adjLst>
-                      </dgm:shape>
-                      <dgm:presOf axis="ch desOrSelf" ptType="node node" st="1 1" cnt="1 0"/>
-                      <dgm:constrLst>
-                        <dgm:constr type="lMarg" refType="primFontSz" fact="0.3"/>
-                        <dgm:constr type="rMarg" refType="primFontSz" fact="0.3"/>
-                        <dgm:constr type="tMarg" refType="primFontSz" fact="0.3"/>
-                        <dgm:constr type="bMarg" refType="primFontSz" fact="0.3"/>
-                      </dgm:constrLst>
-                      <dgm:ruleLst>
-                        <dgm:rule type="primFontSz" val="5" fact="NaN" max="NaN"/>
-                      </dgm:ruleLst>
-                    </dgm:layoutNode>
-                    <dgm:layoutNode name="FourNodes_2_text">
-                      <dgm:varLst>
-                        <dgm:bulletEnabled val="1"/>
-                      </dgm:varLst>
-                      <dgm:alg type="tx">
-                        <dgm:param type="parTxLTRAlign" val="l"/>
-                        <dgm:param type="txAnchorVertCh" val="mid"/>
-                      </dgm:alg>
-                      <dgm:shape xmlns:r="http://schemas.openxmlformats.org/officeDocument/2006/relationships" type="roundRect" r:blip="" hideGeom="1">
-                        <dgm:adjLst>
-                          <dgm:adj idx="1" val="0.1"/>
-                        </dgm:adjLst>
-                      </dgm:shape>
-                      <dgm:presOf axis="ch desOrSelf" ptType="node node" st="2 1" cnt="1 0"/>
-                      <dgm:constrLst>
-                        <dgm:constr type="lMarg" refType="primFontSz" fact="0.3"/>
-                        <dgm:constr type="rMarg" refType="primFontSz" fact="0.3"/>
-                        <dgm:constr type="tMarg" refType="primFontSz" fact="0.3"/>
-                        <dgm:constr type="bMarg" refType="primFontSz" fact="0.3"/>
-                      </dgm:constrLst>
-                      <dgm:ruleLst>
-                        <dgm:rule type="primFontSz" val="5" fact="NaN" max="NaN"/>
-                      </dgm:ruleLst>
-                    </dgm:layoutNode>
-                    <dgm:layoutNode name="FourNodes_3_text">
-                      <dgm:varLst>
-                        <dgm:bulletEnabled val="1"/>
-                      </dgm:varLst>
-                      <dgm:alg type="tx">
-                        <dgm:param type="parTxLTRAlign" val="l"/>
-                        <dgm:param type="txAnchorVertCh" val="mid"/>
-                      </dgm:alg>
-                      <dgm:shape xmlns:r="http://schemas.openxmlformats.org/officeDocument/2006/relationships" type="roundRect" r:blip="" hideGeom="1">
-                        <dgm:adjLst>
-                          <dgm:adj idx="1" val="0.1"/>
-                        </dgm:adjLst>
-                      </dgm:shape>
-                      <dgm:presOf axis="ch desOrSelf" ptType="node node" st="3 1" cnt="1 0"/>
-                      <dgm:constrLst>
-                        <dgm:constr type="lMarg" refType="primFontSz" fact="0.3"/>
-                        <dgm:constr type="rMarg" refType="primFontSz" fact="0.3"/>
-                        <dgm:constr type="tMarg" refType="primFontSz" fact="0.3"/>
-                        <dgm:constr type="bMarg" refType="primFontSz" fact="0.3"/>
-                      </dgm:constrLst>
-                      <dgm:ruleLst>
-                        <dgm:rule type="primFontSz" val="5" fact="NaN" max="NaN"/>
-                      </dgm:ruleLst>
-                    </dgm:layoutNode>
-                    <dgm:layoutNode name="FourNodes_4_text">
-                      <dgm:varLst>
-                        <dgm:bulletEnabled val="1"/>
-                      </dgm:varLst>
-                      <dgm:alg type="tx">
-                        <dgm:param type="parTxLTRAlign" val="l"/>
-                        <dgm:param type="txAnchorVertCh" val="mid"/>
-                      </dgm:alg>
-                      <dgm:shape xmlns:r="http://schemas.openxmlformats.org/officeDocument/2006/relationships" type="roundRect" r:blip="" hideGeom="1">
-                        <dgm:adjLst>
-                          <dgm:adj idx="1" val="0.1"/>
-                        </dgm:adjLst>
-                      </dgm:shape>
-                      <dgm:presOf axis="ch desOrSelf" ptType="node node" st="4 1" cnt="1 0"/>
-                      <dgm:constrLst>
-                        <dgm:constr type="lMarg" refType="primFontSz" fact="0.3"/>
-                        <dgm:constr type="rMarg" refType="primFontSz" fact="0.3"/>
-                        <dgm:constr type="tMarg" refType="primFontSz" fact="0.3"/>
-                        <dgm:constr type="bMarg" refType="primFontSz" fact="0.3"/>
-                      </dgm:constrLst>
-                      <dgm:ruleLst>
-                        <dgm:rule type="primFontSz" val="5" fact="NaN" max="NaN"/>
-                      </dgm:ruleLst>
-                    </dgm:layoutNode>
-                  </dgm:if>
-                  <dgm:else name="Name14">
-                    <dgm:choose name="Name15">
-                      <dgm:if name="Name16" axis="ch" ptType="node" func="cnt" op="gte" val="5">
-                        <dgm:layoutNode name="FiveNodes_1">
-                          <dgm:varLst>
-                            <dgm:bulletEnabled val="1"/>
-                          </dgm:varLst>
-                          <dgm:alg type="sp"/>
-                          <dgm:shape xmlns:r="http://schemas.openxmlformats.org/officeDocument/2006/relationships" type="roundRect" r:blip="">
-                            <dgm:adjLst>
-                              <dgm:adj idx="1" val="0.1"/>
-                            </dgm:adjLst>
-                          </dgm:shape>
-                          <dgm:presOf axis="ch desOrSelf" ptType="node node" st="1 1" cnt="1 0"/>
-                          <dgm:constrLst/>
-                          <dgm:ruleLst/>
-                        </dgm:layoutNode>
-                        <dgm:layoutNode name="FiveNodes_2">
-                          <dgm:varLst>
-                            <dgm:bulletEnabled val="1"/>
-                          </dgm:varLst>
-                          <dgm:alg type="sp"/>
-                          <dgm:shape xmlns:r="http://schemas.openxmlformats.org/officeDocument/2006/relationships" type="roundRect" r:blip="">
-                            <dgm:adjLst>
-                              <dgm:adj idx="1" val="0.1"/>
-                            </dgm:adjLst>
-                          </dgm:shape>
-                          <dgm:presOf axis="ch desOrSelf" ptType="node node" st="2 1" cnt="1 0"/>
-                          <dgm:constrLst/>
-                          <dgm:ruleLst/>
-                        </dgm:layoutNode>
-                        <dgm:layoutNode name="FiveNodes_3">
-                          <dgm:varLst>
-                            <dgm:bulletEnabled val="1"/>
-                          </dgm:varLst>
-                          <dgm:alg type="sp"/>
-                          <dgm:shape xmlns:r="http://schemas.openxmlformats.org/officeDocument/2006/relationships" type="roundRect" r:blip="">
-                            <dgm:adjLst>
-                              <dgm:adj idx="1" val="0.1"/>
-                            </dgm:adjLst>
-                          </dgm:shape>
-                          <dgm:presOf axis="ch desOrSelf" ptType="node node" st="3 1" cnt="1 0"/>
-                          <dgm:constrLst/>
-                          <dgm:ruleLst/>
-                        </dgm:layoutNode>
-                        <dgm:layoutNode name="FiveNodes_4">
-                          <dgm:varLst>
-                            <dgm:bulletEnabled val="1"/>
-                          </dgm:varLst>
-                          <dgm:alg type="sp"/>
-                          <dgm:shape xmlns:r="http://schemas.openxmlformats.org/officeDocument/2006/relationships" type="roundRect" r:blip="">
-                            <dgm:adjLst>
-                              <dgm:adj idx="1" val="0.1"/>
-                            </dgm:adjLst>
-                          </dgm:shape>
-                          <dgm:presOf axis="ch desOrSelf" ptType="node node" st="4 1" cnt="1 0"/>
-                          <dgm:constrLst/>
-                          <dgm:ruleLst/>
-                        </dgm:layoutNode>
-                        <dgm:layoutNode name="FiveNodes_5">
-                          <dgm:varLst>
-                            <dgm:bulletEnabled val="1"/>
-                          </dgm:varLst>
-                          <dgm:alg type="sp"/>
-                          <dgm:shape xmlns:r="http://schemas.openxmlformats.org/officeDocument/2006/relationships" type="roundRect" r:blip="">
-                            <dgm:adjLst>
-                              <dgm:adj idx="1" val="0.1"/>
-                            </dgm:adjLst>
-                          </dgm:shape>
-                          <dgm:presOf axis="ch desOrSelf" ptType="node node" st="5 1" cnt="1 0"/>
-                          <dgm:constrLst/>
-                          <dgm:ruleLst/>
-                        </dgm:layoutNode>
-                        <dgm:layoutNode name="FiveConn_1-2" styleLbl="fgAccFollowNode1">
-                          <dgm:varLst>
-                            <dgm:bulletEnabled val="1"/>
-                          </dgm:varLst>
-                          <dgm:alg type="tx"/>
-                          <dgm:shape xmlns:r="http://schemas.openxmlformats.org/officeDocument/2006/relationships" type="downArrow" r:blip="">
-                            <dgm:adjLst>
-                              <dgm:adj idx="1" val="0.55"/>
-                              <dgm:adj idx="2" val="0.45"/>
-                            </dgm:adjLst>
-                          </dgm:shape>
-                          <dgm:presOf axis="ch" ptType="sibTrans" cnt="1"/>
-                          <dgm:constrLst>
-                            <dgm:constr type="lMarg" refType="primFontSz" fact="0.1"/>
-                            <dgm:constr type="rMarg" refType="primFontSz" fact="0.1"/>
-                            <dgm:constr type="tMarg" refType="primFontSz" fact="0.1"/>
-                            <dgm:constr type="bMarg" refType="primFontSz" fact="0.1"/>
-                          </dgm:constrLst>
-                          <dgm:ruleLst>
-                            <dgm:rule type="primFontSz" val="5" fact="NaN" max="NaN"/>
-                          </dgm:ruleLst>
-                        </dgm:layoutNode>
-                        <dgm:layoutNode name="FiveConn_2-3" styleLbl="fgAccFollowNode1">
-                          <dgm:varLst>
-                            <dgm:bulletEnabled val="1"/>
-                          </dgm:varLst>
-                          <dgm:alg type="tx"/>
-                          <dgm:shape xmlns:r="http://schemas.openxmlformats.org/officeDocument/2006/relationships" type="downArrow" r:blip="">
-                            <dgm:adjLst>
-                              <dgm:adj idx="1" val="0.55"/>
-                              <dgm:adj idx="2" val="0.45"/>
-                            </dgm:adjLst>
-                          </dgm:shape>
-                          <dgm:presOf axis="ch" ptType="sibTrans" st="2" cnt="1"/>
-                          <dgm:constrLst>
-                            <dgm:constr type="lMarg" refType="primFontSz" fact="0.1"/>
-                            <dgm:constr type="rMarg" refType="primFontSz" fact="0.1"/>
-                            <dgm:constr type="tMarg" refType="primFontSz" fact="0.1"/>
-                            <dgm:constr type="bMarg" refType="primFontSz" fact="0.1"/>
-                          </dgm:constrLst>
-                          <dgm:ruleLst>
-                            <dgm:rule type="primFontSz" val="5" fact="NaN" max="NaN"/>
-                          </dgm:ruleLst>
-                        </dgm:layoutNode>
-                        <dgm:layoutNode name="FiveConn_3-4" styleLbl="fgAccFollowNode1">
-                          <dgm:varLst>
-                            <dgm:bulletEnabled val="1"/>
-                          </dgm:varLst>
-                          <dgm:alg type="tx"/>
-                          <dgm:shape xmlns:r="http://schemas.openxmlformats.org/officeDocument/2006/relationships" type="downArrow" r:blip="">
-                            <dgm:adjLst>
-                              <dgm:adj idx="1" val="0.55"/>
-                              <dgm:adj idx="2" val="0.45"/>
-                            </dgm:adjLst>
-                          </dgm:shape>
-                          <dgm:presOf axis="ch" ptType="sibTrans" st="3" cnt="1"/>
-                          <dgm:constrLst>
-                            <dgm:constr type="lMarg" refType="primFontSz" fact="0.1"/>
-                            <dgm:constr type="rMarg" refType="primFontSz" fact="0.1"/>
-                            <dgm:constr type="tMarg" refType="primFontSz" fact="0.1"/>
-                            <dgm:constr type="bMarg" refType="primFontSz" fact="0.1"/>
-                          </dgm:constrLst>
-                          <dgm:ruleLst>
-                            <dgm:rule type="primFontSz" val="5" fact="NaN" max="NaN"/>
-                          </dgm:ruleLst>
-                        </dgm:layoutNode>
-                        <dgm:layoutNode name="FiveConn_4-5" styleLbl="fgAccFollowNode1">
-                          <dgm:varLst>
-                            <dgm:bulletEnabled val="1"/>
-                          </dgm:varLst>
-                          <dgm:alg type="tx"/>
-                          <dgm:shape xmlns:r="http://schemas.openxmlformats.org/officeDocument/2006/relationships" type="downArrow" r:blip="">
-                            <dgm:adjLst>
-                              <dgm:adj idx="1" val="0.55"/>
-                              <dgm:adj idx="2" val="0.45"/>
-                            </dgm:adjLst>
-                          </dgm:shape>
-                          <dgm:presOf axis="ch" ptType="sibTrans" st="4" cnt="1"/>
-                          <dgm:constrLst>
-                            <dgm:constr type="lMarg" refType="primFontSz" fact="0.1"/>
-                            <dgm:constr type="rMarg" refType="primFontSz" fact="0.1"/>
-                            <dgm:constr type="tMarg" refType="primFontSz" fact="0.1"/>
-                            <dgm:constr type="bMarg" refType="primFontSz" fact="0.1"/>
-                          </dgm:constrLst>
-                          <dgm:ruleLst>
-                            <dgm:rule type="primFontSz" val="5" fact="NaN" max="NaN"/>
-                          </dgm:ruleLst>
-                        </dgm:layoutNode>
-                        <dgm:layoutNode name="FiveNodes_1_text">
-                          <dgm:varLst>
-                            <dgm:bulletEnabled val="1"/>
-                          </dgm:varLst>
-                          <dgm:alg type="tx">
-                            <dgm:param type="parTxLTRAlign" val="l"/>
-                            <dgm:param type="txAnchorVertCh" val="mid"/>
-                          </dgm:alg>
-                          <dgm:shape xmlns:r="http://schemas.openxmlformats.org/officeDocument/2006/relationships" type="roundRect" r:blip="" hideGeom="1">
-                            <dgm:adjLst>
-                              <dgm:adj idx="1" val="0.1"/>
-                            </dgm:adjLst>
-                          </dgm:shape>
-                          <dgm:presOf axis="ch desOrSelf" ptType="node node" st="1 1" cnt="1 0"/>
-                          <dgm:constrLst>
-                            <dgm:constr type="lMarg" refType="primFontSz" fact="0.3"/>
-                            <dgm:constr type="rMarg" refType="primFontSz" fact="0.3"/>
-                            <dgm:constr type="tMarg" refType="primFontSz" fact="0.3"/>
-                            <dgm:constr type="bMarg" refType="primFontSz" fact="0.3"/>
-                          </dgm:constrLst>
-                          <dgm:ruleLst>
-                            <dgm:rule type="primFontSz" val="5" fact="NaN" max="NaN"/>
-                          </dgm:ruleLst>
-                        </dgm:layoutNode>
-                        <dgm:layoutNode name="FiveNodes_2_text">
-                          <dgm:varLst>
-                            <dgm:bulletEnabled val="1"/>
-                          </dgm:varLst>
-                          <dgm:alg type="tx">
-                            <dgm:param type="parTxLTRAlign" val="l"/>
-                            <dgm:param type="txAnchorVertCh" val="mid"/>
-                          </dgm:alg>
-                          <dgm:shape xmlns:r="http://schemas.openxmlformats.org/officeDocument/2006/relationships" type="roundRect" r:blip="" hideGeom="1">
-                            <dgm:adjLst>
-                              <dgm:adj idx="1" val="0.1"/>
-                            </dgm:adjLst>
-                          </dgm:shape>
-                          <dgm:presOf axis="ch desOrSelf" ptType="node node" st="2 1" cnt="1 0"/>
-                          <dgm:constrLst>
-                            <dgm:constr type="lMarg" refType="primFontSz" fact="0.3"/>
-                            <dgm:constr type="rMarg" refType="primFontSz" fact="0.3"/>
-                            <dgm:constr type="tMarg" refType="primFontSz" fact="0.3"/>
-                            <dgm:constr type="bMarg" refType="primFontSz" fact="0.3"/>
-                          </dgm:constrLst>
-                          <dgm:ruleLst>
-                            <dgm:rule type="primFontSz" val="5" fact="NaN" max="NaN"/>
-                          </dgm:ruleLst>
-                        </dgm:layoutNode>
-                        <dgm:layoutNode name="FiveNodes_3_text">
-                          <dgm:varLst>
-                            <dgm:bulletEnabled val="1"/>
-                          </dgm:varLst>
-                          <dgm:alg type="tx">
-                            <dgm:param type="parTxLTRAlign" val="l"/>
-                            <dgm:param type="txAnchorVertCh" val="mid"/>
-                          </dgm:alg>
-                          <dgm:shape xmlns:r="http://schemas.openxmlformats.org/officeDocument/2006/relationships" type="roundRect" r:blip="" hideGeom="1">
-                            <dgm:adjLst>
-                              <dgm:adj idx="1" val="0.1"/>
-                            </dgm:adjLst>
-                          </dgm:shape>
-                          <dgm:presOf axis="ch desOrSelf" ptType="node node" st="3 1" cnt="1 0"/>
-                          <dgm:constrLst>
-                            <dgm:constr type="lMarg" refType="primFontSz" fact="0.3"/>
-                            <dgm:constr type="rMarg" refType="primFontSz" fact="0.3"/>
-                            <dgm:constr type="tMarg" refType="primFontSz" fact="0.3"/>
-                            <dgm:constr type="bMarg" refType="primFontSz" fact="0.3"/>
-                          </dgm:constrLst>
-                          <dgm:ruleLst>
-                            <dgm:rule type="primFontSz" val="5" fact="NaN" max="NaN"/>
-                          </dgm:ruleLst>
-                        </dgm:layoutNode>
-                        <dgm:layoutNode name="FiveNodes_4_text">
-                          <dgm:varLst>
-                            <dgm:bulletEnabled val="1"/>
-                          </dgm:varLst>
-                          <dgm:alg type="tx">
-                            <dgm:param type="parTxLTRAlign" val="l"/>
-                            <dgm:param type="txAnchorVertCh" val="mid"/>
-                          </dgm:alg>
-                          <dgm:shape xmlns:r="http://schemas.openxmlformats.org/officeDocument/2006/relationships" type="roundRect" r:blip="" hideGeom="1">
-                            <dgm:adjLst>
-                              <dgm:adj idx="1" val="0.1"/>
-                            </dgm:adjLst>
-                          </dgm:shape>
-                          <dgm:presOf axis="ch desOrSelf" ptType="node node" st="4 1" cnt="1 0"/>
-                          <dgm:constrLst>
-                            <dgm:constr type="lMarg" refType="primFontSz" fact="0.3"/>
-                            <dgm:constr type="rMarg" refType="primFontSz" fact="0.3"/>
-                            <dgm:constr type="tMarg" refType="primFontSz" fact="0.3"/>
-                            <dgm:constr type="bMarg" refType="primFontSz" fact="0.3"/>
-                          </dgm:constrLst>
-                          <dgm:ruleLst>
-                            <dgm:rule type="primFontSz" val="5" fact="NaN" max="NaN"/>
-                          </dgm:ruleLst>
-                        </dgm:layoutNode>
-                        <dgm:layoutNode name="FiveNodes_5_text">
-                          <dgm:varLst>
-                            <dgm:bulletEnabled val="1"/>
-                          </dgm:varLst>
-                          <dgm:alg type="tx">
-                            <dgm:param type="parTxLTRAlign" val="l"/>
-                            <dgm:param type="txAnchorVertCh" val="mid"/>
-                          </dgm:alg>
-                          <dgm:shape xmlns:r="http://schemas.openxmlformats.org/officeDocument/2006/relationships" type="roundRect" r:blip="" hideGeom="1">
-                            <dgm:adjLst>
-                              <dgm:adj idx="1" val="0.1"/>
-                            </dgm:adjLst>
-                          </dgm:shape>
-                          <dgm:presOf axis="ch desOrSelf" ptType="node node" st="5 1" cnt="1 0"/>
-                          <dgm:constrLst>
-                            <dgm:constr type="lMarg" refType="primFontSz" fact="0.3"/>
-                            <dgm:constr type="rMarg" refType="primFontSz" fact="0.3"/>
-                            <dgm:constr type="tMarg" refType="primFontSz" fact="0.3"/>
-                            <dgm:constr type="bMarg" refType="primFontSz" fact="0.3"/>
-                          </dgm:constrLst>
-                          <dgm:ruleLst>
-                            <dgm:rule type="primFontSz" val="5" fact="NaN" max="NaN"/>
-                          </dgm:ruleLst>
-                        </dgm:layoutNode>
-                      </dgm:if>
-                      <dgm:else name="Name17"/>
-                    </dgm:choose>
-                  </dgm:else>
-                </dgm:choose>
-              </dgm:else>
+                  </dgm:forEach>
+                </dgm:layoutNode>
+              </dgm:if>
+              <dgm:else name="Name30"/>
             </dgm:choose>
-          </dgm:else>
-        </dgm:choose>
-      </dgm:else>
-    </dgm:choose>
+          </dgm:layoutNode>
+        </dgm:else>
+      </dgm:choose>
+      <dgm:forEach name="Name31" axis="precedSib" ptType="sibTrans" st="-1" cnt="1">
+        <dgm:layoutNode name="sp">
+          <dgm:alg type="sp"/>
+          <dgm:shape xmlns:r="http://schemas.openxmlformats.org/officeDocument/2006/relationships" r:blip="">
+            <dgm:adjLst/>
+          </dgm:shape>
+          <dgm:presOf axis="self"/>
+          <dgm:constrLst/>
+          <dgm:ruleLst/>
+        </dgm:layoutNode>
+      </dgm:forEach>
+    </dgm:forEach>
   </dgm:layoutNode>
 </dgm:layoutDef>
 </file>
@@ -8831,6 +9236,173 @@
 </dgm:layoutDef>
 </file>
 
+<file path=ppt/diagrams/layout5.xml><?xml version="1.0" encoding="utf-8"?>
+<dgm:layoutDef xmlns:dgm="http://schemas.openxmlformats.org/drawingml/2006/diagram" xmlns:a="http://schemas.openxmlformats.org/drawingml/2006/main" uniqueId="urn:microsoft.com/office/officeart/2005/8/layout/vList2">
+  <dgm:title val=""/>
+  <dgm:desc val=""/>
+  <dgm:catLst>
+    <dgm:cat type="list" pri="3000"/>
+    <dgm:cat type="convert" pri="1000"/>
+  </dgm:catLst>
+  <dgm:sampData>
+    <dgm:dataModel>
+      <dgm:ptLst>
+        <dgm:pt modelId="0" type="doc"/>
+        <dgm:pt modelId="1">
+          <dgm:prSet phldr="1"/>
+        </dgm:pt>
+        <dgm:pt modelId="11">
+          <dgm:prSet phldr="1"/>
+        </dgm:pt>
+        <dgm:pt modelId="2">
+          <dgm:prSet phldr="1"/>
+        </dgm:pt>
+        <dgm:pt modelId="21">
+          <dgm:prSet phldr="1"/>
+        </dgm:pt>
+      </dgm:ptLst>
+      <dgm:cxnLst>
+        <dgm:cxn modelId="4" srcId="0" destId="1" srcOrd="0" destOrd="0"/>
+        <dgm:cxn modelId="5" srcId="0" destId="2" srcOrd="1" destOrd="0"/>
+        <dgm:cxn modelId="12" srcId="1" destId="11" srcOrd="0" destOrd="0"/>
+        <dgm:cxn modelId="23" srcId="2" destId="21" srcOrd="0" destOrd="0"/>
+      </dgm:cxnLst>
+      <dgm:bg/>
+      <dgm:whole/>
+    </dgm:dataModel>
+  </dgm:sampData>
+  <dgm:styleData>
+    <dgm:dataModel>
+      <dgm:ptLst>
+        <dgm:pt modelId="0" type="doc"/>
+        <dgm:pt modelId="1"/>
+        <dgm:pt modelId="2"/>
+      </dgm:ptLst>
+      <dgm:cxnLst>
+        <dgm:cxn modelId="3" srcId="0" destId="1" srcOrd="0" destOrd="0"/>
+        <dgm:cxn modelId="4" srcId="0" destId="2" srcOrd="1" destOrd="0"/>
+      </dgm:cxnLst>
+      <dgm:bg/>
+      <dgm:whole/>
+    </dgm:dataModel>
+  </dgm:styleData>
+  <dgm:clrData>
+    <dgm:dataModel>
+      <dgm:ptLst>
+        <dgm:pt modelId="0" type="doc"/>
+        <dgm:pt modelId="1"/>
+        <dgm:pt modelId="2"/>
+        <dgm:pt modelId="3"/>
+        <dgm:pt modelId="4"/>
+      </dgm:ptLst>
+      <dgm:cxnLst>
+        <dgm:cxn modelId="5" srcId="0" destId="1" srcOrd="0" destOrd="0"/>
+        <dgm:cxn modelId="6" srcId="0" destId="2" srcOrd="1" destOrd="0"/>
+        <dgm:cxn modelId="7" srcId="0" destId="3" srcOrd="2" destOrd="0"/>
+        <dgm:cxn modelId="8" srcId="0" destId="4" srcOrd="3" destOrd="0"/>
+      </dgm:cxnLst>
+      <dgm:bg/>
+      <dgm:whole/>
+    </dgm:dataModel>
+  </dgm:clrData>
+  <dgm:layoutNode name="linear">
+    <dgm:varLst>
+      <dgm:animLvl val="lvl"/>
+      <dgm:resizeHandles val="exact"/>
+    </dgm:varLst>
+    <dgm:alg type="lin">
+      <dgm:param type="linDir" val="fromT"/>
+      <dgm:param type="vertAlign" val="mid"/>
+    </dgm:alg>
+    <dgm:shape xmlns:r="http://schemas.openxmlformats.org/officeDocument/2006/relationships" r:blip="">
+      <dgm:adjLst/>
+    </dgm:shape>
+    <dgm:presOf/>
+    <dgm:constrLst>
+      <dgm:constr type="w" for="ch" forName="parentText" refType="w"/>
+      <dgm:constr type="h" for="ch" forName="parentText" refType="primFontSz" refFor="ch" refForName="parentText" fact="0.52"/>
+      <dgm:constr type="w" for="ch" forName="childText" refType="w"/>
+      <dgm:constr type="h" for="ch" forName="childText" refType="primFontSz" refFor="ch" refForName="parentText" fact="0.46"/>
+      <dgm:constr type="h" for="ch" forName="parentText" op="equ"/>
+      <dgm:constr type="primFontSz" for="ch" forName="parentText" op="equ" val="65"/>
+      <dgm:constr type="primFontSz" for="ch" forName="childText" refType="primFontSz" refFor="ch" refForName="parentText" op="equ"/>
+      <dgm:constr type="h" for="ch" forName="spacer" refType="primFontSz" refFor="ch" refForName="parentText" fact="0.08"/>
+    </dgm:constrLst>
+    <dgm:ruleLst>
+      <dgm:rule type="primFontSz" for="ch" forName="parentText" val="5" fact="NaN" max="NaN"/>
+    </dgm:ruleLst>
+    <dgm:forEach name="Name0" axis="ch" ptType="node">
+      <dgm:layoutNode name="parentText" styleLbl="node1">
+        <dgm:varLst>
+          <dgm:chMax val="0"/>
+          <dgm:bulletEnabled val="1"/>
+        </dgm:varLst>
+        <dgm:alg type="tx">
+          <dgm:param type="parTxLTRAlign" val="l"/>
+          <dgm:param type="parTxRTLAlign" val="r"/>
+        </dgm:alg>
+        <dgm:shape xmlns:r="http://schemas.openxmlformats.org/officeDocument/2006/relationships" type="roundRect" r:blip="">
+          <dgm:adjLst/>
+        </dgm:shape>
+        <dgm:presOf axis="self"/>
+        <dgm:constrLst>
+          <dgm:constr type="tMarg" refType="primFontSz" fact="0.3"/>
+          <dgm:constr type="bMarg" refType="primFontSz" fact="0.3"/>
+          <dgm:constr type="lMarg" refType="primFontSz" fact="0.3"/>
+          <dgm:constr type="rMarg" refType="primFontSz" fact="0.3"/>
+        </dgm:constrLst>
+        <dgm:ruleLst>
+          <dgm:rule type="h" val="INF" fact="NaN" max="NaN"/>
+        </dgm:ruleLst>
+      </dgm:layoutNode>
+      <dgm:choose name="Name1">
+        <dgm:if name="Name2" axis="ch" ptType="node" func="cnt" op="gte" val="1">
+          <dgm:layoutNode name="childText" styleLbl="revTx">
+            <dgm:varLst>
+              <dgm:bulletEnabled val="1"/>
+            </dgm:varLst>
+            <dgm:alg type="tx">
+              <dgm:param type="stBulletLvl" val="1"/>
+              <dgm:param type="lnSpAfChP" val="20"/>
+            </dgm:alg>
+            <dgm:shape xmlns:r="http://schemas.openxmlformats.org/officeDocument/2006/relationships" type="rect" r:blip="">
+              <dgm:adjLst/>
+            </dgm:shape>
+            <dgm:presOf axis="des" ptType="node"/>
+            <dgm:constrLst>
+              <dgm:constr type="tMarg" refType="primFontSz" fact="0.1"/>
+              <dgm:constr type="bMarg" refType="primFontSz" fact="0.1"/>
+              <dgm:constr type="lMarg" refType="w" fact="0.09"/>
+            </dgm:constrLst>
+            <dgm:ruleLst>
+              <dgm:rule type="h" val="INF" fact="NaN" max="NaN"/>
+            </dgm:ruleLst>
+          </dgm:layoutNode>
+        </dgm:if>
+        <dgm:else name="Name3">
+          <dgm:choose name="Name4">
+            <dgm:if name="Name5" axis="par ch" ptType="doc node" func="cnt" op="gte" val="2">
+              <dgm:forEach name="Name6" axis="followSib" ptType="sibTrans" cnt="1">
+                <dgm:layoutNode name="spacer">
+                  <dgm:alg type="sp"/>
+                  <dgm:shape xmlns:r="http://schemas.openxmlformats.org/officeDocument/2006/relationships" r:blip="">
+                    <dgm:adjLst/>
+                  </dgm:shape>
+                  <dgm:presOf/>
+                  <dgm:constrLst/>
+                  <dgm:ruleLst/>
+                </dgm:layoutNode>
+              </dgm:forEach>
+            </dgm:if>
+            <dgm:else name="Name7"/>
+          </dgm:choose>
+        </dgm:else>
+      </dgm:choose>
+    </dgm:forEach>
+  </dgm:layoutNode>
+</dgm:layoutDef>
+</file>
+
 <file path=ppt/diagrams/quickStyle1.xml><?xml version="1.0" encoding="utf-8"?>
 <dgm:styleDef xmlns:dgm="http://schemas.openxmlformats.org/drawingml/2006/diagram" xmlns:a="http://schemas.openxmlformats.org/drawingml/2006/main" uniqueId="urn:microsoft.com/office/officeart/2005/8/quickstyle/simple1">
   <dgm:title val=""/>
@@ -11934,6 +12506,1040 @@
 </file>
 
 <file path=ppt/diagrams/quickStyle4.xml><?xml version="1.0" encoding="utf-8"?>
+<dgm:styleDef xmlns:dgm="http://schemas.openxmlformats.org/drawingml/2006/diagram" xmlns:a="http://schemas.openxmlformats.org/drawingml/2006/main" uniqueId="urn:microsoft.com/office/officeart/2005/8/quickstyle/simple1">
+  <dgm:title val=""/>
+  <dgm:desc val=""/>
+  <dgm:catLst>
+    <dgm:cat type="simple" pri="10100"/>
+  </dgm:catLst>
+  <dgm:scene3d>
+    <a:camera prst="orthographicFront"/>
+    <a:lightRig rig="threePt" dir="t"/>
+  </dgm:scene3d>
+  <dgm:styleLbl name="node0">
+    <dgm:scene3d>
+      <a:camera prst="orthographicFront"/>
+      <a:lightRig rig="threePt" dir="t"/>
+    </dgm:scene3d>
+    <dgm:sp3d/>
+    <dgm:txPr/>
+    <dgm:style>
+      <a:lnRef idx="2">
+        <a:scrgbClr r="0" g="0" b="0"/>
+      </a:lnRef>
+      <a:fillRef idx="1">
+        <a:scrgbClr r="0" g="0" b="0"/>
+      </a:fillRef>
+      <a:effectRef idx="0">
+        <a:scrgbClr r="0" g="0" b="0"/>
+      </a:effectRef>
+      <a:fontRef idx="minor">
+        <a:schemeClr val="lt1"/>
+      </a:fontRef>
+    </dgm:style>
+  </dgm:styleLbl>
+  <dgm:styleLbl name="lnNode1">
+    <dgm:scene3d>
+      <a:camera prst="orthographicFront"/>
+      <a:lightRig rig="threePt" dir="t"/>
+    </dgm:scene3d>
+    <dgm:sp3d/>
+    <dgm:txPr/>
+    <dgm:style>
+      <a:lnRef idx="2">
+        <a:scrgbClr r="0" g="0" b="0"/>
+      </a:lnRef>
+      <a:fillRef idx="1">
+        <a:scrgbClr r="0" g="0" b="0"/>
+      </a:fillRef>
+      <a:effectRef idx="0">
+        <a:scrgbClr r="0" g="0" b="0"/>
+      </a:effectRef>
+      <a:fontRef idx="minor">
+        <a:schemeClr val="lt1"/>
+      </a:fontRef>
+    </dgm:style>
+  </dgm:styleLbl>
+  <dgm:styleLbl name="vennNode1">
+    <dgm:scene3d>
+      <a:camera prst="orthographicFront"/>
+      <a:lightRig rig="threePt" dir="t"/>
+    </dgm:scene3d>
+    <dgm:sp3d/>
+    <dgm:txPr/>
+    <dgm:style>
+      <a:lnRef idx="2">
+        <a:scrgbClr r="0" g="0" b="0"/>
+      </a:lnRef>
+      <a:fillRef idx="1">
+        <a:scrgbClr r="0" g="0" b="0"/>
+      </a:fillRef>
+      <a:effectRef idx="0">
+        <a:scrgbClr r="0" g="0" b="0"/>
+      </a:effectRef>
+      <a:fontRef idx="minor">
+        <a:schemeClr val="tx1"/>
+      </a:fontRef>
+    </dgm:style>
+  </dgm:styleLbl>
+  <dgm:styleLbl name="alignNode1">
+    <dgm:scene3d>
+      <a:camera prst="orthographicFront"/>
+      <a:lightRig rig="threePt" dir="t"/>
+    </dgm:scene3d>
+    <dgm:sp3d/>
+    <dgm:txPr/>
+    <dgm:style>
+      <a:lnRef idx="2">
+        <a:scrgbClr r="0" g="0" b="0"/>
+      </a:lnRef>
+      <a:fillRef idx="1">
+        <a:scrgbClr r="0" g="0" b="0"/>
+      </a:fillRef>
+      <a:effectRef idx="0">
+        <a:scrgbClr r="0" g="0" b="0"/>
+      </a:effectRef>
+      <a:fontRef idx="minor">
+        <a:schemeClr val="lt1"/>
+      </a:fontRef>
+    </dgm:style>
+  </dgm:styleLbl>
+  <dgm:styleLbl name="node1">
+    <dgm:scene3d>
+      <a:camera prst="orthographicFront"/>
+      <a:lightRig rig="threePt" dir="t"/>
+    </dgm:scene3d>
+    <dgm:sp3d/>
+    <dgm:txPr/>
+    <dgm:style>
+      <a:lnRef idx="2">
+        <a:scrgbClr r="0" g="0" b="0"/>
+      </a:lnRef>
+      <a:fillRef idx="1">
+        <a:scrgbClr r="0" g="0" b="0"/>
+      </a:fillRef>
+      <a:effectRef idx="0">
+        <a:scrgbClr r="0" g="0" b="0"/>
+      </a:effectRef>
+      <a:fontRef idx="minor">
+        <a:schemeClr val="lt1"/>
+      </a:fontRef>
+    </dgm:style>
+  </dgm:styleLbl>
+  <dgm:styleLbl name="node2">
+    <dgm:scene3d>
+      <a:camera prst="orthographicFront"/>
+      <a:lightRig rig="threePt" dir="t"/>
+    </dgm:scene3d>
+    <dgm:sp3d/>
+    <dgm:txPr/>
+    <dgm:style>
+      <a:lnRef idx="2">
+        <a:scrgbClr r="0" g="0" b="0"/>
+      </a:lnRef>
+      <a:fillRef idx="1">
+        <a:scrgbClr r="0" g="0" b="0"/>
+      </a:fillRef>
+      <a:effectRef idx="0">
+        <a:scrgbClr r="0" g="0" b="0"/>
+      </a:effectRef>
+      <a:fontRef idx="minor">
+        <a:schemeClr val="lt1"/>
+      </a:fontRef>
+    </dgm:style>
+  </dgm:styleLbl>
+  <dgm:styleLbl name="node3">
+    <dgm:scene3d>
+      <a:camera prst="orthographicFront"/>
+      <a:lightRig rig="threePt" dir="t"/>
+    </dgm:scene3d>
+    <dgm:sp3d/>
+    <dgm:txPr/>
+    <dgm:style>
+      <a:lnRef idx="2">
+        <a:scrgbClr r="0" g="0" b="0"/>
+      </a:lnRef>
+      <a:fillRef idx="1">
+        <a:scrgbClr r="0" g="0" b="0"/>
+      </a:fillRef>
+      <a:effectRef idx="0">
+        <a:scrgbClr r="0" g="0" b="0"/>
+      </a:effectRef>
+      <a:fontRef idx="minor">
+        <a:schemeClr val="lt1"/>
+      </a:fontRef>
+    </dgm:style>
+  </dgm:styleLbl>
+  <dgm:styleLbl name="node4">
+    <dgm:scene3d>
+      <a:camera prst="orthographicFront"/>
+      <a:lightRig rig="threePt" dir="t"/>
+    </dgm:scene3d>
+    <dgm:sp3d/>
+    <dgm:txPr/>
+    <dgm:style>
+      <a:lnRef idx="2">
+        <a:scrgbClr r="0" g="0" b="0"/>
+      </a:lnRef>
+      <a:fillRef idx="1">
+        <a:scrgbClr r="0" g="0" b="0"/>
+      </a:fillRef>
+      <a:effectRef idx="0">
+        <a:scrgbClr r="0" g="0" b="0"/>
+      </a:effectRef>
+      <a:fontRef idx="minor">
+        <a:schemeClr val="lt1"/>
+      </a:fontRef>
+    </dgm:style>
+  </dgm:styleLbl>
+  <dgm:styleLbl name="fgImgPlace1">
+    <dgm:scene3d>
+      <a:camera prst="orthographicFront"/>
+      <a:lightRig rig="threePt" dir="t"/>
+    </dgm:scene3d>
+    <dgm:sp3d/>
+    <dgm:txPr/>
+    <dgm:style>
+      <a:lnRef idx="2">
+        <a:scrgbClr r="0" g="0" b="0"/>
+      </a:lnRef>
+      <a:fillRef idx="1">
+        <a:scrgbClr r="0" g="0" b="0"/>
+      </a:fillRef>
+      <a:effectRef idx="0">
+        <a:scrgbClr r="0" g="0" b="0"/>
+      </a:effectRef>
+      <a:fontRef idx="minor"/>
+    </dgm:style>
+  </dgm:styleLbl>
+  <dgm:styleLbl name="alignImgPlace1">
+    <dgm:scene3d>
+      <a:camera prst="orthographicFront"/>
+      <a:lightRig rig="threePt" dir="t"/>
+    </dgm:scene3d>
+    <dgm:sp3d/>
+    <dgm:txPr/>
+    <dgm:style>
+      <a:lnRef idx="2">
+        <a:scrgbClr r="0" g="0" b="0"/>
+      </a:lnRef>
+      <a:fillRef idx="1">
+        <a:scrgbClr r="0" g="0" b="0"/>
+      </a:fillRef>
+      <a:effectRef idx="0">
+        <a:scrgbClr r="0" g="0" b="0"/>
+      </a:effectRef>
+      <a:fontRef idx="minor"/>
+    </dgm:style>
+  </dgm:styleLbl>
+  <dgm:styleLbl name="bgImgPlace1">
+    <dgm:scene3d>
+      <a:camera prst="orthographicFront"/>
+      <a:lightRig rig="threePt" dir="t"/>
+    </dgm:scene3d>
+    <dgm:sp3d/>
+    <dgm:txPr/>
+    <dgm:style>
+      <a:lnRef idx="2">
+        <a:scrgbClr r="0" g="0" b="0"/>
+      </a:lnRef>
+      <a:fillRef idx="1">
+        <a:scrgbClr r="0" g="0" b="0"/>
+      </a:fillRef>
+      <a:effectRef idx="0">
+        <a:scrgbClr r="0" g="0" b="0"/>
+      </a:effectRef>
+      <a:fontRef idx="minor"/>
+    </dgm:style>
+  </dgm:styleLbl>
+  <dgm:styleLbl name="sibTrans2D1">
+    <dgm:scene3d>
+      <a:camera prst="orthographicFront"/>
+      <a:lightRig rig="threePt" dir="t"/>
+    </dgm:scene3d>
+    <dgm:sp3d/>
+    <dgm:txPr/>
+    <dgm:style>
+      <a:lnRef idx="0">
+        <a:scrgbClr r="0" g="0" b="0"/>
+      </a:lnRef>
+      <a:fillRef idx="1">
+        <a:scrgbClr r="0" g="0" b="0"/>
+      </a:fillRef>
+      <a:effectRef idx="0">
+        <a:scrgbClr r="0" g="0" b="0"/>
+      </a:effectRef>
+      <a:fontRef idx="minor">
+        <a:schemeClr val="lt1"/>
+      </a:fontRef>
+    </dgm:style>
+  </dgm:styleLbl>
+  <dgm:styleLbl name="fgSibTrans2D1">
+    <dgm:scene3d>
+      <a:camera prst="orthographicFront"/>
+      <a:lightRig rig="threePt" dir="t"/>
+    </dgm:scene3d>
+    <dgm:sp3d/>
+    <dgm:txPr/>
+    <dgm:style>
+      <a:lnRef idx="0">
+        <a:scrgbClr r="0" g="0" b="0"/>
+      </a:lnRef>
+      <a:fillRef idx="1">
+        <a:scrgbClr r="0" g="0" b="0"/>
+      </a:fillRef>
+      <a:effectRef idx="0">
+        <a:scrgbClr r="0" g="0" b="0"/>
+      </a:effectRef>
+      <a:fontRef idx="minor">
+        <a:schemeClr val="lt1"/>
+      </a:fontRef>
+    </dgm:style>
+  </dgm:styleLbl>
+  <dgm:styleLbl name="bgSibTrans2D1">
+    <dgm:scene3d>
+      <a:camera prst="orthographicFront"/>
+      <a:lightRig rig="threePt" dir="t"/>
+    </dgm:scene3d>
+    <dgm:sp3d/>
+    <dgm:txPr/>
+    <dgm:style>
+      <a:lnRef idx="0">
+        <a:scrgbClr r="0" g="0" b="0"/>
+      </a:lnRef>
+      <a:fillRef idx="1">
+        <a:scrgbClr r="0" g="0" b="0"/>
+      </a:fillRef>
+      <a:effectRef idx="0">
+        <a:scrgbClr r="0" g="0" b="0"/>
+      </a:effectRef>
+      <a:fontRef idx="minor">
+        <a:schemeClr val="lt1"/>
+      </a:fontRef>
+    </dgm:style>
+  </dgm:styleLbl>
+  <dgm:styleLbl name="sibTrans1D1">
+    <dgm:scene3d>
+      <a:camera prst="orthographicFront"/>
+      <a:lightRig rig="threePt" dir="t"/>
+    </dgm:scene3d>
+    <dgm:sp3d/>
+    <dgm:txPr/>
+    <dgm:style>
+      <a:lnRef idx="1">
+        <a:scrgbClr r="0" g="0" b="0"/>
+      </a:lnRef>
+      <a:fillRef idx="0">
+        <a:scrgbClr r="0" g="0" b="0"/>
+      </a:fillRef>
+      <a:effectRef idx="0">
+        <a:scrgbClr r="0" g="0" b="0"/>
+      </a:effectRef>
+      <a:fontRef idx="minor"/>
+    </dgm:style>
+  </dgm:styleLbl>
+  <dgm:styleLbl name="callout">
+    <dgm:scene3d>
+      <a:camera prst="orthographicFront"/>
+      <a:lightRig rig="threePt" dir="t"/>
+    </dgm:scene3d>
+    <dgm:sp3d/>
+    <dgm:txPr/>
+    <dgm:style>
+      <a:lnRef idx="2">
+        <a:scrgbClr r="0" g="0" b="0"/>
+      </a:lnRef>
+      <a:fillRef idx="1">
+        <a:scrgbClr r="0" g="0" b="0"/>
+      </a:fillRef>
+      <a:effectRef idx="0">
+        <a:scrgbClr r="0" g="0" b="0"/>
+      </a:effectRef>
+      <a:fontRef idx="minor"/>
+    </dgm:style>
+  </dgm:styleLbl>
+  <dgm:styleLbl name="asst0">
+    <dgm:scene3d>
+      <a:camera prst="orthographicFront"/>
+      <a:lightRig rig="threePt" dir="t"/>
+    </dgm:scene3d>
+    <dgm:sp3d/>
+    <dgm:txPr/>
+    <dgm:style>
+      <a:lnRef idx="2">
+        <a:scrgbClr r="0" g="0" b="0"/>
+      </a:lnRef>
+      <a:fillRef idx="1">
+        <a:scrgbClr r="0" g="0" b="0"/>
+      </a:fillRef>
+      <a:effectRef idx="0">
+        <a:scrgbClr r="0" g="0" b="0"/>
+      </a:effectRef>
+      <a:fontRef idx="minor">
+        <a:schemeClr val="lt1"/>
+      </a:fontRef>
+    </dgm:style>
+  </dgm:styleLbl>
+  <dgm:styleLbl name="asst1">
+    <dgm:scene3d>
+      <a:camera prst="orthographicFront"/>
+      <a:lightRig rig="threePt" dir="t"/>
+    </dgm:scene3d>
+    <dgm:sp3d/>
+    <dgm:txPr/>
+    <dgm:style>
+      <a:lnRef idx="2">
+        <a:scrgbClr r="0" g="0" b="0"/>
+      </a:lnRef>
+      <a:fillRef idx="1">
+        <a:scrgbClr r="0" g="0" b="0"/>
+      </a:fillRef>
+      <a:effectRef idx="0">
+        <a:scrgbClr r="0" g="0" b="0"/>
+      </a:effectRef>
+      <a:fontRef idx="minor">
+        <a:schemeClr val="lt1"/>
+      </a:fontRef>
+    </dgm:style>
+  </dgm:styleLbl>
+  <dgm:styleLbl name="asst2">
+    <dgm:scene3d>
+      <a:camera prst="orthographicFront"/>
+      <a:lightRig rig="threePt" dir="t"/>
+    </dgm:scene3d>
+    <dgm:sp3d/>
+    <dgm:txPr/>
+    <dgm:style>
+      <a:lnRef idx="2">
+        <a:scrgbClr r="0" g="0" b="0"/>
+      </a:lnRef>
+      <a:fillRef idx="1">
+        <a:scrgbClr r="0" g="0" b="0"/>
+      </a:fillRef>
+      <a:effectRef idx="0">
+        <a:scrgbClr r="0" g="0" b="0"/>
+      </a:effectRef>
+      <a:fontRef idx="minor">
+        <a:schemeClr val="lt1"/>
+      </a:fontRef>
+    </dgm:style>
+  </dgm:styleLbl>
+  <dgm:styleLbl name="asst3">
+    <dgm:scene3d>
+      <a:camera prst="orthographicFront"/>
+      <a:lightRig rig="threePt" dir="t"/>
+    </dgm:scene3d>
+    <dgm:sp3d/>
+    <dgm:txPr/>
+    <dgm:style>
+      <a:lnRef idx="2">
+        <a:scrgbClr r="0" g="0" b="0"/>
+      </a:lnRef>
+      <a:fillRef idx="1">
+        <a:scrgbClr r="0" g="0" b="0"/>
+      </a:fillRef>
+      <a:effectRef idx="0">
+        <a:scrgbClr r="0" g="0" b="0"/>
+      </a:effectRef>
+      <a:fontRef idx="minor">
+        <a:schemeClr val="lt1"/>
+      </a:fontRef>
+    </dgm:style>
+  </dgm:styleLbl>
+  <dgm:styleLbl name="asst4">
+    <dgm:scene3d>
+      <a:camera prst="orthographicFront"/>
+      <a:lightRig rig="threePt" dir="t"/>
+    </dgm:scene3d>
+    <dgm:sp3d/>
+    <dgm:txPr/>
+    <dgm:style>
+      <a:lnRef idx="2">
+        <a:scrgbClr r="0" g="0" b="0"/>
+      </a:lnRef>
+      <a:fillRef idx="1">
+        <a:scrgbClr r="0" g="0" b="0"/>
+      </a:fillRef>
+      <a:effectRef idx="0">
+        <a:scrgbClr r="0" g="0" b="0"/>
+      </a:effectRef>
+      <a:fontRef idx="minor">
+        <a:schemeClr val="lt1"/>
+      </a:fontRef>
+    </dgm:style>
+  </dgm:styleLbl>
+  <dgm:styleLbl name="parChTrans2D1">
+    <dgm:scene3d>
+      <a:camera prst="orthographicFront"/>
+      <a:lightRig rig="threePt" dir="t"/>
+    </dgm:scene3d>
+    <dgm:sp3d/>
+    <dgm:txPr/>
+    <dgm:style>
+      <a:lnRef idx="2">
+        <a:scrgbClr r="0" g="0" b="0"/>
+      </a:lnRef>
+      <a:fillRef idx="1">
+        <a:scrgbClr r="0" g="0" b="0"/>
+      </a:fillRef>
+      <a:effectRef idx="0">
+        <a:scrgbClr r="0" g="0" b="0"/>
+      </a:effectRef>
+      <a:fontRef idx="minor">
+        <a:schemeClr val="lt1"/>
+      </a:fontRef>
+    </dgm:style>
+  </dgm:styleLbl>
+  <dgm:styleLbl name="parChTrans2D2">
+    <dgm:scene3d>
+      <a:camera prst="orthographicFront"/>
+      <a:lightRig rig="threePt" dir="t"/>
+    </dgm:scene3d>
+    <dgm:sp3d/>
+    <dgm:txPr/>
+    <dgm:style>
+      <a:lnRef idx="2">
+        <a:scrgbClr r="0" g="0" b="0"/>
+      </a:lnRef>
+      <a:fillRef idx="1">
+        <a:scrgbClr r="0" g="0" b="0"/>
+      </a:fillRef>
+      <a:effectRef idx="0">
+        <a:scrgbClr r="0" g="0" b="0"/>
+      </a:effectRef>
+      <a:fontRef idx="minor">
+        <a:schemeClr val="lt1"/>
+      </a:fontRef>
+    </dgm:style>
+  </dgm:styleLbl>
+  <dgm:styleLbl name="parChTrans2D3">
+    <dgm:scene3d>
+      <a:camera prst="orthographicFront"/>
+      <a:lightRig rig="threePt" dir="t"/>
+    </dgm:scene3d>
+    <dgm:sp3d/>
+    <dgm:txPr/>
+    <dgm:style>
+      <a:lnRef idx="2">
+        <a:scrgbClr r="0" g="0" b="0"/>
+      </a:lnRef>
+      <a:fillRef idx="1">
+        <a:scrgbClr r="0" g="0" b="0"/>
+      </a:fillRef>
+      <a:effectRef idx="0">
+        <a:scrgbClr r="0" g="0" b="0"/>
+      </a:effectRef>
+      <a:fontRef idx="minor">
+        <a:schemeClr val="lt1"/>
+      </a:fontRef>
+    </dgm:style>
+  </dgm:styleLbl>
+  <dgm:styleLbl name="parChTrans2D4">
+    <dgm:scene3d>
+      <a:camera prst="orthographicFront"/>
+      <a:lightRig rig="threePt" dir="t"/>
+    </dgm:scene3d>
+    <dgm:sp3d/>
+    <dgm:txPr/>
+    <dgm:style>
+      <a:lnRef idx="2">
+        <a:scrgbClr r="0" g="0" b="0"/>
+      </a:lnRef>
+      <a:fillRef idx="1">
+        <a:scrgbClr r="0" g="0" b="0"/>
+      </a:fillRef>
+      <a:effectRef idx="0">
+        <a:scrgbClr r="0" g="0" b="0"/>
+      </a:effectRef>
+      <a:fontRef idx="minor">
+        <a:schemeClr val="lt1"/>
+      </a:fontRef>
+    </dgm:style>
+  </dgm:styleLbl>
+  <dgm:styleLbl name="parChTrans1D1">
+    <dgm:scene3d>
+      <a:camera prst="orthographicFront"/>
+      <a:lightRig rig="threePt" dir="t"/>
+    </dgm:scene3d>
+    <dgm:sp3d/>
+    <dgm:txPr/>
+    <dgm:style>
+      <a:lnRef idx="2">
+        <a:scrgbClr r="0" g="0" b="0"/>
+      </a:lnRef>
+      <a:fillRef idx="0">
+        <a:scrgbClr r="0" g="0" b="0"/>
+      </a:fillRef>
+      <a:effectRef idx="0">
+        <a:scrgbClr r="0" g="0" b="0"/>
+      </a:effectRef>
+      <a:fontRef idx="minor"/>
+    </dgm:style>
+  </dgm:styleLbl>
+  <dgm:styleLbl name="parChTrans1D2">
+    <dgm:scene3d>
+      <a:camera prst="orthographicFront"/>
+      <a:lightRig rig="threePt" dir="t"/>
+    </dgm:scene3d>
+    <dgm:sp3d/>
+    <dgm:txPr/>
+    <dgm:style>
+      <a:lnRef idx="2">
+        <a:scrgbClr r="0" g="0" b="0"/>
+      </a:lnRef>
+      <a:fillRef idx="0">
+        <a:scrgbClr r="0" g="0" b="0"/>
+      </a:fillRef>
+      <a:effectRef idx="0">
+        <a:scrgbClr r="0" g="0" b="0"/>
+      </a:effectRef>
+      <a:fontRef idx="minor"/>
+    </dgm:style>
+  </dgm:styleLbl>
+  <dgm:styleLbl name="parChTrans1D3">
+    <dgm:scene3d>
+      <a:camera prst="orthographicFront"/>
+      <a:lightRig rig="threePt" dir="t"/>
+    </dgm:scene3d>
+    <dgm:sp3d/>
+    <dgm:txPr/>
+    <dgm:style>
+      <a:lnRef idx="2">
+        <a:scrgbClr r="0" g="0" b="0"/>
+      </a:lnRef>
+      <a:fillRef idx="0">
+        <a:scrgbClr r="0" g="0" b="0"/>
+      </a:fillRef>
+      <a:effectRef idx="0">
+        <a:scrgbClr r="0" g="0" b="0"/>
+      </a:effectRef>
+      <a:fontRef idx="minor"/>
+    </dgm:style>
+  </dgm:styleLbl>
+  <dgm:styleLbl name="parChTrans1D4">
+    <dgm:scene3d>
+      <a:camera prst="orthographicFront"/>
+      <a:lightRig rig="threePt" dir="t"/>
+    </dgm:scene3d>
+    <dgm:sp3d/>
+    <dgm:txPr/>
+    <dgm:style>
+      <a:lnRef idx="2">
+        <a:scrgbClr r="0" g="0" b="0"/>
+      </a:lnRef>
+      <a:fillRef idx="0">
+        <a:scrgbClr r="0" g="0" b="0"/>
+      </a:fillRef>
+      <a:effectRef idx="0">
+        <a:scrgbClr r="0" g="0" b="0"/>
+      </a:effectRef>
+      <a:fontRef idx="minor"/>
+    </dgm:style>
+  </dgm:styleLbl>
+  <dgm:styleLbl name="fgAcc1">
+    <dgm:scene3d>
+      <a:camera prst="orthographicFront"/>
+      <a:lightRig rig="threePt" dir="t"/>
+    </dgm:scene3d>
+    <dgm:sp3d/>
+    <dgm:txPr/>
+    <dgm:style>
+      <a:lnRef idx="2">
+        <a:scrgbClr r="0" g="0" b="0"/>
+      </a:lnRef>
+      <a:fillRef idx="1">
+        <a:scrgbClr r="0" g="0" b="0"/>
+      </a:fillRef>
+      <a:effectRef idx="0">
+        <a:scrgbClr r="0" g="0" b="0"/>
+      </a:effectRef>
+      <a:fontRef idx="minor"/>
+    </dgm:style>
+  </dgm:styleLbl>
+  <dgm:styleLbl name="conFgAcc1">
+    <dgm:scene3d>
+      <a:camera prst="orthographicFront"/>
+      <a:lightRig rig="threePt" dir="t"/>
+    </dgm:scene3d>
+    <dgm:sp3d/>
+    <dgm:txPr/>
+    <dgm:style>
+      <a:lnRef idx="2">
+        <a:scrgbClr r="0" g="0" b="0"/>
+      </a:lnRef>
+      <a:fillRef idx="1">
+        <a:scrgbClr r="0" g="0" b="0"/>
+      </a:fillRef>
+      <a:effectRef idx="0">
+        <a:scrgbClr r="0" g="0" b="0"/>
+      </a:effectRef>
+      <a:fontRef idx="minor"/>
+    </dgm:style>
+  </dgm:styleLbl>
+  <dgm:styleLbl name="alignAcc1">
+    <dgm:scene3d>
+      <a:camera prst="orthographicFront"/>
+      <a:lightRig rig="threePt" dir="t"/>
+    </dgm:scene3d>
+    <dgm:sp3d/>
+    <dgm:txPr/>
+    <dgm:style>
+      <a:lnRef idx="2">
+        <a:scrgbClr r="0" g="0" b="0"/>
+      </a:lnRef>
+      <a:fillRef idx="1">
+        <a:scrgbClr r="0" g="0" b="0"/>
+      </a:fillRef>
+      <a:effectRef idx="0">
+        <a:scrgbClr r="0" g="0" b="0"/>
+      </a:effectRef>
+      <a:fontRef idx="minor"/>
+    </dgm:style>
+  </dgm:styleLbl>
+  <dgm:styleLbl name="trAlignAcc1">
+    <dgm:scene3d>
+      <a:camera prst="orthographicFront"/>
+      <a:lightRig rig="threePt" dir="t"/>
+    </dgm:scene3d>
+    <dgm:sp3d/>
+    <dgm:txPr/>
+    <dgm:style>
+      <a:lnRef idx="1">
+        <a:scrgbClr r="0" g="0" b="0"/>
+      </a:lnRef>
+      <a:fillRef idx="1">
+        <a:scrgbClr r="0" g="0" b="0"/>
+      </a:fillRef>
+      <a:effectRef idx="0">
+        <a:scrgbClr r="0" g="0" b="0"/>
+      </a:effectRef>
+      <a:fontRef idx="minor"/>
+    </dgm:style>
+  </dgm:styleLbl>
+  <dgm:styleLbl name="bgAcc1">
+    <dgm:scene3d>
+      <a:camera prst="orthographicFront"/>
+      <a:lightRig rig="threePt" dir="t"/>
+    </dgm:scene3d>
+    <dgm:sp3d/>
+    <dgm:txPr/>
+    <dgm:style>
+      <a:lnRef idx="2">
+        <a:scrgbClr r="0" g="0" b="0"/>
+      </a:lnRef>
+      <a:fillRef idx="1">
+        <a:scrgbClr r="0" g="0" b="0"/>
+      </a:fillRef>
+      <a:effectRef idx="0">
+        <a:scrgbClr r="0" g="0" b="0"/>
+      </a:effectRef>
+      <a:fontRef idx="minor"/>
+    </dgm:style>
+  </dgm:styleLbl>
+  <dgm:styleLbl name="solidFgAcc1">
+    <dgm:scene3d>
+      <a:camera prst="orthographicFront"/>
+      <a:lightRig rig="threePt" dir="t"/>
+    </dgm:scene3d>
+    <dgm:sp3d/>
+    <dgm:txPr/>
+    <dgm:style>
+      <a:lnRef idx="2">
+        <a:scrgbClr r="0" g="0" b="0"/>
+      </a:lnRef>
+      <a:fillRef idx="1">
+        <a:scrgbClr r="0" g="0" b="0"/>
+      </a:fillRef>
+      <a:effectRef idx="0">
+        <a:scrgbClr r="0" g="0" b="0"/>
+      </a:effectRef>
+      <a:fontRef idx="minor"/>
+    </dgm:style>
+  </dgm:styleLbl>
+  <dgm:styleLbl name="solidAlignAcc1">
+    <dgm:scene3d>
+      <a:camera prst="orthographicFront"/>
+      <a:lightRig rig="threePt" dir="t"/>
+    </dgm:scene3d>
+    <dgm:sp3d/>
+    <dgm:txPr/>
+    <dgm:style>
+      <a:lnRef idx="2">
+        <a:scrgbClr r="0" g="0" b="0"/>
+      </a:lnRef>
+      <a:fillRef idx="1">
+        <a:scrgbClr r="0" g="0" b="0"/>
+      </a:fillRef>
+      <a:effectRef idx="0">
+        <a:scrgbClr r="0" g="0" b="0"/>
+      </a:effectRef>
+      <a:fontRef idx="minor"/>
+    </dgm:style>
+  </dgm:styleLbl>
+  <dgm:styleLbl name="solidBgAcc1">
+    <dgm:scene3d>
+      <a:camera prst="orthographicFront"/>
+      <a:lightRig rig="threePt" dir="t"/>
+    </dgm:scene3d>
+    <dgm:sp3d/>
+    <dgm:txPr/>
+    <dgm:style>
+      <a:lnRef idx="2">
+        <a:scrgbClr r="0" g="0" b="0"/>
+      </a:lnRef>
+      <a:fillRef idx="1">
+        <a:scrgbClr r="0" g="0" b="0"/>
+      </a:fillRef>
+      <a:effectRef idx="0">
+        <a:scrgbClr r="0" g="0" b="0"/>
+      </a:effectRef>
+      <a:fontRef idx="minor"/>
+    </dgm:style>
+  </dgm:styleLbl>
+  <dgm:styleLbl name="fgAccFollowNode1">
+    <dgm:scene3d>
+      <a:camera prst="orthographicFront"/>
+      <a:lightRig rig="threePt" dir="t"/>
+    </dgm:scene3d>
+    <dgm:sp3d/>
+    <dgm:txPr/>
+    <dgm:style>
+      <a:lnRef idx="2">
+        <a:scrgbClr r="0" g="0" b="0"/>
+      </a:lnRef>
+      <a:fillRef idx="1">
+        <a:scrgbClr r="0" g="0" b="0"/>
+      </a:fillRef>
+      <a:effectRef idx="0">
+        <a:scrgbClr r="0" g="0" b="0"/>
+      </a:effectRef>
+      <a:fontRef idx="minor"/>
+    </dgm:style>
+  </dgm:styleLbl>
+  <dgm:styleLbl name="alignAccFollowNode1">
+    <dgm:scene3d>
+      <a:camera prst="orthographicFront"/>
+      <a:lightRig rig="threePt" dir="t"/>
+    </dgm:scene3d>
+    <dgm:sp3d/>
+    <dgm:txPr/>
+    <dgm:style>
+      <a:lnRef idx="2">
+        <a:scrgbClr r="0" g="0" b="0"/>
+      </a:lnRef>
+      <a:fillRef idx="1">
+        <a:scrgbClr r="0" g="0" b="0"/>
+      </a:fillRef>
+      <a:effectRef idx="0">
+        <a:scrgbClr r="0" g="0" b="0"/>
+      </a:effectRef>
+      <a:fontRef idx="minor"/>
+    </dgm:style>
+  </dgm:styleLbl>
+  <dgm:styleLbl name="bgAccFollowNode1">
+    <dgm:scene3d>
+      <a:camera prst="orthographicFront"/>
+      <a:lightRig rig="threePt" dir="t"/>
+    </dgm:scene3d>
+    <dgm:sp3d/>
+    <dgm:txPr/>
+    <dgm:style>
+      <a:lnRef idx="2">
+        <a:scrgbClr r="0" g="0" b="0"/>
+      </a:lnRef>
+      <a:fillRef idx="1">
+        <a:scrgbClr r="0" g="0" b="0"/>
+      </a:fillRef>
+      <a:effectRef idx="0">
+        <a:scrgbClr r="0" g="0" b="0"/>
+      </a:effectRef>
+      <a:fontRef idx="minor"/>
+    </dgm:style>
+  </dgm:styleLbl>
+  <dgm:styleLbl name="fgAcc0">
+    <dgm:scene3d>
+      <a:camera prst="orthographicFront"/>
+      <a:lightRig rig="threePt" dir="t"/>
+    </dgm:scene3d>
+    <dgm:sp3d/>
+    <dgm:txPr/>
+    <dgm:style>
+      <a:lnRef idx="2">
+        <a:scrgbClr r="0" g="0" b="0"/>
+      </a:lnRef>
+      <a:fillRef idx="1">
+        <a:scrgbClr r="0" g="0" b="0"/>
+      </a:fillRef>
+      <a:effectRef idx="0">
+        <a:scrgbClr r="0" g="0" b="0"/>
+      </a:effectRef>
+      <a:fontRef idx="minor"/>
+    </dgm:style>
+  </dgm:styleLbl>
+  <dgm:styleLbl name="fgAcc2">
+    <dgm:scene3d>
+      <a:camera prst="orthographicFront"/>
+      <a:lightRig rig="threePt" dir="t"/>
+    </dgm:scene3d>
+    <dgm:sp3d/>
+    <dgm:txPr/>
+    <dgm:style>
+      <a:lnRef idx="2">
+        <a:scrgbClr r="0" g="0" b="0"/>
+      </a:lnRef>
+      <a:fillRef idx="1">
+        <a:scrgbClr r="0" g="0" b="0"/>
+      </a:fillRef>
+      <a:effectRef idx="0">
+        <a:scrgbClr r="0" g="0" b="0"/>
+      </a:effectRef>
+      <a:fontRef idx="minor"/>
+    </dgm:style>
+  </dgm:styleLbl>
+  <dgm:styleLbl name="fgAcc3">
+    <dgm:scene3d>
+      <a:camera prst="orthographicFront"/>
+      <a:lightRig rig="threePt" dir="t"/>
+    </dgm:scene3d>
+    <dgm:sp3d/>
+    <dgm:txPr/>
+    <dgm:style>
+      <a:lnRef idx="2">
+        <a:scrgbClr r="0" g="0" b="0"/>
+      </a:lnRef>
+      <a:fillRef idx="1">
+        <a:scrgbClr r="0" g="0" b="0"/>
+      </a:fillRef>
+      <a:effectRef idx="0">
+        <a:scrgbClr r="0" g="0" b="0"/>
+      </a:effectRef>
+      <a:fontRef idx="minor"/>
+    </dgm:style>
+  </dgm:styleLbl>
+  <dgm:styleLbl name="fgAcc4">
+    <dgm:scene3d>
+      <a:camera prst="orthographicFront"/>
+      <a:lightRig rig="threePt" dir="t"/>
+    </dgm:scene3d>
+    <dgm:sp3d/>
+    <dgm:txPr/>
+    <dgm:style>
+      <a:lnRef idx="2">
+        <a:scrgbClr r="0" g="0" b="0"/>
+      </a:lnRef>
+      <a:fillRef idx="1">
+        <a:scrgbClr r="0" g="0" b="0"/>
+      </a:fillRef>
+      <a:effectRef idx="0">
+        <a:scrgbClr r="0" g="0" b="0"/>
+      </a:effectRef>
+      <a:fontRef idx="minor"/>
+    </dgm:style>
+  </dgm:styleLbl>
+  <dgm:styleLbl name="bgShp">
+    <dgm:scene3d>
+      <a:camera prst="orthographicFront"/>
+      <a:lightRig rig="threePt" dir="t"/>
+    </dgm:scene3d>
+    <dgm:sp3d/>
+    <dgm:txPr/>
+    <dgm:style>
+      <a:lnRef idx="0">
+        <a:scrgbClr r="0" g="0" b="0"/>
+      </a:lnRef>
+      <a:fillRef idx="1">
+        <a:scrgbClr r="0" g="0" b="0"/>
+      </a:fillRef>
+      <a:effectRef idx="0">
+        <a:scrgbClr r="0" g="0" b="0"/>
+      </a:effectRef>
+      <a:fontRef idx="minor"/>
+    </dgm:style>
+  </dgm:styleLbl>
+  <dgm:styleLbl name="dkBgShp">
+    <dgm:scene3d>
+      <a:camera prst="orthographicFront"/>
+      <a:lightRig rig="threePt" dir="t"/>
+    </dgm:scene3d>
+    <dgm:sp3d/>
+    <dgm:txPr/>
+    <dgm:style>
+      <a:lnRef idx="0">
+        <a:scrgbClr r="0" g="0" b="0"/>
+      </a:lnRef>
+      <a:fillRef idx="1">
+        <a:scrgbClr r="0" g="0" b="0"/>
+      </a:fillRef>
+      <a:effectRef idx="0">
+        <a:scrgbClr r="0" g="0" b="0"/>
+      </a:effectRef>
+      <a:fontRef idx="minor"/>
+    </dgm:style>
+  </dgm:styleLbl>
+  <dgm:styleLbl name="trBgShp">
+    <dgm:scene3d>
+      <a:camera prst="orthographicFront"/>
+      <a:lightRig rig="threePt" dir="t"/>
+    </dgm:scene3d>
+    <dgm:sp3d/>
+    <dgm:txPr/>
+    <dgm:style>
+      <a:lnRef idx="0">
+        <a:scrgbClr r="0" g="0" b="0"/>
+      </a:lnRef>
+      <a:fillRef idx="1">
+        <a:scrgbClr r="0" g="0" b="0"/>
+      </a:fillRef>
+      <a:effectRef idx="0">
+        <a:scrgbClr r="0" g="0" b="0"/>
+      </a:effectRef>
+      <a:fontRef idx="minor"/>
+    </dgm:style>
+  </dgm:styleLbl>
+  <dgm:styleLbl name="fgShp">
+    <dgm:scene3d>
+      <a:camera prst="orthographicFront"/>
+      <a:lightRig rig="threePt" dir="t"/>
+    </dgm:scene3d>
+    <dgm:sp3d/>
+    <dgm:txPr/>
+    <dgm:style>
+      <a:lnRef idx="2">
+        <a:scrgbClr r="0" g="0" b="0"/>
+      </a:lnRef>
+      <a:fillRef idx="1">
+        <a:scrgbClr r="0" g="0" b="0"/>
+      </a:fillRef>
+      <a:effectRef idx="0">
+        <a:scrgbClr r="0" g="0" b="0"/>
+      </a:effectRef>
+      <a:fontRef idx="minor"/>
+    </dgm:style>
+  </dgm:styleLbl>
+  <dgm:styleLbl name="revTx">
+    <dgm:scene3d>
+      <a:camera prst="orthographicFront"/>
+      <a:lightRig rig="threePt" dir="t"/>
+    </dgm:scene3d>
+    <dgm:sp3d/>
+    <dgm:txPr/>
+    <dgm:style>
+      <a:lnRef idx="0">
+        <a:scrgbClr r="0" g="0" b="0"/>
+      </a:lnRef>
+      <a:fillRef idx="0">
+        <a:scrgbClr r="0" g="0" b="0"/>
+      </a:fillRef>
+      <a:effectRef idx="0">
+        <a:scrgbClr r="0" g="0" b="0"/>
+      </a:effectRef>
+      <a:fontRef idx="minor"/>
+    </dgm:style>
+  </dgm:styleLbl>
+</dgm:styleDef>
+</file>
+
+<file path=ppt/diagrams/quickStyle5.xml><?xml version="1.0" encoding="utf-8"?>
 <dgm:styleDef xmlns:dgm="http://schemas.openxmlformats.org/drawingml/2006/diagram" xmlns:a="http://schemas.openxmlformats.org/drawingml/2006/main" uniqueId="urn:microsoft.com/office/officeart/2005/8/quickstyle/simple1">
   <dgm:title val=""/>
   <dgm:desc val=""/>
@@ -16483,6 +18089,13 @@
   <p:clrMapOvr>
     <a:masterClrMapping/>
   </p:clrMapOvr>
+  <p:timing>
+    <p:tnLst>
+      <p:par>
+        <p:cTn id="1" dur="indefinite" restart="never" nodeType="tmRoot"/>
+      </p:par>
+    </p:tnLst>
+  </p:timing>
 </p:sld>
 </file>
 
@@ -16562,7 +18175,7 @@
             <p:ph idx="1"/>
             <p:extLst>
               <p:ext uri="{D42A27DB-BD31-4B8C-83A1-F6EECF244321}">
-                <p14:modId xmlns:p14="http://schemas.microsoft.com/office/powerpoint/2010/main" val="2889203279"/>
+                <p14:modId xmlns:p14="http://schemas.microsoft.com/office/powerpoint/2010/main" val="3348394236"/>
               </p:ext>
             </p:extLst>
           </p:nvPr>
@@ -16587,6 +18200,13 @@
   <p:clrMapOvr>
     <a:masterClrMapping/>
   </p:clrMapOvr>
+  <p:timing>
+    <p:tnLst>
+      <p:par>
+        <p:cTn id="1" dur="indefinite" restart="never" nodeType="tmRoot"/>
+      </p:par>
+    </p:tnLst>
+  </p:timing>
 </p:sld>
 </file>
 
@@ -16660,18 +18280,6 @@
               </a:rPr>
               <a:t>1</a:t>
             </a:r>
-            <a:endParaRPr lang="de-DE" b="1" dirty="0">
-              <a:ln w="6350">
-                <a:solidFill>
-                  <a:schemeClr val="bg1"/>
-                </a:solidFill>
-              </a:ln>
-              <a:solidFill>
-                <a:schemeClr val="tx1">
-                  <a:lumMod val="95000"/>
-                </a:schemeClr>
-              </a:solidFill>
-            </a:endParaRPr>
           </a:p>
         </p:txBody>
       </p:sp>
@@ -16710,6 +18318,13 @@
   <p:clrMapOvr>
     <a:masterClrMapping/>
   </p:clrMapOvr>
+  <p:timing>
+    <p:tnLst>
+      <p:par>
+        <p:cTn id="1" dur="indefinite" restart="never" nodeType="tmRoot"/>
+      </p:par>
+    </p:tnLst>
+  </p:timing>
 </p:sld>
 </file>
 
@@ -16777,18 +18392,6 @@
               </a:rPr>
               <a:t> 2</a:t>
             </a:r>
-            <a:endParaRPr lang="de-DE" b="1" dirty="0">
-              <a:ln w="6350">
-                <a:solidFill>
-                  <a:schemeClr val="bg1"/>
-                </a:solidFill>
-              </a:ln>
-              <a:solidFill>
-                <a:schemeClr val="tx1">
-                  <a:lumMod val="95000"/>
-                </a:schemeClr>
-              </a:solidFill>
-            </a:endParaRPr>
           </a:p>
         </p:txBody>
       </p:sp>
@@ -16827,6 +18430,13 @@
   <p:clrMapOvr>
     <a:masterClrMapping/>
   </p:clrMapOvr>
+  <p:timing>
+    <p:tnLst>
+      <p:par>
+        <p:cTn id="1" dur="indefinite" restart="never" nodeType="tmRoot"/>
+      </p:par>
+    </p:tnLst>
+  </p:timing>
 </p:sld>
 </file>
 
@@ -16943,6 +18553,13 @@
   <p:clrMapOvr>
     <a:masterClrMapping/>
   </p:clrMapOvr>
+  <p:timing>
+    <p:tnLst>
+      <p:par>
+        <p:cTn id="1" dur="indefinite" restart="never" nodeType="tmRoot"/>
+      </p:par>
+    </p:tnLst>
+  </p:timing>
 </p:sld>
 </file>
 
@@ -16975,32 +18592,66 @@
         </p:nvSpPr>
         <p:spPr/>
         <p:txBody>
-          <a:bodyPr/>
+          <a:bodyPr>
+            <a:normAutofit/>
+          </a:bodyPr>
           <a:lstStyle/>
           <a:p>
-            <a:endParaRPr lang="de-DE"/>
+            <a:r>
+              <a:rPr lang="de-DE" b="1" dirty="0">
+                <a:ln w="6350">
+                  <a:solidFill>
+                    <a:schemeClr val="bg1"/>
+                  </a:solidFill>
+                </a:ln>
+                <a:solidFill>
+                  <a:schemeClr val="tx1">
+                    <a:lumMod val="95000"/>
+                  </a:schemeClr>
+                </a:solidFill>
+              </a:rPr>
+              <a:t>USB 4</a:t>
+            </a:r>
+            <a:endParaRPr lang="de-DE" b="1" dirty="0">
+              <a:ln w="6350">
+                <a:solidFill>
+                  <a:schemeClr val="bg1"/>
+                </a:solidFill>
+              </a:ln>
+              <a:solidFill>
+                <a:schemeClr val="tx1">
+                  <a:lumMod val="95000"/>
+                </a:schemeClr>
+              </a:solidFill>
+            </a:endParaRPr>
           </a:p>
         </p:txBody>
       </p:sp>
-      <p:sp>
-        <p:nvSpPr>
-          <p:cNvPr id="3" name="Inhaltsplatzhalter 2"/>
-          <p:cNvSpPr>
-            <a:spLocks noGrp="1"/>
-          </p:cNvSpPr>
+      <p:graphicFrame>
+        <p:nvGraphicFramePr>
+          <p:cNvPr id="4" name="Inhaltsplatzhalter 3"/>
+          <p:cNvGraphicFramePr>
+            <a:graphicFrameLocks noGrp="1"/>
+          </p:cNvGraphicFramePr>
           <p:nvPr>
             <p:ph idx="1"/>
+            <p:extLst>
+              <p:ext uri="{D42A27DB-BD31-4B8C-83A1-F6EECF244321}">
+                <p14:modId xmlns:p14="http://schemas.microsoft.com/office/powerpoint/2010/main" val="2392409299"/>
+              </p:ext>
+            </p:extLst>
           </p:nvPr>
-        </p:nvSpPr>
-        <p:spPr/>
-        <p:txBody>
-          <a:bodyPr/>
-          <a:lstStyle/>
-          <a:p>
-            <a:endParaRPr lang="de-DE"/>
-          </a:p>
-        </p:txBody>
-      </p:sp>
+        </p:nvGraphicFramePr>
+        <p:xfrm>
+          <a:off x="457200" y="1882808"/>
+          <a:ext cx="8229600" cy="4572000"/>
+        </p:xfrm>
+        <a:graphic>
+          <a:graphicData uri="http://schemas.openxmlformats.org/drawingml/2006/diagram">
+            <dgm:relIds xmlns:dgm="http://schemas.openxmlformats.org/drawingml/2006/diagram" xmlns:r="http://schemas.openxmlformats.org/officeDocument/2006/relationships" r:dm="rId2" r:lo="rId3" r:qs="rId4" r:cs="rId5"/>
+          </a:graphicData>
+        </a:graphic>
+      </p:graphicFrame>
     </p:spTree>
     <p:extLst>
       <p:ext uri="{BB962C8B-B14F-4D97-AF65-F5344CB8AC3E}">
@@ -17011,6 +18662,13 @@
   <p:clrMapOvr>
     <a:masterClrMapping/>
   </p:clrMapOvr>
+  <p:timing>
+    <p:tnLst>
+      <p:par>
+        <p:cTn id="1" dur="indefinite" restart="never" nodeType="tmRoot"/>
+      </p:par>
+    </p:tnLst>
+  </p:timing>
 </p:sld>
 </file>
 

--- a/doc/thunderbolt_presentation/Thunderbolt.pptx
+++ b/doc/thunderbolt_presentation/Thunderbolt.pptx
@@ -4395,19 +4395,19 @@
     </dgm:pt>
   </dgm:ptLst>
   <dgm:cxnLst>
+    <dgm:cxn modelId="{BB16E944-1A2B-41FD-AA55-4E6BF4717CFD}" srcId="{7CFF88D5-046F-4FB7-B17E-25EF8F56E950}" destId="{71D7FA2B-07B7-4321-ACE5-213C10C1A49E}" srcOrd="5" destOrd="0" parTransId="{7F02FEA6-8306-4EBD-A777-C1E11ACF5145}" sibTransId="{520D7A0A-0891-488B-8C74-25C7CDA7EE41}"/>
+    <dgm:cxn modelId="{BF346595-BD24-4F37-AA48-E5BAE10B470F}" srcId="{7CFF88D5-046F-4FB7-B17E-25EF8F56E950}" destId="{08AF3942-CA07-4163-A06B-163C8019A040}" srcOrd="3" destOrd="0" parTransId="{7C38744A-B95C-4739-8558-42AB26B1A3C1}" sibTransId="{3037C684-E5E7-4708-80E3-AD0AE079E4AF}"/>
+    <dgm:cxn modelId="{F6D87FF4-4BC6-40D9-A9D1-5B8EBE4F4015}" type="presOf" srcId="{71D7FA2B-07B7-4321-ACE5-213C10C1A49E}" destId="{495473A0-4F9D-4EFE-B411-B80CB7F7816E}" srcOrd="0" destOrd="0" presId="urn:microsoft.com/office/officeart/2005/8/layout/process4"/>
+    <dgm:cxn modelId="{7BB61631-6283-4F68-99F7-E70DCA6875C4}" type="presOf" srcId="{E42C0EF2-C4A6-4B82-8C7D-BDE87E805CE8}" destId="{B31B5764-7AB9-4CC2-ABDA-8E3EEB030D2C}" srcOrd="0" destOrd="0" presId="urn:microsoft.com/office/officeart/2005/8/layout/process4"/>
+    <dgm:cxn modelId="{94DA72A3-7598-4B78-A211-F60F5E20788F}" type="presOf" srcId="{7CFF88D5-046F-4FB7-B17E-25EF8F56E950}" destId="{A7682DC4-75D1-492B-983D-0C5E91A48323}" srcOrd="0" destOrd="0" presId="urn:microsoft.com/office/officeart/2005/8/layout/process4"/>
+    <dgm:cxn modelId="{7E1D45E1-2CE9-4463-ACDC-78A4FACC9830}" type="presOf" srcId="{07230439-FE95-462D-BFA4-623058277240}" destId="{47F49392-538A-46D1-8ED6-9FBCBD57FAF6}" srcOrd="0" destOrd="0" presId="urn:microsoft.com/office/officeart/2005/8/layout/process4"/>
+    <dgm:cxn modelId="{5AFB368A-F830-4BBF-8008-18890DD9BDA9}" type="presOf" srcId="{B0AF2C47-776A-480B-9631-A85ADBB27262}" destId="{B0E77675-FD87-4DCE-8841-5B0477E70DD5}" srcOrd="0" destOrd="0" presId="urn:microsoft.com/office/officeart/2005/8/layout/process4"/>
     <dgm:cxn modelId="{FDF80A26-E22B-4866-826F-C185BC7647D8}" srcId="{7CFF88D5-046F-4FB7-B17E-25EF8F56E950}" destId="{07230439-FE95-462D-BFA4-623058277240}" srcOrd="4" destOrd="0" parTransId="{347294BA-10C9-4AAD-91E5-D897562A3F46}" sibTransId="{43A9F345-1767-431A-ADD9-B62C6E1DD967}"/>
-    <dgm:cxn modelId="{5AFB368A-F830-4BBF-8008-18890DD9BDA9}" type="presOf" srcId="{B0AF2C47-776A-480B-9631-A85ADBB27262}" destId="{B0E77675-FD87-4DCE-8841-5B0477E70DD5}" srcOrd="0" destOrd="0" presId="urn:microsoft.com/office/officeart/2005/8/layout/process4"/>
-    <dgm:cxn modelId="{94DA72A3-7598-4B78-A211-F60F5E20788F}" type="presOf" srcId="{7CFF88D5-046F-4FB7-B17E-25EF8F56E950}" destId="{A7682DC4-75D1-492B-983D-0C5E91A48323}" srcOrd="0" destOrd="0" presId="urn:microsoft.com/office/officeart/2005/8/layout/process4"/>
-    <dgm:cxn modelId="{BB16E944-1A2B-41FD-AA55-4E6BF4717CFD}" srcId="{7CFF88D5-046F-4FB7-B17E-25EF8F56E950}" destId="{71D7FA2B-07B7-4321-ACE5-213C10C1A49E}" srcOrd="5" destOrd="0" parTransId="{7F02FEA6-8306-4EBD-A777-C1E11ACF5145}" sibTransId="{520D7A0A-0891-488B-8C74-25C7CDA7EE41}"/>
+    <dgm:cxn modelId="{BF043BC4-025A-4F43-A725-1610024AA53D}" type="presOf" srcId="{08AF3942-CA07-4163-A06B-163C8019A040}" destId="{3E57F5FC-E7C6-4C7A-87E6-BFB65C52D46A}" srcOrd="0" destOrd="0" presId="urn:microsoft.com/office/officeart/2005/8/layout/process4"/>
+    <dgm:cxn modelId="{74FAA677-5438-4285-8499-86B3E828B186}" type="presOf" srcId="{AD8C5CED-15BB-4149-A4EC-113A54C9E1AD}" destId="{AC6CD6DB-8E24-4A95-9DBB-6A55D3EBA6D3}" srcOrd="0" destOrd="0" presId="urn:microsoft.com/office/officeart/2005/8/layout/process4"/>
     <dgm:cxn modelId="{325991C1-2392-49CA-B324-D589DF2CB3A5}" srcId="{7CFF88D5-046F-4FB7-B17E-25EF8F56E950}" destId="{E42C0EF2-C4A6-4B82-8C7D-BDE87E805CE8}" srcOrd="1" destOrd="0" parTransId="{D0C8ABB5-E5DC-4C7E-BAF5-C8F6DABA753B}" sibTransId="{119BF004-FFB6-447D-9AE5-DE3AFC5AF24A}"/>
     <dgm:cxn modelId="{26E51BF8-DF07-41F5-B570-39D5F4FFCEE0}" srcId="{7CFF88D5-046F-4FB7-B17E-25EF8F56E950}" destId="{B0AF2C47-776A-480B-9631-A85ADBB27262}" srcOrd="2" destOrd="0" parTransId="{4E29FD94-5414-40D8-82A8-B97C4AC8DA01}" sibTransId="{CA5E3ECA-E3D4-4A34-B53E-00A6F5290507}"/>
-    <dgm:cxn modelId="{F6D87FF4-4BC6-40D9-A9D1-5B8EBE4F4015}" type="presOf" srcId="{71D7FA2B-07B7-4321-ACE5-213C10C1A49E}" destId="{495473A0-4F9D-4EFE-B411-B80CB7F7816E}" srcOrd="0" destOrd="0" presId="urn:microsoft.com/office/officeart/2005/8/layout/process4"/>
-    <dgm:cxn modelId="{7BB61631-6283-4F68-99F7-E70DCA6875C4}" type="presOf" srcId="{E42C0EF2-C4A6-4B82-8C7D-BDE87E805CE8}" destId="{B31B5764-7AB9-4CC2-ABDA-8E3EEB030D2C}" srcOrd="0" destOrd="0" presId="urn:microsoft.com/office/officeart/2005/8/layout/process4"/>
-    <dgm:cxn modelId="{74FAA677-5438-4285-8499-86B3E828B186}" type="presOf" srcId="{AD8C5CED-15BB-4149-A4EC-113A54C9E1AD}" destId="{AC6CD6DB-8E24-4A95-9DBB-6A55D3EBA6D3}" srcOrd="0" destOrd="0" presId="urn:microsoft.com/office/officeart/2005/8/layout/process4"/>
-    <dgm:cxn modelId="{BF043BC4-025A-4F43-A725-1610024AA53D}" type="presOf" srcId="{08AF3942-CA07-4163-A06B-163C8019A040}" destId="{3E57F5FC-E7C6-4C7A-87E6-BFB65C52D46A}" srcOrd="0" destOrd="0" presId="urn:microsoft.com/office/officeart/2005/8/layout/process4"/>
-    <dgm:cxn modelId="{7E1D45E1-2CE9-4463-ACDC-78A4FACC9830}" type="presOf" srcId="{07230439-FE95-462D-BFA4-623058277240}" destId="{47F49392-538A-46D1-8ED6-9FBCBD57FAF6}" srcOrd="0" destOrd="0" presId="urn:microsoft.com/office/officeart/2005/8/layout/process4"/>
     <dgm:cxn modelId="{9D75341A-0995-40AA-A8F6-AAFEE6E2A7C9}" srcId="{7CFF88D5-046F-4FB7-B17E-25EF8F56E950}" destId="{AD8C5CED-15BB-4149-A4EC-113A54C9E1AD}" srcOrd="0" destOrd="0" parTransId="{77187B4C-37CF-4BE2-92F5-8859C27C7F1B}" sibTransId="{AF68ECB1-3C48-4F11-98E6-F06779C39655}"/>
-    <dgm:cxn modelId="{BF346595-BD24-4F37-AA48-E5BAE10B470F}" srcId="{7CFF88D5-046F-4FB7-B17E-25EF8F56E950}" destId="{08AF3942-CA07-4163-A06B-163C8019A040}" srcOrd="3" destOrd="0" parTransId="{7C38744A-B95C-4739-8558-42AB26B1A3C1}" sibTransId="{3037C684-E5E7-4708-80E3-AD0AE079E4AF}"/>
     <dgm:cxn modelId="{0CBA701B-6001-4C21-99B9-A6277CC842A7}" type="presParOf" srcId="{A7682DC4-75D1-492B-983D-0C5E91A48323}" destId="{79DBEBA6-90EC-4B82-B08A-D7BCA28295DE}" srcOrd="0" destOrd="0" presId="urn:microsoft.com/office/officeart/2005/8/layout/process4"/>
     <dgm:cxn modelId="{C14CCCDE-4548-447A-852E-E46758D06759}" type="presParOf" srcId="{79DBEBA6-90EC-4B82-B08A-D7BCA28295DE}" destId="{495473A0-4F9D-4EFE-B411-B80CB7F7816E}" srcOrd="0" destOrd="0" presId="urn:microsoft.com/office/officeart/2005/8/layout/process4"/>
     <dgm:cxn modelId="{8EF492B9-93A9-4F3E-B0C0-E1B42104BBB3}" type="presParOf" srcId="{A7682DC4-75D1-492B-983D-0C5E91A48323}" destId="{2ED74685-F4DE-426E-BEDB-029BA7C35861}" srcOrd="1" destOrd="0" presId="urn:microsoft.com/office/officeart/2005/8/layout/process4"/>
@@ -4995,8 +4995,8 @@
             <a:t>2013 </a:t>
           </a:r>
           <a:r>
-            <a:rPr lang="de-DE" dirty="0" err="1" smtClean="0"/>
-            <a:t>vorgestellz</a:t>
+            <a:rPr lang="de-DE" dirty="0" smtClean="0"/>
+            <a:t>vorgestellt</a:t>
           </a:r>
           <a:endParaRPr lang="de-DE" dirty="0"/>
         </a:p>
@@ -5037,7 +5037,7 @@
           </a:r>
           <a:r>
             <a:rPr lang="de-DE" dirty="0" err="1" smtClean="0"/>
-            <a:t>Gbit</a:t>
+            <a:t>GBit</a:t>
           </a:r>
           <a:r>
             <a:rPr lang="de-DE" dirty="0" smtClean="0"/>
@@ -5653,6 +5653,13 @@
         </dgm:presLayoutVars>
       </dgm:prSet>
       <dgm:spPr/>
+      <dgm:t>
+        <a:bodyPr/>
+        <a:lstStyle/>
+        <a:p>
+          <a:endParaRPr lang="de-DE"/>
+        </a:p>
+      </dgm:t>
     </dgm:pt>
     <dgm:pt modelId="{27804C6C-7289-46C5-A1A1-C737C4E9C2DA}" type="pres">
       <dgm:prSet presAssocID="{D2463223-327A-4284-8E1D-DCEFCD55B10E}" presName="parentText" presStyleLbl="node1" presStyleIdx="0" presStyleCnt="5">
@@ -5682,6 +5689,13 @@
         </dgm:presLayoutVars>
       </dgm:prSet>
       <dgm:spPr/>
+      <dgm:t>
+        <a:bodyPr/>
+        <a:lstStyle/>
+        <a:p>
+          <a:endParaRPr lang="de-DE"/>
+        </a:p>
+      </dgm:t>
     </dgm:pt>
     <dgm:pt modelId="{1DAD12CD-5062-481F-B073-D5E34F6C05B2}" type="pres">
       <dgm:prSet presAssocID="{C50D45BA-9041-45DA-8BD6-BAC2BC81A8A6}" presName="spacer" presStyleCnt="0"/>
@@ -7011,8 +7025,8 @@
             <a:t>2013 </a:t>
           </a:r>
           <a:r>
-            <a:rPr lang="de-DE" sz="3200" kern="1200" dirty="0" err="1" smtClean="0"/>
-            <a:t>vorgestellz</a:t>
+            <a:rPr lang="de-DE" sz="3200" kern="1200" dirty="0" smtClean="0"/>
+            <a:t>vorgestellt</a:t>
           </a:r>
           <a:endParaRPr lang="de-DE" sz="3200" kern="1200" dirty="0"/>
         </a:p>
@@ -7093,7 +7107,7 @@
           </a:r>
           <a:r>
             <a:rPr lang="de-DE" sz="3200" kern="1200" dirty="0" err="1" smtClean="0"/>
-            <a:t>Gbit</a:t>
+            <a:t>GBit</a:t>
           </a:r>
           <a:r>
             <a:rPr lang="de-DE" sz="3200" kern="1200" dirty="0" smtClean="0"/>
@@ -18405,7 +18419,7 @@
             <p:ph idx="1"/>
             <p:extLst>
               <p:ext uri="{D42A27DB-BD31-4B8C-83A1-F6EECF244321}">
-                <p14:modId xmlns:p14="http://schemas.microsoft.com/office/powerpoint/2010/main" val="3321926802"/>
+                <p14:modId xmlns:p14="http://schemas.microsoft.com/office/powerpoint/2010/main" val="1543044570"/>
               </p:ext>
             </p:extLst>
           </p:nvPr>
@@ -18612,18 +18626,6 @@
               </a:rPr>
               <a:t>USB 4</a:t>
             </a:r>
-            <a:endParaRPr lang="de-DE" b="1" dirty="0">
-              <a:ln w="6350">
-                <a:solidFill>
-                  <a:schemeClr val="bg1"/>
-                </a:solidFill>
-              </a:ln>
-              <a:solidFill>
-                <a:schemeClr val="tx1">
-                  <a:lumMod val="95000"/>
-                </a:schemeClr>
-              </a:solidFill>
-            </a:endParaRPr>
           </a:p>
         </p:txBody>
       </p:sp>

--- a/doc/thunderbolt_presentation/Thunderbolt.pptx
+++ b/doc/thunderbolt_presentation/Thunderbolt.pptx
@@ -4082,17 +4082,17 @@
       </dgm:t>
     </dgm:pt>
     <dgm:pt modelId="{B0AF2C47-776A-480B-9631-A85ADBB27262}">
-      <dgm:prSet phldrT="[Text]"/>
+      <dgm:prSet phldrT="[Text]" custT="1"/>
       <dgm:spPr/>
       <dgm:t>
         <a:bodyPr/>
         <a:lstStyle/>
         <a:p>
           <a:r>
-            <a:rPr lang="de-DE" dirty="0" smtClean="0"/>
+            <a:rPr lang="de-DE" sz="2400" dirty="0" smtClean="0"/>
             <a:t>Universelle Schnittstelle</a:t>
           </a:r>
-          <a:endParaRPr lang="de-DE" dirty="0"/>
+          <a:endParaRPr lang="de-DE" sz="2400" dirty="0"/>
         </a:p>
       </dgm:t>
     </dgm:pt>
@@ -4126,10 +4126,26 @@
         <a:lstStyle/>
         <a:p>
           <a:r>
-            <a:rPr lang="de-DE" sz="2800" dirty="0" smtClean="0"/>
-            <a:t>Von Intel und Apple entwickelt</a:t>
+            <a:rPr lang="de-DE" sz="2400" dirty="0" smtClean="0"/>
+            <a:t>Von Intel in </a:t>
           </a:r>
-          <a:endParaRPr lang="de-DE" sz="2800" dirty="0"/>
+          <a:r>
+            <a:rPr lang="de-DE" sz="2400" dirty="0" err="1" smtClean="0"/>
+            <a:t>Kollab</a:t>
+          </a:r>
+          <a:r>
+            <a:rPr lang="de-DE" sz="2400" dirty="0" smtClean="0"/>
+            <a:t>. </a:t>
+          </a:r>
+          <a:r>
+            <a:rPr lang="de-DE" sz="2400" dirty="0" smtClean="0"/>
+            <a:t>mit </a:t>
+          </a:r>
+          <a:r>
+            <a:rPr lang="de-DE" sz="2400" dirty="0" smtClean="0"/>
+            <a:t>Apple entwickelt</a:t>
+          </a:r>
+          <a:endParaRPr lang="de-DE" sz="2400" dirty="0"/>
         </a:p>
       </dgm:t>
     </dgm:pt>
@@ -4163,10 +4179,10 @@
         <a:lstStyle/>
         <a:p>
           <a:r>
-            <a:rPr lang="de-DE" sz="2000" dirty="0" smtClean="0"/>
+            <a:rPr lang="de-DE" sz="2400" dirty="0" smtClean="0"/>
             <a:t>2009 intern, 2011 offiziell vorgestellt</a:t>
           </a:r>
-          <a:endParaRPr lang="de-DE" sz="2000" dirty="0"/>
+          <a:endParaRPr lang="de-DE" sz="2400" dirty="0"/>
         </a:p>
       </dgm:t>
     </dgm:pt>
@@ -4200,10 +4216,10 @@
         <a:lstStyle/>
         <a:p>
           <a:r>
-            <a:rPr lang="de-DE" sz="2000" dirty="0" smtClean="0"/>
+            <a:rPr lang="de-DE" sz="2400" dirty="0" smtClean="0"/>
             <a:t>Kupferkabel, mit optischen Leitern kompatibel</a:t>
           </a:r>
-          <a:endParaRPr lang="de-DE" sz="2000" dirty="0"/>
+          <a:endParaRPr lang="de-DE" sz="2400" dirty="0"/>
         </a:p>
       </dgm:t>
     </dgm:pt>
@@ -4237,10 +4253,10 @@
         <a:lstStyle/>
         <a:p>
           <a:r>
-            <a:rPr lang="de-DE" sz="2000" dirty="0" smtClean="0"/>
+            <a:rPr lang="de-DE" sz="2400" dirty="0" smtClean="0"/>
             <a:t>Benötigt Zusatz-Chip auf Motherboard</a:t>
           </a:r>
-          <a:endParaRPr lang="de-DE" sz="2000" dirty="0"/>
+          <a:endParaRPr lang="de-DE" sz="2400" dirty="0"/>
         </a:p>
       </dgm:t>
     </dgm:pt>
@@ -4458,7 +4474,7 @@
                 </a:schemeClr>
               </a:solidFill>
             </a:rPr>
-            <a:t>Abwärts-kompatibel</a:t>
+            <a:t>Abwärts-kompatibel (u.a. zu Display Port, etc.)</a:t>
           </a:r>
           <a:endParaRPr lang="de-DE" sz="1600" b="1" dirty="0">
             <a:solidFill>
@@ -4992,11 +5008,7 @@
         <a:p>
           <a:r>
             <a:rPr lang="de-DE" dirty="0" smtClean="0"/>
-            <a:t>2013 </a:t>
-          </a:r>
-          <a:r>
-            <a:rPr lang="de-DE" dirty="0" smtClean="0"/>
-            <a:t>vorgestellt</a:t>
+            <a:t>2013 vorgestellt</a:t>
           </a:r>
           <a:endParaRPr lang="de-DE" dirty="0"/>
         </a:p>
@@ -5847,12 +5859,12 @@
         </a:fontRef>
       </dsp:style>
       <dsp:txBody>
-        <a:bodyPr spcFirstLastPara="0" vert="horz" wrap="square" lIns="142240" tIns="142240" rIns="142240" bIns="142240" numCol="1" spcCol="1270" anchor="ctr" anchorCtr="0">
+        <a:bodyPr spcFirstLastPara="0" vert="horz" wrap="square" lIns="170688" tIns="170688" rIns="170688" bIns="170688" numCol="1" spcCol="1270" anchor="ctr" anchorCtr="0">
           <a:noAutofit/>
         </a:bodyPr>
         <a:lstStyle/>
         <a:p>
-          <a:pPr lvl="0" algn="ctr" defTabSz="889000">
+          <a:pPr lvl="0" algn="ctr" defTabSz="1066800">
             <a:lnSpc>
               <a:spcPct val="90000"/>
             </a:lnSpc>
@@ -5864,10 +5876,10 @@
             </a:spcAft>
           </a:pPr>
           <a:r>
-            <a:rPr lang="de-DE" sz="2000" kern="1200" dirty="0" smtClean="0"/>
+            <a:rPr lang="de-DE" sz="2400" kern="1200" dirty="0" smtClean="0"/>
             <a:t>Benötigt Zusatz-Chip auf Motherboard</a:t>
           </a:r>
-          <a:endParaRPr lang="de-DE" sz="2000" kern="1200" dirty="0"/>
+          <a:endParaRPr lang="de-DE" sz="2400" kern="1200" dirty="0"/>
         </a:p>
       </dsp:txBody>
       <dsp:txXfrm>
@@ -5924,12 +5936,12 @@
         </a:fontRef>
       </dsp:style>
       <dsp:txBody>
-        <a:bodyPr spcFirstLastPara="0" vert="horz" wrap="square" lIns="142240" tIns="142240" rIns="142240" bIns="142240" numCol="1" spcCol="1270" anchor="ctr" anchorCtr="0">
+        <a:bodyPr spcFirstLastPara="0" vert="horz" wrap="square" lIns="170688" tIns="170688" rIns="170688" bIns="170688" numCol="1" spcCol="1270" anchor="ctr" anchorCtr="0">
           <a:noAutofit/>
         </a:bodyPr>
         <a:lstStyle/>
         <a:p>
-          <a:pPr lvl="0" algn="ctr" defTabSz="889000">
+          <a:pPr lvl="0" algn="ctr" defTabSz="1066800">
             <a:lnSpc>
               <a:spcPct val="90000"/>
             </a:lnSpc>
@@ -5941,10 +5953,10 @@
             </a:spcAft>
           </a:pPr>
           <a:r>
-            <a:rPr lang="de-DE" sz="2000" kern="1200" dirty="0" smtClean="0"/>
+            <a:rPr lang="de-DE" sz="2400" kern="1200" dirty="0" smtClean="0"/>
             <a:t>Kupferkabel, mit optischen Leitern kompatibel</a:t>
           </a:r>
-          <a:endParaRPr lang="de-DE" sz="2000" kern="1200" dirty="0"/>
+          <a:endParaRPr lang="de-DE" sz="2400" kern="1200" dirty="0"/>
         </a:p>
       </dsp:txBody>
       <dsp:txXfrm rot="10800000">
@@ -6001,12 +6013,12 @@
         </a:fontRef>
       </dsp:style>
       <dsp:txBody>
-        <a:bodyPr spcFirstLastPara="0" vert="horz" wrap="square" lIns="142240" tIns="142240" rIns="142240" bIns="142240" numCol="1" spcCol="1270" anchor="ctr" anchorCtr="0">
+        <a:bodyPr spcFirstLastPara="0" vert="horz" wrap="square" lIns="170688" tIns="170688" rIns="170688" bIns="170688" numCol="1" spcCol="1270" anchor="ctr" anchorCtr="0">
           <a:noAutofit/>
         </a:bodyPr>
         <a:lstStyle/>
         <a:p>
-          <a:pPr lvl="0" algn="ctr" defTabSz="889000">
+          <a:pPr lvl="0" algn="ctr" defTabSz="1066800">
             <a:lnSpc>
               <a:spcPct val="90000"/>
             </a:lnSpc>
@@ -6018,10 +6030,10 @@
             </a:spcAft>
           </a:pPr>
           <a:r>
-            <a:rPr lang="de-DE" sz="2000" kern="1200" dirty="0" smtClean="0"/>
+            <a:rPr lang="de-DE" sz="2400" kern="1200" dirty="0" smtClean="0"/>
             <a:t>2009 intern, 2011 offiziell vorgestellt</a:t>
           </a:r>
-          <a:endParaRPr lang="de-DE" sz="2000" kern="1200" dirty="0"/>
+          <a:endParaRPr lang="de-DE" sz="2400" kern="1200" dirty="0"/>
         </a:p>
       </dsp:txBody>
       <dsp:txXfrm rot="10800000">
@@ -6078,12 +6090,12 @@
         </a:fontRef>
       </dsp:style>
       <dsp:txBody>
-        <a:bodyPr spcFirstLastPara="0" vert="horz" wrap="square" lIns="128016" tIns="128016" rIns="128016" bIns="128016" numCol="1" spcCol="1270" anchor="ctr" anchorCtr="0">
+        <a:bodyPr spcFirstLastPara="0" vert="horz" wrap="square" lIns="170688" tIns="170688" rIns="170688" bIns="170688" numCol="1" spcCol="1270" anchor="ctr" anchorCtr="0">
           <a:noAutofit/>
         </a:bodyPr>
         <a:lstStyle/>
         <a:p>
-          <a:pPr lvl="0" algn="ctr" defTabSz="800100">
+          <a:pPr lvl="0" algn="ctr" defTabSz="1066800">
             <a:lnSpc>
               <a:spcPct val="90000"/>
             </a:lnSpc>
@@ -6095,10 +6107,10 @@
             </a:spcAft>
           </a:pPr>
           <a:r>
-            <a:rPr lang="de-DE" sz="1800" kern="1200" dirty="0" smtClean="0"/>
+            <a:rPr lang="de-DE" sz="2400" kern="1200" dirty="0" smtClean="0"/>
             <a:t>Universelle Schnittstelle</a:t>
           </a:r>
-          <a:endParaRPr lang="de-DE" sz="1800" kern="1200" dirty="0"/>
+          <a:endParaRPr lang="de-DE" sz="2400" kern="1200" dirty="0"/>
         </a:p>
       </dsp:txBody>
       <dsp:txXfrm rot="10800000">
@@ -6240,12 +6252,12 @@
         </a:fontRef>
       </dsp:style>
       <dsp:txBody>
-        <a:bodyPr spcFirstLastPara="0" vert="horz" wrap="square" lIns="199136" tIns="199136" rIns="199136" bIns="199136" numCol="1" spcCol="1270" anchor="ctr" anchorCtr="0">
+        <a:bodyPr spcFirstLastPara="0" vert="horz" wrap="square" lIns="170688" tIns="170688" rIns="170688" bIns="170688" numCol="1" spcCol="1270" anchor="ctr" anchorCtr="0">
           <a:noAutofit/>
         </a:bodyPr>
         <a:lstStyle/>
         <a:p>
-          <a:pPr lvl="0" algn="ctr" defTabSz="1244600">
+          <a:pPr lvl="0" algn="ctr" defTabSz="1066800">
             <a:lnSpc>
               <a:spcPct val="90000"/>
             </a:lnSpc>
@@ -6257,10 +6269,26 @@
             </a:spcAft>
           </a:pPr>
           <a:r>
-            <a:rPr lang="de-DE" sz="2800" kern="1200" dirty="0" smtClean="0"/>
-            <a:t>Von Intel und Apple entwickelt</a:t>
+            <a:rPr lang="de-DE" sz="2400" kern="1200" dirty="0" smtClean="0"/>
+            <a:t>Von Intel in </a:t>
           </a:r>
-          <a:endParaRPr lang="de-DE" sz="2800" kern="1200" dirty="0"/>
+          <a:r>
+            <a:rPr lang="de-DE" sz="2400" kern="1200" dirty="0" err="1" smtClean="0"/>
+            <a:t>Kollab</a:t>
+          </a:r>
+          <a:r>
+            <a:rPr lang="de-DE" sz="2400" kern="1200" dirty="0" smtClean="0"/>
+            <a:t>. </a:t>
+          </a:r>
+          <a:r>
+            <a:rPr lang="de-DE" sz="2400" kern="1200" dirty="0" smtClean="0"/>
+            <a:t>mit </a:t>
+          </a:r>
+          <a:r>
+            <a:rPr lang="de-DE" sz="2400" kern="1200" dirty="0" smtClean="0"/>
+            <a:t>Apple entwickelt</a:t>
+          </a:r>
+          <a:endParaRPr lang="de-DE" sz="2400" kern="1200" dirty="0"/>
         </a:p>
       </dsp:txBody>
       <dsp:txXfrm rot="10800000">
@@ -6354,7 +6382,7 @@
                 </a:schemeClr>
               </a:solidFill>
             </a:rPr>
-            <a:t>Abwärts-kompatibel</a:t>
+            <a:t>Abwärts-kompatibel (u.a. zu Display Port, etc.)</a:t>
           </a:r>
           <a:endParaRPr lang="de-DE" sz="1600" b="1" kern="1200" dirty="0">
             <a:solidFill>
@@ -7022,11 +7050,7 @@
           </a:pPr>
           <a:r>
             <a:rPr lang="de-DE" sz="3200" kern="1200" dirty="0" smtClean="0"/>
-            <a:t>2013 </a:t>
-          </a:r>
-          <a:r>
-            <a:rPr lang="de-DE" sz="3200" kern="1200" dirty="0" smtClean="0"/>
-            <a:t>vorgestellt</a:t>
+            <a:t>2013 vorgestellt</a:t>
           </a:r>
           <a:endParaRPr lang="de-DE" sz="3200" kern="1200" dirty="0"/>
         </a:p>
@@ -18189,7 +18213,7 @@
             <p:ph idx="1"/>
             <p:extLst>
               <p:ext uri="{D42A27DB-BD31-4B8C-83A1-F6EECF244321}">
-                <p14:modId xmlns:p14="http://schemas.microsoft.com/office/powerpoint/2010/main" val="3348394236"/>
+                <p14:modId xmlns:p14="http://schemas.microsoft.com/office/powerpoint/2010/main" val="410797553"/>
               </p:ext>
             </p:extLst>
           </p:nvPr>
@@ -18307,7 +18331,7 @@
             <p:ph idx="1"/>
             <p:extLst>
               <p:ext uri="{D42A27DB-BD31-4B8C-83A1-F6EECF244321}">
-                <p14:modId xmlns:p14="http://schemas.microsoft.com/office/powerpoint/2010/main" val="2340370062"/>
+                <p14:modId xmlns:p14="http://schemas.microsoft.com/office/powerpoint/2010/main" val="4232633717"/>
               </p:ext>
             </p:extLst>
           </p:nvPr>

--- a/doc/thunderbolt_presentation/Thunderbolt.pptx
+++ b/doc/thunderbolt_presentation/Thunderbolt.pptx
@@ -6064,53 +6064,6 @@
         </a:p>
       </dgm:t>
     </dgm:pt>
-    <dgm:pt modelId="{E095C19A-1B3C-4EBB-A04E-64458C6AF142}">
-      <dgm:prSet phldrT="[Text]"/>
-      <dgm:spPr/>
-      <dgm:t>
-        <a:bodyPr/>
-        <a:lstStyle/>
-        <a:p>
-          <a:r>
-            <a:rPr lang="de-DE" dirty="0" smtClean="0"/>
-            <a:t>6 Chips pro Stecker </a:t>
-          </a:r>
-          <a:r>
-            <a:rPr lang="de-DE" dirty="0" smtClean="0">
-              <a:sym typeface="Wingdings" panose="05000000000000000000" pitchFamily="2" charset="2"/>
-            </a:rPr>
-            <a:t></a:t>
-          </a:r>
-          <a:r>
-            <a:rPr lang="de-DE" dirty="0" smtClean="0"/>
-            <a:t>12 Chips pro Kabel</a:t>
-          </a:r>
-          <a:endParaRPr lang="de-DE" dirty="0"/>
-        </a:p>
-      </dgm:t>
-    </dgm:pt>
-    <dgm:pt modelId="{87BFB3E2-0980-433C-A7D9-1996ADB9D578}" type="parTrans" cxnId="{A7A0A721-AD96-44A3-9B13-E529F032B022}">
-      <dgm:prSet/>
-      <dgm:spPr/>
-      <dgm:t>
-        <a:bodyPr/>
-        <a:lstStyle/>
-        <a:p>
-          <a:endParaRPr lang="de-DE"/>
-        </a:p>
-      </dgm:t>
-    </dgm:pt>
-    <dgm:pt modelId="{87FB5402-777A-49ED-A232-DBE0A95F84E8}" type="sibTrans" cxnId="{A7A0A721-AD96-44A3-9B13-E529F032B022}">
-      <dgm:prSet/>
-      <dgm:spPr/>
-      <dgm:t>
-        <a:bodyPr/>
-        <a:lstStyle/>
-        <a:p>
-          <a:endParaRPr lang="de-DE"/>
-        </a:p>
-      </dgm:t>
-    </dgm:pt>
     <dgm:pt modelId="{B47CCAA2-5D70-4F52-BDA1-F60283C9067F}">
       <dgm:prSet phldrT="[Text]"/>
       <dgm:spPr/>
@@ -6285,10 +6238,24 @@
     <dgm:pt modelId="{7F1E0183-DBDF-4F26-B24A-61E383E8797E}" type="parTrans" cxnId="{58664B8B-F348-45E1-9EFE-258598D369CB}">
       <dgm:prSet/>
       <dgm:spPr/>
+      <dgm:t>
+        <a:bodyPr/>
+        <a:lstStyle/>
+        <a:p>
+          <a:endParaRPr lang="de-DE"/>
+        </a:p>
+      </dgm:t>
     </dgm:pt>
     <dgm:pt modelId="{41DD6E57-5332-4C41-AEF8-DD355BE1CA4C}" type="sibTrans" cxnId="{58664B8B-F348-45E1-9EFE-258598D369CB}">
       <dgm:prSet/>
       <dgm:spPr/>
+      <dgm:t>
+        <a:bodyPr/>
+        <a:lstStyle/>
+        <a:p>
+          <a:endParaRPr lang="de-DE"/>
+        </a:p>
+      </dgm:t>
     </dgm:pt>
     <dgm:pt modelId="{27E860A0-5EB3-4897-9773-A88A985108F6}">
       <dgm:prSet phldrT="[Text]"/>
@@ -6308,10 +6275,24 @@
     <dgm:pt modelId="{C50DF252-F0A5-4AF4-AB2F-B923AAEE79B2}" type="parTrans" cxnId="{D1911A04-E14D-44F5-8A64-E9EBCFBB747B}">
       <dgm:prSet/>
       <dgm:spPr/>
+      <dgm:t>
+        <a:bodyPr/>
+        <a:lstStyle/>
+        <a:p>
+          <a:endParaRPr lang="de-DE"/>
+        </a:p>
+      </dgm:t>
     </dgm:pt>
     <dgm:pt modelId="{B2E2BD73-1320-4EA4-953D-FC1207B69B9C}" type="sibTrans" cxnId="{D1911A04-E14D-44F5-8A64-E9EBCFBB747B}">
       <dgm:prSet/>
       <dgm:spPr/>
+      <dgm:t>
+        <a:bodyPr/>
+        <a:lstStyle/>
+        <a:p>
+          <a:endParaRPr lang="de-DE"/>
+        </a:p>
+      </dgm:t>
     </dgm:pt>
     <dgm:pt modelId="{A65A6A59-A4E6-4208-B73B-22885A685001}">
       <dgm:prSet phldrT="[Text]"/>
@@ -6331,10 +6312,24 @@
     <dgm:pt modelId="{6E3CD7E8-B203-4E14-A7B9-7F3333DCEA58}" type="parTrans" cxnId="{9F86DB06-639A-42E2-81BD-79D834AFD8C8}">
       <dgm:prSet/>
       <dgm:spPr/>
+      <dgm:t>
+        <a:bodyPr/>
+        <a:lstStyle/>
+        <a:p>
+          <a:endParaRPr lang="de-DE"/>
+        </a:p>
+      </dgm:t>
     </dgm:pt>
     <dgm:pt modelId="{78E2D24F-E929-419A-9182-D391C3D6AE58}" type="sibTrans" cxnId="{9F86DB06-639A-42E2-81BD-79D834AFD8C8}">
       <dgm:prSet/>
       <dgm:spPr/>
+      <dgm:t>
+        <a:bodyPr/>
+        <a:lstStyle/>
+        <a:p>
+          <a:endParaRPr lang="de-DE"/>
+        </a:p>
+      </dgm:t>
     </dgm:pt>
     <dgm:pt modelId="{9D8DB377-772B-411D-BC5B-6795A7BFE182}">
       <dgm:prSet phldrT="[Text]"/>
@@ -6354,25 +6349,30 @@
     <dgm:pt modelId="{9E857EE3-BBFA-4605-87D7-97DB48F08C58}" type="parTrans" cxnId="{6A798B95-B1F1-492C-99CE-4806B794706A}">
       <dgm:prSet/>
       <dgm:spPr/>
+      <dgm:t>
+        <a:bodyPr/>
+        <a:lstStyle/>
+        <a:p>
+          <a:endParaRPr lang="de-DE"/>
+        </a:p>
+      </dgm:t>
     </dgm:pt>
     <dgm:pt modelId="{54B731A8-B9E7-4ACC-9562-7B7E13611FD6}" type="sibTrans" cxnId="{6A798B95-B1F1-492C-99CE-4806B794706A}">
       <dgm:prSet/>
       <dgm:spPr/>
+      <dgm:t>
+        <a:bodyPr/>
+        <a:lstStyle/>
+        <a:p>
+          <a:endParaRPr lang="de-DE"/>
+        </a:p>
+      </dgm:t>
     </dgm:pt>
     <dgm:pt modelId="{36A43C85-BCA4-4E2A-AF88-C00C899B25AB}" type="pres">
       <dgm:prSet presAssocID="{6375069A-5EBE-4FC0-B0D6-BBA7C963AFF3}" presName="linear" presStyleCnt="0">
         <dgm:presLayoutVars>
           <dgm:animLvl val="lvl"/>
           <dgm:resizeHandles val="exact"/>
-        </dgm:presLayoutVars>
-      </dgm:prSet>
-      <dgm:spPr/>
-    </dgm:pt>
-    <dgm:pt modelId="{DE74A89F-C7FD-4E16-8CEA-B5E5C8CB94FB}" type="pres">
-      <dgm:prSet presAssocID="{E095C19A-1B3C-4EBB-A04E-64458C6AF142}" presName="parentText" presStyleLbl="node1" presStyleIdx="0" presStyleCnt="7">
-        <dgm:presLayoutVars>
-          <dgm:chMax val="0"/>
-          <dgm:bulletEnabled val="1"/>
         </dgm:presLayoutVars>
       </dgm:prSet>
       <dgm:spPr/>
@@ -6384,12 +6384,8 @@
         </a:p>
       </dgm:t>
     </dgm:pt>
-    <dgm:pt modelId="{74FB9E72-E3DB-4D75-98FC-7D858970B39D}" type="pres">
-      <dgm:prSet presAssocID="{87FB5402-777A-49ED-A232-DBE0A95F84E8}" presName="spacer" presStyleCnt="0"/>
-      <dgm:spPr/>
-    </dgm:pt>
     <dgm:pt modelId="{1FBCF1E6-B80B-4169-A032-CD02D2DFA759}" type="pres">
-      <dgm:prSet presAssocID="{27E860A0-5EB3-4897-9773-A88A985108F6}" presName="parentText" presStyleLbl="node1" presStyleIdx="1" presStyleCnt="7">
+      <dgm:prSet presAssocID="{27E860A0-5EB3-4897-9773-A88A985108F6}" presName="parentText" presStyleLbl="node1" presStyleIdx="0" presStyleCnt="6">
         <dgm:presLayoutVars>
           <dgm:chMax val="0"/>
           <dgm:bulletEnabled val="1"/>
@@ -6409,7 +6405,7 @@
       <dgm:spPr/>
     </dgm:pt>
     <dgm:pt modelId="{030378EC-137F-47F5-BF8D-88BA94E7CBCF}" type="pres">
-      <dgm:prSet presAssocID="{A65A6A59-A4E6-4208-B73B-22885A685001}" presName="parentText" presStyleLbl="node1" presStyleIdx="2" presStyleCnt="7">
+      <dgm:prSet presAssocID="{A65A6A59-A4E6-4208-B73B-22885A685001}" presName="parentText" presStyleLbl="node1" presStyleIdx="1" presStyleCnt="6">
         <dgm:presLayoutVars>
           <dgm:chMax val="0"/>
           <dgm:bulletEnabled val="1"/>
@@ -6429,7 +6425,7 @@
       <dgm:spPr/>
     </dgm:pt>
     <dgm:pt modelId="{65D470C4-68FD-4F83-9D4B-CFEFCB072894}" type="pres">
-      <dgm:prSet presAssocID="{4225E938-34F1-4E2A-B2FC-41A05C3920FC}" presName="parentText" presStyleLbl="node1" presStyleIdx="3" presStyleCnt="7">
+      <dgm:prSet presAssocID="{4225E938-34F1-4E2A-B2FC-41A05C3920FC}" presName="parentText" presStyleLbl="node1" presStyleIdx="2" presStyleCnt="6">
         <dgm:presLayoutVars>
           <dgm:chMax val="0"/>
           <dgm:bulletEnabled val="1"/>
@@ -6460,7 +6456,7 @@
       </dgm:t>
     </dgm:pt>
     <dgm:pt modelId="{C8EAD999-9DE5-4F9F-9524-7DE7729D87CA}" type="pres">
-      <dgm:prSet presAssocID="{B47CCAA2-5D70-4F52-BDA1-F60283C9067F}" presName="parentText" presStyleLbl="node1" presStyleIdx="4" presStyleCnt="7">
+      <dgm:prSet presAssocID="{B47CCAA2-5D70-4F52-BDA1-F60283C9067F}" presName="parentText" presStyleLbl="node1" presStyleIdx="3" presStyleCnt="6">
         <dgm:presLayoutVars>
           <dgm:chMax val="0"/>
           <dgm:bulletEnabled val="1"/>
@@ -6480,7 +6476,7 @@
       <dgm:spPr/>
     </dgm:pt>
     <dgm:pt modelId="{3648DC1F-19E3-4858-A0C6-DD5B60FEE7D8}" type="pres">
-      <dgm:prSet presAssocID="{DCDB3ED0-0D4E-44E8-BF6C-48F2F68286FD}" presName="parentText" presStyleLbl="node1" presStyleIdx="5" presStyleCnt="7">
+      <dgm:prSet presAssocID="{DCDB3ED0-0D4E-44E8-BF6C-48F2F68286FD}" presName="parentText" presStyleLbl="node1" presStyleIdx="4" presStyleCnt="6">
         <dgm:presLayoutVars>
           <dgm:chMax val="0"/>
           <dgm:bulletEnabled val="1"/>
@@ -6500,7 +6496,7 @@
       <dgm:spPr/>
     </dgm:pt>
     <dgm:pt modelId="{40E621A1-45DD-4AD1-9A39-56F736D6F751}" type="pres">
-      <dgm:prSet presAssocID="{9D8DB377-772B-411D-BC5B-6795A7BFE182}" presName="parentText" presStyleLbl="node1" presStyleIdx="6" presStyleCnt="7">
+      <dgm:prSet presAssocID="{9D8DB377-772B-411D-BC5B-6795A7BFE182}" presName="parentText" presStyleLbl="node1" presStyleIdx="5" presStyleCnt="6">
         <dgm:presLayoutVars>
           <dgm:chMax val="0"/>
           <dgm:bulletEnabled val="1"/>
@@ -6517,40 +6513,36 @@
     </dgm:pt>
   </dgm:ptLst>
   <dgm:cxnLst>
-    <dgm:cxn modelId="{D1911A04-E14D-44F5-8A64-E9EBCFBB747B}" srcId="{6375069A-5EBE-4FC0-B0D6-BBA7C963AFF3}" destId="{27E860A0-5EB3-4897-9773-A88A985108F6}" srcOrd="1" destOrd="0" parTransId="{C50DF252-F0A5-4AF4-AB2F-B923AAEE79B2}" sibTransId="{B2E2BD73-1320-4EA4-953D-FC1207B69B9C}"/>
-    <dgm:cxn modelId="{BA59A18B-09A4-4F7C-A125-9E3FFD8A0C27}" srcId="{6375069A-5EBE-4FC0-B0D6-BBA7C963AFF3}" destId="{4225E938-34F1-4E2A-B2FC-41A05C3920FC}" srcOrd="3" destOrd="0" parTransId="{8035BDF5-903F-4AE3-9253-FC8D79A6151E}" sibTransId="{6F712F8C-773F-4553-ADE0-03B61E3F2197}"/>
     <dgm:cxn modelId="{C55677BD-29FC-4D32-8847-03C727475CC5}" type="presOf" srcId="{6375069A-5EBE-4FC0-B0D6-BBA7C963AFF3}" destId="{36A43C85-BCA4-4E2A-AF88-C00C899B25AB}" srcOrd="0" destOrd="0" presId="urn:microsoft.com/office/officeart/2005/8/layout/vList2"/>
+    <dgm:cxn modelId="{0E26EA48-99BF-4B8E-B4DF-347D86E4BF86}" type="presOf" srcId="{DCDB3ED0-0D4E-44E8-BF6C-48F2F68286FD}" destId="{3648DC1F-19E3-4858-A0C6-DD5B60FEE7D8}" srcOrd="0" destOrd="0" presId="urn:microsoft.com/office/officeart/2005/8/layout/vList2"/>
+    <dgm:cxn modelId="{6A798B95-B1F1-492C-99CE-4806B794706A}" srcId="{6375069A-5EBE-4FC0-B0D6-BBA7C963AFF3}" destId="{9D8DB377-772B-411D-BC5B-6795A7BFE182}" srcOrd="5" destOrd="0" parTransId="{9E857EE3-BBFA-4605-87D7-97DB48F08C58}" sibTransId="{54B731A8-B9E7-4ACC-9562-7B7E13611FD6}"/>
     <dgm:cxn modelId="{4168732D-9D20-4720-AA1E-1689878A5DB3}" type="presOf" srcId="{A1A70164-AACC-430C-BE3D-8D4A34B96BFD}" destId="{356D78AA-8151-4A5B-99E2-93EBE47ED1DD}" srcOrd="0" destOrd="1" presId="urn:microsoft.com/office/officeart/2005/8/layout/vList2"/>
-    <dgm:cxn modelId="{6A798B95-B1F1-492C-99CE-4806B794706A}" srcId="{6375069A-5EBE-4FC0-B0D6-BBA7C963AFF3}" destId="{9D8DB377-772B-411D-BC5B-6795A7BFE182}" srcOrd="6" destOrd="0" parTransId="{9E857EE3-BBFA-4605-87D7-97DB48F08C58}" sibTransId="{54B731A8-B9E7-4ACC-9562-7B7E13611FD6}"/>
+    <dgm:cxn modelId="{706F1ABA-34DE-45CC-8B7A-808F1DE2F5AE}" type="presOf" srcId="{9D8DB377-772B-411D-BC5B-6795A7BFE182}" destId="{40E621A1-45DD-4AD1-9A39-56F736D6F751}" srcOrd="0" destOrd="0" presId="urn:microsoft.com/office/officeart/2005/8/layout/vList2"/>
     <dgm:cxn modelId="{10370360-5EF1-47BC-BFCF-723C0ED97920}" srcId="{4225E938-34F1-4E2A-B2FC-41A05C3920FC}" destId="{EBE5E45C-FC4F-4C79-82E0-D42C018FF983}" srcOrd="0" destOrd="0" parTransId="{399459CD-6723-4BB0-800C-7D83102D0A04}" sibTransId="{BD84EDE8-3361-49DF-9FA9-DB6251D9E8DF}"/>
+    <dgm:cxn modelId="{58664B8B-F348-45E1-9EFE-258598D369CB}" srcId="{6375069A-5EBE-4FC0-B0D6-BBA7C963AFF3}" destId="{DCDB3ED0-0D4E-44E8-BF6C-48F2F68286FD}" srcOrd="4" destOrd="0" parTransId="{7F1E0183-DBDF-4F26-B24A-61E383E8797E}" sibTransId="{41DD6E57-5332-4C41-AEF8-DD355BE1CA4C}"/>
+    <dgm:cxn modelId="{2C3EFFDC-7232-4BAE-8102-FAA7F507FFCD}" type="presOf" srcId="{4225E938-34F1-4E2A-B2FC-41A05C3920FC}" destId="{65D470C4-68FD-4F83-9D4B-CFEFCB072894}" srcOrd="0" destOrd="0" presId="urn:microsoft.com/office/officeart/2005/8/layout/vList2"/>
+    <dgm:cxn modelId="{760FF7BC-4574-4332-A0D9-B83D7D0B6EB6}" srcId="{6375069A-5EBE-4FC0-B0D6-BBA7C963AFF3}" destId="{B47CCAA2-5D70-4F52-BDA1-F60283C9067F}" srcOrd="3" destOrd="0" parTransId="{37DA7C25-E641-436D-99B4-B8A666FB7DD9}" sibTransId="{A35889DD-870F-4507-9914-CDBAE1555ACA}"/>
+    <dgm:cxn modelId="{D1911A04-E14D-44F5-8A64-E9EBCFBB747B}" srcId="{6375069A-5EBE-4FC0-B0D6-BBA7C963AFF3}" destId="{27E860A0-5EB3-4897-9773-A88A985108F6}" srcOrd="0" destOrd="0" parTransId="{C50DF252-F0A5-4AF4-AB2F-B923AAEE79B2}" sibTransId="{B2E2BD73-1320-4EA4-953D-FC1207B69B9C}"/>
+    <dgm:cxn modelId="{5F14D952-29C9-4FE7-9EE2-65F0B59A62A9}" srcId="{4225E938-34F1-4E2A-B2FC-41A05C3920FC}" destId="{A1A70164-AACC-430C-BE3D-8D4A34B96BFD}" srcOrd="1" destOrd="0" parTransId="{C07003AB-0A92-473B-B556-13438C337FC9}" sibTransId="{5A537E79-F6B7-47D5-9CFD-86084EF63DF1}"/>
     <dgm:cxn modelId="{A02F0A77-983D-4A4D-A059-851A35BF42AD}" srcId="{4225E938-34F1-4E2A-B2FC-41A05C3920FC}" destId="{94709DF4-AFA6-4C4E-AF5C-F2843FB10597}" srcOrd="2" destOrd="0" parTransId="{89C6E059-7737-4AC4-8AD6-DBA6774435C0}" sibTransId="{A949BF23-BB8B-42CD-B97A-6BBC3C57D589}"/>
-    <dgm:cxn modelId="{5F14D952-29C9-4FE7-9EE2-65F0B59A62A9}" srcId="{4225E938-34F1-4E2A-B2FC-41A05C3920FC}" destId="{A1A70164-AACC-430C-BE3D-8D4A34B96BFD}" srcOrd="1" destOrd="0" parTransId="{C07003AB-0A92-473B-B556-13438C337FC9}" sibTransId="{5A537E79-F6B7-47D5-9CFD-86084EF63DF1}"/>
+    <dgm:cxn modelId="{80132EA0-3C7C-4BB6-9DB9-21397FF616F7}" type="presOf" srcId="{A65A6A59-A4E6-4208-B73B-22885A685001}" destId="{030378EC-137F-47F5-BF8D-88BA94E7CBCF}" srcOrd="0" destOrd="0" presId="urn:microsoft.com/office/officeart/2005/8/layout/vList2"/>
     <dgm:cxn modelId="{252CA40A-C520-414D-B37B-899840B601AF}" type="presOf" srcId="{27E860A0-5EB3-4897-9773-A88A985108F6}" destId="{1FBCF1E6-B80B-4169-A032-CD02D2DFA759}" srcOrd="0" destOrd="0" presId="urn:microsoft.com/office/officeart/2005/8/layout/vList2"/>
+    <dgm:cxn modelId="{9F86DB06-639A-42E2-81BD-79D834AFD8C8}" srcId="{6375069A-5EBE-4FC0-B0D6-BBA7C963AFF3}" destId="{A65A6A59-A4E6-4208-B73B-22885A685001}" srcOrd="1" destOrd="0" parTransId="{6E3CD7E8-B203-4E14-A7B9-7F3333DCEA58}" sibTransId="{78E2D24F-E929-419A-9182-D391C3D6AE58}"/>
+    <dgm:cxn modelId="{84C7AB0F-A8F4-4E19-B6AC-BF14C289EBA6}" type="presOf" srcId="{EBE5E45C-FC4F-4C79-82E0-D42C018FF983}" destId="{356D78AA-8151-4A5B-99E2-93EBE47ED1DD}" srcOrd="0" destOrd="0" presId="urn:microsoft.com/office/officeart/2005/8/layout/vList2"/>
+    <dgm:cxn modelId="{3FBCD46B-CCE9-4B8A-8A58-2A4079D44516}" type="presOf" srcId="{B47CCAA2-5D70-4F52-BDA1-F60283C9067F}" destId="{C8EAD999-9DE5-4F9F-9524-7DE7729D87CA}" srcOrd="0" destOrd="0" presId="urn:microsoft.com/office/officeart/2005/8/layout/vList2"/>
+    <dgm:cxn modelId="{BA59A18B-09A4-4F7C-A125-9E3FFD8A0C27}" srcId="{6375069A-5EBE-4FC0-B0D6-BBA7C963AFF3}" destId="{4225E938-34F1-4E2A-B2FC-41A05C3920FC}" srcOrd="2" destOrd="0" parTransId="{8035BDF5-903F-4AE3-9253-FC8D79A6151E}" sibTransId="{6F712F8C-773F-4553-ADE0-03B61E3F2197}"/>
     <dgm:cxn modelId="{CBEE4DF0-142F-4E6F-8EB1-51215F7BD903}" type="presOf" srcId="{94709DF4-AFA6-4C4E-AF5C-F2843FB10597}" destId="{356D78AA-8151-4A5B-99E2-93EBE47ED1DD}" srcOrd="0" destOrd="2" presId="urn:microsoft.com/office/officeart/2005/8/layout/vList2"/>
-    <dgm:cxn modelId="{80132EA0-3C7C-4BB6-9DB9-21397FF616F7}" type="presOf" srcId="{A65A6A59-A4E6-4208-B73B-22885A685001}" destId="{030378EC-137F-47F5-BF8D-88BA94E7CBCF}" srcOrd="0" destOrd="0" presId="urn:microsoft.com/office/officeart/2005/8/layout/vList2"/>
-    <dgm:cxn modelId="{0E26EA48-99BF-4B8E-B4DF-347D86E4BF86}" type="presOf" srcId="{DCDB3ED0-0D4E-44E8-BF6C-48F2F68286FD}" destId="{3648DC1F-19E3-4858-A0C6-DD5B60FEE7D8}" srcOrd="0" destOrd="0" presId="urn:microsoft.com/office/officeart/2005/8/layout/vList2"/>
-    <dgm:cxn modelId="{2C3EFFDC-7232-4BAE-8102-FAA7F507FFCD}" type="presOf" srcId="{4225E938-34F1-4E2A-B2FC-41A05C3920FC}" destId="{65D470C4-68FD-4F83-9D4B-CFEFCB072894}" srcOrd="0" destOrd="0" presId="urn:microsoft.com/office/officeart/2005/8/layout/vList2"/>
-    <dgm:cxn modelId="{9F86DB06-639A-42E2-81BD-79D834AFD8C8}" srcId="{6375069A-5EBE-4FC0-B0D6-BBA7C963AFF3}" destId="{A65A6A59-A4E6-4208-B73B-22885A685001}" srcOrd="2" destOrd="0" parTransId="{6E3CD7E8-B203-4E14-A7B9-7F3333DCEA58}" sibTransId="{78E2D24F-E929-419A-9182-D391C3D6AE58}"/>
-    <dgm:cxn modelId="{58664B8B-F348-45E1-9EFE-258598D369CB}" srcId="{6375069A-5EBE-4FC0-B0D6-BBA7C963AFF3}" destId="{DCDB3ED0-0D4E-44E8-BF6C-48F2F68286FD}" srcOrd="5" destOrd="0" parTransId="{7F1E0183-DBDF-4F26-B24A-61E383E8797E}" sibTransId="{41DD6E57-5332-4C41-AEF8-DD355BE1CA4C}"/>
-    <dgm:cxn modelId="{760FF7BC-4574-4332-A0D9-B83D7D0B6EB6}" srcId="{6375069A-5EBE-4FC0-B0D6-BBA7C963AFF3}" destId="{B47CCAA2-5D70-4F52-BDA1-F60283C9067F}" srcOrd="4" destOrd="0" parTransId="{37DA7C25-E641-436D-99B4-B8A666FB7DD9}" sibTransId="{A35889DD-870F-4507-9914-CDBAE1555ACA}"/>
-    <dgm:cxn modelId="{F2AD7FBE-5249-4F44-8513-ACABD551851D}" type="presOf" srcId="{E095C19A-1B3C-4EBB-A04E-64458C6AF142}" destId="{DE74A89F-C7FD-4E16-8CEA-B5E5C8CB94FB}" srcOrd="0" destOrd="0" presId="urn:microsoft.com/office/officeart/2005/8/layout/vList2"/>
-    <dgm:cxn modelId="{A7A0A721-AD96-44A3-9B13-E529F032B022}" srcId="{6375069A-5EBE-4FC0-B0D6-BBA7C963AFF3}" destId="{E095C19A-1B3C-4EBB-A04E-64458C6AF142}" srcOrd="0" destOrd="0" parTransId="{87BFB3E2-0980-433C-A7D9-1996ADB9D578}" sibTransId="{87FB5402-777A-49ED-A232-DBE0A95F84E8}"/>
-    <dgm:cxn modelId="{3FBCD46B-CCE9-4B8A-8A58-2A4079D44516}" type="presOf" srcId="{B47CCAA2-5D70-4F52-BDA1-F60283C9067F}" destId="{C8EAD999-9DE5-4F9F-9524-7DE7729D87CA}" srcOrd="0" destOrd="0" presId="urn:microsoft.com/office/officeart/2005/8/layout/vList2"/>
-    <dgm:cxn modelId="{706F1ABA-34DE-45CC-8B7A-808F1DE2F5AE}" type="presOf" srcId="{9D8DB377-772B-411D-BC5B-6795A7BFE182}" destId="{40E621A1-45DD-4AD1-9A39-56F736D6F751}" srcOrd="0" destOrd="0" presId="urn:microsoft.com/office/officeart/2005/8/layout/vList2"/>
-    <dgm:cxn modelId="{84C7AB0F-A8F4-4E19-B6AC-BF14C289EBA6}" type="presOf" srcId="{EBE5E45C-FC4F-4C79-82E0-D42C018FF983}" destId="{356D78AA-8151-4A5B-99E2-93EBE47ED1DD}" srcOrd="0" destOrd="0" presId="urn:microsoft.com/office/officeart/2005/8/layout/vList2"/>
-    <dgm:cxn modelId="{2E236843-1329-4CA0-AFD3-D7BD918A0C05}" type="presParOf" srcId="{36A43C85-BCA4-4E2A-AF88-C00C899B25AB}" destId="{DE74A89F-C7FD-4E16-8CEA-B5E5C8CB94FB}" srcOrd="0" destOrd="0" presId="urn:microsoft.com/office/officeart/2005/8/layout/vList2"/>
-    <dgm:cxn modelId="{F794D27F-9D04-4EED-B413-CC3F9A08371A}" type="presParOf" srcId="{36A43C85-BCA4-4E2A-AF88-C00C899B25AB}" destId="{74FB9E72-E3DB-4D75-98FC-7D858970B39D}" srcOrd="1" destOrd="0" presId="urn:microsoft.com/office/officeart/2005/8/layout/vList2"/>
-    <dgm:cxn modelId="{DAA35981-80DE-43B1-9C37-D770097CA189}" type="presParOf" srcId="{36A43C85-BCA4-4E2A-AF88-C00C899B25AB}" destId="{1FBCF1E6-B80B-4169-A032-CD02D2DFA759}" srcOrd="2" destOrd="0" presId="urn:microsoft.com/office/officeart/2005/8/layout/vList2"/>
-    <dgm:cxn modelId="{31086B84-6318-4A5C-A921-9C871A3C4AA0}" type="presParOf" srcId="{36A43C85-BCA4-4E2A-AF88-C00C899B25AB}" destId="{013B2FFF-7FFF-4D85-8DA5-2408F059037B}" srcOrd="3" destOrd="0" presId="urn:microsoft.com/office/officeart/2005/8/layout/vList2"/>
-    <dgm:cxn modelId="{7EE12001-D5F7-45FE-A2C7-19ABDD835D3C}" type="presParOf" srcId="{36A43C85-BCA4-4E2A-AF88-C00C899B25AB}" destId="{030378EC-137F-47F5-BF8D-88BA94E7CBCF}" srcOrd="4" destOrd="0" presId="urn:microsoft.com/office/officeart/2005/8/layout/vList2"/>
-    <dgm:cxn modelId="{B5782A4D-CC74-481A-9437-0AD7597CDD83}" type="presParOf" srcId="{36A43C85-BCA4-4E2A-AF88-C00C899B25AB}" destId="{A17FA3AA-F8A3-42BD-8368-EC7CFC3BEAC1}" srcOrd="5" destOrd="0" presId="urn:microsoft.com/office/officeart/2005/8/layout/vList2"/>
-    <dgm:cxn modelId="{14BEF011-688B-44E4-A986-2531BACB1B02}" type="presParOf" srcId="{36A43C85-BCA4-4E2A-AF88-C00C899B25AB}" destId="{65D470C4-68FD-4F83-9D4B-CFEFCB072894}" srcOrd="6" destOrd="0" presId="urn:microsoft.com/office/officeart/2005/8/layout/vList2"/>
-    <dgm:cxn modelId="{C2059CCB-2FF1-49EF-A623-916EDA450A14}" type="presParOf" srcId="{36A43C85-BCA4-4E2A-AF88-C00C899B25AB}" destId="{356D78AA-8151-4A5B-99E2-93EBE47ED1DD}" srcOrd="7" destOrd="0" presId="urn:microsoft.com/office/officeart/2005/8/layout/vList2"/>
-    <dgm:cxn modelId="{30F8DCE1-776D-48C1-B932-9C4477F563C9}" type="presParOf" srcId="{36A43C85-BCA4-4E2A-AF88-C00C899B25AB}" destId="{C8EAD999-9DE5-4F9F-9524-7DE7729D87CA}" srcOrd="8" destOrd="0" presId="urn:microsoft.com/office/officeart/2005/8/layout/vList2"/>
-    <dgm:cxn modelId="{2A5AC841-857D-4C3F-B6F3-99E8B34C0B9D}" type="presParOf" srcId="{36A43C85-BCA4-4E2A-AF88-C00C899B25AB}" destId="{5437B01F-57B5-46E4-A446-D19F409B91F6}" srcOrd="9" destOrd="0" presId="urn:microsoft.com/office/officeart/2005/8/layout/vList2"/>
-    <dgm:cxn modelId="{4DF33041-5B37-4C60-9F7C-91752FE0B9FB}" type="presParOf" srcId="{36A43C85-BCA4-4E2A-AF88-C00C899B25AB}" destId="{3648DC1F-19E3-4858-A0C6-DD5B60FEE7D8}" srcOrd="10" destOrd="0" presId="urn:microsoft.com/office/officeart/2005/8/layout/vList2"/>
-    <dgm:cxn modelId="{7A7E8E5A-B235-4C0F-BCFB-AB6F320879BF}" type="presParOf" srcId="{36A43C85-BCA4-4E2A-AF88-C00C899B25AB}" destId="{9E056772-BFE7-41F7-8531-5F35FA982AEF}" srcOrd="11" destOrd="0" presId="urn:microsoft.com/office/officeart/2005/8/layout/vList2"/>
-    <dgm:cxn modelId="{DC5CDF52-CE69-49F1-851E-8D610E1422DE}" type="presParOf" srcId="{36A43C85-BCA4-4E2A-AF88-C00C899B25AB}" destId="{40E621A1-45DD-4AD1-9A39-56F736D6F751}" srcOrd="12" destOrd="0" presId="urn:microsoft.com/office/officeart/2005/8/layout/vList2"/>
+    <dgm:cxn modelId="{DAA35981-80DE-43B1-9C37-D770097CA189}" type="presParOf" srcId="{36A43C85-BCA4-4E2A-AF88-C00C899B25AB}" destId="{1FBCF1E6-B80B-4169-A032-CD02D2DFA759}" srcOrd="0" destOrd="0" presId="urn:microsoft.com/office/officeart/2005/8/layout/vList2"/>
+    <dgm:cxn modelId="{31086B84-6318-4A5C-A921-9C871A3C4AA0}" type="presParOf" srcId="{36A43C85-BCA4-4E2A-AF88-C00C899B25AB}" destId="{013B2FFF-7FFF-4D85-8DA5-2408F059037B}" srcOrd="1" destOrd="0" presId="urn:microsoft.com/office/officeart/2005/8/layout/vList2"/>
+    <dgm:cxn modelId="{7EE12001-D5F7-45FE-A2C7-19ABDD835D3C}" type="presParOf" srcId="{36A43C85-BCA4-4E2A-AF88-C00C899B25AB}" destId="{030378EC-137F-47F5-BF8D-88BA94E7CBCF}" srcOrd="2" destOrd="0" presId="urn:microsoft.com/office/officeart/2005/8/layout/vList2"/>
+    <dgm:cxn modelId="{B5782A4D-CC74-481A-9437-0AD7597CDD83}" type="presParOf" srcId="{36A43C85-BCA4-4E2A-AF88-C00C899B25AB}" destId="{A17FA3AA-F8A3-42BD-8368-EC7CFC3BEAC1}" srcOrd="3" destOrd="0" presId="urn:microsoft.com/office/officeart/2005/8/layout/vList2"/>
+    <dgm:cxn modelId="{14BEF011-688B-44E4-A986-2531BACB1B02}" type="presParOf" srcId="{36A43C85-BCA4-4E2A-AF88-C00C899B25AB}" destId="{65D470C4-68FD-4F83-9D4B-CFEFCB072894}" srcOrd="4" destOrd="0" presId="urn:microsoft.com/office/officeart/2005/8/layout/vList2"/>
+    <dgm:cxn modelId="{C2059CCB-2FF1-49EF-A623-916EDA450A14}" type="presParOf" srcId="{36A43C85-BCA4-4E2A-AF88-C00C899B25AB}" destId="{356D78AA-8151-4A5B-99E2-93EBE47ED1DD}" srcOrd="5" destOrd="0" presId="urn:microsoft.com/office/officeart/2005/8/layout/vList2"/>
+    <dgm:cxn modelId="{30F8DCE1-776D-48C1-B932-9C4477F563C9}" type="presParOf" srcId="{36A43C85-BCA4-4E2A-AF88-C00C899B25AB}" destId="{C8EAD999-9DE5-4F9F-9524-7DE7729D87CA}" srcOrd="6" destOrd="0" presId="urn:microsoft.com/office/officeart/2005/8/layout/vList2"/>
+    <dgm:cxn modelId="{2A5AC841-857D-4C3F-B6F3-99E8B34C0B9D}" type="presParOf" srcId="{36A43C85-BCA4-4E2A-AF88-C00C899B25AB}" destId="{5437B01F-57B5-46E4-A446-D19F409B91F6}" srcOrd="7" destOrd="0" presId="urn:microsoft.com/office/officeart/2005/8/layout/vList2"/>
+    <dgm:cxn modelId="{4DF33041-5B37-4C60-9F7C-91752FE0B9FB}" type="presParOf" srcId="{36A43C85-BCA4-4E2A-AF88-C00C899B25AB}" destId="{3648DC1F-19E3-4858-A0C6-DD5B60FEE7D8}" srcOrd="8" destOrd="0" presId="urn:microsoft.com/office/officeart/2005/8/layout/vList2"/>
+    <dgm:cxn modelId="{7A7E8E5A-B235-4C0F-BCFB-AB6F320879BF}" type="presParOf" srcId="{36A43C85-BCA4-4E2A-AF88-C00C899B25AB}" destId="{9E056772-BFE7-41F7-8531-5F35FA982AEF}" srcOrd="9" destOrd="0" presId="urn:microsoft.com/office/officeart/2005/8/layout/vList2"/>
+    <dgm:cxn modelId="{DC5CDF52-CE69-49F1-851E-8D610E1422DE}" type="presParOf" srcId="{36A43C85-BCA4-4E2A-AF88-C00C899B25AB}" destId="{40E621A1-45DD-4AD1-9A39-56F736D6F751}" srcOrd="10" destOrd="0" presId="urn:microsoft.com/office/officeart/2005/8/layout/vList2"/>
   </dgm:cxnLst>
   <dgm:bg/>
   <dgm:whole/>
@@ -6584,17 +6576,7 @@
                 </a:schemeClr>
               </a:solidFill>
             </a:rPr>
-            <a:t>Abwärts-kompatibel </a:t>
-          </a:r>
-          <a:r>
-            <a:rPr lang="de-DE" sz="1600" b="1" dirty="0" smtClean="0">
-              <a:solidFill>
-                <a:schemeClr val="tx1">
-                  <a:lumMod val="95000"/>
-                </a:schemeClr>
-              </a:solidFill>
-            </a:rPr>
-            <a:t>zu </a:t>
+            <a:t>Abwärts-kompatibel zu </a:t>
           </a:r>
           <a:r>
             <a:rPr lang="de-DE" sz="1600" b="1" dirty="0" err="1" smtClean="0">
@@ -6833,17 +6815,7 @@
                 </a:schemeClr>
               </a:solidFill>
             </a:rPr>
-            <a:t>Unterstützt </a:t>
-          </a:r>
-          <a:r>
-            <a:rPr lang="de-DE" sz="1600" b="1" dirty="0" smtClean="0">
-              <a:solidFill>
-                <a:schemeClr val="tx1">
-                  <a:lumMod val="95000"/>
-                </a:schemeClr>
-              </a:solidFill>
-            </a:rPr>
-            <a:t>DP &amp; </a:t>
+            <a:t>Unterstützt DP &amp; </a:t>
           </a:r>
           <a:r>
             <a:rPr lang="de-DE" sz="1600" b="1" dirty="0" err="1" smtClean="0">
@@ -6912,7 +6884,7 @@
                 </a:schemeClr>
               </a:solidFill>
             </a:rPr>
-            <a:t>Bis </a:t>
+            <a:t>Bis zu 3m Kabellänge (optisch: </a:t>
           </a:r>
           <a:r>
             <a:rPr lang="de-DE" sz="1600" b="1" dirty="0" smtClean="0">
@@ -6922,7 +6894,17 @@
                 </a:schemeClr>
               </a:solidFill>
             </a:rPr>
-            <a:t>zu 3m Kabellänge (optisch: 10m)</a:t>
+            <a:t>60m</a:t>
+          </a:r>
+          <a:r>
+            <a:rPr lang="de-DE" sz="1600" b="1" dirty="0" smtClean="0">
+              <a:solidFill>
+                <a:schemeClr val="tx1">
+                  <a:lumMod val="95000"/>
+                </a:schemeClr>
+              </a:solidFill>
+            </a:rPr>
+            <a:t>)</a:t>
           </a:r>
           <a:endParaRPr lang="de-DE" sz="1600" b="1" dirty="0">
             <a:solidFill>
@@ -7738,18 +7720,18 @@
     </dgm:pt>
   </dgm:ptLst>
   <dgm:cxnLst>
+    <dgm:cxn modelId="{E0454341-70DD-4DAF-BADF-011D5234C536}" srcId="{0A036F29-7FEC-4611-898D-B14F5AAF41C2}" destId="{AF5C7A43-7BF0-472B-BF27-C2207CDAA4FE}" srcOrd="3" destOrd="0" parTransId="{1362A985-FA34-4492-90D6-67698E761002}" sibTransId="{F10F5550-5051-4C3D-A595-EC397026BDA2}"/>
+    <dgm:cxn modelId="{DCACD3D3-D44C-4203-9688-5380D7B1BF30}" type="presOf" srcId="{594C0075-1315-4935-A64D-43A4623830E1}" destId="{0A49579D-4A88-4D4C-9CE6-73F9B408222F}" srcOrd="0" destOrd="0" presId="urn:microsoft.com/office/officeart/2008/layout/VerticalCurvedList"/>
+    <dgm:cxn modelId="{A75AF767-423A-49F2-9E64-30B3833ADA76}" type="presOf" srcId="{9239801F-3C08-407D-8605-CCCBD3D52809}" destId="{66EB8508-FF86-4CEA-BBC6-CA9EED38B1F9}" srcOrd="0" destOrd="0" presId="urn:microsoft.com/office/officeart/2008/layout/VerticalCurvedList"/>
+    <dgm:cxn modelId="{958F2EA2-5E0C-4DE4-BD1F-25F89B3BDC12}" type="presOf" srcId="{AF5C7A43-7BF0-472B-BF27-C2207CDAA4FE}" destId="{F3E3A97B-B681-44EB-8DAD-762B50C8E53F}" srcOrd="0" destOrd="0" presId="urn:microsoft.com/office/officeart/2008/layout/VerticalCurvedList"/>
+    <dgm:cxn modelId="{75CE741A-210E-483D-8307-1728F2C87CBE}" type="presOf" srcId="{0A036F29-7FEC-4611-898D-B14F5AAF41C2}" destId="{024D2C05-7BC2-4069-A1CF-FF2D86B0CE7E}" srcOrd="0" destOrd="0" presId="urn:microsoft.com/office/officeart/2008/layout/VerticalCurvedList"/>
+    <dgm:cxn modelId="{23041D06-1BBE-40DF-AD2A-B8D81724F098}" srcId="{0A036F29-7FEC-4611-898D-B14F5AAF41C2}" destId="{D6914388-413B-4DD2-88AD-1942DC61512C}" srcOrd="0" destOrd="0" parTransId="{D159D3D1-974B-4FA1-8270-AB25A54084D6}" sibTransId="{594C0075-1315-4935-A64D-43A4623830E1}"/>
+    <dgm:cxn modelId="{190A3FBA-7981-4824-A851-508CDFF47C34}" srcId="{0A036F29-7FEC-4611-898D-B14F5AAF41C2}" destId="{86152A4D-E250-433A-8735-68165277F252}" srcOrd="1" destOrd="0" parTransId="{263CD058-D42A-4CE1-AE70-18DF51AC0BB2}" sibTransId="{A7536C88-437D-4E7D-8D62-5EE10D7E0D70}"/>
+    <dgm:cxn modelId="{5D48A178-9A1C-4F2F-A2DA-452B81FC4172}" srcId="{0A036F29-7FEC-4611-898D-B14F5AAF41C2}" destId="{9239801F-3C08-407D-8605-CCCBD3D52809}" srcOrd="4" destOrd="0" parTransId="{D7A99BBB-38BD-4876-B1F4-7BEE2CA623DF}" sibTransId="{375D3E35-D56A-4952-9F84-34DE7A41CAE4}"/>
     <dgm:cxn modelId="{10053C57-72C1-4C2D-BC7B-EBEB50E8FA35}" type="presOf" srcId="{EBC7E60D-DFC0-41A8-980F-469F59342A32}" destId="{099E51CA-CD60-49A3-B0EB-49566A902303}" srcOrd="0" destOrd="0" presId="urn:microsoft.com/office/officeart/2008/layout/VerticalCurvedList"/>
-    <dgm:cxn modelId="{190A3FBA-7981-4824-A851-508CDFF47C34}" srcId="{0A036F29-7FEC-4611-898D-B14F5AAF41C2}" destId="{86152A4D-E250-433A-8735-68165277F252}" srcOrd="1" destOrd="0" parTransId="{263CD058-D42A-4CE1-AE70-18DF51AC0BB2}" sibTransId="{A7536C88-437D-4E7D-8D62-5EE10D7E0D70}"/>
-    <dgm:cxn modelId="{E0454341-70DD-4DAF-BADF-011D5234C536}" srcId="{0A036F29-7FEC-4611-898D-B14F5AAF41C2}" destId="{AF5C7A43-7BF0-472B-BF27-C2207CDAA4FE}" srcOrd="3" destOrd="0" parTransId="{1362A985-FA34-4492-90D6-67698E761002}" sibTransId="{F10F5550-5051-4C3D-A595-EC397026BDA2}"/>
+    <dgm:cxn modelId="{29FE41A6-370B-4505-A116-C8015E88CD6A}" type="presOf" srcId="{86152A4D-E250-433A-8735-68165277F252}" destId="{73714684-6956-4E9E-A52F-681C1F1952AB}" srcOrd="0" destOrd="0" presId="urn:microsoft.com/office/officeart/2008/layout/VerticalCurvedList"/>
+    <dgm:cxn modelId="{CD3A1014-0927-409E-909A-275CE23FB05C}" srcId="{0A036F29-7FEC-4611-898D-B14F5AAF41C2}" destId="{EBC7E60D-DFC0-41A8-980F-469F59342A32}" srcOrd="2" destOrd="0" parTransId="{EBEFE1CD-A875-41E4-8272-6E289E6BAD86}" sibTransId="{E9D9F272-F70B-42E1-8418-BB6969C1288E}"/>
     <dgm:cxn modelId="{B78B9B0D-C144-4C3D-8B26-0AAF468C7A2E}" type="presOf" srcId="{D6914388-413B-4DD2-88AD-1942DC61512C}" destId="{8A65E89B-FDEB-4BD0-9FD0-B5DBA5038A78}" srcOrd="0" destOrd="0" presId="urn:microsoft.com/office/officeart/2008/layout/VerticalCurvedList"/>
-    <dgm:cxn modelId="{75CE741A-210E-483D-8307-1728F2C87CBE}" type="presOf" srcId="{0A036F29-7FEC-4611-898D-B14F5AAF41C2}" destId="{024D2C05-7BC2-4069-A1CF-FF2D86B0CE7E}" srcOrd="0" destOrd="0" presId="urn:microsoft.com/office/officeart/2008/layout/VerticalCurvedList"/>
-    <dgm:cxn modelId="{29FE41A6-370B-4505-A116-C8015E88CD6A}" type="presOf" srcId="{86152A4D-E250-433A-8735-68165277F252}" destId="{73714684-6956-4E9E-A52F-681C1F1952AB}" srcOrd="0" destOrd="0" presId="urn:microsoft.com/office/officeart/2008/layout/VerticalCurvedList"/>
-    <dgm:cxn modelId="{958F2EA2-5E0C-4DE4-BD1F-25F89B3BDC12}" type="presOf" srcId="{AF5C7A43-7BF0-472B-BF27-C2207CDAA4FE}" destId="{F3E3A97B-B681-44EB-8DAD-762B50C8E53F}" srcOrd="0" destOrd="0" presId="urn:microsoft.com/office/officeart/2008/layout/VerticalCurvedList"/>
-    <dgm:cxn modelId="{A75AF767-423A-49F2-9E64-30B3833ADA76}" type="presOf" srcId="{9239801F-3C08-407D-8605-CCCBD3D52809}" destId="{66EB8508-FF86-4CEA-BBC6-CA9EED38B1F9}" srcOrd="0" destOrd="0" presId="urn:microsoft.com/office/officeart/2008/layout/VerticalCurvedList"/>
-    <dgm:cxn modelId="{CD3A1014-0927-409E-909A-275CE23FB05C}" srcId="{0A036F29-7FEC-4611-898D-B14F5AAF41C2}" destId="{EBC7E60D-DFC0-41A8-980F-469F59342A32}" srcOrd="2" destOrd="0" parTransId="{EBEFE1CD-A875-41E4-8272-6E289E6BAD86}" sibTransId="{E9D9F272-F70B-42E1-8418-BB6969C1288E}"/>
-    <dgm:cxn modelId="{5D48A178-9A1C-4F2F-A2DA-452B81FC4172}" srcId="{0A036F29-7FEC-4611-898D-B14F5AAF41C2}" destId="{9239801F-3C08-407D-8605-CCCBD3D52809}" srcOrd="4" destOrd="0" parTransId="{D7A99BBB-38BD-4876-B1F4-7BEE2CA623DF}" sibTransId="{375D3E35-D56A-4952-9F84-34DE7A41CAE4}"/>
-    <dgm:cxn modelId="{23041D06-1BBE-40DF-AD2A-B8D81724F098}" srcId="{0A036F29-7FEC-4611-898D-B14F5AAF41C2}" destId="{D6914388-413B-4DD2-88AD-1942DC61512C}" srcOrd="0" destOrd="0" parTransId="{D159D3D1-974B-4FA1-8270-AB25A54084D6}" sibTransId="{594C0075-1315-4935-A64D-43A4623830E1}"/>
-    <dgm:cxn modelId="{DCACD3D3-D44C-4203-9688-5380D7B1BF30}" type="presOf" srcId="{594C0075-1315-4935-A64D-43A4623830E1}" destId="{0A49579D-4A88-4D4C-9CE6-73F9B408222F}" srcOrd="0" destOrd="0" presId="urn:microsoft.com/office/officeart/2008/layout/VerticalCurvedList"/>
     <dgm:cxn modelId="{4D7356E7-8A2C-4C95-B78F-D169BED8D362}" type="presParOf" srcId="{024D2C05-7BC2-4069-A1CF-FF2D86B0CE7E}" destId="{FA247C98-F034-4ED9-B4F7-50CA12B34EBB}" srcOrd="0" destOrd="0" presId="urn:microsoft.com/office/officeart/2008/layout/VerticalCurvedList"/>
     <dgm:cxn modelId="{B624EDF7-429C-4B66-B3B9-40C9F1B2DBB2}" type="presParOf" srcId="{FA247C98-F034-4ED9-B4F7-50CA12B34EBB}" destId="{AA69AC02-FD74-4475-9530-C3B55F4E5A8D}" srcOrd="0" destOrd="0" presId="urn:microsoft.com/office/officeart/2008/layout/VerticalCurvedList"/>
     <dgm:cxn modelId="{0A6300CA-4A86-4E33-A368-85ACF208AAB4}" type="presParOf" srcId="{AA69AC02-FD74-4475-9530-C3B55F4E5A8D}" destId="{80C94AF2-548B-403F-BFDF-22C8B252C08F}" srcOrd="0" destOrd="0" presId="urn:microsoft.com/office/officeart/2008/layout/VerticalCurvedList"/>
@@ -7970,13 +7952,17 @@
           <a:pPr rtl="0"/>
           <a:r>
             <a:rPr lang="de-DE" dirty="0" smtClean="0"/>
-            <a:t>Abwärtskompatibel zu 3.2 und 2.0</a:t>
+            <a:t>Abwärtskompatibel zu </a:t>
+          </a:r>
+          <a:r>
+            <a:rPr lang="de-DE" dirty="0" smtClean="0"/>
+            <a:t>3.2</a:t>
           </a:r>
           <a:endParaRPr lang="de-DE" dirty="0"/>
         </a:p>
       </dgm:t>
     </dgm:pt>
-    <dgm:pt modelId="{BF5090BE-2443-48CE-9597-9C2BBCDFEB88}" type="parTrans" cxnId="{9F8CCFD8-EB99-476D-A6C5-3E55D642E2E1}">
+    <dgm:pt modelId="{CDE54507-8816-406F-A81C-4DB5ADE0517C}" type="sibTrans" cxnId="{9F8CCFD8-EB99-476D-A6C5-3E55D642E2E1}">
       <dgm:prSet/>
       <dgm:spPr/>
       <dgm:t>
@@ -7987,7 +7973,7 @@
         </a:p>
       </dgm:t>
     </dgm:pt>
-    <dgm:pt modelId="{CDE54507-8816-406F-A81C-4DB5ADE0517C}" type="sibTrans" cxnId="{9F8CCFD8-EB99-476D-A6C5-3E55D642E2E1}">
+    <dgm:pt modelId="{BF5090BE-2443-48CE-9597-9C2BBCDFEB88}" type="parTrans" cxnId="{9F8CCFD8-EB99-476D-A6C5-3E55D642E2E1}">
       <dgm:prSet/>
       <dgm:spPr/>
       <dgm:t>
@@ -8309,6 +8295,13 @@
         </dgm:presLayoutVars>
       </dgm:prSet>
       <dgm:spPr/>
+      <dgm:t>
+        <a:bodyPr/>
+        <a:lstStyle/>
+        <a:p>
+          <a:endParaRPr lang="de-DE"/>
+        </a:p>
+      </dgm:t>
     </dgm:pt>
     <dgm:pt modelId="{2DA3359C-1CD6-4EC8-B9AB-3D0527D175AA}" type="pres">
       <dgm:prSet presAssocID="{8C9AAF5F-1D0E-45B5-B199-A218792C81DF}" presName="parentText" presStyleLbl="node1" presStyleIdx="0" presStyleCnt="4">
@@ -8388,14 +8381,14 @@
     </dgm:pt>
   </dgm:ptLst>
   <dgm:cxnLst>
-    <dgm:cxn modelId="{806C51C0-D6CE-4DD5-8B66-4D867AA78EC9}" srcId="{D6442C1F-BE44-4C09-A068-2321A7BC6093}" destId="{8C9AAF5F-1D0E-45B5-B199-A218792C81DF}" srcOrd="0" destOrd="0" parTransId="{2661E67E-7337-4C9B-9F21-DAE99D3456BE}" sibTransId="{16683901-DBA2-435A-9543-D7D79C418B59}"/>
-    <dgm:cxn modelId="{7717D572-C7BE-4229-860C-75979AA914AE}" type="presOf" srcId="{2456DBA2-DB77-486F-86CA-69EA354621E1}" destId="{423E1037-C26F-4F66-AA88-FAC5FAEDBA7B}" srcOrd="0" destOrd="0" presId="urn:microsoft.com/office/officeart/2005/8/layout/vList2"/>
+    <dgm:cxn modelId="{12FA5763-3891-44A0-933C-E1B2768A9D89}" type="presOf" srcId="{A3C0AC75-D43D-48FA-9855-E148CB1B55D5}" destId="{1C8F116A-B386-4931-B5D9-98E63C304A11}" srcOrd="0" destOrd="0" presId="urn:microsoft.com/office/officeart/2005/8/layout/vList2"/>
+    <dgm:cxn modelId="{2441603D-AF52-449A-9123-D73461C9BD18}" srcId="{D6442C1F-BE44-4C09-A068-2321A7BC6093}" destId="{4E954E7E-C0A9-4E79-A067-BD77915E3284}" srcOrd="3" destOrd="0" parTransId="{FB6A9BB9-6C18-444B-8CCA-1B981449DE40}" sibTransId="{C2E177AE-6514-43D6-8AF9-09F60805B63B}"/>
     <dgm:cxn modelId="{B3B07E32-833C-43C6-8B30-3A476D93B270}" srcId="{D6442C1F-BE44-4C09-A068-2321A7BC6093}" destId="{2456DBA2-DB77-486F-86CA-69EA354621E1}" srcOrd="1" destOrd="0" parTransId="{2CDEF47F-A694-4F8B-B999-83FAE8DD8668}" sibTransId="{CBBFE5DF-8197-431E-9C20-B53CA5613B7B}"/>
     <dgm:cxn modelId="{966334F5-FD0D-432B-986E-2E537490116A}" srcId="{D6442C1F-BE44-4C09-A068-2321A7BC6093}" destId="{A3C0AC75-D43D-48FA-9855-E148CB1B55D5}" srcOrd="2" destOrd="0" parTransId="{4BDEF712-AB6B-4C15-B4E2-309DB75A947D}" sibTransId="{706451CC-3FF7-4288-93D8-797F75833E6A}"/>
-    <dgm:cxn modelId="{12FA5763-3891-44A0-933C-E1B2768A9D89}" type="presOf" srcId="{A3C0AC75-D43D-48FA-9855-E148CB1B55D5}" destId="{1C8F116A-B386-4931-B5D9-98E63C304A11}" srcOrd="0" destOrd="0" presId="urn:microsoft.com/office/officeart/2005/8/layout/vList2"/>
-    <dgm:cxn modelId="{2441603D-AF52-449A-9123-D73461C9BD18}" srcId="{D6442C1F-BE44-4C09-A068-2321A7BC6093}" destId="{4E954E7E-C0A9-4E79-A067-BD77915E3284}" srcOrd="3" destOrd="0" parTransId="{FB6A9BB9-6C18-444B-8CCA-1B981449DE40}" sibTransId="{C2E177AE-6514-43D6-8AF9-09F60805B63B}"/>
+    <dgm:cxn modelId="{E605D220-B73E-439A-8A48-A94B8DAB37A8}" type="presOf" srcId="{D6442C1F-BE44-4C09-A068-2321A7BC6093}" destId="{85230CCE-9F8E-49F8-9EA8-BCA54ACC86D4}" srcOrd="0" destOrd="0" presId="urn:microsoft.com/office/officeart/2005/8/layout/vList2"/>
+    <dgm:cxn modelId="{7717D572-C7BE-4229-860C-75979AA914AE}" type="presOf" srcId="{2456DBA2-DB77-486F-86CA-69EA354621E1}" destId="{423E1037-C26F-4F66-AA88-FAC5FAEDBA7B}" srcOrd="0" destOrd="0" presId="urn:microsoft.com/office/officeart/2005/8/layout/vList2"/>
     <dgm:cxn modelId="{B177A7BF-12FF-4850-9B8B-11756C08D813}" type="presOf" srcId="{4E954E7E-C0A9-4E79-A067-BD77915E3284}" destId="{04A5EAAB-7CE7-4FC4-ACB9-3EC169BF8D71}" srcOrd="0" destOrd="0" presId="urn:microsoft.com/office/officeart/2005/8/layout/vList2"/>
-    <dgm:cxn modelId="{E605D220-B73E-439A-8A48-A94B8DAB37A8}" type="presOf" srcId="{D6442C1F-BE44-4C09-A068-2321A7BC6093}" destId="{85230CCE-9F8E-49F8-9EA8-BCA54ACC86D4}" srcOrd="0" destOrd="0" presId="urn:microsoft.com/office/officeart/2005/8/layout/vList2"/>
+    <dgm:cxn modelId="{806C51C0-D6CE-4DD5-8B66-4D867AA78EC9}" srcId="{D6442C1F-BE44-4C09-A068-2321A7BC6093}" destId="{8C9AAF5F-1D0E-45B5-B199-A218792C81DF}" srcOrd="0" destOrd="0" parTransId="{2661E67E-7337-4C9B-9F21-DAE99D3456BE}" sibTransId="{16683901-DBA2-435A-9543-D7D79C418B59}"/>
     <dgm:cxn modelId="{023DF3AB-D260-4C30-A3D9-BD204D80D249}" type="presOf" srcId="{8C9AAF5F-1D0E-45B5-B199-A218792C81DF}" destId="{2DA3359C-1CD6-4EC8-B9AB-3D0527D175AA}" srcOrd="0" destOrd="0" presId="urn:microsoft.com/office/officeart/2005/8/layout/vList2"/>
     <dgm:cxn modelId="{3ED79275-0D9F-49B5-9ED9-3AA38E50BE1D}" type="presParOf" srcId="{85230CCE-9F8E-49F8-9EA8-BCA54ACC86D4}" destId="{2DA3359C-1CD6-4EC8-B9AB-3D0527D175AA}" srcOrd="0" destOrd="0" presId="urn:microsoft.com/office/officeart/2005/8/layout/vList2"/>
     <dgm:cxn modelId="{DA6D67C8-7963-4050-BA4F-744A92812EBD}" type="presParOf" srcId="{85230CCE-9F8E-49F8-9EA8-BCA54ACC86D4}" destId="{ABF2D2B1-079D-48E7-A94A-064DA404EEEF}" srcOrd="1" destOrd="0" presId="urn:microsoft.com/office/officeart/2005/8/layout/vList2"/>
@@ -8913,15 +8906,15 @@
       <dsp:cNvGrpSpPr/>
     </dsp:nvGrpSpPr>
     <dsp:grpSpPr/>
-    <dsp:sp modelId="{DE74A89F-C7FD-4E16-8CEA-B5E5C8CB94FB}">
+    <dsp:sp modelId="{1FBCF1E6-B80B-4169-A032-CD02D2DFA759}">
       <dsp:nvSpPr>
         <dsp:cNvPr id="0" name=""/>
         <dsp:cNvSpPr/>
       </dsp:nvSpPr>
       <dsp:spPr>
         <a:xfrm>
-          <a:off x="0" y="49049"/>
-          <a:ext cx="8229600" cy="479700"/>
+          <a:off x="0" y="34357"/>
+          <a:ext cx="8229600" cy="551655"/>
         </a:xfrm>
         <a:prstGeom prst="roundRect">
           <a:avLst/>
@@ -8962,12 +8955,12 @@
         </a:fontRef>
       </dsp:style>
       <dsp:txBody>
-        <a:bodyPr spcFirstLastPara="0" vert="horz" wrap="square" lIns="76200" tIns="76200" rIns="76200" bIns="76200" numCol="1" spcCol="1270" anchor="ctr" anchorCtr="0">
+        <a:bodyPr spcFirstLastPara="0" vert="horz" wrap="square" lIns="87630" tIns="87630" rIns="87630" bIns="87630" numCol="1" spcCol="1270" anchor="ctr" anchorCtr="0">
           <a:noAutofit/>
         </a:bodyPr>
         <a:lstStyle/>
         <a:p>
-          <a:pPr lvl="0" algn="l" defTabSz="889000">
+          <a:pPr lvl="0" algn="l" defTabSz="1022350">
             <a:lnSpc>
               <a:spcPct val="90000"/>
             </a:lnSpc>
@@ -8979,45 +8972,35 @@
             </a:spcAft>
           </a:pPr>
           <a:r>
-            <a:rPr lang="de-DE" sz="2000" kern="1200" dirty="0" smtClean="0"/>
-            <a:t>6 Chips pro Stecker </a:t>
+            <a:rPr lang="de-DE" sz="2300" kern="1200" dirty="0" smtClean="0"/>
+            <a:t>Tunnelarchitektur</a:t>
           </a:r>
-          <a:r>
-            <a:rPr lang="de-DE" sz="2000" kern="1200" dirty="0" smtClean="0">
-              <a:sym typeface="Wingdings" panose="05000000000000000000" pitchFamily="2" charset="2"/>
-            </a:rPr>
-            <a:t></a:t>
-          </a:r>
-          <a:r>
-            <a:rPr lang="de-DE" sz="2000" kern="1200" dirty="0" smtClean="0"/>
-            <a:t>12 Chips pro Kabel</a:t>
-          </a:r>
-          <a:endParaRPr lang="de-DE" sz="2000" kern="1200" dirty="0"/>
+          <a:endParaRPr lang="de-DE" sz="2300" kern="1200" dirty="0"/>
         </a:p>
       </dsp:txBody>
       <dsp:txXfrm>
-        <a:off x="23417" y="72466"/>
-        <a:ext cx="8182766" cy="432866"/>
+        <a:off x="26930" y="61287"/>
+        <a:ext cx="8175740" cy="497795"/>
       </dsp:txXfrm>
     </dsp:sp>
-    <dsp:sp modelId="{1FBCF1E6-B80B-4169-A032-CD02D2DFA759}">
+    <dsp:sp modelId="{030378EC-137F-47F5-BF8D-88BA94E7CBCF}">
       <dsp:nvSpPr>
         <dsp:cNvPr id="0" name=""/>
         <dsp:cNvSpPr/>
       </dsp:nvSpPr>
       <dsp:spPr>
         <a:xfrm>
-          <a:off x="0" y="586349"/>
-          <a:ext cx="8229600" cy="479700"/>
+          <a:off x="0" y="652252"/>
+          <a:ext cx="8229600" cy="551655"/>
         </a:xfrm>
         <a:prstGeom prst="roundRect">
           <a:avLst/>
         </a:prstGeom>
         <a:solidFill>
           <a:schemeClr val="accent4">
-            <a:hueOff val="-697505"/>
-            <a:satOff val="-3173"/>
-            <a:lumOff val="4313"/>
+            <a:hueOff val="-837005"/>
+            <a:satOff val="-3808"/>
+            <a:lumOff val="5176"/>
             <a:alphaOff val="0"/>
           </a:schemeClr>
         </a:solidFill>
@@ -9049,12 +9032,12 @@
         </a:fontRef>
       </dsp:style>
       <dsp:txBody>
-        <a:bodyPr spcFirstLastPara="0" vert="horz" wrap="square" lIns="76200" tIns="76200" rIns="76200" bIns="76200" numCol="1" spcCol="1270" anchor="ctr" anchorCtr="0">
+        <a:bodyPr spcFirstLastPara="0" vert="horz" wrap="square" lIns="87630" tIns="87630" rIns="87630" bIns="87630" numCol="1" spcCol="1270" anchor="ctr" anchorCtr="0">
           <a:noAutofit/>
         </a:bodyPr>
         <a:lstStyle/>
         <a:p>
-          <a:pPr lvl="0" algn="l" defTabSz="889000">
+          <a:pPr lvl="0" algn="l" defTabSz="1022350">
             <a:lnSpc>
               <a:spcPct val="90000"/>
             </a:lnSpc>
@@ -9066,35 +9049,35 @@
             </a:spcAft>
           </a:pPr>
           <a:r>
-            <a:rPr lang="de-DE" sz="2000" kern="1200" dirty="0" smtClean="0"/>
-            <a:t>Tunnelarchitektur</a:t>
+            <a:rPr lang="de-DE" sz="2300" kern="1200" dirty="0" smtClean="0"/>
+            <a:t>Verschiedene Modi</a:t>
           </a:r>
-          <a:endParaRPr lang="de-DE" sz="2000" kern="1200" dirty="0"/>
+          <a:endParaRPr lang="de-DE" sz="2300" kern="1200" dirty="0"/>
         </a:p>
       </dsp:txBody>
       <dsp:txXfrm>
-        <a:off x="23417" y="609766"/>
-        <a:ext cx="8182766" cy="432866"/>
+        <a:off x="26930" y="679182"/>
+        <a:ext cx="8175740" cy="497795"/>
       </dsp:txXfrm>
     </dsp:sp>
-    <dsp:sp modelId="{030378EC-137F-47F5-BF8D-88BA94E7CBCF}">
+    <dsp:sp modelId="{65D470C4-68FD-4F83-9D4B-CFEFCB072894}">
       <dsp:nvSpPr>
         <dsp:cNvPr id="0" name=""/>
         <dsp:cNvSpPr/>
       </dsp:nvSpPr>
       <dsp:spPr>
         <a:xfrm>
-          <a:off x="0" y="1123650"/>
-          <a:ext cx="8229600" cy="479700"/>
+          <a:off x="0" y="1270147"/>
+          <a:ext cx="8229600" cy="551655"/>
         </a:xfrm>
         <a:prstGeom prst="roundRect">
           <a:avLst/>
         </a:prstGeom>
         <a:solidFill>
           <a:schemeClr val="accent4">
-            <a:hueOff val="-1395009"/>
-            <a:satOff val="-6346"/>
-            <a:lumOff val="8627"/>
+            <a:hueOff val="-1674011"/>
+            <a:satOff val="-7615"/>
+            <a:lumOff val="10352"/>
             <a:alphaOff val="0"/>
           </a:schemeClr>
         </a:solidFill>
@@ -9126,12 +9109,12 @@
         </a:fontRef>
       </dsp:style>
       <dsp:txBody>
-        <a:bodyPr spcFirstLastPara="0" vert="horz" wrap="square" lIns="76200" tIns="76200" rIns="76200" bIns="76200" numCol="1" spcCol="1270" anchor="ctr" anchorCtr="0">
+        <a:bodyPr spcFirstLastPara="0" vert="horz" wrap="square" lIns="87630" tIns="87630" rIns="87630" bIns="87630" numCol="1" spcCol="1270" anchor="ctr" anchorCtr="0">
           <a:noAutofit/>
         </a:bodyPr>
         <a:lstStyle/>
         <a:p>
-          <a:pPr lvl="0" algn="l" defTabSz="889000">
+          <a:pPr lvl="0" algn="l" defTabSz="1022350">
             <a:lnSpc>
               <a:spcPct val="90000"/>
             </a:lnSpc>
@@ -9143,35 +9126,142 @@
             </a:spcAft>
           </a:pPr>
           <a:r>
-            <a:rPr lang="de-DE" sz="2000" kern="1200" dirty="0" smtClean="0"/>
-            <a:t>Verschiedene Modi</a:t>
+            <a:rPr lang="de-DE" sz="2300" kern="1200" dirty="0" smtClean="0"/>
+            <a:t>Controller auf Board</a:t>
           </a:r>
-          <a:endParaRPr lang="de-DE" sz="2000" kern="1200" dirty="0"/>
+          <a:endParaRPr lang="de-DE" sz="2300" kern="1200" dirty="0"/>
         </a:p>
       </dsp:txBody>
       <dsp:txXfrm>
-        <a:off x="23417" y="1147067"/>
-        <a:ext cx="8182766" cy="432866"/>
+        <a:off x="26930" y="1297077"/>
+        <a:ext cx="8175740" cy="497795"/>
       </dsp:txXfrm>
     </dsp:sp>
-    <dsp:sp modelId="{65D470C4-68FD-4F83-9D4B-CFEFCB072894}">
+    <dsp:sp modelId="{356D78AA-8151-4A5B-99E2-93EBE47ED1DD}">
       <dsp:nvSpPr>
         <dsp:cNvPr id="0" name=""/>
         <dsp:cNvSpPr/>
       </dsp:nvSpPr>
       <dsp:spPr>
         <a:xfrm>
-          <a:off x="0" y="1660950"/>
-          <a:ext cx="8229600" cy="479700"/>
+          <a:off x="0" y="1821802"/>
+          <a:ext cx="8229600" cy="928395"/>
+        </a:xfrm>
+        <a:prstGeom prst="rect">
+          <a:avLst/>
+        </a:prstGeom>
+        <a:noFill/>
+        <a:ln>
+          <a:noFill/>
+        </a:ln>
+        <a:effectLst/>
+      </dsp:spPr>
+      <dsp:style>
+        <a:lnRef idx="0">
+          <a:scrgbClr r="0" g="0" b="0"/>
+        </a:lnRef>
+        <a:fillRef idx="0">
+          <a:scrgbClr r="0" g="0" b="0"/>
+        </a:fillRef>
+        <a:effectRef idx="0">
+          <a:scrgbClr r="0" g="0" b="0"/>
+        </a:effectRef>
+        <a:fontRef idx="minor"/>
+      </dsp:style>
+      <dsp:txBody>
+        <a:bodyPr spcFirstLastPara="0" vert="horz" wrap="square" lIns="261290" tIns="29210" rIns="163576" bIns="29210" numCol="1" spcCol="1270" anchor="t" anchorCtr="0">
+          <a:noAutofit/>
+        </a:bodyPr>
+        <a:lstStyle/>
+        <a:p>
+          <a:pPr marL="171450" lvl="1" indent="-171450" algn="l" defTabSz="800100">
+            <a:lnSpc>
+              <a:spcPct val="90000"/>
+            </a:lnSpc>
+            <a:spcBef>
+              <a:spcPct val="0"/>
+            </a:spcBef>
+            <a:spcAft>
+              <a:spcPct val="20000"/>
+            </a:spcAft>
+            <a:buChar char="••"/>
+          </a:pPr>
+          <a:r>
+            <a:rPr lang="de-DE" sz="1800" kern="1200" dirty="0" smtClean="0"/>
+            <a:t>4 PCI-Express Lanes</a:t>
+          </a:r>
+          <a:endParaRPr lang="de-DE" sz="1800" kern="1200" dirty="0"/>
+        </a:p>
+        <a:p>
+          <a:pPr marL="171450" lvl="1" indent="-171450" algn="l" defTabSz="800100">
+            <a:lnSpc>
+              <a:spcPct val="90000"/>
+            </a:lnSpc>
+            <a:spcBef>
+              <a:spcPct val="0"/>
+            </a:spcBef>
+            <a:spcAft>
+              <a:spcPct val="20000"/>
+            </a:spcAft>
+            <a:buChar char="••"/>
+          </a:pPr>
+          <a:r>
+            <a:rPr lang="de-DE" sz="1800" kern="1200" dirty="0" smtClean="0"/>
+            <a:t>8 </a:t>
+          </a:r>
+          <a:r>
+            <a:rPr lang="de-DE" sz="1800" kern="1200" dirty="0" err="1" smtClean="0"/>
+            <a:t>DisplayPort</a:t>
+          </a:r>
+          <a:r>
+            <a:rPr lang="de-DE" sz="1800" kern="1200" dirty="0" smtClean="0"/>
+            <a:t> Lanes</a:t>
+          </a:r>
+          <a:endParaRPr lang="de-DE" sz="1800" kern="1200" dirty="0"/>
+        </a:p>
+        <a:p>
+          <a:pPr marL="171450" lvl="1" indent="-171450" algn="l" defTabSz="800100">
+            <a:lnSpc>
+              <a:spcPct val="90000"/>
+            </a:lnSpc>
+            <a:spcBef>
+              <a:spcPct val="0"/>
+            </a:spcBef>
+            <a:spcAft>
+              <a:spcPct val="20000"/>
+            </a:spcAft>
+            <a:buChar char="••"/>
+          </a:pPr>
+          <a:r>
+            <a:rPr lang="de-DE" sz="1800" kern="1200" dirty="0" smtClean="0"/>
+            <a:t>Integrierter USB 3.1 Controller</a:t>
+          </a:r>
+          <a:endParaRPr lang="de-DE" sz="1800" kern="1200" dirty="0"/>
+        </a:p>
+      </dsp:txBody>
+      <dsp:txXfrm>
+        <a:off x="0" y="1821802"/>
+        <a:ext cx="8229600" cy="928395"/>
+      </dsp:txXfrm>
+    </dsp:sp>
+    <dsp:sp modelId="{C8EAD999-9DE5-4F9F-9524-7DE7729D87CA}">
+      <dsp:nvSpPr>
+        <dsp:cNvPr id="0" name=""/>
+        <dsp:cNvSpPr/>
+      </dsp:nvSpPr>
+      <dsp:spPr>
+        <a:xfrm>
+          <a:off x="0" y="2750197"/>
+          <a:ext cx="8229600" cy="551655"/>
         </a:xfrm>
         <a:prstGeom prst="roundRect">
           <a:avLst/>
         </a:prstGeom>
         <a:solidFill>
           <a:schemeClr val="accent4">
-            <a:hueOff val="-2092514"/>
-            <a:satOff val="-9519"/>
-            <a:lumOff val="12940"/>
+            <a:hueOff val="-2511017"/>
+            <a:satOff val="-11423"/>
+            <a:lumOff val="15528"/>
             <a:alphaOff val="0"/>
           </a:schemeClr>
         </a:solidFill>
@@ -9203,12 +9293,12 @@
         </a:fontRef>
       </dsp:style>
       <dsp:txBody>
-        <a:bodyPr spcFirstLastPara="0" vert="horz" wrap="square" lIns="76200" tIns="76200" rIns="76200" bIns="76200" numCol="1" spcCol="1270" anchor="ctr" anchorCtr="0">
+        <a:bodyPr spcFirstLastPara="0" vert="horz" wrap="square" lIns="87630" tIns="87630" rIns="87630" bIns="87630" numCol="1" spcCol="1270" anchor="ctr" anchorCtr="0">
           <a:noAutofit/>
         </a:bodyPr>
         <a:lstStyle/>
         <a:p>
-          <a:pPr lvl="0" algn="l" defTabSz="889000">
+          <a:pPr lvl="0" algn="l" defTabSz="1022350">
             <a:lnSpc>
               <a:spcPct val="90000"/>
             </a:lnSpc>
@@ -9220,142 +9310,35 @@
             </a:spcAft>
           </a:pPr>
           <a:r>
-            <a:rPr lang="de-DE" sz="2000" kern="1200" dirty="0" smtClean="0"/>
-            <a:t>Controller auf Board</a:t>
+            <a:rPr lang="de-DE" sz="2300" kern="1200" dirty="0" smtClean="0"/>
+            <a:t>Arbeiten mit synchronem Taktsignal</a:t>
           </a:r>
-          <a:endParaRPr lang="de-DE" sz="2000" kern="1200" dirty="0"/>
+          <a:endParaRPr lang="de-DE" sz="2300" kern="1200" dirty="0"/>
         </a:p>
       </dsp:txBody>
       <dsp:txXfrm>
-        <a:off x="23417" y="1684367"/>
-        <a:ext cx="8182766" cy="432866"/>
+        <a:off x="26930" y="2777127"/>
+        <a:ext cx="8175740" cy="497795"/>
       </dsp:txXfrm>
     </dsp:sp>
-    <dsp:sp modelId="{356D78AA-8151-4A5B-99E2-93EBE47ED1DD}">
+    <dsp:sp modelId="{3648DC1F-19E3-4858-A0C6-DD5B60FEE7D8}">
       <dsp:nvSpPr>
         <dsp:cNvPr id="0" name=""/>
         <dsp:cNvSpPr/>
       </dsp:nvSpPr>
       <dsp:spPr>
         <a:xfrm>
-          <a:off x="0" y="2140650"/>
-          <a:ext cx="8229600" cy="828000"/>
-        </a:xfrm>
-        <a:prstGeom prst="rect">
-          <a:avLst/>
-        </a:prstGeom>
-        <a:noFill/>
-        <a:ln>
-          <a:noFill/>
-        </a:ln>
-        <a:effectLst/>
-      </dsp:spPr>
-      <dsp:style>
-        <a:lnRef idx="0">
-          <a:scrgbClr r="0" g="0" b="0"/>
-        </a:lnRef>
-        <a:fillRef idx="0">
-          <a:scrgbClr r="0" g="0" b="0"/>
-        </a:fillRef>
-        <a:effectRef idx="0">
-          <a:scrgbClr r="0" g="0" b="0"/>
-        </a:effectRef>
-        <a:fontRef idx="minor"/>
-      </dsp:style>
-      <dsp:txBody>
-        <a:bodyPr spcFirstLastPara="0" vert="horz" wrap="square" lIns="261290" tIns="25400" rIns="142240" bIns="25400" numCol="1" spcCol="1270" anchor="t" anchorCtr="0">
-          <a:noAutofit/>
-        </a:bodyPr>
-        <a:lstStyle/>
-        <a:p>
-          <a:pPr marL="171450" lvl="1" indent="-171450" algn="l" defTabSz="711200">
-            <a:lnSpc>
-              <a:spcPct val="90000"/>
-            </a:lnSpc>
-            <a:spcBef>
-              <a:spcPct val="0"/>
-            </a:spcBef>
-            <a:spcAft>
-              <a:spcPct val="20000"/>
-            </a:spcAft>
-            <a:buChar char="••"/>
-          </a:pPr>
-          <a:r>
-            <a:rPr lang="de-DE" sz="1600" kern="1200" dirty="0" smtClean="0"/>
-            <a:t>4 PCI-Express Lanes</a:t>
-          </a:r>
-          <a:endParaRPr lang="de-DE" sz="1600" kern="1200" dirty="0"/>
-        </a:p>
-        <a:p>
-          <a:pPr marL="171450" lvl="1" indent="-171450" algn="l" defTabSz="711200">
-            <a:lnSpc>
-              <a:spcPct val="90000"/>
-            </a:lnSpc>
-            <a:spcBef>
-              <a:spcPct val="0"/>
-            </a:spcBef>
-            <a:spcAft>
-              <a:spcPct val="20000"/>
-            </a:spcAft>
-            <a:buChar char="••"/>
-          </a:pPr>
-          <a:r>
-            <a:rPr lang="de-DE" sz="1600" kern="1200" dirty="0" smtClean="0"/>
-            <a:t>8 </a:t>
-          </a:r>
-          <a:r>
-            <a:rPr lang="de-DE" sz="1600" kern="1200" dirty="0" err="1" smtClean="0"/>
-            <a:t>DisplayPort</a:t>
-          </a:r>
-          <a:r>
-            <a:rPr lang="de-DE" sz="1600" kern="1200" dirty="0" smtClean="0"/>
-            <a:t> Lanes</a:t>
-          </a:r>
-          <a:endParaRPr lang="de-DE" sz="1600" kern="1200" dirty="0"/>
-        </a:p>
-        <a:p>
-          <a:pPr marL="171450" lvl="1" indent="-171450" algn="l" defTabSz="711200">
-            <a:lnSpc>
-              <a:spcPct val="90000"/>
-            </a:lnSpc>
-            <a:spcBef>
-              <a:spcPct val="0"/>
-            </a:spcBef>
-            <a:spcAft>
-              <a:spcPct val="20000"/>
-            </a:spcAft>
-            <a:buChar char="••"/>
-          </a:pPr>
-          <a:r>
-            <a:rPr lang="de-DE" sz="1600" kern="1200" dirty="0" smtClean="0"/>
-            <a:t>Integrierter USB 3.1 Controller</a:t>
-          </a:r>
-          <a:endParaRPr lang="de-DE" sz="1600" kern="1200" dirty="0"/>
-        </a:p>
-      </dsp:txBody>
-      <dsp:txXfrm>
-        <a:off x="0" y="2140650"/>
-        <a:ext cx="8229600" cy="828000"/>
-      </dsp:txXfrm>
-    </dsp:sp>
-    <dsp:sp modelId="{C8EAD999-9DE5-4F9F-9524-7DE7729D87CA}">
-      <dsp:nvSpPr>
-        <dsp:cNvPr id="0" name=""/>
-        <dsp:cNvSpPr/>
-      </dsp:nvSpPr>
-      <dsp:spPr>
-        <a:xfrm>
-          <a:off x="0" y="2968650"/>
-          <a:ext cx="8229600" cy="479700"/>
+          <a:off x="0" y="3368092"/>
+          <a:ext cx="8229600" cy="551655"/>
         </a:xfrm>
         <a:prstGeom prst="roundRect">
           <a:avLst/>
         </a:prstGeom>
         <a:solidFill>
           <a:schemeClr val="accent4">
-            <a:hueOff val="-2790018"/>
-            <a:satOff val="-12692"/>
-            <a:lumOff val="17253"/>
+            <a:hueOff val="-3348022"/>
+            <a:satOff val="-15230"/>
+            <a:lumOff val="20704"/>
             <a:alphaOff val="0"/>
           </a:schemeClr>
         </a:solidFill>
@@ -9387,12 +9370,12 @@
         </a:fontRef>
       </dsp:style>
       <dsp:txBody>
-        <a:bodyPr spcFirstLastPara="0" vert="horz" wrap="square" lIns="76200" tIns="76200" rIns="76200" bIns="76200" numCol="1" spcCol="1270" anchor="ctr" anchorCtr="0">
+        <a:bodyPr spcFirstLastPara="0" vert="horz" wrap="square" lIns="87630" tIns="87630" rIns="87630" bIns="87630" numCol="1" spcCol="1270" anchor="ctr" anchorCtr="0">
           <a:noAutofit/>
         </a:bodyPr>
         <a:lstStyle/>
         <a:p>
-          <a:pPr lvl="0" algn="l" defTabSz="889000">
+          <a:pPr lvl="0" algn="l" defTabSz="1022350">
             <a:lnSpc>
               <a:spcPct val="90000"/>
             </a:lnSpc>
@@ -9404,92 +9387,15 @@
             </a:spcAft>
           </a:pPr>
           <a:r>
-            <a:rPr lang="de-DE" sz="2000" kern="1200" dirty="0" smtClean="0"/>
-            <a:t>Arbeiten mit synchronem Taktsignal</a:t>
+            <a:rPr lang="de-DE" sz="2300" kern="1200" dirty="0" smtClean="0"/>
+            <a:t>Bis zu 6 Geräte an einem Anschluss</a:t>
           </a:r>
-          <a:endParaRPr lang="de-DE" sz="2000" kern="1200" dirty="0"/>
+          <a:endParaRPr lang="de-DE" sz="2300" kern="1200" dirty="0"/>
         </a:p>
       </dsp:txBody>
       <dsp:txXfrm>
-        <a:off x="23417" y="2992067"/>
-        <a:ext cx="8182766" cy="432866"/>
-      </dsp:txXfrm>
-    </dsp:sp>
-    <dsp:sp modelId="{3648DC1F-19E3-4858-A0C6-DD5B60FEE7D8}">
-      <dsp:nvSpPr>
-        <dsp:cNvPr id="0" name=""/>
-        <dsp:cNvSpPr/>
-      </dsp:nvSpPr>
-      <dsp:spPr>
-        <a:xfrm>
-          <a:off x="0" y="3505950"/>
-          <a:ext cx="8229600" cy="479700"/>
-        </a:xfrm>
-        <a:prstGeom prst="roundRect">
-          <a:avLst/>
-        </a:prstGeom>
-        <a:solidFill>
-          <a:schemeClr val="accent4">
-            <a:hueOff val="-3487523"/>
-            <a:satOff val="-15865"/>
-            <a:lumOff val="21567"/>
-            <a:alphaOff val="0"/>
-          </a:schemeClr>
-        </a:solidFill>
-        <a:ln w="25400" cap="flat" cmpd="sng" algn="ctr">
-          <a:solidFill>
-            <a:schemeClr val="lt1">
-              <a:hueOff val="0"/>
-              <a:satOff val="0"/>
-              <a:lumOff val="0"/>
-              <a:alphaOff val="0"/>
-            </a:schemeClr>
-          </a:solidFill>
-          <a:prstDash val="solid"/>
-        </a:ln>
-        <a:effectLst/>
-      </dsp:spPr>
-      <dsp:style>
-        <a:lnRef idx="2">
-          <a:scrgbClr r="0" g="0" b="0"/>
-        </a:lnRef>
-        <a:fillRef idx="1">
-          <a:scrgbClr r="0" g="0" b="0"/>
-        </a:fillRef>
-        <a:effectRef idx="0">
-          <a:scrgbClr r="0" g="0" b="0"/>
-        </a:effectRef>
-        <a:fontRef idx="minor">
-          <a:schemeClr val="lt1"/>
-        </a:fontRef>
-      </dsp:style>
-      <dsp:txBody>
-        <a:bodyPr spcFirstLastPara="0" vert="horz" wrap="square" lIns="76200" tIns="76200" rIns="76200" bIns="76200" numCol="1" spcCol="1270" anchor="ctr" anchorCtr="0">
-          <a:noAutofit/>
-        </a:bodyPr>
-        <a:lstStyle/>
-        <a:p>
-          <a:pPr lvl="0" algn="l" defTabSz="889000">
-            <a:lnSpc>
-              <a:spcPct val="90000"/>
-            </a:lnSpc>
-            <a:spcBef>
-              <a:spcPct val="0"/>
-            </a:spcBef>
-            <a:spcAft>
-              <a:spcPct val="35000"/>
-            </a:spcAft>
-          </a:pPr>
-          <a:r>
-            <a:rPr lang="de-DE" sz="2000" kern="1200" dirty="0" smtClean="0"/>
-            <a:t>Bis zu 6 Geräte an einem Anschluss</a:t>
-          </a:r>
-          <a:endParaRPr lang="de-DE" sz="2000" kern="1200" dirty="0"/>
-        </a:p>
-      </dsp:txBody>
-      <dsp:txXfrm>
-        <a:off x="23417" y="3529367"/>
-        <a:ext cx="8182766" cy="432866"/>
+        <a:off x="26930" y="3395022"/>
+        <a:ext cx="8175740" cy="497795"/>
       </dsp:txXfrm>
     </dsp:sp>
     <dsp:sp modelId="{40E621A1-45DD-4AD1-9A39-56F736D6F751}">
@@ -9499,8 +9405,8 @@
       </dsp:nvSpPr>
       <dsp:spPr>
         <a:xfrm>
-          <a:off x="0" y="4043250"/>
-          <a:ext cx="8229600" cy="479700"/>
+          <a:off x="0" y="3985987"/>
+          <a:ext cx="8229600" cy="551655"/>
         </a:xfrm>
         <a:prstGeom prst="roundRect">
           <a:avLst/>
@@ -9541,12 +9447,12 @@
         </a:fontRef>
       </dsp:style>
       <dsp:txBody>
-        <a:bodyPr spcFirstLastPara="0" vert="horz" wrap="square" lIns="76200" tIns="76200" rIns="76200" bIns="76200" numCol="1" spcCol="1270" anchor="ctr" anchorCtr="0">
+        <a:bodyPr spcFirstLastPara="0" vert="horz" wrap="square" lIns="87630" tIns="87630" rIns="87630" bIns="87630" numCol="1" spcCol="1270" anchor="ctr" anchorCtr="0">
           <a:noAutofit/>
         </a:bodyPr>
         <a:lstStyle/>
         <a:p>
-          <a:pPr lvl="0" algn="l" defTabSz="889000">
+          <a:pPr lvl="0" algn="l" defTabSz="1022350">
             <a:lnSpc>
               <a:spcPct val="90000"/>
             </a:lnSpc>
@@ -9558,15 +9464,15 @@
             </a:spcAft>
           </a:pPr>
           <a:r>
-            <a:rPr lang="de-DE" sz="2000" kern="1200" dirty="0" smtClean="0"/>
+            <a:rPr lang="de-DE" sz="2300" kern="1200" dirty="0" smtClean="0"/>
             <a:t>2 Logische auf 4 Physikalischen Leitungen</a:t>
           </a:r>
-          <a:endParaRPr lang="de-DE" sz="2000" kern="1200" dirty="0"/>
+          <a:endParaRPr lang="de-DE" sz="2300" kern="1200" dirty="0"/>
         </a:p>
       </dsp:txBody>
       <dsp:txXfrm>
-        <a:off x="23417" y="4066667"/>
-        <a:ext cx="8182766" cy="432866"/>
+        <a:off x="26930" y="4012917"/>
+        <a:ext cx="8175740" cy="497795"/>
       </dsp:txXfrm>
     </dsp:sp>
   </dsp:spTree>
@@ -9655,17 +9561,7 @@
                 </a:schemeClr>
               </a:solidFill>
             </a:rPr>
-            <a:t>Abwärts-kompatibel </a:t>
-          </a:r>
-          <a:r>
-            <a:rPr lang="de-DE" sz="1600" b="1" kern="1200" dirty="0" smtClean="0">
-              <a:solidFill>
-                <a:schemeClr val="tx1">
-                  <a:lumMod val="95000"/>
-                </a:schemeClr>
-              </a:solidFill>
-            </a:rPr>
-            <a:t>zu </a:t>
+            <a:t>Abwärts-kompatibel zu </a:t>
           </a:r>
           <a:r>
             <a:rPr lang="de-DE" sz="1600" b="1" kern="1200" dirty="0" err="1" smtClean="0">
@@ -10068,17 +9964,7 @@
                 </a:schemeClr>
               </a:solidFill>
             </a:rPr>
-            <a:t>Unterstützt </a:t>
-          </a:r>
-          <a:r>
-            <a:rPr lang="de-DE" sz="1600" b="1" kern="1200" dirty="0" smtClean="0">
-              <a:solidFill>
-                <a:schemeClr val="tx1">
-                  <a:lumMod val="95000"/>
-                </a:schemeClr>
-              </a:solidFill>
-            </a:rPr>
-            <a:t>DP &amp; </a:t>
+            <a:t>Unterstützt DP &amp; </a:t>
           </a:r>
           <a:r>
             <a:rPr lang="de-DE" sz="1600" b="1" kern="1200" dirty="0" err="1" smtClean="0">
@@ -10188,7 +10074,7 @@
                 </a:schemeClr>
               </a:solidFill>
             </a:rPr>
-            <a:t>Bis </a:t>
+            <a:t>Bis zu 3m Kabellänge (optisch: </a:t>
           </a:r>
           <a:r>
             <a:rPr lang="de-DE" sz="1600" b="1" kern="1200" dirty="0" smtClean="0">
@@ -10198,7 +10084,17 @@
                 </a:schemeClr>
               </a:solidFill>
             </a:rPr>
-            <a:t>zu 3m Kabellänge (optisch: 10m)</a:t>
+            <a:t>60m</a:t>
+          </a:r>
+          <a:r>
+            <a:rPr lang="de-DE" sz="1600" b="1" kern="1200" dirty="0" smtClean="0">
+              <a:solidFill>
+                <a:schemeClr val="tx1">
+                  <a:lumMod val="95000"/>
+                </a:schemeClr>
+              </a:solidFill>
+            </a:rPr>
+            <a:t>)</a:t>
           </a:r>
           <a:endParaRPr lang="de-DE" sz="1600" b="1" kern="1200" dirty="0">
             <a:solidFill>
@@ -11631,7 +11527,11 @@
           </a:pPr>
           <a:r>
             <a:rPr lang="de-DE" sz="2500" kern="1200" dirty="0" smtClean="0"/>
-            <a:t>Abwärtskompatibel zu 3.2 und 2.0</a:t>
+            <a:t>Abwärtskompatibel zu </a:t>
+          </a:r>
+          <a:r>
+            <a:rPr lang="de-DE" sz="2500" kern="1200" dirty="0" smtClean="0"/>
+            <a:t>3.2</a:t>
           </a:r>
           <a:endParaRPr lang="de-DE" sz="2500" kern="1200" dirty="0"/>
         </a:p>
@@ -22194,7 +22094,7 @@
           <a:p>
             <a:fld id="{AD88D46A-8BD7-4EC7-B082-417C608B1018}" type="datetimeFigureOut">
               <a:rPr lang="de-DE" smtClean="0"/>
-              <a:t>25.11.2019</a:t>
+              <a:t>10.12.2019</a:t>
             </a:fld>
             <a:endParaRPr lang="de-DE"/>
           </a:p>
@@ -23184,7 +23084,7 @@
           <a:p>
             <a:fld id="{4B1ECBC0-A129-4E3E-8B4C-E0621C122F12}" type="datetimeFigureOut">
               <a:rPr lang="de-DE" smtClean="0"/>
-              <a:t>25.11.2019</a:t>
+              <a:t>10.12.2019</a:t>
             </a:fld>
             <a:endParaRPr lang="de-DE"/>
           </a:p>
@@ -23371,7 +23271,7 @@
           <a:p>
             <a:fld id="{4B1ECBC0-A129-4E3E-8B4C-E0621C122F12}" type="datetimeFigureOut">
               <a:rPr lang="de-DE" smtClean="0"/>
-              <a:t>25.11.2019</a:t>
+              <a:t>10.12.2019</a:t>
             </a:fld>
             <a:endParaRPr lang="de-DE"/>
           </a:p>
@@ -23546,7 +23446,7 @@
           <a:p>
             <a:fld id="{4B1ECBC0-A129-4E3E-8B4C-E0621C122F12}" type="datetimeFigureOut">
               <a:rPr lang="de-DE" smtClean="0"/>
-              <a:t>25.11.2019</a:t>
+              <a:t>10.12.2019</a:t>
             </a:fld>
             <a:endParaRPr lang="de-DE"/>
           </a:p>
@@ -23726,7 +23626,7 @@
           <a:p>
             <a:fld id="{4B1ECBC0-A129-4E3E-8B4C-E0621C122F12}" type="datetimeFigureOut">
               <a:rPr lang="de-DE" smtClean="0"/>
-              <a:t>25.11.2019</a:t>
+              <a:t>10.12.2019</a:t>
             </a:fld>
             <a:endParaRPr lang="de-DE"/>
           </a:p>
@@ -23973,7 +23873,7 @@
           <a:p>
             <a:fld id="{4B1ECBC0-A129-4E3E-8B4C-E0621C122F12}" type="datetimeFigureOut">
               <a:rPr lang="de-DE" smtClean="0"/>
-              <a:t>25.11.2019</a:t>
+              <a:t>10.12.2019</a:t>
             </a:fld>
             <a:endParaRPr lang="de-DE"/>
           </a:p>
@@ -24447,7 +24347,7 @@
           <a:p>
             <a:fld id="{4B1ECBC0-A129-4E3E-8B4C-E0621C122F12}" type="datetimeFigureOut">
               <a:rPr lang="de-DE" smtClean="0"/>
-              <a:t>25.11.2019</a:t>
+              <a:t>10.12.2019</a:t>
             </a:fld>
             <a:endParaRPr lang="de-DE"/>
           </a:p>
@@ -24862,7 +24762,7 @@
           <a:p>
             <a:fld id="{4B1ECBC0-A129-4E3E-8B4C-E0621C122F12}" type="datetimeFigureOut">
               <a:rPr lang="de-DE" smtClean="0"/>
-              <a:t>25.11.2019</a:t>
+              <a:t>10.12.2019</a:t>
             </a:fld>
             <a:endParaRPr lang="de-DE"/>
           </a:p>
@@ -24993,7 +24893,7 @@
           <a:p>
             <a:fld id="{4B1ECBC0-A129-4E3E-8B4C-E0621C122F12}" type="datetimeFigureOut">
               <a:rPr lang="de-DE" smtClean="0"/>
-              <a:t>25.11.2019</a:t>
+              <a:t>10.12.2019</a:t>
             </a:fld>
             <a:endParaRPr lang="de-DE"/>
           </a:p>
@@ -25088,7 +24988,7 @@
           <a:p>
             <a:fld id="{4B1ECBC0-A129-4E3E-8B4C-E0621C122F12}" type="datetimeFigureOut">
               <a:rPr lang="de-DE" smtClean="0"/>
-              <a:t>25.11.2019</a:t>
+              <a:t>10.12.2019</a:t>
             </a:fld>
             <a:endParaRPr lang="de-DE"/>
           </a:p>
@@ -25366,7 +25266,7 @@
           <a:p>
             <a:fld id="{4B1ECBC0-A129-4E3E-8B4C-E0621C122F12}" type="datetimeFigureOut">
               <a:rPr lang="de-DE" smtClean="0"/>
-              <a:t>25.11.2019</a:t>
+              <a:t>10.12.2019</a:t>
             </a:fld>
             <a:endParaRPr lang="de-DE"/>
           </a:p>
@@ -25618,7 +25518,7 @@
           <a:p>
             <a:fld id="{4B1ECBC0-A129-4E3E-8B4C-E0621C122F12}" type="datetimeFigureOut">
               <a:rPr lang="de-DE" smtClean="0"/>
-              <a:t>25.11.2019</a:t>
+              <a:t>10.12.2019</a:t>
             </a:fld>
             <a:endParaRPr lang="de-DE"/>
           </a:p>
@@ -25990,7 +25890,7 @@
           <a:p>
             <a:fld id="{4B1ECBC0-A129-4E3E-8B4C-E0621C122F12}" type="datetimeFigureOut">
               <a:rPr lang="de-DE" smtClean="0"/>
-              <a:t>25.11.2019</a:t>
+              <a:t>10.12.2019</a:t>
             </a:fld>
             <a:endParaRPr lang="de-DE"/>
           </a:p>
@@ -26651,18 +26551,6 @@
               </a:rPr>
               <a:t>Funktionsweise</a:t>
             </a:r>
-            <a:endParaRPr lang="de-DE" b="1" dirty="0">
-              <a:ln w="6350">
-                <a:solidFill>
-                  <a:schemeClr val="bg1"/>
-                </a:solidFill>
-              </a:ln>
-              <a:solidFill>
-                <a:schemeClr val="tx1">
-                  <a:lumMod val="95000"/>
-                </a:schemeClr>
-              </a:solidFill>
-            </a:endParaRPr>
           </a:p>
         </p:txBody>
       </p:sp>
@@ -26676,7 +26564,7 @@
             <p:ph idx="1"/>
             <p:extLst>
               <p:ext uri="{D42A27DB-BD31-4B8C-83A1-F6EECF244321}">
-                <p14:modId xmlns:p14="http://schemas.microsoft.com/office/powerpoint/2010/main" val="1114983069"/>
+                <p14:modId xmlns:p14="http://schemas.microsoft.com/office/powerpoint/2010/main" val="3969394628"/>
               </p:ext>
             </p:extLst>
           </p:nvPr>
@@ -26787,7 +26675,7 @@
             <p:ph idx="1"/>
             <p:extLst>
               <p:ext uri="{D42A27DB-BD31-4B8C-83A1-F6EECF244321}">
-                <p14:modId xmlns:p14="http://schemas.microsoft.com/office/powerpoint/2010/main" val="1916453822"/>
+                <p14:modId xmlns:p14="http://schemas.microsoft.com/office/powerpoint/2010/main" val="3958313386"/>
               </p:ext>
             </p:extLst>
           </p:nvPr>
@@ -27107,7 +26995,7 @@
               <a:t>USB </a:t>
             </a:r>
             <a:r>
-              <a:rPr lang="de-DE" b="1" dirty="0" smtClean="0">
+              <a:rPr lang="de-DE" b="1" dirty="0">
                 <a:ln w="6350">
                   <a:solidFill>
                     <a:schemeClr val="bg1"/>
@@ -27119,7 +27007,7 @@
                   </a:schemeClr>
                 </a:solidFill>
               </a:rPr>
-              <a:t>4 („USB4“)</a:t>
+              <a:t>4</a:t>
             </a:r>
             <a:endParaRPr lang="de-DE" b="1" dirty="0">
               <a:ln w="6350">
@@ -27146,7 +27034,7 @@
             <p:ph idx="1"/>
             <p:extLst>
               <p:ext uri="{D42A27DB-BD31-4B8C-83A1-F6EECF244321}">
-                <p14:modId xmlns:p14="http://schemas.microsoft.com/office/powerpoint/2010/main" val="4054048755"/>
+                <p14:modId xmlns:p14="http://schemas.microsoft.com/office/powerpoint/2010/main" val="3762397206"/>
               </p:ext>
             </p:extLst>
           </p:nvPr>
